--- a/Presentation/Machine Learning As A Service.pptx
+++ b/Presentation/Machine Learning As A Service.pptx
@@ -2,10 +2,10 @@
 <file path=ppt/presentation.xml><?xml version="1.0" encoding="utf-8"?>
 <p:presentation xmlns:a="http://schemas.openxmlformats.org/drawingml/2006/main" xmlns:r="http://schemas.openxmlformats.org/officeDocument/2006/relationships" xmlns:p="http://schemas.openxmlformats.org/presentationml/2006/main" saveSubsetFonts="1" autoCompressPictures="0">
   <p:sldMasterIdLst>
-    <p:sldMasterId id="2147484077" r:id="rId1"/>
+    <p:sldMasterId id="2147484107" r:id="rId1"/>
   </p:sldMasterIdLst>
   <p:notesMasterIdLst>
-    <p:notesMasterId r:id="rId15"/>
+    <p:notesMasterId r:id="rId16"/>
   </p:notesMasterIdLst>
   <p:sldIdLst>
     <p:sldId id="257" r:id="rId2"/>
@@ -16,11 +16,12 @@
     <p:sldId id="312" r:id="rId7"/>
     <p:sldId id="316" r:id="rId8"/>
     <p:sldId id="317" r:id="rId9"/>
-    <p:sldId id="311" r:id="rId10"/>
-    <p:sldId id="309" r:id="rId11"/>
-    <p:sldId id="310" r:id="rId12"/>
-    <p:sldId id="315" r:id="rId13"/>
-    <p:sldId id="318" r:id="rId14"/>
+    <p:sldId id="319" r:id="rId10"/>
+    <p:sldId id="311" r:id="rId11"/>
+    <p:sldId id="309" r:id="rId12"/>
+    <p:sldId id="310" r:id="rId13"/>
+    <p:sldId id="315" r:id="rId14"/>
+    <p:sldId id="318" r:id="rId15"/>
   </p:sldIdLst>
   <p:sldSz cx="9144000" cy="6858000" type="screen4x3"/>
   <p:notesSz cx="6858000" cy="9144000"/>
@@ -854,6 +855,96 @@
 </p:notes>
 </file>
 
+<file path=ppt/notesSlides/notesSlide2.xml><?xml version="1.0" encoding="utf-8"?>
+<p:notes xmlns:a="http://schemas.openxmlformats.org/drawingml/2006/main" xmlns:r="http://schemas.openxmlformats.org/officeDocument/2006/relationships" xmlns:p="http://schemas.openxmlformats.org/presentationml/2006/main">
+  <p:cSld>
+    <p:spTree>
+      <p:nvGrpSpPr>
+        <p:cNvPr id="1" name=""/>
+        <p:cNvGrpSpPr/>
+        <p:nvPr/>
+      </p:nvGrpSpPr>
+      <p:grpSpPr>
+        <a:xfrm>
+          <a:off x="0" y="0"/>
+          <a:ext cx="0" cy="0"/>
+          <a:chOff x="0" y="0"/>
+          <a:chExt cx="0" cy="0"/>
+        </a:xfrm>
+      </p:grpSpPr>
+      <p:sp>
+        <p:nvSpPr>
+          <p:cNvPr id="2" name="Slide Image Placeholder 1"/>
+          <p:cNvSpPr>
+            <a:spLocks noGrp="1" noRot="1" noChangeAspect="1"/>
+          </p:cNvSpPr>
+          <p:nvPr>
+            <p:ph type="sldImg"/>
+          </p:nvPr>
+        </p:nvSpPr>
+        <p:spPr/>
+      </p:sp>
+      <p:sp>
+        <p:nvSpPr>
+          <p:cNvPr id="3" name="Notes Placeholder 2"/>
+          <p:cNvSpPr>
+            <a:spLocks noGrp="1"/>
+          </p:cNvSpPr>
+          <p:nvPr>
+            <p:ph type="body" idx="1"/>
+          </p:nvPr>
+        </p:nvSpPr>
+        <p:spPr/>
+        <p:txBody>
+          <a:bodyPr/>
+          <a:lstStyle/>
+          <a:p>
+            <a:endParaRPr lang="en-US" dirty="0"/>
+          </a:p>
+        </p:txBody>
+      </p:sp>
+      <p:sp>
+        <p:nvSpPr>
+          <p:cNvPr id="4" name="Slide Number Placeholder 3"/>
+          <p:cNvSpPr>
+            <a:spLocks noGrp="1"/>
+          </p:cNvSpPr>
+          <p:nvPr>
+            <p:ph type="sldNum" sz="quarter" idx="5"/>
+          </p:nvPr>
+        </p:nvSpPr>
+        <p:spPr/>
+        <p:txBody>
+          <a:bodyPr/>
+          <a:lstStyle/>
+          <a:p>
+            <a:pPr>
+              <a:defRPr/>
+            </a:pPr>
+            <a:fld id="{45382E26-0C75-408D-B9A1-1DC2934DB661}" type="slidenum">
+              <a:rPr lang="en-US" smtClean="0"/>
+              <a:pPr>
+                <a:defRPr/>
+              </a:pPr>
+              <a:t>6</a:t>
+            </a:fld>
+            <a:endParaRPr lang="en-US"/>
+          </a:p>
+        </p:txBody>
+      </p:sp>
+    </p:spTree>
+    <p:extLst>
+      <p:ext uri="{BB962C8B-B14F-4D97-AF65-F5344CB8AC3E}">
+        <p14:creationId xmlns:p14="http://schemas.microsoft.com/office/powerpoint/2010/main" val="2337248895"/>
+      </p:ext>
+    </p:extLst>
+  </p:cSld>
+  <p:clrMapOvr>
+    <a:masterClrMapping/>
+  </p:clrMapOvr>
+</p:notes>
+</file>
+
 <file path=ppt/slideLayouts/slideLayout1.xml><?xml version="1.0" encoding="utf-8"?>
 <p:sldLayout xmlns:a="http://schemas.openxmlformats.org/drawingml/2006/main" xmlns:r="http://schemas.openxmlformats.org/officeDocument/2006/relationships" xmlns:p="http://schemas.openxmlformats.org/presentationml/2006/main" type="title" preserve="1">
   <p:cSld name="Title Slide">
@@ -1079,7 +1170,7 @@
     </p:spTree>
     <p:extLst>
       <p:ext uri="{BB962C8B-B14F-4D97-AF65-F5344CB8AC3E}">
-        <p14:creationId xmlns:p14="http://schemas.microsoft.com/office/powerpoint/2010/main" val="190204825"/>
+        <p14:creationId xmlns:p14="http://schemas.microsoft.com/office/powerpoint/2010/main" val="4264001124"/>
       </p:ext>
     </p:extLst>
   </p:cSld>
@@ -1292,7 +1383,7 @@
     </p:spTree>
     <p:extLst>
       <p:ext uri="{BB962C8B-B14F-4D97-AF65-F5344CB8AC3E}">
-        <p14:creationId xmlns:p14="http://schemas.microsoft.com/office/powerpoint/2010/main" val="3267710874"/>
+        <p14:creationId xmlns:p14="http://schemas.microsoft.com/office/powerpoint/2010/main" val="1119987559"/>
       </p:ext>
     </p:extLst>
   </p:cSld>
@@ -1515,7 +1606,7 @@
     </p:spTree>
     <p:extLst>
       <p:ext uri="{BB962C8B-B14F-4D97-AF65-F5344CB8AC3E}">
-        <p14:creationId xmlns:p14="http://schemas.microsoft.com/office/powerpoint/2010/main" val="662292292"/>
+        <p14:creationId xmlns:p14="http://schemas.microsoft.com/office/powerpoint/2010/main" val="1935503189"/>
       </p:ext>
     </p:extLst>
   </p:cSld>
@@ -2949,7 +3040,7 @@
     </p:spTree>
     <p:extLst>
       <p:ext uri="{BB962C8B-B14F-4D97-AF65-F5344CB8AC3E}">
-        <p14:creationId xmlns:p14="http://schemas.microsoft.com/office/powerpoint/2010/main" val="4091682200"/>
+        <p14:creationId xmlns:p14="http://schemas.microsoft.com/office/powerpoint/2010/main" val="1426978897"/>
       </p:ext>
     </p:extLst>
   </p:cSld>
@@ -3239,7 +3330,7 @@
     </p:spTree>
     <p:extLst>
       <p:ext uri="{BB962C8B-B14F-4D97-AF65-F5344CB8AC3E}">
-        <p14:creationId xmlns:p14="http://schemas.microsoft.com/office/powerpoint/2010/main" val="807733855"/>
+        <p14:creationId xmlns:p14="http://schemas.microsoft.com/office/powerpoint/2010/main" val="209520251"/>
       </p:ext>
     </p:extLst>
   </p:cSld>
@@ -3442,7 +3533,7 @@
             <a:pPr>
               <a:defRPr/>
             </a:pPr>
-            <a:fld id="{7CAC7DDD-48BB-455D-800E-146A4CEA738C}" type="datetimeFigureOut">
+            <a:fld id="{F3B154A1-815C-45B6-B1F2-AE416490BF57}" type="datetimeFigureOut">
               <a:rPr lang="en-US" altLang="en-US" smtClean="0"/>
               <a:pPr>
                 <a:defRPr/>
@@ -3505,7 +3596,7 @@
             <a:pPr>
               <a:defRPr/>
             </a:pPr>
-            <a:fld id="{1B6C7824-4562-471E-BDFD-AE9AF21BE7D7}" type="slidenum">
+            <a:fld id="{EF1770D9-414E-442F-8589-5960F261F511}" type="slidenum">
               <a:rPr lang="en-US" altLang="en-US" smtClean="0"/>
               <a:pPr>
                 <a:defRPr/>
@@ -3519,7 +3610,7 @@
     </p:spTree>
     <p:extLst>
       <p:ext uri="{BB962C8B-B14F-4D97-AF65-F5344CB8AC3E}">
-        <p14:creationId xmlns:p14="http://schemas.microsoft.com/office/powerpoint/2010/main" val="10090047"/>
+        <p14:creationId xmlns:p14="http://schemas.microsoft.com/office/powerpoint/2010/main" val="855641253"/>
       </p:ext>
     </p:extLst>
   </p:cSld>
@@ -3946,7 +4037,7 @@
     </p:spTree>
     <p:extLst>
       <p:ext uri="{BB962C8B-B14F-4D97-AF65-F5344CB8AC3E}">
-        <p14:creationId xmlns:p14="http://schemas.microsoft.com/office/powerpoint/2010/main" val="1121759399"/>
+        <p14:creationId xmlns:p14="http://schemas.microsoft.com/office/powerpoint/2010/main" val="1683609485"/>
       </p:ext>
     </p:extLst>
   </p:cSld>
@@ -4102,7 +4193,7 @@
     </p:spTree>
     <p:extLst>
       <p:ext uri="{BB962C8B-B14F-4D97-AF65-F5344CB8AC3E}">
-        <p14:creationId xmlns:p14="http://schemas.microsoft.com/office/powerpoint/2010/main" val="2600290735"/>
+        <p14:creationId xmlns:p14="http://schemas.microsoft.com/office/powerpoint/2010/main" val="3473460829"/>
       </p:ext>
     </p:extLst>
   </p:cSld>
@@ -4230,7 +4321,7 @@
     </p:spTree>
     <p:extLst>
       <p:ext uri="{BB962C8B-B14F-4D97-AF65-F5344CB8AC3E}">
-        <p14:creationId xmlns:p14="http://schemas.microsoft.com/office/powerpoint/2010/main" val="1491396625"/>
+        <p14:creationId xmlns:p14="http://schemas.microsoft.com/office/powerpoint/2010/main" val="857376310"/>
       </p:ext>
     </p:extLst>
   </p:cSld>
@@ -4556,7 +4647,7 @@
     </p:spTree>
     <p:extLst>
       <p:ext uri="{BB962C8B-B14F-4D97-AF65-F5344CB8AC3E}">
-        <p14:creationId xmlns:p14="http://schemas.microsoft.com/office/powerpoint/2010/main" val="1429839186"/>
+        <p14:creationId xmlns:p14="http://schemas.microsoft.com/office/powerpoint/2010/main" val="936442334"/>
       </p:ext>
     </p:extLst>
   </p:cSld>
@@ -4782,7 +4873,7 @@
             <a:pPr>
               <a:defRPr/>
             </a:pPr>
-            <a:fld id="{34404916-FB92-4E1B-946C-05D61AB9DA9A}" type="datetimeFigureOut">
+            <a:fld id="{F3B154A1-815C-45B6-B1F2-AE416490BF57}" type="datetimeFigureOut">
               <a:rPr lang="en-US" altLang="en-US" smtClean="0"/>
               <a:pPr>
                 <a:defRPr/>
@@ -4845,7 +4936,7 @@
             <a:pPr>
               <a:defRPr/>
             </a:pPr>
-            <a:fld id="{C879EF13-1CD2-4D11-8A96-3F62BC17BEDC}" type="slidenum">
+            <a:fld id="{EF1770D9-414E-442F-8589-5960F261F511}" type="slidenum">
               <a:rPr lang="en-US" altLang="en-US" smtClean="0"/>
               <a:pPr>
                 <a:defRPr/>
@@ -4859,7 +4950,7 @@
     </p:spTree>
     <p:extLst>
       <p:ext uri="{BB962C8B-B14F-4D97-AF65-F5344CB8AC3E}">
-        <p14:creationId xmlns:p14="http://schemas.microsoft.com/office/powerpoint/2010/main" val="2124216975"/>
+        <p14:creationId xmlns:p14="http://schemas.microsoft.com/office/powerpoint/2010/main" val="3801048421"/>
       </p:ext>
     </p:extLst>
   </p:cSld>
@@ -5153,7 +5244,7 @@
           <p:cNvPr id="7" name="Picture 1" descr="red_neu_logo.png">
             <a:extLst>
               <a:ext uri="{FF2B5EF4-FFF2-40B4-BE49-F238E27FC236}">
-                <a16:creationId xmlns:a16="http://schemas.microsoft.com/office/drawing/2014/main" id="{EB7CB891-5B80-415C-A02F-5EFE2C90E0BC}"/>
+                <a16:creationId xmlns:a16="http://schemas.microsoft.com/office/drawing/2014/main" id="{670736EB-C8A5-4E28-BF1F-4EEC583BA6A7}"/>
               </a:ext>
             </a:extLst>
           </p:cNvPr>
@@ -5213,7 +5304,7 @@
           <p:cNvPr id="8" name="Straight Connector 7">
             <a:extLst>
               <a:ext uri="{FF2B5EF4-FFF2-40B4-BE49-F238E27FC236}">
-                <a16:creationId xmlns:a16="http://schemas.microsoft.com/office/drawing/2014/main" id="{51C9927A-2074-4D3B-872B-A1BC81656852}"/>
+                <a16:creationId xmlns:a16="http://schemas.microsoft.com/office/drawing/2014/main" id="{1973E739-EABA-4B52-80EE-3E3224196BC7}"/>
               </a:ext>
             </a:extLst>
           </p:cNvPr>
@@ -5255,23 +5346,23 @@
     </p:spTree>
     <p:extLst>
       <p:ext uri="{BB962C8B-B14F-4D97-AF65-F5344CB8AC3E}">
-        <p14:creationId xmlns:p14="http://schemas.microsoft.com/office/powerpoint/2010/main" val="4188844790"/>
+        <p14:creationId xmlns:p14="http://schemas.microsoft.com/office/powerpoint/2010/main" val="1518007285"/>
       </p:ext>
     </p:extLst>
   </p:cSld>
   <p:clrMap bg1="lt1" tx1="dk1" bg2="lt2" tx2="dk2" accent1="accent1" accent2="accent2" accent3="accent3" accent4="accent4" accent5="accent5" accent6="accent6" hlink="hlink" folHlink="folHlink"/>
   <p:sldLayoutIdLst>
-    <p:sldLayoutId id="2147484078" r:id="rId1"/>
-    <p:sldLayoutId id="2147484079" r:id="rId2"/>
-    <p:sldLayoutId id="2147484080" r:id="rId3"/>
-    <p:sldLayoutId id="2147484081" r:id="rId4"/>
-    <p:sldLayoutId id="2147484082" r:id="rId5"/>
-    <p:sldLayoutId id="2147484083" r:id="rId6"/>
-    <p:sldLayoutId id="2147484084" r:id="rId7"/>
-    <p:sldLayoutId id="2147484085" r:id="rId8"/>
-    <p:sldLayoutId id="2147484086" r:id="rId9"/>
-    <p:sldLayoutId id="2147484087" r:id="rId10"/>
-    <p:sldLayoutId id="2147484088" r:id="rId11"/>
+    <p:sldLayoutId id="2147484108" r:id="rId1"/>
+    <p:sldLayoutId id="2147484109" r:id="rId2"/>
+    <p:sldLayoutId id="2147484110" r:id="rId3"/>
+    <p:sldLayoutId id="2147484111" r:id="rId4"/>
+    <p:sldLayoutId id="2147484112" r:id="rId5"/>
+    <p:sldLayoutId id="2147484113" r:id="rId6"/>
+    <p:sldLayoutId id="2147484114" r:id="rId7"/>
+    <p:sldLayoutId id="2147484115" r:id="rId8"/>
+    <p:sldLayoutId id="2147484116" r:id="rId9"/>
+    <p:sldLayoutId id="2147484117" r:id="rId10"/>
+    <p:sldLayoutId id="2147484118" r:id="rId11"/>
     <p:sldLayoutId id="2147483974" r:id="rId12"/>
     <p:sldLayoutId id="2147483966" r:id="rId13"/>
     <p:sldLayoutId id="2147483968" r:id="rId14"/>
@@ -5771,7 +5862,7 @@
         </p:nvSpPr>
         <p:spPr>
           <a:xfrm>
-            <a:off x="1371600" y="685800"/>
+            <a:off x="409575" y="762000"/>
             <a:ext cx="7886700" cy="993775"/>
           </a:xfrm>
         </p:spPr>
@@ -5785,7 +5876,7 @@
                 <a:latin typeface="Helvetica" panose="020B0604020202020204" pitchFamily="34" charset="0"/>
                 <a:ea typeface="ＭＳ Ｐゴシック" panose="020B0600070205080204" pitchFamily="34" charset="-128"/>
               </a:rPr>
-              <a:t>Amazon SageMaker Features</a:t>
+              <a:t>What is Amazon SageMaker?</a:t>
             </a:r>
           </a:p>
         </p:txBody>
@@ -5813,184 +5904,10 @@
           </a:xfrm>
         </p:spPr>
         <p:txBody>
-          <a:bodyPr>
-            <a:normAutofit/>
-          </a:bodyPr>
+          <a:bodyPr/>
           <a:lstStyle/>
           <a:p>
-            <a:pPr marL="0" indent="0">
-              <a:buNone/>
-              <a:defRPr/>
-            </a:pPr>
-            <a:r>
-              <a:rPr lang="en-US" altLang="en-US" sz="2000" b="1" dirty="0">
-                <a:latin typeface="Helvetica" panose="020B0604020202020204" pitchFamily="34" charset="0"/>
-                <a:ea typeface="ＭＳ Ｐゴシック" panose="020B0600070205080204" pitchFamily="34" charset="-128"/>
-              </a:rPr>
-              <a:t>Build</a:t>
-            </a:r>
-          </a:p>
-          <a:p>
-            <a:pPr>
-              <a:defRPr/>
-            </a:pPr>
-            <a:r>
-              <a:rPr lang="en-US" altLang="en-US" sz="2000" dirty="0">
-                <a:latin typeface="Helvetica" panose="020B0604020202020204" pitchFamily="34" charset="0"/>
-                <a:ea typeface="ＭＳ Ｐゴシック" panose="020B0600070205080204" pitchFamily="34" charset="-128"/>
-              </a:rPr>
-              <a:t>Build highly accurate training datasets</a:t>
-            </a:r>
-          </a:p>
-          <a:p>
-            <a:pPr>
-              <a:defRPr/>
-            </a:pPr>
-            <a:r>
-              <a:rPr lang="en-US" altLang="en-US" sz="2000" dirty="0">
-                <a:latin typeface="Helvetica" panose="020B0604020202020204" pitchFamily="34" charset="0"/>
-                <a:ea typeface="ＭＳ Ｐゴシック" panose="020B0600070205080204" pitchFamily="34" charset="-128"/>
-              </a:rPr>
-              <a:t>Managed Notebooks for Authoring Models</a:t>
-            </a:r>
-          </a:p>
-          <a:p>
-            <a:pPr>
-              <a:defRPr/>
-            </a:pPr>
-            <a:r>
-              <a:rPr lang="en-US" altLang="en-US" sz="2000" dirty="0">
-                <a:latin typeface="Helvetica" panose="020B0604020202020204" pitchFamily="34" charset="0"/>
-                <a:ea typeface="ＭＳ Ｐゴシック" panose="020B0600070205080204" pitchFamily="34" charset="-128"/>
-              </a:rPr>
-              <a:t>Built-in, High Performance Algorithms</a:t>
-            </a:r>
-          </a:p>
-          <a:p>
-            <a:pPr>
-              <a:defRPr/>
-            </a:pPr>
-            <a:r>
-              <a:rPr lang="en-US" altLang="en-US" sz="2000" dirty="0">
-                <a:latin typeface="Helvetica" panose="020B0604020202020204" pitchFamily="34" charset="0"/>
-                <a:ea typeface="ＭＳ Ｐゴシック" panose="020B0600070205080204" pitchFamily="34" charset="-128"/>
-              </a:rPr>
-              <a:t>Broad Framework Support</a:t>
-            </a:r>
-          </a:p>
-          <a:p>
-            <a:pPr>
-              <a:defRPr/>
-            </a:pPr>
-            <a:r>
-              <a:rPr lang="en-US" altLang="en-US" sz="2000" dirty="0">
-                <a:latin typeface="Helvetica" panose="020B0604020202020204" pitchFamily="34" charset="0"/>
-                <a:ea typeface="ＭＳ Ｐゴシック" panose="020B0600070205080204" pitchFamily="34" charset="-128"/>
-              </a:rPr>
-              <a:t>Broad Framework Support</a:t>
-            </a:r>
-          </a:p>
-          <a:p>
-            <a:pPr marL="0" indent="0">
-              <a:buNone/>
-              <a:defRPr/>
-            </a:pPr>
-            <a:r>
-              <a:rPr lang="en-US" altLang="en-US" sz="2000" b="1" dirty="0">
-                <a:latin typeface="Helvetica" panose="020B0604020202020204" pitchFamily="34" charset="0"/>
-                <a:ea typeface="ＭＳ Ｐゴシック" panose="020B0600070205080204" pitchFamily="34" charset="-128"/>
-              </a:rPr>
-              <a:t>Train</a:t>
-            </a:r>
-          </a:p>
-          <a:p>
-            <a:pPr>
-              <a:defRPr/>
-            </a:pPr>
-            <a:r>
-              <a:rPr lang="en-US" altLang="en-US" sz="2000" dirty="0">
-                <a:latin typeface="Helvetica" panose="020B0604020202020204" pitchFamily="34" charset="0"/>
-                <a:ea typeface="ＭＳ Ｐゴシック" panose="020B0600070205080204" pitchFamily="34" charset="-128"/>
-              </a:rPr>
-              <a:t>One-click Training</a:t>
-            </a:r>
-          </a:p>
-          <a:p>
-            <a:pPr>
-              <a:defRPr/>
-            </a:pPr>
-            <a:r>
-              <a:rPr lang="en-US" altLang="en-US" sz="2000" dirty="0">
-                <a:latin typeface="Helvetica" panose="020B0604020202020204" pitchFamily="34" charset="0"/>
-                <a:ea typeface="ＭＳ Ｐゴシック" panose="020B0600070205080204" pitchFamily="34" charset="-128"/>
-              </a:rPr>
-              <a:t>Automatic Model Tuning Broad Framework Support</a:t>
-            </a:r>
-          </a:p>
-          <a:p>
-            <a:pPr>
-              <a:defRPr/>
-            </a:pPr>
-            <a:r>
-              <a:rPr lang="en-US" altLang="en-US" sz="2000" dirty="0">
-                <a:latin typeface="Helvetica" panose="020B0604020202020204" pitchFamily="34" charset="0"/>
-                <a:ea typeface="ＭＳ Ｐゴシック" panose="020B0600070205080204" pitchFamily="34" charset="-128"/>
-              </a:rPr>
-              <a:t>Train Once, Run Anywhere</a:t>
-            </a:r>
-          </a:p>
-          <a:p>
-            <a:pPr marL="0" indent="0">
-              <a:buNone/>
-              <a:defRPr/>
-            </a:pPr>
-            <a:r>
-              <a:rPr lang="en-US" altLang="en-US" sz="2000" b="1" dirty="0">
-                <a:latin typeface="Helvetica" panose="020B0604020202020204" pitchFamily="34" charset="0"/>
-                <a:ea typeface="ＭＳ Ｐゴシック" panose="020B0600070205080204" pitchFamily="34" charset="-128"/>
-              </a:rPr>
-              <a:t>Deploy</a:t>
-            </a:r>
-          </a:p>
-          <a:p>
-            <a:pPr>
-              <a:defRPr/>
-            </a:pPr>
-            <a:r>
-              <a:rPr lang="en-US" altLang="en-US" sz="2000" dirty="0">
-                <a:latin typeface="Helvetica" panose="020B0604020202020204" pitchFamily="34" charset="0"/>
-                <a:ea typeface="ＭＳ Ｐゴシック" panose="020B0600070205080204" pitchFamily="34" charset="-128"/>
-              </a:rPr>
-              <a:t>One-click Deployment</a:t>
-            </a:r>
-          </a:p>
-          <a:p>
-            <a:pPr>
-              <a:defRPr/>
-            </a:pPr>
-            <a:r>
-              <a:rPr lang="en-US" altLang="en-US" sz="2000" dirty="0">
-                <a:latin typeface="Helvetica" panose="020B0604020202020204" pitchFamily="34" charset="0"/>
-                <a:ea typeface="ＭＳ Ｐゴシック" panose="020B0600070205080204" pitchFamily="34" charset="-128"/>
-              </a:rPr>
-              <a:t>Automatic A/B Testing</a:t>
-            </a:r>
-          </a:p>
-          <a:p>
-            <a:pPr>
-              <a:defRPr/>
-            </a:pPr>
-            <a:r>
-              <a:rPr lang="en-US" altLang="en-US" sz="2000" dirty="0">
-                <a:latin typeface="Helvetica" panose="020B0604020202020204" pitchFamily="34" charset="0"/>
-                <a:ea typeface="ＭＳ Ｐゴシック" panose="020B0600070205080204" pitchFamily="34" charset="-128"/>
-              </a:rPr>
-              <a:t>Fully-managed Hosting with Auto Scaling</a:t>
-            </a:r>
-          </a:p>
-          <a:p>
-            <a:pPr marL="0" indent="0">
-              <a:buNone/>
+            <a:pPr>
               <a:defRPr/>
             </a:pPr>
             <a:endParaRPr lang="en-US" altLang="en-US" sz="2400" dirty="0">
@@ -6000,20 +5917,134 @@
           </a:p>
           <a:p>
             <a:pPr marL="0" indent="0">
-              <a:buNone/>
-              <a:defRPr/>
-            </a:pPr>
-            <a:endParaRPr lang="en-US" altLang="en-US" sz="2400" dirty="0">
+              <a:buFont typeface="Arial" panose="020B0604020202020204" pitchFamily="34" charset="0"/>
+              <a:buNone/>
+              <a:defRPr/>
+            </a:pPr>
+            <a:endParaRPr lang="en-US" altLang="en-US" sz="800" dirty="0">
+              <a:latin typeface="Helvetica" panose="020B0604020202020204" pitchFamily="34" charset="0"/>
+              <a:ea typeface="ＭＳ Ｐゴシック" panose="020B0600070205080204" pitchFamily="34" charset="-128"/>
+              <a:hlinkClick r:id="rId2"/>
+            </a:endParaRPr>
+          </a:p>
+          <a:p>
+            <a:pPr marL="0" indent="0">
+              <a:buFont typeface="Arial" panose="020B0604020202020204" pitchFamily="34" charset="0"/>
+              <a:buNone/>
+              <a:defRPr/>
+            </a:pPr>
+            <a:endParaRPr lang="en-US" altLang="en-US" sz="2000" dirty="0">
               <a:latin typeface="Helvetica" panose="020B0604020202020204" pitchFamily="34" charset="0"/>
               <a:ea typeface="ＭＳ Ｐゴシック" panose="020B0600070205080204" pitchFamily="34" charset="-128"/>
             </a:endParaRPr>
           </a:p>
-        </p:txBody>
-      </p:sp>
+          <a:p>
+            <a:pPr lvl="1">
+              <a:defRPr/>
+            </a:pPr>
+            <a:endParaRPr lang="en-US" altLang="en-US" sz="2000" dirty="0">
+              <a:latin typeface="Helvetica" panose="020B0604020202020204" pitchFamily="34" charset="0"/>
+              <a:ea typeface="ＭＳ Ｐゴシック" panose="020B0600070205080204" pitchFamily="34" charset="-128"/>
+            </a:endParaRPr>
+          </a:p>
+        </p:txBody>
+      </p:sp>
+      <p:cxnSp>
+        <p:nvCxnSpPr>
+          <p:cNvPr id="14" name="Straight Arrow Connector 13">
+            <a:extLst>
+              <a:ext uri="{FF2B5EF4-FFF2-40B4-BE49-F238E27FC236}">
+                <a16:creationId xmlns:a16="http://schemas.microsoft.com/office/drawing/2014/main" id="{82147137-FA1A-466C-9E02-A653CA1E3BA4}"/>
+              </a:ext>
+            </a:extLst>
+          </p:cNvPr>
+          <p:cNvCxnSpPr/>
+          <p:nvPr/>
+        </p:nvCxnSpPr>
+        <p:spPr>
+          <a:xfrm>
+            <a:off x="2724150" y="5543550"/>
+            <a:ext cx="719138" cy="0"/>
+          </a:xfrm>
+          <a:prstGeom prst="straightConnector1">
+            <a:avLst/>
+          </a:prstGeom>
+          <a:ln w="57150">
+            <a:tailEnd type="triangle"/>
+          </a:ln>
+        </p:spPr>
+        <p:style>
+          <a:lnRef idx="2">
+            <a:schemeClr val="accent1"/>
+          </a:lnRef>
+          <a:fillRef idx="0">
+            <a:schemeClr val="accent1"/>
+          </a:fillRef>
+          <a:effectRef idx="1">
+            <a:schemeClr val="accent1"/>
+          </a:effectRef>
+          <a:fontRef idx="minor">
+            <a:schemeClr val="tx1"/>
+          </a:fontRef>
+        </p:style>
+      </p:cxnSp>
+      <p:pic>
+        <p:nvPicPr>
+          <p:cNvPr id="7" name="Content Placeholder 5">
+            <a:extLst>
+              <a:ext uri="{FF2B5EF4-FFF2-40B4-BE49-F238E27FC236}">
+                <a16:creationId xmlns:a16="http://schemas.microsoft.com/office/drawing/2014/main" id="{236E0F5D-69C7-49CE-A3D7-DF5019185E41}"/>
+              </a:ext>
+            </a:extLst>
+          </p:cNvPr>
+          <p:cNvPicPr>
+            <a:picLocks noChangeAspect="1"/>
+          </p:cNvPicPr>
+          <p:nvPr/>
+        </p:nvPicPr>
+        <p:blipFill>
+          <a:blip r:embed="rId3"/>
+          <a:stretch>
+            <a:fillRect/>
+          </a:stretch>
+        </p:blipFill>
+        <p:spPr bwMode="auto">
+          <a:xfrm>
+            <a:off x="274952" y="1755775"/>
+            <a:ext cx="8699853" cy="3962400"/>
+          </a:xfrm>
+          <a:prstGeom prst="rect">
+            <a:avLst/>
+          </a:prstGeom>
+          <a:noFill/>
+          <a:ln>
+            <a:noFill/>
+          </a:ln>
+          <a:extLst>
+            <a:ext uri="{909E8E84-426E-40DD-AFC4-6F175D3DCCD1}">
+              <a14:hiddenFill xmlns:a14="http://schemas.microsoft.com/office/drawing/2010/main">
+                <a:solidFill>
+                  <a:srgbClr val="FFFFFF"/>
+                </a:solidFill>
+              </a14:hiddenFill>
+            </a:ext>
+            <a:ext uri="{91240B29-F687-4F45-9708-019B960494DF}">
+              <a14:hiddenLine xmlns:a14="http://schemas.microsoft.com/office/drawing/2010/main" w="9525">
+                <a:solidFill>
+                  <a:srgbClr val="000000"/>
+                </a:solidFill>
+                <a:miter lim="800000"/>
+                <a:headEnd/>
+                <a:tailEnd/>
+              </a14:hiddenLine>
+            </a:ext>
+          </a:extLst>
+        </p:spPr>
+      </p:pic>
     </p:spTree>
     <p:extLst>
       <p:ext uri="{BB962C8B-B14F-4D97-AF65-F5344CB8AC3E}">
-        <p14:creationId xmlns:p14="http://schemas.microsoft.com/office/powerpoint/2010/main" val="1352564428"/>
+        <p14:creationId xmlns:p14="http://schemas.microsoft.com/office/powerpoint/2010/main" val="1681720187"/>
       </p:ext>
     </p:extLst>
   </p:cSld>
@@ -6058,7 +6089,7 @@
         </p:nvSpPr>
         <p:spPr>
           <a:xfrm>
-            <a:off x="409575" y="762000"/>
+            <a:off x="1371600" y="685800"/>
             <a:ext cx="7886700" cy="993775"/>
           </a:xfrm>
         </p:spPr>
@@ -6072,7 +6103,7 @@
                 <a:latin typeface="Helvetica" panose="020B0604020202020204" pitchFamily="34" charset="0"/>
                 <a:ea typeface="ＭＳ Ｐゴシック" panose="020B0600070205080204" pitchFamily="34" charset="-128"/>
               </a:rPr>
-              <a:t>Amazon SageMaker Demo</a:t>
+              <a:t>Amazon SageMaker Features</a:t>
             </a:r>
           </a:p>
         </p:txBody>
@@ -6095,13 +6126,186 @@
         </p:nvSpPr>
         <p:spPr>
           <a:xfrm>
-            <a:off x="409575" y="1755775"/>
-            <a:ext cx="8429625" cy="4721225"/>
+            <a:off x="404813" y="1447800"/>
+            <a:ext cx="8510587" cy="5257800"/>
           </a:xfrm>
         </p:spPr>
         <p:txBody>
-          <a:bodyPr/>
+          <a:bodyPr>
+            <a:normAutofit/>
+          </a:bodyPr>
           <a:lstStyle/>
+          <a:p>
+            <a:pPr marL="0" indent="0">
+              <a:buNone/>
+              <a:defRPr/>
+            </a:pPr>
+            <a:r>
+              <a:rPr lang="en-US" altLang="en-US" sz="2000" b="1" dirty="0">
+                <a:latin typeface="Helvetica" panose="020B0604020202020204" pitchFamily="34" charset="0"/>
+                <a:ea typeface="ＭＳ Ｐゴシック" panose="020B0600070205080204" pitchFamily="34" charset="-128"/>
+              </a:rPr>
+              <a:t>Build</a:t>
+            </a:r>
+          </a:p>
+          <a:p>
+            <a:pPr>
+              <a:defRPr/>
+            </a:pPr>
+            <a:r>
+              <a:rPr lang="en-US" altLang="en-US" sz="2000" dirty="0">
+                <a:latin typeface="Helvetica" panose="020B0604020202020204" pitchFamily="34" charset="0"/>
+                <a:ea typeface="ＭＳ Ｐゴシック" panose="020B0600070205080204" pitchFamily="34" charset="-128"/>
+              </a:rPr>
+              <a:t>Build highly accurate training datasets</a:t>
+            </a:r>
+          </a:p>
+          <a:p>
+            <a:pPr>
+              <a:defRPr/>
+            </a:pPr>
+            <a:r>
+              <a:rPr lang="en-US" altLang="en-US" sz="2000" dirty="0">
+                <a:latin typeface="Helvetica" panose="020B0604020202020204" pitchFamily="34" charset="0"/>
+                <a:ea typeface="ＭＳ Ｐゴシック" panose="020B0600070205080204" pitchFamily="34" charset="-128"/>
+              </a:rPr>
+              <a:t>Managed Notebooks for Authoring Models</a:t>
+            </a:r>
+          </a:p>
+          <a:p>
+            <a:pPr>
+              <a:defRPr/>
+            </a:pPr>
+            <a:r>
+              <a:rPr lang="en-US" altLang="en-US" sz="2000" dirty="0">
+                <a:latin typeface="Helvetica" panose="020B0604020202020204" pitchFamily="34" charset="0"/>
+                <a:ea typeface="ＭＳ Ｐゴシック" panose="020B0600070205080204" pitchFamily="34" charset="-128"/>
+              </a:rPr>
+              <a:t>Built-in, High Performance Algorithms</a:t>
+            </a:r>
+          </a:p>
+          <a:p>
+            <a:pPr>
+              <a:defRPr/>
+            </a:pPr>
+            <a:r>
+              <a:rPr lang="en-US" altLang="en-US" sz="2000" dirty="0">
+                <a:latin typeface="Helvetica" panose="020B0604020202020204" pitchFamily="34" charset="0"/>
+                <a:ea typeface="ＭＳ Ｐゴシック" panose="020B0600070205080204" pitchFamily="34" charset="-128"/>
+              </a:rPr>
+              <a:t>Broad Framework Support</a:t>
+            </a:r>
+          </a:p>
+          <a:p>
+            <a:pPr>
+              <a:defRPr/>
+            </a:pPr>
+            <a:r>
+              <a:rPr lang="en-US" altLang="en-US" sz="2000" dirty="0">
+                <a:latin typeface="Helvetica" panose="020B0604020202020204" pitchFamily="34" charset="0"/>
+                <a:ea typeface="ＭＳ Ｐゴシック" panose="020B0600070205080204" pitchFamily="34" charset="-128"/>
+              </a:rPr>
+              <a:t>Broad Framework Support</a:t>
+            </a:r>
+          </a:p>
+          <a:p>
+            <a:pPr marL="0" indent="0">
+              <a:buNone/>
+              <a:defRPr/>
+            </a:pPr>
+            <a:r>
+              <a:rPr lang="en-US" altLang="en-US" sz="2000" b="1" dirty="0">
+                <a:latin typeface="Helvetica" panose="020B0604020202020204" pitchFamily="34" charset="0"/>
+                <a:ea typeface="ＭＳ Ｐゴシック" panose="020B0600070205080204" pitchFamily="34" charset="-128"/>
+              </a:rPr>
+              <a:t>Train</a:t>
+            </a:r>
+          </a:p>
+          <a:p>
+            <a:pPr>
+              <a:defRPr/>
+            </a:pPr>
+            <a:r>
+              <a:rPr lang="en-US" altLang="en-US" sz="2000" dirty="0">
+                <a:latin typeface="Helvetica" panose="020B0604020202020204" pitchFamily="34" charset="0"/>
+                <a:ea typeface="ＭＳ Ｐゴシック" panose="020B0600070205080204" pitchFamily="34" charset="-128"/>
+              </a:rPr>
+              <a:t>One-click Training</a:t>
+            </a:r>
+          </a:p>
+          <a:p>
+            <a:pPr>
+              <a:defRPr/>
+            </a:pPr>
+            <a:r>
+              <a:rPr lang="en-US" altLang="en-US" sz="2000" dirty="0">
+                <a:latin typeface="Helvetica" panose="020B0604020202020204" pitchFamily="34" charset="0"/>
+                <a:ea typeface="ＭＳ Ｐゴシック" panose="020B0600070205080204" pitchFamily="34" charset="-128"/>
+              </a:rPr>
+              <a:t>Automatic Model Tuning Broad Framework Support</a:t>
+            </a:r>
+          </a:p>
+          <a:p>
+            <a:pPr>
+              <a:defRPr/>
+            </a:pPr>
+            <a:r>
+              <a:rPr lang="en-US" altLang="en-US" sz="2000" dirty="0">
+                <a:latin typeface="Helvetica" panose="020B0604020202020204" pitchFamily="34" charset="0"/>
+                <a:ea typeface="ＭＳ Ｐゴシック" panose="020B0600070205080204" pitchFamily="34" charset="-128"/>
+              </a:rPr>
+              <a:t>Train Once, Run Anywhere</a:t>
+            </a:r>
+          </a:p>
+          <a:p>
+            <a:pPr marL="0" indent="0">
+              <a:buNone/>
+              <a:defRPr/>
+            </a:pPr>
+            <a:r>
+              <a:rPr lang="en-US" altLang="en-US" sz="2000" b="1" dirty="0">
+                <a:latin typeface="Helvetica" panose="020B0604020202020204" pitchFamily="34" charset="0"/>
+                <a:ea typeface="ＭＳ Ｐゴシック" panose="020B0600070205080204" pitchFamily="34" charset="-128"/>
+              </a:rPr>
+              <a:t>Deploy</a:t>
+            </a:r>
+          </a:p>
+          <a:p>
+            <a:pPr>
+              <a:defRPr/>
+            </a:pPr>
+            <a:r>
+              <a:rPr lang="en-US" altLang="en-US" sz="2000" dirty="0">
+                <a:latin typeface="Helvetica" panose="020B0604020202020204" pitchFamily="34" charset="0"/>
+                <a:ea typeface="ＭＳ Ｐゴシック" panose="020B0600070205080204" pitchFamily="34" charset="-128"/>
+              </a:rPr>
+              <a:t>One-click Deployment</a:t>
+            </a:r>
+          </a:p>
+          <a:p>
+            <a:pPr>
+              <a:defRPr/>
+            </a:pPr>
+            <a:r>
+              <a:rPr lang="en-US" altLang="en-US" sz="2000" dirty="0">
+                <a:latin typeface="Helvetica" panose="020B0604020202020204" pitchFamily="34" charset="0"/>
+                <a:ea typeface="ＭＳ Ｐゴシック" panose="020B0600070205080204" pitchFamily="34" charset="-128"/>
+              </a:rPr>
+              <a:t>Automatic A/B Testing</a:t>
+            </a:r>
+          </a:p>
+          <a:p>
+            <a:pPr>
+              <a:defRPr/>
+            </a:pPr>
+            <a:r>
+              <a:rPr lang="en-US" altLang="en-US" sz="2000" dirty="0">
+                <a:latin typeface="Helvetica" panose="020B0604020202020204" pitchFamily="34" charset="0"/>
+                <a:ea typeface="ＭＳ Ｐゴシック" panose="020B0600070205080204" pitchFamily="34" charset="-128"/>
+              </a:rPr>
+              <a:t>Fully-managed Hosting with Auto Scaling</a:t>
+            </a:r>
+          </a:p>
           <a:p>
             <a:pPr marL="0" indent="0">
               <a:buNone/>
@@ -6112,12 +6316,22 @@
               <a:ea typeface="ＭＳ Ｐゴシック" panose="020B0600070205080204" pitchFamily="34" charset="-128"/>
             </a:endParaRPr>
           </a:p>
+          <a:p>
+            <a:pPr marL="0" indent="0">
+              <a:buNone/>
+              <a:defRPr/>
+            </a:pPr>
+            <a:endParaRPr lang="en-US" altLang="en-US" sz="2400" dirty="0">
+              <a:latin typeface="Helvetica" panose="020B0604020202020204" pitchFamily="34" charset="0"/>
+              <a:ea typeface="ＭＳ Ｐゴシック" panose="020B0600070205080204" pitchFamily="34" charset="-128"/>
+            </a:endParaRPr>
+          </a:p>
         </p:txBody>
       </p:sp>
     </p:spTree>
     <p:extLst>
       <p:ext uri="{BB962C8B-B14F-4D97-AF65-F5344CB8AC3E}">
-        <p14:creationId xmlns:p14="http://schemas.microsoft.com/office/powerpoint/2010/main" val="3900320737"/>
+        <p14:creationId xmlns:p14="http://schemas.microsoft.com/office/powerpoint/2010/main" val="1352564428"/>
       </p:ext>
     </p:extLst>
   </p:cSld>
@@ -6176,6 +6390,110 @@
                 <a:latin typeface="Helvetica" panose="020B0604020202020204" pitchFamily="34" charset="0"/>
                 <a:ea typeface="ＭＳ Ｐゴシック" panose="020B0600070205080204" pitchFamily="34" charset="-128"/>
               </a:rPr>
+              <a:t>Amazon SageMaker Demo</a:t>
+            </a:r>
+          </a:p>
+        </p:txBody>
+      </p:sp>
+      <p:sp>
+        <p:nvSpPr>
+          <p:cNvPr id="8195" name="Content Placeholder 22">
+            <a:extLst>
+              <a:ext uri="{FF2B5EF4-FFF2-40B4-BE49-F238E27FC236}">
+                <a16:creationId xmlns:a16="http://schemas.microsoft.com/office/drawing/2014/main" id="{6217A459-6FBF-4830-AA4E-163D34539509}"/>
+              </a:ext>
+            </a:extLst>
+          </p:cNvPr>
+          <p:cNvSpPr>
+            <a:spLocks noGrp="1"/>
+          </p:cNvSpPr>
+          <p:nvPr>
+            <p:ph idx="1"/>
+          </p:nvPr>
+        </p:nvSpPr>
+        <p:spPr>
+          <a:xfrm>
+            <a:off x="409575" y="1755775"/>
+            <a:ext cx="8429625" cy="4721225"/>
+          </a:xfrm>
+        </p:spPr>
+        <p:txBody>
+          <a:bodyPr/>
+          <a:lstStyle/>
+          <a:p>
+            <a:pPr marL="0" indent="0">
+              <a:buNone/>
+              <a:defRPr/>
+            </a:pPr>
+            <a:endParaRPr lang="en-US" altLang="en-US" sz="2400" dirty="0">
+              <a:latin typeface="Helvetica" panose="020B0604020202020204" pitchFamily="34" charset="0"/>
+              <a:ea typeface="ＭＳ Ｐゴシック" panose="020B0600070205080204" pitchFamily="34" charset="-128"/>
+            </a:endParaRPr>
+          </a:p>
+        </p:txBody>
+      </p:sp>
+    </p:spTree>
+    <p:extLst>
+      <p:ext uri="{BB962C8B-B14F-4D97-AF65-F5344CB8AC3E}">
+        <p14:creationId xmlns:p14="http://schemas.microsoft.com/office/powerpoint/2010/main" val="3900320737"/>
+      </p:ext>
+    </p:extLst>
+  </p:cSld>
+  <p:clrMapOvr>
+    <a:masterClrMapping/>
+  </p:clrMapOvr>
+</p:sld>
+</file>
+
+<file path=ppt/slides/slide13.xml><?xml version="1.0" encoding="utf-8"?>
+<p:sld xmlns:a="http://schemas.openxmlformats.org/drawingml/2006/main" xmlns:r="http://schemas.openxmlformats.org/officeDocument/2006/relationships" xmlns:p="http://schemas.openxmlformats.org/presentationml/2006/main">
+  <p:cSld>
+    <p:spTree>
+      <p:nvGrpSpPr>
+        <p:cNvPr id="1" name=""/>
+        <p:cNvGrpSpPr/>
+        <p:nvPr/>
+      </p:nvGrpSpPr>
+      <p:grpSpPr>
+        <a:xfrm>
+          <a:off x="0" y="0"/>
+          <a:ext cx="0" cy="0"/>
+          <a:chOff x="0" y="0"/>
+          <a:chExt cx="0" cy="0"/>
+        </a:xfrm>
+      </p:grpSpPr>
+      <p:sp>
+        <p:nvSpPr>
+          <p:cNvPr id="8194" name="Title 1">
+            <a:extLst>
+              <a:ext uri="{FF2B5EF4-FFF2-40B4-BE49-F238E27FC236}">
+                <a16:creationId xmlns:a16="http://schemas.microsoft.com/office/drawing/2014/main" id="{175676B8-48F3-40E9-BF9B-45F2D27F9810}"/>
+              </a:ext>
+            </a:extLst>
+          </p:cNvPr>
+          <p:cNvSpPr>
+            <a:spLocks noGrp="1"/>
+          </p:cNvSpPr>
+          <p:nvPr>
+            <p:ph type="title"/>
+          </p:nvPr>
+        </p:nvSpPr>
+        <p:spPr>
+          <a:xfrm>
+            <a:off x="409575" y="762000"/>
+            <a:ext cx="7886700" cy="993775"/>
+          </a:xfrm>
+        </p:spPr>
+        <p:txBody>
+          <a:bodyPr/>
+          <a:lstStyle/>
+          <a:p>
+            <a:pPr algn="l"/>
+            <a:r>
+              <a:rPr lang="en-US" altLang="en-US" sz="3200" dirty="0">
+                <a:latin typeface="Helvetica" panose="020B0604020202020204" pitchFamily="34" charset="0"/>
+                <a:ea typeface="ＭＳ Ｐゴシック" panose="020B0600070205080204" pitchFamily="34" charset="-128"/>
+              </a:rPr>
               <a:t>H2O AI Description</a:t>
             </a:r>
           </a:p>
@@ -6241,7 +6559,7 @@
 </p:sld>
 </file>
 
-<file path=ppt/slides/slide13.xml><?xml version="1.0" encoding="utf-8"?>
+<file path=ppt/slides/slide14.xml><?xml version="1.0" encoding="utf-8"?>
 <p:sld xmlns:a="http://schemas.openxmlformats.org/drawingml/2006/main" xmlns:r="http://schemas.openxmlformats.org/officeDocument/2006/relationships" xmlns:p="http://schemas.openxmlformats.org/presentationml/2006/main">
   <p:cSld>
     <p:spTree>
@@ -6575,15 +6893,6 @@
                 <a:ea typeface="ＭＳ Ｐゴシック" panose="020B0600070205080204" pitchFamily="34" charset="-128"/>
               </a:rPr>
               <a:t>)</a:t>
-            </a:r>
-          </a:p>
-          <a:p>
-            <a:r>
-              <a:rPr lang="en-US" altLang="en-US" sz="2200" u="sng" dirty="0">
-                <a:latin typeface="Helvetica" panose="020B0604020202020204" pitchFamily="34" charset="0"/>
-                <a:ea typeface="ＭＳ Ｐゴシック" panose="020B0600070205080204" pitchFamily="34" charset="-128"/>
-              </a:rPr>
-              <a:t>Titanic Dataset with Azure ML Studio, AWS and H2O</a:t>
             </a:r>
           </a:p>
         </p:txBody>
@@ -6951,7 +7260,9 @@
           </a:xfrm>
         </p:spPr>
         <p:txBody>
-          <a:bodyPr/>
+          <a:bodyPr>
+            <a:normAutofit/>
+          </a:bodyPr>
           <a:lstStyle/>
           <a:p>
             <a:r>
@@ -7182,8 +7493,8 @@
         </p:nvSpPr>
         <p:spPr>
           <a:xfrm>
-            <a:off x="404813" y="1447800"/>
-            <a:ext cx="8510587" cy="5257800"/>
+            <a:off x="409575" y="1771817"/>
+            <a:ext cx="8510587" cy="4476583"/>
           </a:xfrm>
         </p:spPr>
         <p:txBody>
@@ -7206,6 +7517,55 @@
               <a:rPr lang="en-US" dirty="0"/>
               <a:t>The service itself is focused around the ML Studio framework that allows you to create modular solutions</a:t>
             </a:r>
+          </a:p>
+          <a:p>
+            <a:pPr>
+              <a:defRPr/>
+            </a:pPr>
+            <a:r>
+              <a:rPr lang="en-US" dirty="0"/>
+              <a:t>No Software to install, only web browser is needed</a:t>
+            </a:r>
+          </a:p>
+          <a:p>
+            <a:pPr>
+              <a:defRPr/>
+            </a:pPr>
+            <a:r>
+              <a:rPr lang="en-US" dirty="0"/>
+              <a:t>Possibility to develop without writing code</a:t>
+            </a:r>
+          </a:p>
+          <a:p>
+            <a:pPr>
+              <a:defRPr/>
+            </a:pPr>
+            <a:r>
+              <a:rPr lang="en-US" dirty="0"/>
+              <a:t>Easy deployment and usage using Rest API</a:t>
+            </a:r>
+          </a:p>
+          <a:p>
+            <a:pPr>
+              <a:defRPr/>
+            </a:pPr>
+            <a:r>
+              <a:rPr lang="en-US" dirty="0"/>
+              <a:t>Easy collaboration on Azure ML projects</a:t>
+            </a:r>
+          </a:p>
+          <a:p>
+            <a:pPr marL="0" indent="0">
+              <a:buNone/>
+              <a:defRPr/>
+            </a:pPr>
+            <a:endParaRPr lang="en-US" dirty="0"/>
+          </a:p>
+          <a:p>
+            <a:pPr>
+              <a:defRPr/>
+            </a:pPr>
+            <a:endParaRPr lang="en-US" dirty="0"/>
           </a:p>
           <a:p>
             <a:pPr>
@@ -7233,25 +7593,25 @@
           <p:nvPr>
             <p:extLst>
               <p:ext uri="{D42A27DB-BD31-4B8C-83A1-F6EECF244321}">
-                <p14:modId xmlns:p14="http://schemas.microsoft.com/office/powerpoint/2010/main" val="1127839487"/>
+                <p14:modId xmlns:p14="http://schemas.microsoft.com/office/powerpoint/2010/main" val="2182231167"/>
               </p:ext>
             </p:extLst>
           </p:nvPr>
         </p:nvGraphicFramePr>
         <p:xfrm>
-          <a:off x="5975350" y="4451350"/>
+          <a:off x="5652586" y="4921250"/>
           <a:ext cx="3290888" cy="488950"/>
         </p:xfrm>
         <a:graphic>
           <a:graphicData uri="http://schemas.openxmlformats.org/presentationml/2006/ole">
             <mc:AlternateContent xmlns:mc="http://schemas.openxmlformats.org/markup-compatibility/2006">
               <mc:Choice xmlns:v="urn:schemas-microsoft-com:vml" Requires="v">
-                <p:oleObj spid="_x0000_s1029" name="Packager Shell Object" showAsIcon="1" r:id="rId3" imgW="3290760" imgH="488520" progId="Package">
+                <p:oleObj spid="_x0000_s1034" name="Packager Shell Object" showAsIcon="1" r:id="rId4" imgW="3290760" imgH="488520" progId="Package">
                   <p:embed/>
                 </p:oleObj>
               </mc:Choice>
               <mc:Fallback>
-                <p:oleObj name="Packager Shell Object" showAsIcon="1" r:id="rId3" imgW="3290760" imgH="488520" progId="Package">
+                <p:oleObj name="Packager Shell Object" showAsIcon="1" r:id="rId4" imgW="3290760" imgH="488520" progId="Package">
                   <p:embed/>
                   <p:pic>
                     <p:nvPicPr>
@@ -7260,14 +7620,14 @@
                       <p:nvPr/>
                     </p:nvPicPr>
                     <p:blipFill>
-                      <a:blip r:embed="rId4"/>
+                      <a:blip r:embed="rId5"/>
                       <a:stretch>
                         <a:fillRect/>
                       </a:stretch>
                     </p:blipFill>
                     <p:spPr>
                       <a:xfrm>
-                        <a:off x="5975350" y="4451350"/>
+                        <a:off x="5652586" y="4921250"/>
                         <a:ext cx="3290888" cy="488950"/>
                       </a:xfrm>
                       <a:prstGeom prst="rect">
@@ -7518,8 +7878,8 @@
         </p:blipFill>
         <p:spPr>
           <a:xfrm>
-            <a:off x="404813" y="2017788"/>
-            <a:ext cx="8510587" cy="4117824"/>
+            <a:off x="628650" y="2093315"/>
+            <a:ext cx="7886700" cy="3815958"/>
           </a:xfrm>
           <a:prstGeom prst="rect">
             <a:avLst/>
@@ -7588,7 +7948,7 @@
                 <a:latin typeface="Helvetica" panose="020B0604020202020204" pitchFamily="34" charset="0"/>
                 <a:ea typeface="ＭＳ Ｐゴシック" panose="020B0600070205080204" pitchFamily="34" charset="-128"/>
               </a:rPr>
-              <a:t>What is Amazon SageMaker?</a:t>
+              <a:t>Limitations in Azure ML Studio</a:t>
             </a:r>
           </a:p>
         </p:txBody>
@@ -7611,13 +7971,66 @@
         </p:nvSpPr>
         <p:spPr>
           <a:xfrm>
-            <a:off x="404813" y="1447800"/>
+            <a:off x="409575" y="1936750"/>
             <a:ext cx="8510587" cy="5257800"/>
           </a:xfrm>
         </p:spPr>
         <p:txBody>
           <a:bodyPr/>
           <a:lstStyle/>
+          <a:p>
+            <a:pPr>
+              <a:defRPr/>
+            </a:pPr>
+            <a:r>
+              <a:rPr lang="en-US" dirty="0"/>
+              <a:t>Maximum storage volume per account is limited</a:t>
+            </a:r>
+          </a:p>
+          <a:p>
+            <a:pPr>
+              <a:defRPr/>
+            </a:pPr>
+            <a:r>
+              <a:rPr lang="en-US" dirty="0"/>
+              <a:t>Maximum dataset volume is 10 GB</a:t>
+            </a:r>
+          </a:p>
+          <a:p>
+            <a:pPr>
+              <a:defRPr/>
+            </a:pPr>
+            <a:r>
+              <a:rPr lang="en-US" dirty="0"/>
+              <a:t>Throttled Policy is that only 20 concurrent request per endpoint, max endpoint count 10K</a:t>
+            </a:r>
+          </a:p>
+          <a:p>
+            <a:pPr>
+              <a:defRPr/>
+            </a:pPr>
+            <a:r>
+              <a:rPr lang="en-US" dirty="0"/>
+              <a:t>Its like a Black Box, no debug, no </a:t>
+            </a:r>
+            <a:r>
+              <a:rPr lang="en-US" dirty="0" err="1"/>
+              <a:t>scala</a:t>
+            </a:r>
+            <a:r>
+              <a:rPr lang="en-US" dirty="0"/>
+              <a:t>, C++, C#</a:t>
+            </a:r>
+          </a:p>
+          <a:p>
+            <a:pPr>
+              <a:defRPr/>
+            </a:pPr>
+            <a:r>
+              <a:rPr lang="en-US" dirty="0"/>
+              <a:t>One should know their own right algorithm to be used</a:t>
+            </a:r>
+          </a:p>
           <a:p>
             <a:pPr>
               <a:defRPr/>
@@ -7627,136 +8040,12 @@
               <a:ea typeface="ＭＳ Ｐゴシック" panose="020B0600070205080204" pitchFamily="34" charset="-128"/>
             </a:endParaRPr>
           </a:p>
-          <a:p>
-            <a:pPr marL="0" indent="0">
-              <a:buFont typeface="Arial" panose="020B0604020202020204" pitchFamily="34" charset="0"/>
-              <a:buNone/>
-              <a:defRPr/>
-            </a:pPr>
-            <a:endParaRPr lang="en-US" altLang="en-US" sz="800" dirty="0">
-              <a:latin typeface="Helvetica" panose="020B0604020202020204" pitchFamily="34" charset="0"/>
-              <a:ea typeface="ＭＳ Ｐゴシック" panose="020B0600070205080204" pitchFamily="34" charset="-128"/>
-              <a:hlinkClick r:id="rId2"/>
-            </a:endParaRPr>
-          </a:p>
-          <a:p>
-            <a:pPr marL="0" indent="0">
-              <a:buFont typeface="Arial" panose="020B0604020202020204" pitchFamily="34" charset="0"/>
-              <a:buNone/>
-              <a:defRPr/>
-            </a:pPr>
-            <a:endParaRPr lang="en-US" altLang="en-US" sz="2000" dirty="0">
-              <a:latin typeface="Helvetica" panose="020B0604020202020204" pitchFamily="34" charset="0"/>
-              <a:ea typeface="ＭＳ Ｐゴシック" panose="020B0600070205080204" pitchFamily="34" charset="-128"/>
-            </a:endParaRPr>
-          </a:p>
-          <a:p>
-            <a:pPr lvl="1">
-              <a:defRPr/>
-            </a:pPr>
-            <a:endParaRPr lang="en-US" altLang="en-US" sz="2000" dirty="0">
-              <a:latin typeface="Helvetica" panose="020B0604020202020204" pitchFamily="34" charset="0"/>
-              <a:ea typeface="ＭＳ Ｐゴシック" panose="020B0600070205080204" pitchFamily="34" charset="-128"/>
-            </a:endParaRPr>
-          </a:p>
-        </p:txBody>
-      </p:sp>
-      <p:cxnSp>
-        <p:nvCxnSpPr>
-          <p:cNvPr id="14" name="Straight Arrow Connector 13">
-            <a:extLst>
-              <a:ext uri="{FF2B5EF4-FFF2-40B4-BE49-F238E27FC236}">
-                <a16:creationId xmlns:a16="http://schemas.microsoft.com/office/drawing/2014/main" id="{82147137-FA1A-466C-9E02-A653CA1E3BA4}"/>
-              </a:ext>
-            </a:extLst>
-          </p:cNvPr>
-          <p:cNvCxnSpPr/>
-          <p:nvPr/>
-        </p:nvCxnSpPr>
-        <p:spPr>
-          <a:xfrm>
-            <a:off x="2724150" y="5543550"/>
-            <a:ext cx="719138" cy="0"/>
-          </a:xfrm>
-          <a:prstGeom prst="straightConnector1">
-            <a:avLst/>
-          </a:prstGeom>
-          <a:ln w="57150">
-            <a:tailEnd type="triangle"/>
-          </a:ln>
-        </p:spPr>
-        <p:style>
-          <a:lnRef idx="2">
-            <a:schemeClr val="accent1"/>
-          </a:lnRef>
-          <a:fillRef idx="0">
-            <a:schemeClr val="accent1"/>
-          </a:fillRef>
-          <a:effectRef idx="1">
-            <a:schemeClr val="accent1"/>
-          </a:effectRef>
-          <a:fontRef idx="minor">
-            <a:schemeClr val="tx1"/>
-          </a:fontRef>
-        </p:style>
-      </p:cxnSp>
-      <p:pic>
-        <p:nvPicPr>
-          <p:cNvPr id="7" name="Content Placeholder 5">
-            <a:extLst>
-              <a:ext uri="{FF2B5EF4-FFF2-40B4-BE49-F238E27FC236}">
-                <a16:creationId xmlns:a16="http://schemas.microsoft.com/office/drawing/2014/main" id="{236E0F5D-69C7-49CE-A3D7-DF5019185E41}"/>
-              </a:ext>
-            </a:extLst>
-          </p:cNvPr>
-          <p:cNvPicPr>
-            <a:picLocks noChangeAspect="1"/>
-          </p:cNvPicPr>
-          <p:nvPr/>
-        </p:nvPicPr>
-        <p:blipFill>
-          <a:blip r:embed="rId3"/>
-          <a:stretch>
-            <a:fillRect/>
-          </a:stretch>
-        </p:blipFill>
-        <p:spPr bwMode="auto">
-          <a:xfrm>
-            <a:off x="274952" y="1755775"/>
-            <a:ext cx="8699853" cy="3962400"/>
-          </a:xfrm>
-          <a:prstGeom prst="rect">
-            <a:avLst/>
-          </a:prstGeom>
-          <a:noFill/>
-          <a:ln>
-            <a:noFill/>
-          </a:ln>
-          <a:extLst>
-            <a:ext uri="{909E8E84-426E-40DD-AFC4-6F175D3DCCD1}">
-              <a14:hiddenFill xmlns:a14="http://schemas.microsoft.com/office/drawing/2010/main">
-                <a:solidFill>
-                  <a:srgbClr val="FFFFFF"/>
-                </a:solidFill>
-              </a14:hiddenFill>
-            </a:ext>
-            <a:ext uri="{91240B29-F687-4F45-9708-019B960494DF}">
-              <a14:hiddenLine xmlns:a14="http://schemas.microsoft.com/office/drawing/2010/main" w="9525">
-                <a:solidFill>
-                  <a:srgbClr val="000000"/>
-                </a:solidFill>
-                <a:miter lim="800000"/>
-                <a:headEnd/>
-                <a:tailEnd/>
-              </a14:hiddenLine>
-            </a:ext>
-          </a:extLst>
-        </p:spPr>
-      </p:pic>
+        </p:txBody>
+      </p:sp>
     </p:spTree>
     <p:extLst>
       <p:ext uri="{BB962C8B-B14F-4D97-AF65-F5344CB8AC3E}">
-        <p14:creationId xmlns:p14="http://schemas.microsoft.com/office/powerpoint/2010/main" val="1681720187"/>
+        <p14:creationId xmlns:p14="http://schemas.microsoft.com/office/powerpoint/2010/main" val="146945895"/>
       </p:ext>
     </p:extLst>
   </p:cSld>

--- a/Presentation/Machine Learning As A Service.pptx
+++ b/Presentation/Machine Learning As A Service.pptx
@@ -5,7 +5,7 @@
     <p:sldMasterId id="2147484107" r:id="rId1"/>
   </p:sldMasterIdLst>
   <p:notesMasterIdLst>
-    <p:notesMasterId r:id="rId16"/>
+    <p:notesMasterId r:id="rId19"/>
   </p:notesMasterIdLst>
   <p:sldIdLst>
     <p:sldId id="257" r:id="rId2"/>
@@ -22,6 +22,9 @@
     <p:sldId id="310" r:id="rId13"/>
     <p:sldId id="315" r:id="rId14"/>
     <p:sldId id="318" r:id="rId15"/>
+    <p:sldId id="321" r:id="rId16"/>
+    <p:sldId id="320" r:id="rId17"/>
+    <p:sldId id="322" r:id="rId18"/>
   </p:sldIdLst>
   <p:sldSz cx="9144000" cy="6858000" type="screen4x3"/>
   <p:notesSz cx="6858000" cy="9144000"/>
@@ -251,7 +254,7 @@
               <a:pPr>
                 <a:defRPr/>
               </a:pPr>
-              <a:t>11/29/2018</a:t>
+              <a:t>12/1/2018</a:t>
             </a:fld>
             <a:endParaRPr lang="en-US"/>
           </a:p>
@@ -1098,7 +1101,7 @@
               <a:pPr>
                 <a:defRPr/>
               </a:pPr>
-              <a:t>11/29/2018</a:t>
+              <a:t>12/1/2018</a:t>
             </a:fld>
             <a:endParaRPr lang="en-US" altLang="en-US"/>
           </a:p>
@@ -1311,7 +1314,7 @@
               <a:pPr>
                 <a:defRPr/>
               </a:pPr>
-              <a:t>11/29/2018</a:t>
+              <a:t>12/1/2018</a:t>
             </a:fld>
             <a:endParaRPr lang="en-US" altLang="en-US"/>
           </a:p>
@@ -1534,7 +1537,7 @@
               <a:pPr>
                 <a:defRPr/>
               </a:pPr>
-              <a:t>11/29/2018</a:t>
+              <a:t>12/1/2018</a:t>
             </a:fld>
             <a:endParaRPr lang="en-US" altLang="en-US"/>
           </a:p>
@@ -2032,7 +2035,7 @@
               <a:pPr>
                 <a:defRPr/>
               </a:pPr>
-              <a:t>11/29/2018</a:t>
+              <a:t>12/1/2018</a:t>
             </a:fld>
             <a:endParaRPr lang="en-US" altLang="en-US"/>
           </a:p>
@@ -2256,7 +2259,7 @@
               <a:pPr>
                 <a:defRPr/>
               </a:pPr>
-              <a:t>11/29/2018</a:t>
+              <a:t>12/1/2018</a:t>
             </a:fld>
             <a:endParaRPr lang="en-US" altLang="en-US"/>
           </a:p>
@@ -2597,7 +2600,7 @@
               <a:pPr>
                 <a:defRPr/>
               </a:pPr>
-              <a:t>11/29/2018</a:t>
+              <a:t>12/1/2018</a:t>
             </a:fld>
             <a:endParaRPr lang="en-US" altLang="en-US"/>
           </a:p>
@@ -2968,7 +2971,7 @@
               <a:pPr>
                 <a:defRPr/>
               </a:pPr>
-              <a:t>11/29/2018</a:t>
+              <a:t>12/1/2018</a:t>
             </a:fld>
             <a:endParaRPr lang="en-US" altLang="en-US"/>
           </a:p>
@@ -3258,7 +3261,7 @@
               <a:pPr>
                 <a:defRPr/>
               </a:pPr>
-              <a:t>11/29/2018</a:t>
+              <a:t>12/1/2018</a:t>
             </a:fld>
             <a:endParaRPr lang="en-US" altLang="en-US"/>
           </a:p>
@@ -3538,7 +3541,7 @@
               <a:pPr>
                 <a:defRPr/>
               </a:pPr>
-              <a:t>11/29/2018</a:t>
+              <a:t>12/1/2018</a:t>
             </a:fld>
             <a:endParaRPr lang="en-US" altLang="en-US"/>
           </a:p>
@@ -3965,7 +3968,7 @@
               <a:pPr>
                 <a:defRPr/>
               </a:pPr>
-              <a:t>11/29/2018</a:t>
+              <a:t>12/1/2018</a:t>
             </a:fld>
             <a:endParaRPr lang="en-US" altLang="en-US"/>
           </a:p>
@@ -4121,7 +4124,7 @@
               <a:pPr>
                 <a:defRPr/>
               </a:pPr>
-              <a:t>11/29/2018</a:t>
+              <a:t>12/1/2018</a:t>
             </a:fld>
             <a:endParaRPr lang="en-US" altLang="en-US"/>
           </a:p>
@@ -4249,7 +4252,7 @@
               <a:pPr>
                 <a:defRPr/>
               </a:pPr>
-              <a:t>11/29/2018</a:t>
+              <a:t>12/1/2018</a:t>
             </a:fld>
             <a:endParaRPr lang="en-US" altLang="en-US"/>
           </a:p>
@@ -4575,7 +4578,7 @@
               <a:pPr>
                 <a:defRPr/>
               </a:pPr>
-              <a:t>11/29/2018</a:t>
+              <a:t>12/1/2018</a:t>
             </a:fld>
             <a:endParaRPr lang="en-US" altLang="en-US"/>
           </a:p>
@@ -4878,7 +4881,7 @@
               <a:pPr>
                 <a:defRPr/>
               </a:pPr>
-              <a:t>11/29/2018</a:t>
+              <a:t>12/1/2018</a:t>
             </a:fld>
             <a:endParaRPr lang="en-US" altLang="en-US"/>
           </a:p>
@@ -5134,7 +5137,7 @@
               <a:pPr>
                 <a:defRPr/>
               </a:pPr>
-              <a:t>11/29/2018</a:t>
+              <a:t>12/1/2018</a:t>
             </a:fld>
             <a:endParaRPr lang="en-US" altLang="en-US"/>
           </a:p>
@@ -6480,7 +6483,7 @@
         </p:nvSpPr>
         <p:spPr>
           <a:xfrm>
-            <a:off x="409575" y="762000"/>
+            <a:off x="404813" y="632701"/>
             <a:ext cx="7886700" cy="993775"/>
           </a:xfrm>
         </p:spPr>
@@ -6490,11 +6493,18 @@
           <a:p>
             <a:pPr algn="l"/>
             <a:r>
+              <a:rPr lang="en-US" altLang="en-US" sz="3200" dirty="0" err="1">
+                <a:latin typeface="Helvetica" panose="020B0604020202020204" pitchFamily="34" charset="0"/>
+                <a:ea typeface="ＭＳ Ｐゴシック" panose="020B0600070205080204" pitchFamily="34" charset="-128"/>
+              </a:rPr>
+              <a:t>AutoML</a:t>
+            </a:r>
+            <a:r>
               <a:rPr lang="en-US" altLang="en-US" sz="3200" dirty="0">
                 <a:latin typeface="Helvetica" panose="020B0604020202020204" pitchFamily="34" charset="0"/>
                 <a:ea typeface="ＭＳ Ｐゴシック" panose="020B0600070205080204" pitchFamily="34" charset="-128"/>
               </a:rPr>
-              <a:t>H2O AI Description</a:t>
+              <a:t> Services</a:t>
             </a:r>
           </a:p>
         </p:txBody>
@@ -6517,32 +6527,116 @@
         </p:nvSpPr>
         <p:spPr>
           <a:xfrm>
-            <a:off x="404813" y="1447800"/>
-            <a:ext cx="8510587" cy="5257800"/>
+            <a:off x="404813" y="1600200"/>
+            <a:ext cx="8510587" cy="5105400"/>
           </a:xfrm>
         </p:spPr>
         <p:txBody>
-          <a:bodyPr/>
+          <a:bodyPr>
+            <a:normAutofit/>
+          </a:bodyPr>
           <a:lstStyle/>
           <a:p>
+            <a:pPr fontAlgn="base"/>
+            <a:r>
+              <a:rPr lang="en-US" sz="2000" dirty="0" err="1">
+                <a:latin typeface="Helvetica" panose="020B0604020202020204" pitchFamily="34" charset="0"/>
+                <a:cs typeface="Helvetica" panose="020B0604020202020204" pitchFamily="34" charset="0"/>
+              </a:rPr>
+              <a:t>AutoML</a:t>
+            </a:r>
+            <a:r>
+              <a:rPr lang="en-US" sz="2000" dirty="0">
+                <a:latin typeface="Helvetica" panose="020B0604020202020204" pitchFamily="34" charset="0"/>
+                <a:cs typeface="Helvetica" panose="020B0604020202020204" pitchFamily="34" charset="0"/>
+              </a:rPr>
+              <a:t> provides methods and processes to make Machine Learning available for non-Machine Learning experts, to improve efficiency of Machine Learning and to accelerate research on Machine Learning</a:t>
+            </a:r>
+          </a:p>
+          <a:p>
             <a:pPr marL="0" indent="0">
               <a:buNone/>
-              <a:defRPr/>
-            </a:pPr>
-            <a:endParaRPr lang="en-US" altLang="en-US" sz="2400" dirty="0">
+            </a:pPr>
+            <a:endParaRPr lang="en-US" sz="2000" dirty="0">
               <a:latin typeface="Helvetica" panose="020B0604020202020204" pitchFamily="34" charset="0"/>
-              <a:ea typeface="ＭＳ Ｐゴシック" panose="020B0600070205080204" pitchFamily="34" charset="-128"/>
+              <a:cs typeface="Helvetica" panose="020B0604020202020204" pitchFamily="34" charset="0"/>
             </a:endParaRPr>
           </a:p>
           <a:p>
-            <a:pPr marL="0" indent="0">
-              <a:buNone/>
-              <a:defRPr/>
-            </a:pPr>
-            <a:endParaRPr lang="en-US" altLang="en-US" sz="2400" dirty="0">
-              <a:latin typeface="Helvetica" panose="020B0604020202020204" pitchFamily="34" charset="0"/>
-              <a:ea typeface="ＭＳ Ｐゴシック" panose="020B0600070205080204" pitchFamily="34" charset="-128"/>
-            </a:endParaRPr>
+            <a:r>
+              <a:rPr lang="en-US" sz="2000" dirty="0" err="1">
+                <a:latin typeface="Helvetica" panose="020B0604020202020204" pitchFamily="34" charset="0"/>
+                <a:cs typeface="Helvetica" panose="020B0604020202020204" pitchFamily="34" charset="0"/>
+              </a:rPr>
+              <a:t>AutoML</a:t>
+            </a:r>
+            <a:r>
+              <a:rPr lang="en-US" sz="2000" dirty="0">
+                <a:latin typeface="Helvetica" panose="020B0604020202020204" pitchFamily="34" charset="0"/>
+                <a:cs typeface="Helvetica" panose="020B0604020202020204" pitchFamily="34" charset="0"/>
+              </a:rPr>
+              <a:t> helps us in automating tasks whose complexity can often baffle non-ML experts, like :</a:t>
+            </a:r>
+          </a:p>
+          <a:p>
+            <a:pPr lvl="1" fontAlgn="base"/>
+            <a:r>
+              <a:rPr lang="en-US" sz="2000" dirty="0">
+                <a:latin typeface="Helvetica" panose="020B0604020202020204" pitchFamily="34" charset="0"/>
+                <a:cs typeface="Helvetica" panose="020B0604020202020204" pitchFamily="34" charset="0"/>
+              </a:rPr>
+              <a:t>Preprocess and clean the data.</a:t>
+            </a:r>
+          </a:p>
+          <a:p>
+            <a:pPr lvl="1" fontAlgn="base"/>
+            <a:r>
+              <a:rPr lang="en-US" sz="2000" dirty="0">
+                <a:latin typeface="Helvetica" panose="020B0604020202020204" pitchFamily="34" charset="0"/>
+                <a:cs typeface="Helvetica" panose="020B0604020202020204" pitchFamily="34" charset="0"/>
+              </a:rPr>
+              <a:t>Select and construct appropriate features.</a:t>
+            </a:r>
+          </a:p>
+          <a:p>
+            <a:pPr lvl="1" fontAlgn="base"/>
+            <a:r>
+              <a:rPr lang="en-US" sz="2000" dirty="0">
+                <a:latin typeface="Helvetica" panose="020B0604020202020204" pitchFamily="34" charset="0"/>
+                <a:cs typeface="Helvetica" panose="020B0604020202020204" pitchFamily="34" charset="0"/>
+              </a:rPr>
+              <a:t>Select an appropriate model family.</a:t>
+            </a:r>
+          </a:p>
+          <a:p>
+            <a:pPr lvl="1" fontAlgn="base"/>
+            <a:r>
+              <a:rPr lang="en-US" sz="2000" dirty="0">
+                <a:latin typeface="Helvetica" panose="020B0604020202020204" pitchFamily="34" charset="0"/>
+                <a:cs typeface="Helvetica" panose="020B0604020202020204" pitchFamily="34" charset="0"/>
+              </a:rPr>
+              <a:t>Optimize model hyperparameters.</a:t>
+            </a:r>
+          </a:p>
+          <a:p>
+            <a:pPr lvl="1" fontAlgn="base"/>
+            <a:r>
+              <a:rPr lang="en-US" sz="2000" dirty="0">
+                <a:latin typeface="Helvetica" panose="020B0604020202020204" pitchFamily="34" charset="0"/>
+                <a:cs typeface="Helvetica" panose="020B0604020202020204" pitchFamily="34" charset="0"/>
+              </a:rPr>
+              <a:t>Postprocess machine learning models.</a:t>
+            </a:r>
+          </a:p>
+          <a:p>
+            <a:pPr lvl="1" fontAlgn="base"/>
+            <a:r>
+              <a:rPr lang="en-US" sz="2000" dirty="0">
+                <a:latin typeface="Helvetica" panose="020B0604020202020204" pitchFamily="34" charset="0"/>
+                <a:cs typeface="Helvetica" panose="020B0604020202020204" pitchFamily="34" charset="0"/>
+              </a:rPr>
+              <a:t>Critically analyze the results obtained.</a:t>
+            </a:r>
           </a:p>
         </p:txBody>
       </p:sp>
@@ -6631,19 +6725,58 @@
         </p:nvSpPr>
         <p:spPr>
           <a:xfrm>
-            <a:off x="404813" y="1447800"/>
-            <a:ext cx="8510587" cy="5257800"/>
+            <a:off x="404813" y="1600200"/>
+            <a:ext cx="8510587" cy="5105399"/>
           </a:xfrm>
         </p:spPr>
         <p:txBody>
-          <a:bodyPr/>
+          <a:bodyPr>
+            <a:normAutofit/>
+          </a:bodyPr>
           <a:lstStyle/>
           <a:p>
             <a:pPr marL="0" indent="0">
               <a:buNone/>
               <a:defRPr/>
             </a:pPr>
-            <a:endParaRPr lang="en-US" altLang="en-US" sz="2400" dirty="0">
+            <a:r>
+              <a:rPr lang="en-US" altLang="en-US" sz="2000" dirty="0">
+                <a:latin typeface="Helvetica" panose="020B0604020202020204" pitchFamily="34" charset="0"/>
+                <a:ea typeface="ＭＳ Ｐゴシック" panose="020B0600070205080204" pitchFamily="34" charset="-128"/>
+              </a:rPr>
+              <a:t>Overview :</a:t>
+            </a:r>
+          </a:p>
+          <a:p>
+            <a:pPr>
+              <a:defRPr/>
+            </a:pPr>
+            <a:r>
+              <a:rPr lang="en-US" altLang="en-US" sz="2000" dirty="0">
+                <a:latin typeface="Helvetica" panose="020B0604020202020204" pitchFamily="34" charset="0"/>
+                <a:ea typeface="ＭＳ Ｐゴシック" panose="020B0600070205080204" pitchFamily="34" charset="-128"/>
+              </a:rPr>
+              <a:t>H2O is an open-source software for big-data analysis.</a:t>
+            </a:r>
+          </a:p>
+          <a:p>
+            <a:pPr>
+              <a:defRPr/>
+            </a:pPr>
+            <a:r>
+              <a:rPr lang="en-US" altLang="en-US" sz="2000" dirty="0">
+                <a:latin typeface="Helvetica" panose="020B0604020202020204" pitchFamily="34" charset="0"/>
+                <a:ea typeface="ＭＳ Ｐゴシック" panose="020B0600070205080204" pitchFamily="34" charset="-128"/>
+              </a:rPr>
+              <a:t>H2O allows users to fit thousands of potential models as part of discovering patterns in data.</a:t>
+            </a:r>
+          </a:p>
+          <a:p>
+            <a:pPr marL="0" indent="0">
+              <a:buNone/>
+              <a:defRPr/>
+            </a:pPr>
+            <a:endParaRPr lang="en-US" altLang="en-US" sz="2000" dirty="0">
               <a:latin typeface="Helvetica" panose="020B0604020202020204" pitchFamily="34" charset="0"/>
               <a:ea typeface="ＭＳ Ｐゴシック" panose="020B0600070205080204" pitchFamily="34" charset="-128"/>
             </a:endParaRPr>
@@ -6654,37 +6787,61 @@
               <a:defRPr/>
             </a:pPr>
             <a:r>
-              <a:rPr lang="en-US" altLang="en-US" sz="2400" dirty="0">
+              <a:rPr lang="en-US" altLang="en-US" sz="2000" dirty="0">
                 <a:latin typeface="Helvetica" panose="020B0604020202020204" pitchFamily="34" charset="0"/>
                 <a:ea typeface="ＭＳ Ｐゴシック" panose="020B0600070205080204" pitchFamily="34" charset="-128"/>
               </a:rPr>
-              <a:t>Pros:</a:t>
-            </a:r>
-          </a:p>
-          <a:p>
-            <a:pPr marL="0" indent="0">
-              <a:buNone/>
-              <a:defRPr/>
-            </a:pPr>
-            <a:r>
-              <a:rPr lang="en-US" altLang="en-US" sz="2400" dirty="0">
+              <a:t>Salient Features :</a:t>
+            </a:r>
+          </a:p>
+          <a:p>
+            <a:pPr>
+              <a:defRPr/>
+            </a:pPr>
+            <a:r>
+              <a:rPr lang="en-US" altLang="en-US" sz="2000" dirty="0">
                 <a:latin typeface="Helvetica" panose="020B0604020202020204" pitchFamily="34" charset="0"/>
                 <a:ea typeface="ＭＳ Ｐゴシック" panose="020B0600070205080204" pitchFamily="34" charset="-128"/>
               </a:rPr>
-              <a:t>Model Selection </a:t>
-            </a:r>
-          </a:p>
-          <a:p>
-            <a:pPr marL="0" indent="0">
-              <a:buNone/>
-              <a:defRPr/>
-            </a:pPr>
-            <a:r>
-              <a:rPr lang="en-US" altLang="en-US" sz="2400" dirty="0">
+              <a:t>It automates the model selection and validation process in the Machine Learning pipeline through its </a:t>
+            </a:r>
+            <a:r>
+              <a:rPr lang="en-US" altLang="en-US" sz="2000" dirty="0" err="1">
                 <a:latin typeface="Helvetica" panose="020B0604020202020204" pitchFamily="34" charset="0"/>
                 <a:ea typeface="ＭＳ Ｐゴシック" panose="020B0600070205080204" pitchFamily="34" charset="-128"/>
               </a:rPr>
-              <a:t>Model Validation</a:t>
+              <a:t>AutoML</a:t>
+            </a:r>
+            <a:r>
+              <a:rPr lang="en-US" altLang="en-US" sz="2000" dirty="0">
+                <a:latin typeface="Helvetica" panose="020B0604020202020204" pitchFamily="34" charset="0"/>
+                <a:ea typeface="ＭＳ Ｐゴシック" panose="020B0600070205080204" pitchFamily="34" charset="-128"/>
+              </a:rPr>
+              <a:t> framework.</a:t>
+            </a:r>
+          </a:p>
+          <a:p>
+            <a:pPr>
+              <a:defRPr/>
+            </a:pPr>
+            <a:r>
+              <a:rPr lang="en-US" altLang="en-US" sz="2000" dirty="0">
+                <a:latin typeface="Helvetica" panose="020B0604020202020204" pitchFamily="34" charset="0"/>
+                <a:ea typeface="ＭＳ Ｐゴシック" panose="020B0600070205080204" pitchFamily="34" charset="-128"/>
+              </a:rPr>
+              <a:t>H2O is built on top of the Hadoop distributed framework, thereby enabling faster data processing on its clusters.</a:t>
+            </a:r>
+          </a:p>
+          <a:p>
+            <a:pPr>
+              <a:defRPr/>
+            </a:pPr>
+            <a:r>
+              <a:rPr lang="en-US" altLang="en-US" sz="2000" dirty="0">
+                <a:latin typeface="Helvetica" panose="020B0604020202020204" pitchFamily="34" charset="0"/>
+                <a:ea typeface="ＭＳ Ｐゴシック" panose="020B0600070205080204" pitchFamily="34" charset="-128"/>
+              </a:rPr>
+              <a:t>It also has functions for exporting the trained models as JAVA POJO’s for productionizing the model once it has been validated.</a:t>
             </a:r>
           </a:p>
         </p:txBody>
@@ -6693,6 +6850,571 @@
     <p:extLst>
       <p:ext uri="{BB962C8B-B14F-4D97-AF65-F5344CB8AC3E}">
         <p14:creationId xmlns:p14="http://schemas.microsoft.com/office/powerpoint/2010/main" val="722202203"/>
+      </p:ext>
+    </p:extLst>
+  </p:cSld>
+  <p:clrMapOvr>
+    <a:masterClrMapping/>
+  </p:clrMapOvr>
+</p:sld>
+</file>
+
+<file path=ppt/slides/slide15.xml><?xml version="1.0" encoding="utf-8"?>
+<p:sld xmlns:a="http://schemas.openxmlformats.org/drawingml/2006/main" xmlns:r="http://schemas.openxmlformats.org/officeDocument/2006/relationships" xmlns:p="http://schemas.openxmlformats.org/presentationml/2006/main">
+  <p:cSld>
+    <p:spTree>
+      <p:nvGrpSpPr>
+        <p:cNvPr id="1" name=""/>
+        <p:cNvGrpSpPr/>
+        <p:nvPr/>
+      </p:nvGrpSpPr>
+      <p:grpSpPr>
+        <a:xfrm>
+          <a:off x="0" y="0"/>
+          <a:ext cx="0" cy="0"/>
+          <a:chOff x="0" y="0"/>
+          <a:chExt cx="0" cy="0"/>
+        </a:xfrm>
+      </p:grpSpPr>
+      <p:sp>
+        <p:nvSpPr>
+          <p:cNvPr id="2" name="Title 1">
+            <a:extLst>
+              <a:ext uri="{FF2B5EF4-FFF2-40B4-BE49-F238E27FC236}">
+                <a16:creationId xmlns:a16="http://schemas.microsoft.com/office/drawing/2014/main" id="{18ED84CE-90D4-408D-8966-E7A914E0C0D0}"/>
+              </a:ext>
+            </a:extLst>
+          </p:cNvPr>
+          <p:cNvSpPr>
+            <a:spLocks noGrp="1"/>
+          </p:cNvSpPr>
+          <p:nvPr>
+            <p:ph type="title"/>
+          </p:nvPr>
+        </p:nvSpPr>
+        <p:spPr>
+          <a:xfrm>
+            <a:off x="628650" y="609600"/>
+            <a:ext cx="7886700" cy="1081089"/>
+          </a:xfrm>
+        </p:spPr>
+        <p:txBody>
+          <a:bodyPr>
+            <a:normAutofit/>
+          </a:bodyPr>
+          <a:lstStyle/>
+          <a:p>
+            <a:r>
+              <a:rPr lang="en-US" sz="3200" dirty="0">
+                <a:latin typeface="Helvetica" panose="020B0604020202020204" pitchFamily="34" charset="0"/>
+                <a:cs typeface="Helvetica" panose="020B0604020202020204" pitchFamily="34" charset="0"/>
+              </a:rPr>
+              <a:t>H2O AI DEMO</a:t>
+            </a:r>
+          </a:p>
+        </p:txBody>
+      </p:sp>
+      <p:sp>
+        <p:nvSpPr>
+          <p:cNvPr id="3" name="Content Placeholder 2">
+            <a:extLst>
+              <a:ext uri="{FF2B5EF4-FFF2-40B4-BE49-F238E27FC236}">
+                <a16:creationId xmlns:a16="http://schemas.microsoft.com/office/drawing/2014/main" id="{DDE22BBA-0D10-48EC-A24C-33E7C1A5557E}"/>
+              </a:ext>
+            </a:extLst>
+          </p:cNvPr>
+          <p:cNvSpPr>
+            <a:spLocks noGrp="1"/>
+          </p:cNvSpPr>
+          <p:nvPr>
+            <p:ph idx="1"/>
+          </p:nvPr>
+        </p:nvSpPr>
+        <p:spPr/>
+        <p:txBody>
+          <a:bodyPr>
+            <a:normAutofit/>
+          </a:bodyPr>
+          <a:lstStyle/>
+          <a:p>
+            <a:r>
+              <a:rPr lang="en-US" sz="2200" dirty="0">
+                <a:latin typeface="Helvetica" panose="020B0604020202020204" pitchFamily="34" charset="0"/>
+                <a:cs typeface="Helvetica" panose="020B0604020202020204" pitchFamily="34" charset="0"/>
+              </a:rPr>
+              <a:t>Regression on Iowa Housing Price Data Set</a:t>
+            </a:r>
+          </a:p>
+          <a:p>
+            <a:pPr marL="0" indent="0">
+              <a:buNone/>
+            </a:pPr>
+            <a:r>
+              <a:rPr lang="en-US" sz="2200" dirty="0">
+                <a:latin typeface="Helvetica" panose="020B0604020202020204" pitchFamily="34" charset="0"/>
+                <a:cs typeface="Helvetica" panose="020B0604020202020204" pitchFamily="34" charset="0"/>
+              </a:rPr>
+              <a:t>To predict the </a:t>
+            </a:r>
+            <a:r>
+              <a:rPr lang="en-US" sz="2200" dirty="0" err="1">
+                <a:latin typeface="Helvetica" panose="020B0604020202020204" pitchFamily="34" charset="0"/>
+                <a:cs typeface="Helvetica" panose="020B0604020202020204" pitchFamily="34" charset="0"/>
+              </a:rPr>
+              <a:t>SalePrice</a:t>
+            </a:r>
+            <a:r>
+              <a:rPr lang="en-US" sz="2200" dirty="0">
+                <a:latin typeface="Helvetica" panose="020B0604020202020204" pitchFamily="34" charset="0"/>
+                <a:cs typeface="Helvetica" panose="020B0604020202020204" pitchFamily="34" charset="0"/>
+              </a:rPr>
+              <a:t> of the house</a:t>
+            </a:r>
+          </a:p>
+          <a:p>
+            <a:pPr marL="0" indent="0">
+              <a:buNone/>
+            </a:pPr>
+            <a:endParaRPr lang="en-US" sz="2200" dirty="0">
+              <a:latin typeface="Helvetica" panose="020B0604020202020204" pitchFamily="34" charset="0"/>
+              <a:cs typeface="Helvetica" panose="020B0604020202020204" pitchFamily="34" charset="0"/>
+            </a:endParaRPr>
+          </a:p>
+          <a:p>
+            <a:pPr marL="0" indent="0">
+              <a:buNone/>
+            </a:pPr>
+            <a:endParaRPr lang="en-US" sz="2200" dirty="0">
+              <a:latin typeface="Helvetica" panose="020B0604020202020204" pitchFamily="34" charset="0"/>
+              <a:cs typeface="Helvetica" panose="020B0604020202020204" pitchFamily="34" charset="0"/>
+            </a:endParaRPr>
+          </a:p>
+          <a:p>
+            <a:r>
+              <a:rPr lang="en-US" sz="2200" dirty="0">
+                <a:latin typeface="Helvetica" panose="020B0604020202020204" pitchFamily="34" charset="0"/>
+                <a:cs typeface="Helvetica" panose="020B0604020202020204" pitchFamily="34" charset="0"/>
+              </a:rPr>
+              <a:t>Classification on Titanic Data Set</a:t>
+            </a:r>
+          </a:p>
+          <a:p>
+            <a:pPr marL="0" indent="0">
+              <a:buNone/>
+            </a:pPr>
+            <a:r>
+              <a:rPr lang="en-US" sz="2200" dirty="0">
+                <a:latin typeface="Helvetica" panose="020B0604020202020204" pitchFamily="34" charset="0"/>
+                <a:cs typeface="Helvetica" panose="020B0604020202020204" pitchFamily="34" charset="0"/>
+              </a:rPr>
+              <a:t>To predict the chance of Survival</a:t>
+            </a:r>
+          </a:p>
+        </p:txBody>
+      </p:sp>
+    </p:spTree>
+    <p:extLst>
+      <p:ext uri="{BB962C8B-B14F-4D97-AF65-F5344CB8AC3E}">
+        <p14:creationId xmlns:p14="http://schemas.microsoft.com/office/powerpoint/2010/main" val="2267316831"/>
+      </p:ext>
+    </p:extLst>
+  </p:cSld>
+  <p:clrMapOvr>
+    <a:masterClrMapping/>
+  </p:clrMapOvr>
+</p:sld>
+</file>
+
+<file path=ppt/slides/slide16.xml><?xml version="1.0" encoding="utf-8"?>
+<p:sld xmlns:a="http://schemas.openxmlformats.org/drawingml/2006/main" xmlns:r="http://schemas.openxmlformats.org/officeDocument/2006/relationships" xmlns:p="http://schemas.openxmlformats.org/presentationml/2006/main">
+  <p:cSld>
+    <p:spTree>
+      <p:nvGrpSpPr>
+        <p:cNvPr id="1" name=""/>
+        <p:cNvGrpSpPr/>
+        <p:nvPr/>
+      </p:nvGrpSpPr>
+      <p:grpSpPr>
+        <a:xfrm>
+          <a:off x="0" y="0"/>
+          <a:ext cx="0" cy="0"/>
+          <a:chOff x="0" y="0"/>
+          <a:chExt cx="0" cy="0"/>
+        </a:xfrm>
+      </p:grpSpPr>
+      <p:sp>
+        <p:nvSpPr>
+          <p:cNvPr id="2" name="Title 1">
+            <a:extLst>
+              <a:ext uri="{FF2B5EF4-FFF2-40B4-BE49-F238E27FC236}">
+                <a16:creationId xmlns:a16="http://schemas.microsoft.com/office/drawing/2014/main" id="{EED7D955-4529-4137-9DC2-D3F1F96FC4D5}"/>
+              </a:ext>
+            </a:extLst>
+          </p:cNvPr>
+          <p:cNvSpPr>
+            <a:spLocks noGrp="1"/>
+          </p:cNvSpPr>
+          <p:nvPr>
+            <p:ph type="title"/>
+          </p:nvPr>
+        </p:nvSpPr>
+        <p:spPr>
+          <a:xfrm>
+            <a:off x="628650" y="666751"/>
+            <a:ext cx="7886700" cy="1158874"/>
+          </a:xfrm>
+        </p:spPr>
+        <p:txBody>
+          <a:bodyPr/>
+          <a:lstStyle/>
+          <a:p>
+            <a:r>
+              <a:rPr lang="en-US" dirty="0" err="1">
+                <a:latin typeface="Helvetica" panose="020B0604020202020204" pitchFamily="34" charset="0"/>
+                <a:cs typeface="Helvetica" panose="020B0604020202020204" pitchFamily="34" charset="0"/>
+              </a:rPr>
+              <a:t>BigML</a:t>
+            </a:r>
+            <a:endParaRPr lang="en-US" dirty="0">
+              <a:latin typeface="Helvetica" panose="020B0604020202020204" pitchFamily="34" charset="0"/>
+              <a:cs typeface="Helvetica" panose="020B0604020202020204" pitchFamily="34" charset="0"/>
+            </a:endParaRPr>
+          </a:p>
+        </p:txBody>
+      </p:sp>
+      <p:sp>
+        <p:nvSpPr>
+          <p:cNvPr id="3" name="Content Placeholder 2">
+            <a:extLst>
+              <a:ext uri="{FF2B5EF4-FFF2-40B4-BE49-F238E27FC236}">
+                <a16:creationId xmlns:a16="http://schemas.microsoft.com/office/drawing/2014/main" id="{BDB34310-8676-4522-B1B4-1CF7E2B6EE62}"/>
+              </a:ext>
+            </a:extLst>
+          </p:cNvPr>
+          <p:cNvSpPr>
+            <a:spLocks noGrp="1"/>
+          </p:cNvSpPr>
+          <p:nvPr>
+            <p:ph idx="1"/>
+          </p:nvPr>
+        </p:nvSpPr>
+        <p:spPr/>
+        <p:txBody>
+          <a:bodyPr/>
+          <a:lstStyle/>
+          <a:p>
+            <a:pPr marL="0" indent="0">
+              <a:buNone/>
+            </a:pPr>
+            <a:r>
+              <a:rPr lang="en-US" dirty="0">
+                <a:latin typeface="Helvetica" panose="020B0604020202020204" pitchFamily="34" charset="0"/>
+                <a:cs typeface="Helvetica" panose="020B0604020202020204" pitchFamily="34" charset="0"/>
+              </a:rPr>
+              <a:t>Overview :</a:t>
+            </a:r>
+          </a:p>
+          <a:p>
+            <a:r>
+              <a:rPr lang="en-US" dirty="0" err="1">
+                <a:latin typeface="Helvetica" panose="020B0604020202020204" pitchFamily="34" charset="0"/>
+                <a:cs typeface="Helvetica" panose="020B0604020202020204" pitchFamily="34" charset="0"/>
+              </a:rPr>
+              <a:t>BigML</a:t>
+            </a:r>
+            <a:r>
+              <a:rPr lang="en-US" dirty="0">
+                <a:latin typeface="Helvetica" panose="020B0604020202020204" pitchFamily="34" charset="0"/>
+                <a:cs typeface="Helvetica" panose="020B0604020202020204" pitchFamily="34" charset="0"/>
+              </a:rPr>
+              <a:t> is </a:t>
+            </a:r>
+            <a:r>
+              <a:rPr lang="en-US" dirty="0" err="1">
+                <a:latin typeface="Helvetica" panose="020B0604020202020204" pitchFamily="34" charset="0"/>
+                <a:cs typeface="Helvetica" panose="020B0604020202020204" pitchFamily="34" charset="0"/>
+              </a:rPr>
+              <a:t>MLaaS</a:t>
+            </a:r>
+            <a:r>
+              <a:rPr lang="en-US" dirty="0">
+                <a:latin typeface="Helvetica" panose="020B0604020202020204" pitchFamily="34" charset="0"/>
+                <a:cs typeface="Helvetica" panose="020B0604020202020204" pitchFamily="34" charset="0"/>
+              </a:rPr>
+              <a:t>, which provides robustly-engineered Machine Learning algorithms proven to solve real world problems, through a simple and elegant web interface.</a:t>
+            </a:r>
+          </a:p>
+          <a:p>
+            <a:pPr marL="0" indent="0">
+              <a:buNone/>
+            </a:pPr>
+            <a:endParaRPr lang="en-US" dirty="0">
+              <a:latin typeface="Helvetica" panose="020B0604020202020204" pitchFamily="34" charset="0"/>
+              <a:cs typeface="Helvetica" panose="020B0604020202020204" pitchFamily="34" charset="0"/>
+            </a:endParaRPr>
+          </a:p>
+          <a:p>
+            <a:pPr marL="0" indent="0">
+              <a:buNone/>
+            </a:pPr>
+            <a:r>
+              <a:rPr lang="en-US" dirty="0">
+                <a:latin typeface="Helvetica" panose="020B0604020202020204" pitchFamily="34" charset="0"/>
+                <a:cs typeface="Helvetica" panose="020B0604020202020204" pitchFamily="34" charset="0"/>
+              </a:rPr>
+              <a:t>Features :</a:t>
+            </a:r>
+          </a:p>
+          <a:p>
+            <a:r>
+              <a:rPr lang="en-US" dirty="0">
+                <a:latin typeface="Helvetica" panose="020B0604020202020204" pitchFamily="34" charset="0"/>
+                <a:cs typeface="Helvetica" panose="020B0604020202020204" pitchFamily="34" charset="0"/>
+              </a:rPr>
+              <a:t>Like H2o it provides an </a:t>
+            </a:r>
+            <a:r>
+              <a:rPr lang="en-US" dirty="0" err="1">
+                <a:latin typeface="Helvetica" panose="020B0604020202020204" pitchFamily="34" charset="0"/>
+                <a:cs typeface="Helvetica" panose="020B0604020202020204" pitchFamily="34" charset="0"/>
+              </a:rPr>
+              <a:t>OptiML</a:t>
+            </a:r>
+            <a:r>
+              <a:rPr lang="en-US" dirty="0">
+                <a:latin typeface="Helvetica" panose="020B0604020202020204" pitchFamily="34" charset="0"/>
+                <a:cs typeface="Helvetica" panose="020B0604020202020204" pitchFamily="34" charset="0"/>
+              </a:rPr>
+              <a:t> library for </a:t>
+            </a:r>
+            <a:r>
+              <a:rPr lang="en-US" dirty="0" err="1">
+                <a:latin typeface="Helvetica" panose="020B0604020202020204" pitchFamily="34" charset="0"/>
+                <a:cs typeface="Helvetica" panose="020B0604020202020204" pitchFamily="34" charset="0"/>
+              </a:rPr>
+              <a:t>AutoML</a:t>
+            </a:r>
+            <a:r>
+              <a:rPr lang="en-US" dirty="0">
+                <a:latin typeface="Helvetica" panose="020B0604020202020204" pitchFamily="34" charset="0"/>
+                <a:cs typeface="Helvetica" panose="020B0604020202020204" pitchFamily="34" charset="0"/>
+              </a:rPr>
+              <a:t> </a:t>
+            </a:r>
+            <a:r>
+              <a:rPr lang="en-US" dirty="0" err="1">
+                <a:latin typeface="Helvetica" panose="020B0604020202020204" pitchFamily="34" charset="0"/>
+                <a:cs typeface="Helvetica" panose="020B0604020202020204" pitchFamily="34" charset="0"/>
+              </a:rPr>
+              <a:t>pupose</a:t>
+            </a:r>
+            <a:r>
+              <a:rPr lang="en-US" dirty="0">
+                <a:latin typeface="Helvetica" panose="020B0604020202020204" pitchFamily="34" charset="0"/>
+                <a:cs typeface="Helvetica" panose="020B0604020202020204" pitchFamily="34" charset="0"/>
+              </a:rPr>
+              <a:t>.</a:t>
+            </a:r>
+          </a:p>
+          <a:p>
+            <a:r>
+              <a:rPr lang="en-US" dirty="0">
+                <a:latin typeface="Helvetica" panose="020B0604020202020204" pitchFamily="34" charset="0"/>
+                <a:cs typeface="Helvetica" panose="020B0604020202020204" pitchFamily="34" charset="0"/>
+              </a:rPr>
+              <a:t>It is platform independent i.e. it can access data from AWS, Google Drive, etc.</a:t>
+            </a:r>
+          </a:p>
+          <a:p>
+            <a:r>
+              <a:rPr lang="en-US" dirty="0">
+                <a:latin typeface="Helvetica" panose="020B0604020202020204" pitchFamily="34" charset="0"/>
+                <a:cs typeface="Helvetica" panose="020B0604020202020204" pitchFamily="34" charset="0"/>
+              </a:rPr>
+              <a:t>The Web UI is extremely intuitive and easy to use.</a:t>
+            </a:r>
+          </a:p>
+          <a:p>
+            <a:r>
+              <a:rPr lang="en-US" dirty="0">
+                <a:latin typeface="Helvetica" panose="020B0604020202020204" pitchFamily="34" charset="0"/>
+                <a:cs typeface="Helvetica" panose="020B0604020202020204" pitchFamily="34" charset="0"/>
+              </a:rPr>
+              <a:t>The models are very interpretable</a:t>
+            </a:r>
+          </a:p>
+        </p:txBody>
+      </p:sp>
+    </p:spTree>
+    <p:extLst>
+      <p:ext uri="{BB962C8B-B14F-4D97-AF65-F5344CB8AC3E}">
+        <p14:creationId xmlns:p14="http://schemas.microsoft.com/office/powerpoint/2010/main" val="1747880691"/>
+      </p:ext>
+    </p:extLst>
+  </p:cSld>
+  <p:clrMapOvr>
+    <a:masterClrMapping/>
+  </p:clrMapOvr>
+</p:sld>
+</file>
+
+<file path=ppt/slides/slide17.xml><?xml version="1.0" encoding="utf-8"?>
+<p:sld xmlns:a="http://schemas.openxmlformats.org/drawingml/2006/main" xmlns:r="http://schemas.openxmlformats.org/officeDocument/2006/relationships" xmlns:p="http://schemas.openxmlformats.org/presentationml/2006/main">
+  <p:cSld>
+    <p:spTree>
+      <p:nvGrpSpPr>
+        <p:cNvPr id="1" name=""/>
+        <p:cNvGrpSpPr/>
+        <p:nvPr/>
+      </p:nvGrpSpPr>
+      <p:grpSpPr>
+        <a:xfrm>
+          <a:off x="0" y="0"/>
+          <a:ext cx="0" cy="0"/>
+          <a:chOff x="0" y="0"/>
+          <a:chExt cx="0" cy="0"/>
+        </a:xfrm>
+      </p:grpSpPr>
+      <p:sp>
+        <p:nvSpPr>
+          <p:cNvPr id="2" name="Title 1">
+            <a:extLst>
+              <a:ext uri="{FF2B5EF4-FFF2-40B4-BE49-F238E27FC236}">
+                <a16:creationId xmlns:a16="http://schemas.microsoft.com/office/drawing/2014/main" id="{EF794C47-4DB9-4060-AF5B-C3F5DAF2CF16}"/>
+              </a:ext>
+            </a:extLst>
+          </p:cNvPr>
+          <p:cNvSpPr>
+            <a:spLocks noGrp="1"/>
+          </p:cNvSpPr>
+          <p:nvPr>
+            <p:ph type="title"/>
+          </p:nvPr>
+        </p:nvSpPr>
+        <p:spPr/>
+        <p:txBody>
+          <a:bodyPr>
+            <a:normAutofit/>
+          </a:bodyPr>
+          <a:lstStyle/>
+          <a:p>
+            <a:r>
+              <a:rPr lang="en-US" sz="3200" dirty="0" err="1">
+                <a:latin typeface="Helvetica" panose="020B0604020202020204" pitchFamily="34" charset="0"/>
+                <a:cs typeface="Helvetica" panose="020B0604020202020204" pitchFamily="34" charset="0"/>
+              </a:rPr>
+              <a:t>BigML</a:t>
+            </a:r>
+            <a:r>
+              <a:rPr lang="en-US" sz="3200" dirty="0">
+                <a:latin typeface="Helvetica" panose="020B0604020202020204" pitchFamily="34" charset="0"/>
+                <a:cs typeface="Helvetica" panose="020B0604020202020204" pitchFamily="34" charset="0"/>
+              </a:rPr>
+              <a:t> DEMO</a:t>
+            </a:r>
+          </a:p>
+        </p:txBody>
+      </p:sp>
+      <p:sp>
+        <p:nvSpPr>
+          <p:cNvPr id="3" name="Content Placeholder 2">
+            <a:extLst>
+              <a:ext uri="{FF2B5EF4-FFF2-40B4-BE49-F238E27FC236}">
+                <a16:creationId xmlns:a16="http://schemas.microsoft.com/office/drawing/2014/main" id="{D179188A-1792-4E9E-B41E-6361998473D4}"/>
+              </a:ext>
+            </a:extLst>
+          </p:cNvPr>
+          <p:cNvSpPr>
+            <a:spLocks noGrp="1"/>
+          </p:cNvSpPr>
+          <p:nvPr>
+            <p:ph idx="1"/>
+          </p:nvPr>
+        </p:nvSpPr>
+        <p:spPr/>
+        <p:txBody>
+          <a:bodyPr/>
+          <a:lstStyle/>
+          <a:p>
+            <a:r>
+              <a:rPr lang="en-US" sz="2000" dirty="0">
+                <a:latin typeface="Helvetica" panose="020B0604020202020204" pitchFamily="34" charset="0"/>
+                <a:cs typeface="Helvetica" panose="020B0604020202020204" pitchFamily="34" charset="0"/>
+              </a:rPr>
+              <a:t>Regression on Iowa Housing Price Data Set</a:t>
+            </a:r>
+          </a:p>
+          <a:p>
+            <a:pPr marL="0" indent="0">
+              <a:buNone/>
+            </a:pPr>
+            <a:r>
+              <a:rPr lang="en-US" sz="2000" dirty="0">
+                <a:latin typeface="Helvetica" panose="020B0604020202020204" pitchFamily="34" charset="0"/>
+                <a:cs typeface="Helvetica" panose="020B0604020202020204" pitchFamily="34" charset="0"/>
+              </a:rPr>
+              <a:t>To predict the </a:t>
+            </a:r>
+            <a:r>
+              <a:rPr lang="en-US" sz="2000" dirty="0" err="1">
+                <a:latin typeface="Helvetica" panose="020B0604020202020204" pitchFamily="34" charset="0"/>
+                <a:cs typeface="Helvetica" panose="020B0604020202020204" pitchFamily="34" charset="0"/>
+              </a:rPr>
+              <a:t>SalePrice</a:t>
+            </a:r>
+            <a:r>
+              <a:rPr lang="en-US" sz="2000" dirty="0">
+                <a:latin typeface="Helvetica" panose="020B0604020202020204" pitchFamily="34" charset="0"/>
+                <a:cs typeface="Helvetica" panose="020B0604020202020204" pitchFamily="34" charset="0"/>
+              </a:rPr>
+              <a:t> of the house</a:t>
+            </a:r>
+          </a:p>
+          <a:p>
+            <a:pPr marL="0" indent="0">
+              <a:buNone/>
+            </a:pPr>
+            <a:endParaRPr lang="en-US" sz="2000" dirty="0">
+              <a:latin typeface="Helvetica" panose="020B0604020202020204" pitchFamily="34" charset="0"/>
+              <a:cs typeface="Helvetica" panose="020B0604020202020204" pitchFamily="34" charset="0"/>
+            </a:endParaRPr>
+          </a:p>
+          <a:p>
+            <a:pPr marL="0" indent="0">
+              <a:buNone/>
+            </a:pPr>
+            <a:endParaRPr lang="en-US" sz="2000" dirty="0">
+              <a:latin typeface="Helvetica" panose="020B0604020202020204" pitchFamily="34" charset="0"/>
+              <a:cs typeface="Helvetica" panose="020B0604020202020204" pitchFamily="34" charset="0"/>
+            </a:endParaRPr>
+          </a:p>
+          <a:p>
+            <a:r>
+              <a:rPr lang="en-US" sz="2000" dirty="0">
+                <a:latin typeface="Helvetica" panose="020B0604020202020204" pitchFamily="34" charset="0"/>
+                <a:cs typeface="Helvetica" panose="020B0604020202020204" pitchFamily="34" charset="0"/>
+              </a:rPr>
+              <a:t>Classification on Titanic Data Set</a:t>
+            </a:r>
+          </a:p>
+          <a:p>
+            <a:pPr marL="0" indent="0">
+              <a:buNone/>
+            </a:pPr>
+            <a:r>
+              <a:rPr lang="en-US" sz="2000" dirty="0">
+                <a:latin typeface="Helvetica" panose="020B0604020202020204" pitchFamily="34" charset="0"/>
+                <a:cs typeface="Helvetica" panose="020B0604020202020204" pitchFamily="34" charset="0"/>
+              </a:rPr>
+              <a:t>To predict the chance of Survival</a:t>
+            </a:r>
+          </a:p>
+        </p:txBody>
+      </p:sp>
+    </p:spTree>
+    <p:extLst>
+      <p:ext uri="{BB962C8B-B14F-4D97-AF65-F5344CB8AC3E}">
+        <p14:creationId xmlns:p14="http://schemas.microsoft.com/office/powerpoint/2010/main" val="1535310050"/>
       </p:ext>
     </p:extLst>
   </p:cSld>
@@ -6791,20 +7513,9 @@
               <a:rPr lang="en-US" altLang="en-US" sz="2200" dirty="0">
                 <a:latin typeface="Helvetica" panose="020B0604020202020204" pitchFamily="34" charset="0"/>
                 <a:ea typeface="ＭＳ Ｐゴシック" panose="020B0600070205080204" pitchFamily="34" charset="-128"/>
-                <a:hlinkClick r:id="rId2" action="ppaction://hlinksldjump">
-                  <a:extLst>
-                    <a:ext uri="{A12FA001-AC4F-418D-AE19-62706E023703}">
-                      <ahyp:hlinkClr xmlns:ahyp="http://schemas.microsoft.com/office/drawing/2018/hyperlinkcolor" val="tx"/>
-                    </a:ext>
-                  </a:extLst>
-                </a:hlinkClick>
               </a:rPr>
               <a:t>Machine Learning Pipeline </a:t>
             </a:r>
-            <a:endParaRPr lang="en-US" altLang="en-US" sz="2200" dirty="0">
-              <a:latin typeface="Helvetica" panose="020B0604020202020204" pitchFamily="34" charset="0"/>
-              <a:ea typeface="ＭＳ Ｐゴシック" panose="020B0600070205080204" pitchFamily="34" charset="-128"/>
-            </a:endParaRPr>
           </a:p>
           <a:p>
             <a:r>
@@ -6835,7 +7546,7 @@
                 <a:latin typeface="Helvetica" panose="020B0604020202020204" pitchFamily="34" charset="0"/>
                 <a:ea typeface="ＭＳ Ｐゴシック" panose="020B0600070205080204" pitchFamily="34" charset="-128"/>
               </a:rPr>
-              <a:t> make it easy?</a:t>
+              <a:t> makes it easy?</a:t>
             </a:r>
           </a:p>
           <a:p>
@@ -6855,7 +7566,7 @@
                 <a:hlinkClick r:id="" action="ppaction://noaction">
                   <a:extLst>
                     <a:ext uri="{A12FA001-AC4F-418D-AE19-62706E023703}">
-                      <ahyp:hlinkClr xmlns:ahyp="http://schemas.microsoft.com/office/drawing/2018/hyperlinkcolor" val="tx"/>
+                      <ahyp:hlinkClr xmlns="" xmlns:ahyp="http://schemas.microsoft.com/office/drawing/2018/hyperlinkcolor" val="tx"/>
                     </a:ext>
                   </a:extLst>
                 </a:hlinkClick>
@@ -6874,11 +7585,18 @@
           </a:p>
           <a:p>
             <a:r>
+              <a:rPr lang="en-US" altLang="en-US" sz="2200" u="sng" dirty="0" err="1">
+                <a:latin typeface="Helvetica" panose="020B0604020202020204" pitchFamily="34" charset="0"/>
+                <a:ea typeface="ＭＳ Ｐゴシック" panose="020B0600070205080204" pitchFamily="34" charset="-128"/>
+              </a:rPr>
+              <a:t>BigML</a:t>
+            </a:r>
+            <a:r>
               <a:rPr lang="en-US" altLang="en-US" sz="2200" u="sng" dirty="0">
                 <a:latin typeface="Helvetica" panose="020B0604020202020204" pitchFamily="34" charset="0"/>
                 <a:ea typeface="ＭＳ Ｐゴシック" panose="020B0600070205080204" pitchFamily="34" charset="-128"/>
               </a:rPr>
-              <a:t>H2O (</a:t>
+              <a:t> &amp; </a:t>
             </a:r>
             <a:r>
               <a:rPr lang="en-US" altLang="en-US" sz="2200" u="sng" dirty="0" err="1">
@@ -6887,13 +7605,10 @@
               </a:rPr>
               <a:t>AutoML</a:t>
             </a:r>
-            <a:r>
-              <a:rPr lang="en-US" altLang="en-US" sz="2200" u="sng" dirty="0">
-                <a:latin typeface="Helvetica" panose="020B0604020202020204" pitchFamily="34" charset="0"/>
-                <a:ea typeface="ＭＳ Ｐゴシック" panose="020B0600070205080204" pitchFamily="34" charset="-128"/>
-              </a:rPr>
-              <a:t>)</a:t>
-            </a:r>
+            <a:endParaRPr lang="en-US" altLang="en-US" sz="2200" u="sng" dirty="0">
+              <a:latin typeface="Helvetica" panose="020B0604020202020204" pitchFamily="34" charset="0"/>
+              <a:ea typeface="ＭＳ Ｐゴシック" panose="020B0600070205080204" pitchFamily="34" charset="-128"/>
+            </a:endParaRPr>
           </a:p>
         </p:txBody>
       </p:sp>
@@ -7353,58 +8068,52 @@
               <a:defRPr/>
             </a:pPr>
             <a:r>
-              <a:rPr lang="en-US" altLang="en-US" sz="2000" dirty="0">
+              <a:rPr lang="en-US" altLang="en-US" sz="2000" b="1" dirty="0" err="1">
                 <a:latin typeface="Helvetica" panose="020B0604020202020204" pitchFamily="34" charset="0"/>
                 <a:ea typeface="ＭＳ Ｐゴシック" panose="020B0600070205080204" pitchFamily="34" charset="-128"/>
               </a:rPr>
-              <a:t>Databricks</a:t>
-            </a:r>
-          </a:p>
-          <a:p>
-            <a:pPr>
-              <a:defRPr/>
-            </a:pPr>
-            <a:r>
-              <a:rPr lang="en-US" altLang="en-US" sz="2000" dirty="0">
-                <a:latin typeface="Helvetica" panose="020B0604020202020204" pitchFamily="34" charset="0"/>
-                <a:ea typeface="ＭＳ Ｐゴシック" panose="020B0600070205080204" pitchFamily="34" charset="-128"/>
-              </a:rPr>
-              <a:t>Google Prediction API</a:t>
-            </a:r>
-          </a:p>
-          <a:p>
-            <a:pPr>
-              <a:defRPr/>
-            </a:pPr>
-            <a:r>
-              <a:rPr lang="en-US" altLang="en-US" sz="2000" dirty="0">
-                <a:latin typeface="Helvetica" panose="020B0604020202020204" pitchFamily="34" charset="0"/>
-                <a:ea typeface="ＭＳ Ｐゴシック" panose="020B0600070205080204" pitchFamily="34" charset="-128"/>
-              </a:rPr>
-              <a:t>IBM Watson</a:t>
-            </a:r>
-          </a:p>
-          <a:p>
-            <a:pPr>
-              <a:defRPr/>
-            </a:pPr>
-            <a:r>
-              <a:rPr lang="en-US" altLang="en-US" sz="2000" dirty="0">
-                <a:latin typeface="Helvetica" panose="020B0604020202020204" pitchFamily="34" charset="0"/>
-                <a:ea typeface="ＭＳ Ｐゴシック" panose="020B0600070205080204" pitchFamily="34" charset="-128"/>
-              </a:rPr>
-              <a:t>TensorFlow</a:t>
-            </a:r>
-          </a:p>
-          <a:p>
-            <a:pPr marL="0" indent="0">
-              <a:buNone/>
-              <a:defRPr/>
-            </a:pPr>
-            <a:endParaRPr lang="en-US" altLang="en-US" sz="2000" dirty="0">
+              <a:t>BigML</a:t>
+            </a:r>
+            <a:endParaRPr lang="en-US" altLang="en-US" sz="2000" b="1" dirty="0">
               <a:latin typeface="Helvetica" panose="020B0604020202020204" pitchFamily="34" charset="0"/>
               <a:ea typeface="ＭＳ Ｐゴシック" panose="020B0600070205080204" pitchFamily="34" charset="-128"/>
             </a:endParaRPr>
+          </a:p>
+          <a:p>
+            <a:pPr>
+              <a:defRPr/>
+            </a:pPr>
+            <a:r>
+              <a:rPr lang="en-US" altLang="en-US" sz="2000" dirty="0">
+                <a:latin typeface="Helvetica" panose="020B0604020202020204" pitchFamily="34" charset="0"/>
+                <a:ea typeface="ＭＳ Ｐゴシック" panose="020B0600070205080204" pitchFamily="34" charset="-128"/>
+              </a:rPr>
+              <a:t>Databricks</a:t>
+            </a:r>
+          </a:p>
+          <a:p>
+            <a:pPr>
+              <a:defRPr/>
+            </a:pPr>
+            <a:r>
+              <a:rPr lang="en-US" altLang="en-US" sz="2000" dirty="0">
+                <a:latin typeface="Helvetica" panose="020B0604020202020204" pitchFamily="34" charset="0"/>
+                <a:ea typeface="ＭＳ Ｐゴシック" panose="020B0600070205080204" pitchFamily="34" charset="-128"/>
+              </a:rPr>
+              <a:t>Google Prediction API</a:t>
+            </a:r>
+          </a:p>
+          <a:p>
+            <a:pPr>
+              <a:defRPr/>
+            </a:pPr>
+            <a:r>
+              <a:rPr lang="en-US" altLang="en-US" sz="2000" dirty="0">
+                <a:latin typeface="Helvetica" panose="020B0604020202020204" pitchFamily="34" charset="0"/>
+                <a:ea typeface="ＭＳ Ｐゴシック" panose="020B0600070205080204" pitchFamily="34" charset="-128"/>
+              </a:rPr>
+              <a:t>IBM Watson</a:t>
+            </a:r>
           </a:p>
         </p:txBody>
       </p:sp>
@@ -7606,7 +8315,7 @@
           <a:graphicData uri="http://schemas.openxmlformats.org/presentationml/2006/ole">
             <mc:AlternateContent xmlns:mc="http://schemas.openxmlformats.org/markup-compatibility/2006">
               <mc:Choice xmlns:v="urn:schemas-microsoft-com:vml" Requires="v">
-                <p:oleObj spid="_x0000_s1034" name="Packager Shell Object" showAsIcon="1" r:id="rId4" imgW="3290760" imgH="488520" progId="Package">
+                <p:oleObj spid="_x0000_s1044" name="Packager Shell Object" showAsIcon="1" r:id="rId4" imgW="3290760" imgH="488520" progId="Package">
                   <p:embed/>
                 </p:oleObj>
               </mc:Choice>

--- a/Presentation/Machine Learning As A Service.pptx
+++ b/Presentation/Machine Learning As A Service.pptx
@@ -10,7 +10,7 @@
   <p:sldIdLst>
     <p:sldId id="257" r:id="rId2"/>
     <p:sldId id="258" r:id="rId3"/>
-    <p:sldId id="259" r:id="rId4"/>
+    <p:sldId id="323" r:id="rId4"/>
     <p:sldId id="313" r:id="rId5"/>
     <p:sldId id="314" r:id="rId6"/>
     <p:sldId id="312" r:id="rId7"/>
@@ -859,6 +859,289 @@
 </file>
 
 <file path=ppt/notesSlides/notesSlide2.xml><?xml version="1.0" encoding="utf-8"?>
+<p:notes xmlns:a="http://schemas.openxmlformats.org/drawingml/2006/main" xmlns:r="http://schemas.openxmlformats.org/officeDocument/2006/relationships" xmlns:p="http://schemas.openxmlformats.org/presentationml/2006/main">
+  <p:cSld>
+    <p:spTree>
+      <p:nvGrpSpPr>
+        <p:cNvPr id="1" name=""/>
+        <p:cNvGrpSpPr/>
+        <p:nvPr/>
+      </p:nvGrpSpPr>
+      <p:grpSpPr>
+        <a:xfrm>
+          <a:off x="0" y="0"/>
+          <a:ext cx="0" cy="0"/>
+          <a:chOff x="0" y="0"/>
+          <a:chExt cx="0" cy="0"/>
+        </a:xfrm>
+      </p:grpSpPr>
+      <p:sp>
+        <p:nvSpPr>
+          <p:cNvPr id="6146" name="Slide Image Placeholder 1">
+            <a:extLst>
+              <a:ext uri="{FF2B5EF4-FFF2-40B4-BE49-F238E27FC236}">
+                <a16:creationId xmlns:a16="http://schemas.microsoft.com/office/drawing/2014/main" id="{B8E9931B-4669-43F4-A452-5F14C5A796F9}"/>
+              </a:ext>
+            </a:extLst>
+          </p:cNvPr>
+          <p:cNvSpPr>
+            <a:spLocks noGrp="1" noRot="1" noChangeAspect="1" noChangeArrowheads="1" noTextEdit="1"/>
+          </p:cNvSpPr>
+          <p:nvPr>
+            <p:ph type="sldImg"/>
+          </p:nvPr>
+        </p:nvSpPr>
+        <p:spPr bwMode="auto">
+          <a:noFill/>
+          <a:ln>
+            <a:solidFill>
+              <a:srgbClr val="000000"/>
+            </a:solidFill>
+            <a:miter lim="800000"/>
+            <a:headEnd/>
+            <a:tailEnd/>
+          </a:ln>
+          <a:extLst>
+            <a:ext uri="{909E8E84-426E-40DD-AFC4-6F175D3DCCD1}">
+              <a14:hiddenFill xmlns:a14="http://schemas.microsoft.com/office/drawing/2010/main">
+                <a:solidFill>
+                  <a:srgbClr val="FFFFFF"/>
+                </a:solidFill>
+              </a14:hiddenFill>
+            </a:ext>
+          </a:extLst>
+        </p:spPr>
+      </p:sp>
+      <p:sp>
+        <p:nvSpPr>
+          <p:cNvPr id="6147" name="Notes Placeholder 2">
+            <a:extLst>
+              <a:ext uri="{FF2B5EF4-FFF2-40B4-BE49-F238E27FC236}">
+                <a16:creationId xmlns:a16="http://schemas.microsoft.com/office/drawing/2014/main" id="{DFE337AC-1F67-4154-A8AC-760C5F8C6310}"/>
+              </a:ext>
+            </a:extLst>
+          </p:cNvPr>
+          <p:cNvSpPr>
+            <a:spLocks noGrp="1" noChangeArrowheads="1"/>
+          </p:cNvSpPr>
+          <p:nvPr>
+            <p:ph type="body" idx="1"/>
+          </p:nvPr>
+        </p:nvSpPr>
+        <p:spPr bwMode="auto">
+          <a:noFill/>
+          <a:extLst>
+            <a:ext uri="{909E8E84-426E-40DD-AFC4-6F175D3DCCD1}">
+              <a14:hiddenFill xmlns:a14="http://schemas.microsoft.com/office/drawing/2010/main">
+                <a:solidFill>
+                  <a:srgbClr val="FFFFFF"/>
+                </a:solidFill>
+              </a14:hiddenFill>
+            </a:ext>
+            <a:ext uri="{91240B29-F687-4F45-9708-019B960494DF}">
+              <a14:hiddenLine xmlns:a14="http://schemas.microsoft.com/office/drawing/2010/main" w="9525">
+                <a:solidFill>
+                  <a:srgbClr val="000000"/>
+                </a:solidFill>
+                <a:miter lim="800000"/>
+                <a:headEnd/>
+                <a:tailEnd/>
+              </a14:hiddenLine>
+            </a:ext>
+          </a:extLst>
+        </p:spPr>
+        <p:txBody>
+          <a:bodyPr wrap="square" numCol="1" anchor="t" anchorCtr="0" compatLnSpc="1">
+            <a:prstTxWarp prst="textNoShape">
+              <a:avLst/>
+            </a:prstTxWarp>
+          </a:bodyPr>
+          <a:lstStyle/>
+          <a:p>
+            <a:pPr eaLnBrk="1" hangingPunct="1">
+              <a:spcBef>
+                <a:spcPct val="0"/>
+              </a:spcBef>
+            </a:pPr>
+            <a:endParaRPr lang="en-US" altLang="en-US"/>
+          </a:p>
+        </p:txBody>
+      </p:sp>
+      <p:sp>
+        <p:nvSpPr>
+          <p:cNvPr id="6148" name="Slide Number Placeholder 3">
+            <a:extLst>
+              <a:ext uri="{FF2B5EF4-FFF2-40B4-BE49-F238E27FC236}">
+                <a16:creationId xmlns:a16="http://schemas.microsoft.com/office/drawing/2014/main" id="{FA3FC5DC-A65E-4305-B8E9-57EAF885C785}"/>
+              </a:ext>
+            </a:extLst>
+          </p:cNvPr>
+          <p:cNvSpPr>
+            <a:spLocks noGrp="1" noChangeArrowheads="1"/>
+          </p:cNvSpPr>
+          <p:nvPr>
+            <p:ph type="sldNum" sz="quarter" idx="5"/>
+          </p:nvPr>
+        </p:nvSpPr>
+        <p:spPr bwMode="auto">
+          <a:noFill/>
+          <a:extLst>
+            <a:ext uri="{909E8E84-426E-40DD-AFC4-6F175D3DCCD1}">
+              <a14:hiddenFill xmlns:a14="http://schemas.microsoft.com/office/drawing/2010/main">
+                <a:solidFill>
+                  <a:srgbClr val="FFFFFF"/>
+                </a:solidFill>
+              </a14:hiddenFill>
+            </a:ext>
+            <a:ext uri="{91240B29-F687-4F45-9708-019B960494DF}">
+              <a14:hiddenLine xmlns:a14="http://schemas.microsoft.com/office/drawing/2010/main" w="9525">
+                <a:solidFill>
+                  <a:srgbClr val="000000"/>
+                </a:solidFill>
+                <a:miter lim="800000"/>
+                <a:headEnd/>
+                <a:tailEnd/>
+              </a14:hiddenLine>
+            </a:ext>
+          </a:extLst>
+        </p:spPr>
+        <p:txBody>
+          <a:bodyPr wrap="square" numCol="1" anchorCtr="0" compatLnSpc="1">
+            <a:prstTxWarp prst="textNoShape">
+              <a:avLst/>
+            </a:prstTxWarp>
+          </a:bodyPr>
+          <a:lstStyle>
+            <a:lvl1pPr>
+              <a:defRPr>
+                <a:solidFill>
+                  <a:schemeClr val="tx1"/>
+                </a:solidFill>
+                <a:latin typeface="Arial" panose="020B0604020202020204" pitchFamily="34" charset="0"/>
+                <a:ea typeface="ＭＳ Ｐゴシック" panose="020B0600070205080204" pitchFamily="34" charset="-128"/>
+              </a:defRPr>
+            </a:lvl1pPr>
+            <a:lvl2pPr marL="742950" indent="-285750">
+              <a:defRPr>
+                <a:solidFill>
+                  <a:schemeClr val="tx1"/>
+                </a:solidFill>
+                <a:latin typeface="Arial" panose="020B0604020202020204" pitchFamily="34" charset="0"/>
+                <a:ea typeface="ＭＳ Ｐゴシック" panose="020B0600070205080204" pitchFamily="34" charset="-128"/>
+              </a:defRPr>
+            </a:lvl2pPr>
+            <a:lvl3pPr marL="1143000" indent="-228600">
+              <a:defRPr>
+                <a:solidFill>
+                  <a:schemeClr val="tx1"/>
+                </a:solidFill>
+                <a:latin typeface="Arial" panose="020B0604020202020204" pitchFamily="34" charset="0"/>
+                <a:ea typeface="ＭＳ Ｐゴシック" panose="020B0600070205080204" pitchFamily="34" charset="-128"/>
+              </a:defRPr>
+            </a:lvl3pPr>
+            <a:lvl4pPr marL="1600200" indent="-228600">
+              <a:defRPr>
+                <a:solidFill>
+                  <a:schemeClr val="tx1"/>
+                </a:solidFill>
+                <a:latin typeface="Arial" panose="020B0604020202020204" pitchFamily="34" charset="0"/>
+                <a:ea typeface="ＭＳ Ｐゴシック" panose="020B0600070205080204" pitchFamily="34" charset="-128"/>
+              </a:defRPr>
+            </a:lvl4pPr>
+            <a:lvl5pPr marL="2057400" indent="-228600">
+              <a:defRPr>
+                <a:solidFill>
+                  <a:schemeClr val="tx1"/>
+                </a:solidFill>
+                <a:latin typeface="Arial" panose="020B0604020202020204" pitchFamily="34" charset="0"/>
+                <a:ea typeface="ＭＳ Ｐゴシック" panose="020B0600070205080204" pitchFamily="34" charset="-128"/>
+              </a:defRPr>
+            </a:lvl5pPr>
+            <a:lvl6pPr marL="2514600" indent="-228600" defTabSz="457200" eaLnBrk="0" fontAlgn="base" hangingPunct="0">
+              <a:spcBef>
+                <a:spcPct val="0"/>
+              </a:spcBef>
+              <a:spcAft>
+                <a:spcPct val="0"/>
+              </a:spcAft>
+              <a:defRPr>
+                <a:solidFill>
+                  <a:schemeClr val="tx1"/>
+                </a:solidFill>
+                <a:latin typeface="Arial" panose="020B0604020202020204" pitchFamily="34" charset="0"/>
+                <a:ea typeface="ＭＳ Ｐゴシック" panose="020B0600070205080204" pitchFamily="34" charset="-128"/>
+              </a:defRPr>
+            </a:lvl6pPr>
+            <a:lvl7pPr marL="2971800" indent="-228600" defTabSz="457200" eaLnBrk="0" fontAlgn="base" hangingPunct="0">
+              <a:spcBef>
+                <a:spcPct val="0"/>
+              </a:spcBef>
+              <a:spcAft>
+                <a:spcPct val="0"/>
+              </a:spcAft>
+              <a:defRPr>
+                <a:solidFill>
+                  <a:schemeClr val="tx1"/>
+                </a:solidFill>
+                <a:latin typeface="Arial" panose="020B0604020202020204" pitchFamily="34" charset="0"/>
+                <a:ea typeface="ＭＳ Ｐゴシック" panose="020B0600070205080204" pitchFamily="34" charset="-128"/>
+              </a:defRPr>
+            </a:lvl7pPr>
+            <a:lvl8pPr marL="3429000" indent="-228600" defTabSz="457200" eaLnBrk="0" fontAlgn="base" hangingPunct="0">
+              <a:spcBef>
+                <a:spcPct val="0"/>
+              </a:spcBef>
+              <a:spcAft>
+                <a:spcPct val="0"/>
+              </a:spcAft>
+              <a:defRPr>
+                <a:solidFill>
+                  <a:schemeClr val="tx1"/>
+                </a:solidFill>
+                <a:latin typeface="Arial" panose="020B0604020202020204" pitchFamily="34" charset="0"/>
+                <a:ea typeface="ＭＳ Ｐゴシック" panose="020B0600070205080204" pitchFamily="34" charset="-128"/>
+              </a:defRPr>
+            </a:lvl8pPr>
+            <a:lvl9pPr marL="3886200" indent="-228600" defTabSz="457200" eaLnBrk="0" fontAlgn="base" hangingPunct="0">
+              <a:spcBef>
+                <a:spcPct val="0"/>
+              </a:spcBef>
+              <a:spcAft>
+                <a:spcPct val="0"/>
+              </a:spcAft>
+              <a:defRPr>
+                <a:solidFill>
+                  <a:schemeClr val="tx1"/>
+                </a:solidFill>
+                <a:latin typeface="Arial" panose="020B0604020202020204" pitchFamily="34" charset="0"/>
+                <a:ea typeface="ＭＳ Ｐゴシック" panose="020B0600070205080204" pitchFamily="34" charset="-128"/>
+              </a:defRPr>
+            </a:lvl9pPr>
+          </a:lstStyle>
+          <a:p>
+            <a:fld id="{F17F9BF1-F417-4F7F-93CF-865CBB448428}" type="slidenum">
+              <a:rPr lang="en-US" altLang="en-US" smtClean="0"/>
+              <a:pPr/>
+              <a:t>3</a:t>
+            </a:fld>
+            <a:endParaRPr lang="en-US" altLang="en-US"/>
+          </a:p>
+        </p:txBody>
+      </p:sp>
+    </p:spTree>
+    <p:extLst>
+      <p:ext uri="{BB962C8B-B14F-4D97-AF65-F5344CB8AC3E}">
+        <p14:creationId xmlns:p14="http://schemas.microsoft.com/office/powerpoint/2010/main" val="1002825169"/>
+      </p:ext>
+    </p:extLst>
+  </p:cSld>
+  <p:clrMapOvr>
+    <a:masterClrMapping/>
+  </p:clrMapOvr>
+</p:notes>
+</file>
+
+<file path=ppt/notesSlides/notesSlide3.xml><?xml version="1.0" encoding="utf-8"?>
 <p:notes xmlns:a="http://schemas.openxmlformats.org/drawingml/2006/main" xmlns:r="http://schemas.openxmlformats.org/officeDocument/2006/relationships" xmlns:p="http://schemas.openxmlformats.org/presentationml/2006/main">
   <p:cSld>
     <p:spTree>
@@ -5657,6 +5940,14 @@
 <file path=ppt/slides/slide1.xml><?xml version="1.0" encoding="utf-8"?>
 <p:sld xmlns:a="http://schemas.openxmlformats.org/drawingml/2006/main" xmlns:r="http://schemas.openxmlformats.org/officeDocument/2006/relationships" xmlns:p="http://schemas.openxmlformats.org/presentationml/2006/main">
   <p:cSld>
+    <p:bg>
+      <p:bgPr>
+        <a:solidFill>
+          <a:schemeClr val="bg1"/>
+        </a:solidFill>
+        <a:effectLst/>
+      </p:bgPr>
+    </p:bg>
     <p:spTree>
       <p:nvGrpSpPr>
         <p:cNvPr id="1" name=""/>
@@ -5671,49 +5962,234 @@
           <a:chExt cx="0" cy="0"/>
         </a:xfrm>
       </p:grpSpPr>
-      <p:sp>
-        <p:nvSpPr>
-          <p:cNvPr id="5122" name="Title 2">
-            <a:extLst>
-              <a:ext uri="{FF2B5EF4-FFF2-40B4-BE49-F238E27FC236}">
-                <a16:creationId xmlns:a16="http://schemas.microsoft.com/office/drawing/2014/main" id="{4458F3CB-E7D7-45AC-9772-DD94E7C43882}"/>
-              </a:ext>
-            </a:extLst>
-          </p:cNvPr>
-          <p:cNvSpPr>
-            <a:spLocks noGrp="1"/>
-          </p:cNvSpPr>
-          <p:nvPr>
-            <p:ph type="title"/>
+      <p:sp useBgFill="1">
+        <p:nvSpPr>
+          <p:cNvPr id="135" name="Rectangle 134">
+            <a:extLst>
+              <a:ext uri="{FF2B5EF4-FFF2-40B4-BE49-F238E27FC236}">
+                <a16:creationId xmlns:a16="http://schemas.microsoft.com/office/drawing/2014/main" id="{3B854194-185D-494D-905C-7C7CB2E30F6E}"/>
+              </a:ext>
+              <a:ext uri="{C183D7F6-B498-43B3-948B-1728B52AA6E4}">
+                <adec:decorative xmlns:adec="http://schemas.microsoft.com/office/drawing/2017/decorative" val="1"/>
+              </a:ext>
+            </a:extLst>
+          </p:cNvPr>
+          <p:cNvSpPr>
+            <a:spLocks noGrp="1" noRot="1" noChangeAspect="1" noMove="1" noResize="1" noEditPoints="1" noAdjustHandles="1" noChangeArrowheads="1" noChangeShapeType="1" noTextEdit="1"/>
+          </p:cNvSpPr>
+          <p:nvPr>
+            <p:extLst>
+              <p:ext uri="{386F3935-93C4-4BCD-93E2-E3B085C9AB24}">
+                <p16:designElem xmlns:p16="http://schemas.microsoft.com/office/powerpoint/2015/main" val="1"/>
+              </p:ext>
+            </p:extLst>
           </p:nvPr>
         </p:nvSpPr>
         <p:spPr>
           <a:xfrm>
-            <a:off x="533400" y="1752600"/>
-            <a:ext cx="8229600" cy="762000"/>
+            <a:off x="0" y="0"/>
+            <a:ext cx="4561583" cy="6858000"/>
+          </a:xfrm>
+          <a:prstGeom prst="rect">
+            <a:avLst/>
+          </a:prstGeom>
+          <a:ln>
+            <a:noFill/>
+          </a:ln>
+        </p:spPr>
+        <p:style>
+          <a:lnRef idx="2">
+            <a:schemeClr val="accent1">
+              <a:shade val="50000"/>
+            </a:schemeClr>
+          </a:lnRef>
+          <a:fillRef idx="1">
+            <a:schemeClr val="accent1"/>
+          </a:fillRef>
+          <a:effectRef idx="0">
+            <a:schemeClr val="accent1"/>
+          </a:effectRef>
+          <a:fontRef idx="minor">
+            <a:schemeClr val="lt1"/>
+          </a:fontRef>
+        </p:style>
+        <p:txBody>
+          <a:bodyPr rtlCol="0" anchor="ctr"/>
+          <a:lstStyle/>
+          <a:p>
+            <a:pPr algn="ctr"/>
+            <a:endParaRPr lang="en-US"/>
+          </a:p>
+        </p:txBody>
+      </p:sp>
+      <p:sp>
+        <p:nvSpPr>
+          <p:cNvPr id="137" name="Rectangle 136">
+            <a:extLst>
+              <a:ext uri="{FF2B5EF4-FFF2-40B4-BE49-F238E27FC236}">
+                <a16:creationId xmlns:a16="http://schemas.microsoft.com/office/drawing/2014/main" id="{B4F5FA0D-0104-4987-8241-EFF7C85B88DE}"/>
+              </a:ext>
+              <a:ext uri="{C183D7F6-B498-43B3-948B-1728B52AA6E4}">
+                <adec:decorative xmlns:adec="http://schemas.microsoft.com/office/drawing/2017/decorative" val="1"/>
+              </a:ext>
+            </a:extLst>
+          </p:cNvPr>
+          <p:cNvSpPr>
+            <a:spLocks noGrp="1" noRot="1" noChangeAspect="1" noMove="1" noResize="1" noEditPoints="1" noAdjustHandles="1" noChangeArrowheads="1" noChangeShapeType="1" noTextEdit="1"/>
+          </p:cNvSpPr>
+          <p:nvPr>
+            <p:extLst>
+              <p:ext uri="{386F3935-93C4-4BCD-93E2-E3B085C9AB24}">
+                <p16:designElem xmlns:p16="http://schemas.microsoft.com/office/powerpoint/2015/main" val="1"/>
+              </p:ext>
+            </p:extLst>
+          </p:nvPr>
+        </p:nvSpPr>
+        <p:spPr>
+          <a:xfrm>
+            <a:off x="0" y="0"/>
+            <a:ext cx="9143999" cy="6858000"/>
+          </a:xfrm>
+          <a:prstGeom prst="rect">
+            <a:avLst/>
+          </a:prstGeom>
+          <a:gradFill>
+            <a:gsLst>
+              <a:gs pos="0">
+                <a:schemeClr val="accent1">
+                  <a:lumMod val="90000"/>
+                </a:schemeClr>
+              </a:gs>
+              <a:gs pos="25000">
+                <a:schemeClr val="accent1">
+                  <a:lumMod val="90000"/>
+                </a:schemeClr>
+              </a:gs>
+              <a:gs pos="94000">
+                <a:schemeClr val="bg2">
+                  <a:lumMod val="25000"/>
+                </a:schemeClr>
+              </a:gs>
+              <a:gs pos="100000">
+                <a:schemeClr val="bg2">
+                  <a:lumMod val="25000"/>
+                </a:schemeClr>
+              </a:gs>
+            </a:gsLst>
+            <a:lin ang="4200000" scaled="0"/>
+          </a:gradFill>
+          <a:ln>
+            <a:noFill/>
+          </a:ln>
+        </p:spPr>
+        <p:style>
+          <a:lnRef idx="2">
+            <a:schemeClr val="accent1">
+              <a:shade val="50000"/>
+            </a:schemeClr>
+          </a:lnRef>
+          <a:fillRef idx="1">
+            <a:schemeClr val="accent1"/>
+          </a:fillRef>
+          <a:effectRef idx="0">
+            <a:schemeClr val="accent1"/>
+          </a:effectRef>
+          <a:fontRef idx="minor">
+            <a:schemeClr val="lt1"/>
+          </a:fontRef>
+        </p:style>
+        <p:txBody>
+          <a:bodyPr rtlCol="0" anchor="ctr"/>
+          <a:lstStyle/>
+          <a:p>
+            <a:pPr algn="ctr"/>
+            <a:endParaRPr lang="en-US"/>
+          </a:p>
+        </p:txBody>
+      </p:sp>
+      <p:pic>
+        <p:nvPicPr>
+          <p:cNvPr id="139" name="Picture 138">
+            <a:extLst>
+              <a:ext uri="{FF2B5EF4-FFF2-40B4-BE49-F238E27FC236}">
+                <a16:creationId xmlns:a16="http://schemas.microsoft.com/office/drawing/2014/main" id="{2897127E-6CEF-446C-BE87-93B7C46E49D1}"/>
+              </a:ext>
+              <a:ext uri="{C183D7F6-B498-43B3-948B-1728B52AA6E4}">
+                <adec:decorative xmlns:adec="http://schemas.microsoft.com/office/drawing/2017/decorative" val="1"/>
+              </a:ext>
+            </a:extLst>
+          </p:cNvPr>
+          <p:cNvPicPr>
+            <a:picLocks noGrp="1" noRot="1" noChangeAspect="1" noMove="1" noResize="1" noEditPoints="1" noAdjustHandles="1" noChangeArrowheads="1" noChangeShapeType="1" noCrop="1"/>
+          </p:cNvPicPr>
+          <p:nvPr>
+            <p:extLst>
+              <p:ext uri="{386F3935-93C4-4BCD-93E2-E3B085C9AB24}">
+                <p16:designElem xmlns:p16="http://schemas.microsoft.com/office/powerpoint/2015/main" val="1"/>
+              </p:ext>
+            </p:extLst>
+          </p:nvPr>
+        </p:nvPicPr>
+        <p:blipFill>
+          <a:blip r:embed="rId3">
+            <a:extLst>
+              <a:ext uri="{28A0092B-C50C-407E-A947-70E740481C1C}">
+                <a14:useLocalDpi xmlns:a14="http://schemas.microsoft.com/office/drawing/2010/main" val="0"/>
+              </a:ext>
+            </a:extLst>
+          </a:blip>
+          <a:stretch>
+            <a:fillRect/>
+          </a:stretch>
+        </p:blipFill>
+        <p:spPr>
+          <a:xfrm>
+            <a:off x="0" y="0"/>
+            <a:ext cx="9144000" cy="6858000"/>
+          </a:xfrm>
+          <a:prstGeom prst="rect">
+            <a:avLst/>
+          </a:prstGeom>
+        </p:spPr>
+      </p:pic>
+      <p:sp>
+        <p:nvSpPr>
+          <p:cNvPr id="5122" name="Title 2">
+            <a:extLst>
+              <a:ext uri="{FF2B5EF4-FFF2-40B4-BE49-F238E27FC236}">
+                <a16:creationId xmlns:a16="http://schemas.microsoft.com/office/drawing/2014/main" id="{4458F3CB-E7D7-45AC-9772-DD94E7C43882}"/>
+              </a:ext>
+            </a:extLst>
+          </p:cNvPr>
+          <p:cNvSpPr>
+            <a:spLocks noGrp="1"/>
+          </p:cNvSpPr>
+          <p:nvPr>
+            <p:ph type="title"/>
+          </p:nvPr>
+        </p:nvSpPr>
+        <p:spPr>
+          <a:xfrm>
+            <a:off x="480059" y="2053641"/>
+            <a:ext cx="2751871" cy="2760098"/>
           </a:xfrm>
         </p:spPr>
         <p:txBody>
-          <a:bodyPr/>
+          <a:bodyPr>
+            <a:normAutofit/>
+          </a:bodyPr>
           <a:lstStyle/>
           <a:p>
             <a:r>
-              <a:rPr lang="en-US" altLang="en-US" sz="3600">
-                <a:solidFill>
-                  <a:schemeClr val="tx1"/>
+              <a:rPr lang="en-US" altLang="en-US">
+                <a:solidFill>
+                  <a:srgbClr val="FFFFFF"/>
                 </a:solidFill>
                 <a:latin typeface="Helvetica" panose="020B0604020202020204" pitchFamily="34" charset="0"/>
                 <a:ea typeface="ＭＳ Ｐゴシック" panose="020B0600070205080204" pitchFamily="34" charset="-128"/>
               </a:rPr>
               <a:t>MACHINE LEARNING AS A SERVICE</a:t>
             </a:r>
-            <a:endParaRPr lang="en-US" altLang="en-US" sz="3600" dirty="0">
-              <a:solidFill>
-                <a:schemeClr val="tx1"/>
-              </a:solidFill>
-              <a:latin typeface="Helvetica" panose="020B0604020202020204" pitchFamily="34" charset="0"/>
-              <a:ea typeface="ＭＳ Ｐゴシック" panose="020B0600070205080204" pitchFamily="34" charset="-128"/>
-            </a:endParaRPr>
           </a:p>
         </p:txBody>
       </p:sp>
@@ -5735,87 +6211,118 @@
         </p:nvSpPr>
         <p:spPr>
           <a:xfrm>
-            <a:off x="457200" y="3276600"/>
-            <a:ext cx="8229600" cy="1935163"/>
+            <a:off x="4567930" y="801866"/>
+            <a:ext cx="3979563" cy="5230634"/>
           </a:xfrm>
         </p:spPr>
         <p:txBody>
-          <a:bodyPr>
-            <a:normAutofit lnSpcReduction="10000"/>
+          <a:bodyPr anchor="ctr">
+            <a:normAutofit/>
           </a:bodyPr>
           <a:lstStyle/>
           <a:p>
-            <a:pPr marL="0" indent="0" algn="ctr">
+            <a:pPr marL="0" indent="0">
               <a:buNone/>
               <a:defRPr/>
             </a:pPr>
             <a:r>
-              <a:rPr lang="en-US" sz="2200" b="1" i="1"/>
+              <a:rPr lang="en-US" b="1" i="1">
+                <a:solidFill>
+                  <a:srgbClr val="000000"/>
+                </a:solidFill>
+              </a:rPr>
               <a:t>INFO7390 15974 Advances Data Sci/Architecture</a:t>
             </a:r>
           </a:p>
           <a:p>
-            <a:pPr marL="0" indent="0" algn="ctr">
+            <a:pPr marL="0" indent="0">
               <a:buNone/>
               <a:defRPr/>
             </a:pPr>
             <a:r>
-              <a:rPr lang="en-US" sz="1600" b="1" i="1"/>
+              <a:rPr lang="en-US" b="1" i="1">
+                <a:solidFill>
+                  <a:srgbClr val="000000"/>
+                </a:solidFill>
+              </a:rPr>
               <a:t>By </a:t>
             </a:r>
           </a:p>
           <a:p>
-            <a:pPr marL="0" indent="0" algn="ctr">
+            <a:pPr marL="0" indent="0">
               <a:buNone/>
               <a:defRPr/>
             </a:pPr>
             <a:r>
-              <a:rPr lang="en-US" sz="1600" b="1" i="1"/>
+              <a:rPr lang="en-US" b="1" i="1">
+                <a:solidFill>
+                  <a:srgbClr val="000000"/>
+                </a:solidFill>
+              </a:rPr>
               <a:t>Abhinav Tiwari</a:t>
             </a:r>
           </a:p>
           <a:p>
-            <a:pPr marL="0" indent="0" algn="ctr">
+            <a:pPr marL="0" indent="0">
               <a:buNone/>
               <a:defRPr/>
             </a:pPr>
             <a:r>
-              <a:rPr lang="en-US" sz="1600" b="1" i="1"/>
+              <a:rPr lang="en-US" b="1" i="1">
+                <a:solidFill>
+                  <a:srgbClr val="000000"/>
+                </a:solidFill>
+              </a:rPr>
               <a:t>Dharit Shah</a:t>
             </a:r>
           </a:p>
           <a:p>
-            <a:pPr marL="0" indent="0" algn="ctr">
+            <a:pPr marL="0" indent="0">
               <a:buNone/>
               <a:defRPr/>
             </a:pPr>
             <a:r>
-              <a:rPr lang="en-US" sz="1600" b="1" i="1"/>
+              <a:rPr lang="en-US" b="1" i="1">
+                <a:solidFill>
+                  <a:srgbClr val="000000"/>
+                </a:solidFill>
+              </a:rPr>
               <a:t>Nilesh Nerkar</a:t>
             </a:r>
           </a:p>
           <a:p>
-            <a:pPr marL="0" indent="0" algn="ctr">
+            <a:pPr marL="0" indent="0">
               <a:buNone/>
               <a:defRPr/>
             </a:pPr>
             <a:r>
-              <a:rPr lang="en-US" sz="1600" b="1" i="1"/>
+              <a:rPr lang="en-US" b="1" i="1">
+                <a:solidFill>
+                  <a:srgbClr val="000000"/>
+                </a:solidFill>
+              </a:rPr>
               <a:t>(Team 2)</a:t>
             </a:r>
           </a:p>
           <a:p>
-            <a:pPr marL="0" indent="0" algn="ctr">
+            <a:pPr marL="0" indent="0">
               <a:buNone/>
               <a:defRPr/>
             </a:pPr>
-            <a:endParaRPr lang="en-US" sz="1600" i="1"/>
+            <a:endParaRPr lang="en-US" i="1">
+              <a:solidFill>
+                <a:srgbClr val="000000"/>
+              </a:solidFill>
+            </a:endParaRPr>
           </a:p>
           <a:p>
             <a:pPr>
               <a:defRPr/>
             </a:pPr>
-            <a:endParaRPr lang="en-US" altLang="en-US" dirty="0">
+            <a:endParaRPr lang="en-US" altLang="en-US">
+              <a:solidFill>
+                <a:srgbClr val="000000"/>
+              </a:solidFill>
               <a:latin typeface="Helvetica" panose="020B0604020202020204" pitchFamily="34" charset="0"/>
               <a:ea typeface="ＭＳ Ｐゴシック" panose="020B0600070205080204" pitchFamily="34" charset="-128"/>
             </a:endParaRPr>
@@ -6060,6 +6567,14 @@
 <file path=ppt/slides/slide11.xml><?xml version="1.0" encoding="utf-8"?>
 <p:sld xmlns:a="http://schemas.openxmlformats.org/drawingml/2006/main" xmlns:r="http://schemas.openxmlformats.org/officeDocument/2006/relationships" xmlns:p="http://schemas.openxmlformats.org/presentationml/2006/main">
   <p:cSld>
+    <p:bg>
+      <p:bgPr>
+        <a:solidFill>
+          <a:schemeClr val="bg1"/>
+        </a:solidFill>
+        <a:effectLst/>
+      </p:bgPr>
+    </p:bg>
     <p:spTree>
       <p:nvGrpSpPr>
         <p:cNvPr id="1" name=""/>
@@ -6074,35 +6589,229 @@
           <a:chExt cx="0" cy="0"/>
         </a:xfrm>
       </p:grpSpPr>
-      <p:sp>
-        <p:nvSpPr>
-          <p:cNvPr id="8194" name="Title 1">
-            <a:extLst>
-              <a:ext uri="{FF2B5EF4-FFF2-40B4-BE49-F238E27FC236}">
-                <a16:creationId xmlns:a16="http://schemas.microsoft.com/office/drawing/2014/main" id="{175676B8-48F3-40E9-BF9B-45F2D27F9810}"/>
-              </a:ext>
-            </a:extLst>
-          </p:cNvPr>
-          <p:cNvSpPr>
-            <a:spLocks noGrp="1"/>
-          </p:cNvSpPr>
-          <p:nvPr>
-            <p:ph type="title"/>
+      <p:sp useBgFill="1">
+        <p:nvSpPr>
+          <p:cNvPr id="72" name="Rectangle 71">
+            <a:extLst>
+              <a:ext uri="{FF2B5EF4-FFF2-40B4-BE49-F238E27FC236}">
+                <a16:creationId xmlns:a16="http://schemas.microsoft.com/office/drawing/2014/main" id="{3B854194-185D-494D-905C-7C7CB2E30F6E}"/>
+              </a:ext>
+              <a:ext uri="{C183D7F6-B498-43B3-948B-1728B52AA6E4}">
+                <adec:decorative xmlns:adec="http://schemas.microsoft.com/office/drawing/2017/decorative" val="1"/>
+              </a:ext>
+            </a:extLst>
+          </p:cNvPr>
+          <p:cNvSpPr>
+            <a:spLocks noGrp="1" noRot="1" noChangeAspect="1" noMove="1" noResize="1" noEditPoints="1" noAdjustHandles="1" noChangeArrowheads="1" noChangeShapeType="1" noTextEdit="1"/>
+          </p:cNvSpPr>
+          <p:nvPr>
+            <p:extLst>
+              <p:ext uri="{386F3935-93C4-4BCD-93E2-E3B085C9AB24}">
+                <p16:designElem xmlns:p16="http://schemas.microsoft.com/office/powerpoint/2015/main" val="1"/>
+              </p:ext>
+            </p:extLst>
           </p:nvPr>
         </p:nvSpPr>
         <p:spPr>
           <a:xfrm>
-            <a:off x="1371600" y="685800"/>
-            <a:ext cx="7886700" cy="993775"/>
+            <a:off x="0" y="0"/>
+            <a:ext cx="4561583" cy="6858000"/>
+          </a:xfrm>
+          <a:prstGeom prst="rect">
+            <a:avLst/>
+          </a:prstGeom>
+          <a:ln>
+            <a:noFill/>
+          </a:ln>
+        </p:spPr>
+        <p:style>
+          <a:lnRef idx="2">
+            <a:schemeClr val="accent1">
+              <a:shade val="50000"/>
+            </a:schemeClr>
+          </a:lnRef>
+          <a:fillRef idx="1">
+            <a:schemeClr val="accent1"/>
+          </a:fillRef>
+          <a:effectRef idx="0">
+            <a:schemeClr val="accent1"/>
+          </a:effectRef>
+          <a:fontRef idx="minor">
+            <a:schemeClr val="lt1"/>
+          </a:fontRef>
+        </p:style>
+        <p:txBody>
+          <a:bodyPr rtlCol="0" anchor="ctr"/>
+          <a:lstStyle/>
+          <a:p>
+            <a:pPr algn="ctr"/>
+            <a:endParaRPr lang="en-US"/>
+          </a:p>
+        </p:txBody>
+      </p:sp>
+      <p:sp>
+        <p:nvSpPr>
+          <p:cNvPr id="74" name="Rectangle 73">
+            <a:extLst>
+              <a:ext uri="{FF2B5EF4-FFF2-40B4-BE49-F238E27FC236}">
+                <a16:creationId xmlns:a16="http://schemas.microsoft.com/office/drawing/2014/main" id="{B4F5FA0D-0104-4987-8241-EFF7C85B88DE}"/>
+              </a:ext>
+              <a:ext uri="{C183D7F6-B498-43B3-948B-1728B52AA6E4}">
+                <adec:decorative xmlns:adec="http://schemas.microsoft.com/office/drawing/2017/decorative" val="1"/>
+              </a:ext>
+            </a:extLst>
+          </p:cNvPr>
+          <p:cNvSpPr>
+            <a:spLocks noGrp="1" noRot="1" noChangeAspect="1" noMove="1" noResize="1" noEditPoints="1" noAdjustHandles="1" noChangeArrowheads="1" noChangeShapeType="1" noTextEdit="1"/>
+          </p:cNvSpPr>
+          <p:nvPr>
+            <p:extLst>
+              <p:ext uri="{386F3935-93C4-4BCD-93E2-E3B085C9AB24}">
+                <p16:designElem xmlns:p16="http://schemas.microsoft.com/office/powerpoint/2015/main" val="1"/>
+              </p:ext>
+            </p:extLst>
+          </p:nvPr>
+        </p:nvSpPr>
+        <p:spPr>
+          <a:xfrm>
+            <a:off x="0" y="0"/>
+            <a:ext cx="9143999" cy="6858000"/>
+          </a:xfrm>
+          <a:prstGeom prst="rect">
+            <a:avLst/>
+          </a:prstGeom>
+          <a:gradFill>
+            <a:gsLst>
+              <a:gs pos="0">
+                <a:schemeClr val="accent1">
+                  <a:lumMod val="90000"/>
+                </a:schemeClr>
+              </a:gs>
+              <a:gs pos="25000">
+                <a:schemeClr val="accent1">
+                  <a:lumMod val="90000"/>
+                </a:schemeClr>
+              </a:gs>
+              <a:gs pos="94000">
+                <a:schemeClr val="bg2">
+                  <a:lumMod val="25000"/>
+                </a:schemeClr>
+              </a:gs>
+              <a:gs pos="100000">
+                <a:schemeClr val="bg2">
+                  <a:lumMod val="25000"/>
+                </a:schemeClr>
+              </a:gs>
+            </a:gsLst>
+            <a:lin ang="4200000" scaled="0"/>
+          </a:gradFill>
+          <a:ln>
+            <a:noFill/>
+          </a:ln>
+        </p:spPr>
+        <p:style>
+          <a:lnRef idx="2">
+            <a:schemeClr val="accent1">
+              <a:shade val="50000"/>
+            </a:schemeClr>
+          </a:lnRef>
+          <a:fillRef idx="1">
+            <a:schemeClr val="accent1"/>
+          </a:fillRef>
+          <a:effectRef idx="0">
+            <a:schemeClr val="accent1"/>
+          </a:effectRef>
+          <a:fontRef idx="minor">
+            <a:schemeClr val="lt1"/>
+          </a:fontRef>
+        </p:style>
+        <p:txBody>
+          <a:bodyPr rtlCol="0" anchor="ctr"/>
+          <a:lstStyle/>
+          <a:p>
+            <a:pPr algn="ctr"/>
+            <a:endParaRPr lang="en-US"/>
+          </a:p>
+        </p:txBody>
+      </p:sp>
+      <p:pic>
+        <p:nvPicPr>
+          <p:cNvPr id="76" name="Picture 75">
+            <a:extLst>
+              <a:ext uri="{FF2B5EF4-FFF2-40B4-BE49-F238E27FC236}">
+                <a16:creationId xmlns:a16="http://schemas.microsoft.com/office/drawing/2014/main" id="{2897127E-6CEF-446C-BE87-93B7C46E49D1}"/>
+              </a:ext>
+              <a:ext uri="{C183D7F6-B498-43B3-948B-1728B52AA6E4}">
+                <adec:decorative xmlns:adec="http://schemas.microsoft.com/office/drawing/2017/decorative" val="1"/>
+              </a:ext>
+            </a:extLst>
+          </p:cNvPr>
+          <p:cNvPicPr>
+            <a:picLocks noGrp="1" noRot="1" noChangeAspect="1" noMove="1" noResize="1" noEditPoints="1" noAdjustHandles="1" noChangeArrowheads="1" noChangeShapeType="1" noCrop="1"/>
+          </p:cNvPicPr>
+          <p:nvPr>
+            <p:extLst>
+              <p:ext uri="{386F3935-93C4-4BCD-93E2-E3B085C9AB24}">
+                <p16:designElem xmlns:p16="http://schemas.microsoft.com/office/powerpoint/2015/main" val="1"/>
+              </p:ext>
+            </p:extLst>
+          </p:nvPr>
+        </p:nvPicPr>
+        <p:blipFill>
+          <a:blip r:embed="rId2">
+            <a:extLst>
+              <a:ext uri="{28A0092B-C50C-407E-A947-70E740481C1C}">
+                <a14:useLocalDpi xmlns:a14="http://schemas.microsoft.com/office/drawing/2010/main" val="0"/>
+              </a:ext>
+            </a:extLst>
+          </a:blip>
+          <a:stretch>
+            <a:fillRect/>
+          </a:stretch>
+        </p:blipFill>
+        <p:spPr>
+          <a:xfrm>
+            <a:off x="0" y="0"/>
+            <a:ext cx="9144000" cy="6858000"/>
+          </a:xfrm>
+          <a:prstGeom prst="rect">
+            <a:avLst/>
+          </a:prstGeom>
+        </p:spPr>
+      </p:pic>
+      <p:sp>
+        <p:nvSpPr>
+          <p:cNvPr id="8194" name="Title 1">
+            <a:extLst>
+              <a:ext uri="{FF2B5EF4-FFF2-40B4-BE49-F238E27FC236}">
+                <a16:creationId xmlns:a16="http://schemas.microsoft.com/office/drawing/2014/main" id="{175676B8-48F3-40E9-BF9B-45F2D27F9810}"/>
+              </a:ext>
+            </a:extLst>
+          </p:cNvPr>
+          <p:cNvSpPr>
+            <a:spLocks noGrp="1"/>
+          </p:cNvSpPr>
+          <p:nvPr>
+            <p:ph type="title"/>
+          </p:nvPr>
+        </p:nvSpPr>
+        <p:spPr>
+          <a:xfrm>
+            <a:off x="480059" y="2053641"/>
+            <a:ext cx="2751871" cy="2760098"/>
           </a:xfrm>
         </p:spPr>
         <p:txBody>
-          <a:bodyPr/>
+          <a:bodyPr>
+            <a:normAutofit/>
+          </a:bodyPr>
           <a:lstStyle/>
           <a:p>
-            <a:pPr algn="l"/>
-            <a:r>
-              <a:rPr lang="en-US" altLang="en-US" sz="3200" dirty="0">
+            <a:r>
+              <a:rPr lang="en-US" altLang="en-US">
+                <a:solidFill>
+                  <a:srgbClr val="FFFFFF"/>
+                </a:solidFill>
                 <a:latin typeface="Helvetica" panose="020B0604020202020204" pitchFamily="34" charset="0"/>
                 <a:ea typeface="ＭＳ Ｐゴシック" panose="020B0600070205080204" pitchFamily="34" charset="-128"/>
               </a:rPr>
@@ -6129,12 +6838,12 @@
         </p:nvSpPr>
         <p:spPr>
           <a:xfrm>
-            <a:off x="404813" y="1447800"/>
-            <a:ext cx="8510587" cy="5257800"/>
+            <a:off x="4546343" y="1066800"/>
+            <a:ext cx="3979563" cy="5230634"/>
           </a:xfrm>
         </p:spPr>
         <p:txBody>
-          <a:bodyPr>
+          <a:bodyPr anchor="ctr">
             <a:normAutofit/>
           </a:bodyPr>
           <a:lstStyle/>
@@ -6144,7 +6853,10 @@
               <a:defRPr/>
             </a:pPr>
             <a:r>
-              <a:rPr lang="en-US" altLang="en-US" sz="2000" b="1" dirty="0">
+              <a:rPr lang="en-US" altLang="en-US" sz="1600" b="1" dirty="0">
+                <a:solidFill>
+                  <a:srgbClr val="000000"/>
+                </a:solidFill>
                 <a:latin typeface="Helvetica" panose="020B0604020202020204" pitchFamily="34" charset="0"/>
                 <a:ea typeface="ＭＳ Ｐゴシック" panose="020B0600070205080204" pitchFamily="34" charset="-128"/>
               </a:rPr>
@@ -6156,7 +6868,10 @@
               <a:defRPr/>
             </a:pPr>
             <a:r>
-              <a:rPr lang="en-US" altLang="en-US" sz="2000" dirty="0">
+              <a:rPr lang="en-US" altLang="en-US" sz="1600" dirty="0">
+                <a:solidFill>
+                  <a:srgbClr val="000000"/>
+                </a:solidFill>
                 <a:latin typeface="Helvetica" panose="020B0604020202020204" pitchFamily="34" charset="0"/>
                 <a:ea typeface="ＭＳ Ｐゴシック" panose="020B0600070205080204" pitchFamily="34" charset="-128"/>
               </a:rPr>
@@ -6168,7 +6883,10 @@
               <a:defRPr/>
             </a:pPr>
             <a:r>
-              <a:rPr lang="en-US" altLang="en-US" sz="2000" dirty="0">
+              <a:rPr lang="en-US" altLang="en-US" sz="1600" dirty="0">
+                <a:solidFill>
+                  <a:srgbClr val="000000"/>
+                </a:solidFill>
                 <a:latin typeface="Helvetica" panose="020B0604020202020204" pitchFamily="34" charset="0"/>
                 <a:ea typeface="ＭＳ Ｐゴシック" panose="020B0600070205080204" pitchFamily="34" charset="-128"/>
               </a:rPr>
@@ -6180,7 +6898,10 @@
               <a:defRPr/>
             </a:pPr>
             <a:r>
-              <a:rPr lang="en-US" altLang="en-US" sz="2000" dirty="0">
+              <a:rPr lang="en-US" altLang="en-US" sz="1600" dirty="0">
+                <a:solidFill>
+                  <a:srgbClr val="000000"/>
+                </a:solidFill>
                 <a:latin typeface="Helvetica" panose="020B0604020202020204" pitchFamily="34" charset="0"/>
                 <a:ea typeface="ＭＳ Ｐゴシック" panose="020B0600070205080204" pitchFamily="34" charset="-128"/>
               </a:rPr>
@@ -6192,7 +6913,10 @@
               <a:defRPr/>
             </a:pPr>
             <a:r>
-              <a:rPr lang="en-US" altLang="en-US" sz="2000" dirty="0">
+              <a:rPr lang="en-US" altLang="en-US" sz="1600" dirty="0">
+                <a:solidFill>
+                  <a:srgbClr val="000000"/>
+                </a:solidFill>
                 <a:latin typeface="Helvetica" panose="020B0604020202020204" pitchFamily="34" charset="0"/>
                 <a:ea typeface="ＭＳ Ｐゴシック" panose="020B0600070205080204" pitchFamily="34" charset="-128"/>
               </a:rPr>
@@ -6204,7 +6928,10 @@
               <a:defRPr/>
             </a:pPr>
             <a:r>
-              <a:rPr lang="en-US" altLang="en-US" sz="2000" dirty="0">
+              <a:rPr lang="en-US" altLang="en-US" sz="1600" dirty="0">
+                <a:solidFill>
+                  <a:srgbClr val="000000"/>
+                </a:solidFill>
                 <a:latin typeface="Helvetica" panose="020B0604020202020204" pitchFamily="34" charset="0"/>
                 <a:ea typeface="ＭＳ Ｐゴシック" panose="020B0600070205080204" pitchFamily="34" charset="-128"/>
               </a:rPr>
@@ -6217,7 +6944,10 @@
               <a:defRPr/>
             </a:pPr>
             <a:r>
-              <a:rPr lang="en-US" altLang="en-US" sz="2000" b="1" dirty="0">
+              <a:rPr lang="en-US" altLang="en-US" sz="1600" b="1" dirty="0">
+                <a:solidFill>
+                  <a:srgbClr val="000000"/>
+                </a:solidFill>
                 <a:latin typeface="Helvetica" panose="020B0604020202020204" pitchFamily="34" charset="0"/>
                 <a:ea typeface="ＭＳ Ｐゴシック" panose="020B0600070205080204" pitchFamily="34" charset="-128"/>
               </a:rPr>
@@ -6229,7 +6959,10 @@
               <a:defRPr/>
             </a:pPr>
             <a:r>
-              <a:rPr lang="en-US" altLang="en-US" sz="2000" dirty="0">
+              <a:rPr lang="en-US" altLang="en-US" sz="1600" dirty="0">
+                <a:solidFill>
+                  <a:srgbClr val="000000"/>
+                </a:solidFill>
                 <a:latin typeface="Helvetica" panose="020B0604020202020204" pitchFamily="34" charset="0"/>
                 <a:ea typeface="ＭＳ Ｐゴシック" panose="020B0600070205080204" pitchFamily="34" charset="-128"/>
               </a:rPr>
@@ -6241,7 +6974,10 @@
               <a:defRPr/>
             </a:pPr>
             <a:r>
-              <a:rPr lang="en-US" altLang="en-US" sz="2000" dirty="0">
+              <a:rPr lang="en-US" altLang="en-US" sz="1600" dirty="0">
+                <a:solidFill>
+                  <a:srgbClr val="000000"/>
+                </a:solidFill>
                 <a:latin typeface="Helvetica" panose="020B0604020202020204" pitchFamily="34" charset="0"/>
                 <a:ea typeface="ＭＳ Ｐゴシック" panose="020B0600070205080204" pitchFamily="34" charset="-128"/>
               </a:rPr>
@@ -6253,7 +6989,10 @@
               <a:defRPr/>
             </a:pPr>
             <a:r>
-              <a:rPr lang="en-US" altLang="en-US" sz="2000" dirty="0">
+              <a:rPr lang="en-US" altLang="en-US" sz="1600" dirty="0">
+                <a:solidFill>
+                  <a:srgbClr val="000000"/>
+                </a:solidFill>
                 <a:latin typeface="Helvetica" panose="020B0604020202020204" pitchFamily="34" charset="0"/>
                 <a:ea typeface="ＭＳ Ｐゴシック" panose="020B0600070205080204" pitchFamily="34" charset="-128"/>
               </a:rPr>
@@ -6266,7 +7005,10 @@
               <a:defRPr/>
             </a:pPr>
             <a:r>
-              <a:rPr lang="en-US" altLang="en-US" sz="2000" b="1" dirty="0">
+              <a:rPr lang="en-US" altLang="en-US" sz="1600" b="1" dirty="0">
+                <a:solidFill>
+                  <a:srgbClr val="000000"/>
+                </a:solidFill>
                 <a:latin typeface="Helvetica" panose="020B0604020202020204" pitchFamily="34" charset="0"/>
                 <a:ea typeface="ＭＳ Ｐゴシック" panose="020B0600070205080204" pitchFamily="34" charset="-128"/>
               </a:rPr>
@@ -6278,7 +7020,10 @@
               <a:defRPr/>
             </a:pPr>
             <a:r>
-              <a:rPr lang="en-US" altLang="en-US" sz="2000" dirty="0">
+              <a:rPr lang="en-US" altLang="en-US" sz="1600" dirty="0">
+                <a:solidFill>
+                  <a:srgbClr val="000000"/>
+                </a:solidFill>
                 <a:latin typeface="Helvetica" panose="020B0604020202020204" pitchFamily="34" charset="0"/>
                 <a:ea typeface="ＭＳ Ｐゴシック" panose="020B0600070205080204" pitchFamily="34" charset="-128"/>
               </a:rPr>
@@ -6290,7 +7035,10 @@
               <a:defRPr/>
             </a:pPr>
             <a:r>
-              <a:rPr lang="en-US" altLang="en-US" sz="2000" dirty="0">
+              <a:rPr lang="en-US" altLang="en-US" sz="1600" dirty="0">
+                <a:solidFill>
+                  <a:srgbClr val="000000"/>
+                </a:solidFill>
                 <a:latin typeface="Helvetica" panose="020B0604020202020204" pitchFamily="34" charset="0"/>
                 <a:ea typeface="ＭＳ Ｐゴシック" panose="020B0600070205080204" pitchFamily="34" charset="-128"/>
               </a:rPr>
@@ -6302,7 +7050,10 @@
               <a:defRPr/>
             </a:pPr>
             <a:r>
-              <a:rPr lang="en-US" altLang="en-US" sz="2000" dirty="0">
+              <a:rPr lang="en-US" altLang="en-US" sz="1600" dirty="0">
+                <a:solidFill>
+                  <a:srgbClr val="000000"/>
+                </a:solidFill>
                 <a:latin typeface="Helvetica" panose="020B0604020202020204" pitchFamily="34" charset="0"/>
                 <a:ea typeface="ＭＳ Ｐゴシック" panose="020B0600070205080204" pitchFamily="34" charset="-128"/>
               </a:rPr>
@@ -6314,7 +7065,10 @@
               <a:buNone/>
               <a:defRPr/>
             </a:pPr>
-            <a:endParaRPr lang="en-US" altLang="en-US" sz="2400" dirty="0">
+            <a:endParaRPr lang="en-US" altLang="en-US" sz="1600" dirty="0">
+              <a:solidFill>
+                <a:srgbClr val="000000"/>
+              </a:solidFill>
               <a:latin typeface="Helvetica" panose="020B0604020202020204" pitchFamily="34" charset="0"/>
               <a:ea typeface="ＭＳ Ｐゴシック" panose="020B0600070205080204" pitchFamily="34" charset="-128"/>
             </a:endParaRPr>
@@ -6324,7 +7078,10 @@
               <a:buNone/>
               <a:defRPr/>
             </a:pPr>
-            <a:endParaRPr lang="en-US" altLang="en-US" sz="2400" dirty="0">
+            <a:endParaRPr lang="en-US" altLang="en-US" sz="1600" dirty="0">
+              <a:solidFill>
+                <a:srgbClr val="000000"/>
+              </a:solidFill>
               <a:latin typeface="Helvetica" panose="020B0604020202020204" pitchFamily="34" charset="0"/>
               <a:ea typeface="ＭＳ Ｐゴシック" panose="020B0600070205080204" pitchFamily="34" charset="-128"/>
             </a:endParaRPr>
@@ -6347,6 +7104,14 @@
 <file path=ppt/slides/slide12.xml><?xml version="1.0" encoding="utf-8"?>
 <p:sld xmlns:a="http://schemas.openxmlformats.org/drawingml/2006/main" xmlns:r="http://schemas.openxmlformats.org/officeDocument/2006/relationships" xmlns:p="http://schemas.openxmlformats.org/presentationml/2006/main">
   <p:cSld>
+    <p:bg>
+      <p:bgPr>
+        <a:solidFill>
+          <a:schemeClr val="bg1"/>
+        </a:solidFill>
+        <a:effectLst/>
+      </p:bgPr>
+    </p:bg>
     <p:spTree>
       <p:nvGrpSpPr>
         <p:cNvPr id="1" name=""/>
@@ -6361,35 +7126,229 @@
           <a:chExt cx="0" cy="0"/>
         </a:xfrm>
       </p:grpSpPr>
-      <p:sp>
-        <p:nvSpPr>
-          <p:cNvPr id="8194" name="Title 1">
-            <a:extLst>
-              <a:ext uri="{FF2B5EF4-FFF2-40B4-BE49-F238E27FC236}">
-                <a16:creationId xmlns:a16="http://schemas.microsoft.com/office/drawing/2014/main" id="{175676B8-48F3-40E9-BF9B-45F2D27F9810}"/>
-              </a:ext>
-            </a:extLst>
-          </p:cNvPr>
-          <p:cNvSpPr>
-            <a:spLocks noGrp="1"/>
-          </p:cNvSpPr>
-          <p:nvPr>
-            <p:ph type="title"/>
+      <p:sp useBgFill="1">
+        <p:nvSpPr>
+          <p:cNvPr id="72" name="Rectangle 71">
+            <a:extLst>
+              <a:ext uri="{FF2B5EF4-FFF2-40B4-BE49-F238E27FC236}">
+                <a16:creationId xmlns:a16="http://schemas.microsoft.com/office/drawing/2014/main" id="{3B854194-185D-494D-905C-7C7CB2E30F6E}"/>
+              </a:ext>
+              <a:ext uri="{C183D7F6-B498-43B3-948B-1728B52AA6E4}">
+                <adec:decorative xmlns:adec="http://schemas.microsoft.com/office/drawing/2017/decorative" val="1"/>
+              </a:ext>
+            </a:extLst>
+          </p:cNvPr>
+          <p:cNvSpPr>
+            <a:spLocks noGrp="1" noRot="1" noChangeAspect="1" noMove="1" noResize="1" noEditPoints="1" noAdjustHandles="1" noChangeArrowheads="1" noChangeShapeType="1" noTextEdit="1"/>
+          </p:cNvSpPr>
+          <p:nvPr>
+            <p:extLst>
+              <p:ext uri="{386F3935-93C4-4BCD-93E2-E3B085C9AB24}">
+                <p16:designElem xmlns:p16="http://schemas.microsoft.com/office/powerpoint/2015/main" val="1"/>
+              </p:ext>
+            </p:extLst>
           </p:nvPr>
         </p:nvSpPr>
         <p:spPr>
           <a:xfrm>
-            <a:off x="409575" y="762000"/>
-            <a:ext cx="7886700" cy="993775"/>
+            <a:off x="0" y="0"/>
+            <a:ext cx="4561583" cy="6858000"/>
+          </a:xfrm>
+          <a:prstGeom prst="rect">
+            <a:avLst/>
+          </a:prstGeom>
+          <a:ln>
+            <a:noFill/>
+          </a:ln>
+        </p:spPr>
+        <p:style>
+          <a:lnRef idx="2">
+            <a:schemeClr val="accent1">
+              <a:shade val="50000"/>
+            </a:schemeClr>
+          </a:lnRef>
+          <a:fillRef idx="1">
+            <a:schemeClr val="accent1"/>
+          </a:fillRef>
+          <a:effectRef idx="0">
+            <a:schemeClr val="accent1"/>
+          </a:effectRef>
+          <a:fontRef idx="minor">
+            <a:schemeClr val="lt1"/>
+          </a:fontRef>
+        </p:style>
+        <p:txBody>
+          <a:bodyPr rtlCol="0" anchor="ctr"/>
+          <a:lstStyle/>
+          <a:p>
+            <a:pPr algn="ctr"/>
+            <a:endParaRPr lang="en-US"/>
+          </a:p>
+        </p:txBody>
+      </p:sp>
+      <p:sp>
+        <p:nvSpPr>
+          <p:cNvPr id="74" name="Rectangle 73">
+            <a:extLst>
+              <a:ext uri="{FF2B5EF4-FFF2-40B4-BE49-F238E27FC236}">
+                <a16:creationId xmlns:a16="http://schemas.microsoft.com/office/drawing/2014/main" id="{B4F5FA0D-0104-4987-8241-EFF7C85B88DE}"/>
+              </a:ext>
+              <a:ext uri="{C183D7F6-B498-43B3-948B-1728B52AA6E4}">
+                <adec:decorative xmlns:adec="http://schemas.microsoft.com/office/drawing/2017/decorative" val="1"/>
+              </a:ext>
+            </a:extLst>
+          </p:cNvPr>
+          <p:cNvSpPr>
+            <a:spLocks noGrp="1" noRot="1" noChangeAspect="1" noMove="1" noResize="1" noEditPoints="1" noAdjustHandles="1" noChangeArrowheads="1" noChangeShapeType="1" noTextEdit="1"/>
+          </p:cNvSpPr>
+          <p:nvPr>
+            <p:extLst>
+              <p:ext uri="{386F3935-93C4-4BCD-93E2-E3B085C9AB24}">
+                <p16:designElem xmlns:p16="http://schemas.microsoft.com/office/powerpoint/2015/main" val="1"/>
+              </p:ext>
+            </p:extLst>
+          </p:nvPr>
+        </p:nvSpPr>
+        <p:spPr>
+          <a:xfrm>
+            <a:off x="0" y="0"/>
+            <a:ext cx="9143999" cy="6858000"/>
+          </a:xfrm>
+          <a:prstGeom prst="rect">
+            <a:avLst/>
+          </a:prstGeom>
+          <a:gradFill>
+            <a:gsLst>
+              <a:gs pos="0">
+                <a:schemeClr val="accent1">
+                  <a:lumMod val="90000"/>
+                </a:schemeClr>
+              </a:gs>
+              <a:gs pos="25000">
+                <a:schemeClr val="accent1">
+                  <a:lumMod val="90000"/>
+                </a:schemeClr>
+              </a:gs>
+              <a:gs pos="94000">
+                <a:schemeClr val="bg2">
+                  <a:lumMod val="25000"/>
+                </a:schemeClr>
+              </a:gs>
+              <a:gs pos="100000">
+                <a:schemeClr val="bg2">
+                  <a:lumMod val="25000"/>
+                </a:schemeClr>
+              </a:gs>
+            </a:gsLst>
+            <a:lin ang="4200000" scaled="0"/>
+          </a:gradFill>
+          <a:ln>
+            <a:noFill/>
+          </a:ln>
+        </p:spPr>
+        <p:style>
+          <a:lnRef idx="2">
+            <a:schemeClr val="accent1">
+              <a:shade val="50000"/>
+            </a:schemeClr>
+          </a:lnRef>
+          <a:fillRef idx="1">
+            <a:schemeClr val="accent1"/>
+          </a:fillRef>
+          <a:effectRef idx="0">
+            <a:schemeClr val="accent1"/>
+          </a:effectRef>
+          <a:fontRef idx="minor">
+            <a:schemeClr val="lt1"/>
+          </a:fontRef>
+        </p:style>
+        <p:txBody>
+          <a:bodyPr rtlCol="0" anchor="ctr"/>
+          <a:lstStyle/>
+          <a:p>
+            <a:pPr algn="ctr"/>
+            <a:endParaRPr lang="en-US"/>
+          </a:p>
+        </p:txBody>
+      </p:sp>
+      <p:pic>
+        <p:nvPicPr>
+          <p:cNvPr id="76" name="Picture 75">
+            <a:extLst>
+              <a:ext uri="{FF2B5EF4-FFF2-40B4-BE49-F238E27FC236}">
+                <a16:creationId xmlns:a16="http://schemas.microsoft.com/office/drawing/2014/main" id="{2897127E-6CEF-446C-BE87-93B7C46E49D1}"/>
+              </a:ext>
+              <a:ext uri="{C183D7F6-B498-43B3-948B-1728B52AA6E4}">
+                <adec:decorative xmlns:adec="http://schemas.microsoft.com/office/drawing/2017/decorative" val="1"/>
+              </a:ext>
+            </a:extLst>
+          </p:cNvPr>
+          <p:cNvPicPr>
+            <a:picLocks noGrp="1" noRot="1" noChangeAspect="1" noMove="1" noResize="1" noEditPoints="1" noAdjustHandles="1" noChangeArrowheads="1" noChangeShapeType="1" noCrop="1"/>
+          </p:cNvPicPr>
+          <p:nvPr>
+            <p:extLst>
+              <p:ext uri="{386F3935-93C4-4BCD-93E2-E3B085C9AB24}">
+                <p16:designElem xmlns:p16="http://schemas.microsoft.com/office/powerpoint/2015/main" val="1"/>
+              </p:ext>
+            </p:extLst>
+          </p:nvPr>
+        </p:nvPicPr>
+        <p:blipFill>
+          <a:blip r:embed="rId2">
+            <a:extLst>
+              <a:ext uri="{28A0092B-C50C-407E-A947-70E740481C1C}">
+                <a14:useLocalDpi xmlns:a14="http://schemas.microsoft.com/office/drawing/2010/main" val="0"/>
+              </a:ext>
+            </a:extLst>
+          </a:blip>
+          <a:stretch>
+            <a:fillRect/>
+          </a:stretch>
+        </p:blipFill>
+        <p:spPr>
+          <a:xfrm>
+            <a:off x="0" y="0"/>
+            <a:ext cx="9144000" cy="6858000"/>
+          </a:xfrm>
+          <a:prstGeom prst="rect">
+            <a:avLst/>
+          </a:prstGeom>
+        </p:spPr>
+      </p:pic>
+      <p:sp>
+        <p:nvSpPr>
+          <p:cNvPr id="8194" name="Title 1">
+            <a:extLst>
+              <a:ext uri="{FF2B5EF4-FFF2-40B4-BE49-F238E27FC236}">
+                <a16:creationId xmlns:a16="http://schemas.microsoft.com/office/drawing/2014/main" id="{175676B8-48F3-40E9-BF9B-45F2D27F9810}"/>
+              </a:ext>
+            </a:extLst>
+          </p:cNvPr>
+          <p:cNvSpPr>
+            <a:spLocks noGrp="1"/>
+          </p:cNvSpPr>
+          <p:nvPr>
+            <p:ph type="title"/>
+          </p:nvPr>
+        </p:nvSpPr>
+        <p:spPr>
+          <a:xfrm>
+            <a:off x="480059" y="2053641"/>
+            <a:ext cx="2751871" cy="2760098"/>
           </a:xfrm>
         </p:spPr>
         <p:txBody>
-          <a:bodyPr/>
+          <a:bodyPr>
+            <a:normAutofit/>
+          </a:bodyPr>
           <a:lstStyle/>
           <a:p>
-            <a:pPr algn="l"/>
-            <a:r>
-              <a:rPr lang="en-US" altLang="en-US" sz="3200" dirty="0">
+            <a:r>
+              <a:rPr lang="en-US" altLang="en-US">
+                <a:solidFill>
+                  <a:srgbClr val="FFFFFF"/>
+                </a:solidFill>
                 <a:latin typeface="Helvetica" panose="020B0604020202020204" pitchFamily="34" charset="0"/>
                 <a:ea typeface="ＭＳ Ｐゴシック" panose="020B0600070205080204" pitchFamily="34" charset="-128"/>
               </a:rPr>
@@ -6416,19 +7375,24 @@
         </p:nvSpPr>
         <p:spPr>
           <a:xfrm>
-            <a:off x="409575" y="1755775"/>
-            <a:ext cx="8429625" cy="4721225"/>
+            <a:off x="4567930" y="801866"/>
+            <a:ext cx="3979563" cy="5230634"/>
           </a:xfrm>
         </p:spPr>
         <p:txBody>
-          <a:bodyPr/>
+          <a:bodyPr anchor="ctr">
+            <a:normAutofit/>
+          </a:bodyPr>
           <a:lstStyle/>
           <a:p>
             <a:pPr marL="0" indent="0">
               <a:buNone/>
               <a:defRPr/>
             </a:pPr>
-            <a:endParaRPr lang="en-US" altLang="en-US" sz="2400" dirty="0">
+            <a:endParaRPr lang="en-US" altLang="en-US">
+              <a:solidFill>
+                <a:srgbClr val="000000"/>
+              </a:solidFill>
               <a:latin typeface="Helvetica" panose="020B0604020202020204" pitchFamily="34" charset="0"/>
               <a:ea typeface="ＭＳ Ｐゴシック" panose="020B0600070205080204" pitchFamily="34" charset="-128"/>
             </a:endParaRPr>
@@ -6451,6 +7415,14 @@
 <file path=ppt/slides/slide13.xml><?xml version="1.0" encoding="utf-8"?>
 <p:sld xmlns:a="http://schemas.openxmlformats.org/drawingml/2006/main" xmlns:r="http://schemas.openxmlformats.org/officeDocument/2006/relationships" xmlns:p="http://schemas.openxmlformats.org/presentationml/2006/main">
   <p:cSld>
+    <p:bg>
+      <p:bgPr>
+        <a:solidFill>
+          <a:schemeClr val="bg1"/>
+        </a:solidFill>
+        <a:effectLst/>
+      </p:bgPr>
+    </p:bg>
     <p:spTree>
       <p:nvGrpSpPr>
         <p:cNvPr id="1" name=""/>
@@ -6465,70 +7437,216 @@
           <a:chExt cx="0" cy="0"/>
         </a:xfrm>
       </p:grpSpPr>
-      <p:sp>
-        <p:nvSpPr>
-          <p:cNvPr id="8194" name="Title 1">
-            <a:extLst>
-              <a:ext uri="{FF2B5EF4-FFF2-40B4-BE49-F238E27FC236}">
-                <a16:creationId xmlns:a16="http://schemas.microsoft.com/office/drawing/2014/main" id="{175676B8-48F3-40E9-BF9B-45F2D27F9810}"/>
-              </a:ext>
-            </a:extLst>
-          </p:cNvPr>
-          <p:cNvSpPr>
-            <a:spLocks noGrp="1"/>
-          </p:cNvSpPr>
-          <p:nvPr>
-            <p:ph type="title"/>
+      <p:sp useBgFill="1">
+        <p:nvSpPr>
+          <p:cNvPr id="72" name="Rectangle 71">
+            <a:extLst>
+              <a:ext uri="{FF2B5EF4-FFF2-40B4-BE49-F238E27FC236}">
+                <a16:creationId xmlns:a16="http://schemas.microsoft.com/office/drawing/2014/main" id="{3B854194-185D-494D-905C-7C7CB2E30F6E}"/>
+              </a:ext>
+              <a:ext uri="{C183D7F6-B498-43B3-948B-1728B52AA6E4}">
+                <adec:decorative xmlns:adec="http://schemas.microsoft.com/office/drawing/2017/decorative" val="1"/>
+              </a:ext>
+            </a:extLst>
+          </p:cNvPr>
+          <p:cNvSpPr>
+            <a:spLocks noGrp="1" noRot="1" noChangeAspect="1" noMove="1" noResize="1" noEditPoints="1" noAdjustHandles="1" noChangeArrowheads="1" noChangeShapeType="1" noTextEdit="1"/>
+          </p:cNvSpPr>
+          <p:nvPr>
+            <p:extLst>
+              <p:ext uri="{386F3935-93C4-4BCD-93E2-E3B085C9AB24}">
+                <p16:designElem xmlns:p16="http://schemas.microsoft.com/office/powerpoint/2015/main" val="1"/>
+              </p:ext>
+            </p:extLst>
           </p:nvPr>
         </p:nvSpPr>
         <p:spPr>
           <a:xfrm>
-            <a:off x="404813" y="632701"/>
-            <a:ext cx="7886700" cy="993775"/>
+            <a:off x="0" y="0"/>
+            <a:ext cx="4561583" cy="6858000"/>
           </a:xfrm>
+          <a:prstGeom prst="rect">
+            <a:avLst/>
+          </a:prstGeom>
+          <a:ln>
+            <a:noFill/>
+          </a:ln>
         </p:spPr>
-        <p:txBody>
-          <a:bodyPr/>
+        <p:style>
+          <a:lnRef idx="2">
+            <a:schemeClr val="accent1">
+              <a:shade val="50000"/>
+            </a:schemeClr>
+          </a:lnRef>
+          <a:fillRef idx="1">
+            <a:schemeClr val="accent1"/>
+          </a:fillRef>
+          <a:effectRef idx="0">
+            <a:schemeClr val="accent1"/>
+          </a:effectRef>
+          <a:fontRef idx="minor">
+            <a:schemeClr val="lt1"/>
+          </a:fontRef>
+        </p:style>
+        <p:txBody>
+          <a:bodyPr rtlCol="0" anchor="ctr"/>
           <a:lstStyle/>
           <a:p>
-            <a:pPr algn="l"/>
-            <a:r>
-              <a:rPr lang="en-US" altLang="en-US" sz="3200" dirty="0" err="1">
-                <a:latin typeface="Helvetica" panose="020B0604020202020204" pitchFamily="34" charset="0"/>
-                <a:ea typeface="ＭＳ Ｐゴシック" panose="020B0600070205080204" pitchFamily="34" charset="-128"/>
-              </a:rPr>
-              <a:t>AutoML</a:t>
-            </a:r>
-            <a:r>
-              <a:rPr lang="en-US" altLang="en-US" sz="3200" dirty="0">
-                <a:latin typeface="Helvetica" panose="020B0604020202020204" pitchFamily="34" charset="0"/>
-                <a:ea typeface="ＭＳ Ｐゴシック" panose="020B0600070205080204" pitchFamily="34" charset="-128"/>
-              </a:rPr>
-              <a:t> Services</a:t>
-            </a:r>
-          </a:p>
-        </p:txBody>
-      </p:sp>
-      <p:sp>
-        <p:nvSpPr>
-          <p:cNvPr id="8195" name="Content Placeholder 22">
-            <a:extLst>
-              <a:ext uri="{FF2B5EF4-FFF2-40B4-BE49-F238E27FC236}">
-                <a16:creationId xmlns:a16="http://schemas.microsoft.com/office/drawing/2014/main" id="{6217A459-6FBF-4830-AA4E-163D34539509}"/>
-              </a:ext>
-            </a:extLst>
-          </p:cNvPr>
-          <p:cNvSpPr>
-            <a:spLocks noGrp="1"/>
-          </p:cNvSpPr>
-          <p:nvPr>
-            <p:ph idx="1"/>
+            <a:pPr algn="ctr"/>
+            <a:endParaRPr lang="en-US"/>
+          </a:p>
+        </p:txBody>
+      </p:sp>
+      <p:sp>
+        <p:nvSpPr>
+          <p:cNvPr id="74" name="Rectangle 73">
+            <a:extLst>
+              <a:ext uri="{FF2B5EF4-FFF2-40B4-BE49-F238E27FC236}">
+                <a16:creationId xmlns:a16="http://schemas.microsoft.com/office/drawing/2014/main" id="{B4F5FA0D-0104-4987-8241-EFF7C85B88DE}"/>
+              </a:ext>
+              <a:ext uri="{C183D7F6-B498-43B3-948B-1728B52AA6E4}">
+                <adec:decorative xmlns:adec="http://schemas.microsoft.com/office/drawing/2017/decorative" val="1"/>
+              </a:ext>
+            </a:extLst>
+          </p:cNvPr>
+          <p:cNvSpPr>
+            <a:spLocks noGrp="1" noRot="1" noChangeAspect="1" noMove="1" noResize="1" noEditPoints="1" noAdjustHandles="1" noChangeArrowheads="1" noChangeShapeType="1" noTextEdit="1"/>
+          </p:cNvSpPr>
+          <p:nvPr>
+            <p:extLst>
+              <p:ext uri="{386F3935-93C4-4BCD-93E2-E3B085C9AB24}">
+                <p16:designElem xmlns:p16="http://schemas.microsoft.com/office/powerpoint/2015/main" val="1"/>
+              </p:ext>
+            </p:extLst>
           </p:nvPr>
         </p:nvSpPr>
         <p:spPr>
           <a:xfrm>
-            <a:off x="404813" y="1600200"/>
-            <a:ext cx="8510587" cy="5105400"/>
+            <a:off x="0" y="0"/>
+            <a:ext cx="9143999" cy="6858000"/>
+          </a:xfrm>
+          <a:prstGeom prst="rect">
+            <a:avLst/>
+          </a:prstGeom>
+          <a:gradFill>
+            <a:gsLst>
+              <a:gs pos="0">
+                <a:schemeClr val="accent1">
+                  <a:lumMod val="90000"/>
+                </a:schemeClr>
+              </a:gs>
+              <a:gs pos="25000">
+                <a:schemeClr val="accent1">
+                  <a:lumMod val="90000"/>
+                </a:schemeClr>
+              </a:gs>
+              <a:gs pos="94000">
+                <a:schemeClr val="bg2">
+                  <a:lumMod val="25000"/>
+                </a:schemeClr>
+              </a:gs>
+              <a:gs pos="100000">
+                <a:schemeClr val="bg2">
+                  <a:lumMod val="25000"/>
+                </a:schemeClr>
+              </a:gs>
+            </a:gsLst>
+            <a:lin ang="4200000" scaled="0"/>
+          </a:gradFill>
+          <a:ln>
+            <a:noFill/>
+          </a:ln>
+        </p:spPr>
+        <p:style>
+          <a:lnRef idx="2">
+            <a:schemeClr val="accent1">
+              <a:shade val="50000"/>
+            </a:schemeClr>
+          </a:lnRef>
+          <a:fillRef idx="1">
+            <a:schemeClr val="accent1"/>
+          </a:fillRef>
+          <a:effectRef idx="0">
+            <a:schemeClr val="accent1"/>
+          </a:effectRef>
+          <a:fontRef idx="minor">
+            <a:schemeClr val="lt1"/>
+          </a:fontRef>
+        </p:style>
+        <p:txBody>
+          <a:bodyPr rtlCol="0" anchor="ctr"/>
+          <a:lstStyle/>
+          <a:p>
+            <a:pPr algn="ctr"/>
+            <a:endParaRPr lang="en-US"/>
+          </a:p>
+        </p:txBody>
+      </p:sp>
+      <p:pic>
+        <p:nvPicPr>
+          <p:cNvPr id="76" name="Picture 75">
+            <a:extLst>
+              <a:ext uri="{FF2B5EF4-FFF2-40B4-BE49-F238E27FC236}">
+                <a16:creationId xmlns:a16="http://schemas.microsoft.com/office/drawing/2014/main" id="{2897127E-6CEF-446C-BE87-93B7C46E49D1}"/>
+              </a:ext>
+              <a:ext uri="{C183D7F6-B498-43B3-948B-1728B52AA6E4}">
+                <adec:decorative xmlns:adec="http://schemas.microsoft.com/office/drawing/2017/decorative" val="1"/>
+              </a:ext>
+            </a:extLst>
+          </p:cNvPr>
+          <p:cNvPicPr>
+            <a:picLocks noGrp="1" noRot="1" noChangeAspect="1" noMove="1" noResize="1" noEditPoints="1" noAdjustHandles="1" noChangeArrowheads="1" noChangeShapeType="1" noCrop="1"/>
+          </p:cNvPicPr>
+          <p:nvPr>
+            <p:extLst>
+              <p:ext uri="{386F3935-93C4-4BCD-93E2-E3B085C9AB24}">
+                <p16:designElem xmlns:p16="http://schemas.microsoft.com/office/powerpoint/2015/main" val="1"/>
+              </p:ext>
+            </p:extLst>
+          </p:nvPr>
+        </p:nvPicPr>
+        <p:blipFill>
+          <a:blip r:embed="rId2">
+            <a:extLst>
+              <a:ext uri="{28A0092B-C50C-407E-A947-70E740481C1C}">
+                <a14:useLocalDpi xmlns:a14="http://schemas.microsoft.com/office/drawing/2010/main" val="0"/>
+              </a:ext>
+            </a:extLst>
+          </a:blip>
+          <a:stretch>
+            <a:fillRect/>
+          </a:stretch>
+        </p:blipFill>
+        <p:spPr>
+          <a:xfrm>
+            <a:off x="0" y="0"/>
+            <a:ext cx="9144000" cy="6858000"/>
+          </a:xfrm>
+          <a:prstGeom prst="rect">
+            <a:avLst/>
+          </a:prstGeom>
+        </p:spPr>
+      </p:pic>
+      <p:sp>
+        <p:nvSpPr>
+          <p:cNvPr id="8194" name="Title 1">
+            <a:extLst>
+              <a:ext uri="{FF2B5EF4-FFF2-40B4-BE49-F238E27FC236}">
+                <a16:creationId xmlns:a16="http://schemas.microsoft.com/office/drawing/2014/main" id="{175676B8-48F3-40E9-BF9B-45F2D27F9810}"/>
+              </a:ext>
+            </a:extLst>
+          </p:cNvPr>
+          <p:cNvSpPr>
+            <a:spLocks noGrp="1"/>
+          </p:cNvSpPr>
+          <p:nvPr>
+            <p:ph type="title"/>
+          </p:nvPr>
+        </p:nvSpPr>
+        <p:spPr>
+          <a:xfrm>
+            <a:off x="480059" y="2053641"/>
+            <a:ext cx="2751871" cy="2760098"/>
           </a:xfrm>
         </p:spPr>
         <p:txBody>
@@ -6537,51 +7655,90 @@
           </a:bodyPr>
           <a:lstStyle/>
           <a:p>
+            <a:r>
+              <a:rPr lang="en-US" altLang="en-US">
+                <a:solidFill>
+                  <a:srgbClr val="FFFFFF"/>
+                </a:solidFill>
+                <a:latin typeface="Helvetica" panose="020B0604020202020204" pitchFamily="34" charset="0"/>
+                <a:ea typeface="ＭＳ Ｐゴシック" panose="020B0600070205080204" pitchFamily="34" charset="-128"/>
+              </a:rPr>
+              <a:t>AutoML Services</a:t>
+            </a:r>
+          </a:p>
+        </p:txBody>
+      </p:sp>
+      <p:sp>
+        <p:nvSpPr>
+          <p:cNvPr id="8195" name="Content Placeholder 22">
+            <a:extLst>
+              <a:ext uri="{FF2B5EF4-FFF2-40B4-BE49-F238E27FC236}">
+                <a16:creationId xmlns:a16="http://schemas.microsoft.com/office/drawing/2014/main" id="{6217A459-6FBF-4830-AA4E-163D34539509}"/>
+              </a:ext>
+            </a:extLst>
+          </p:cNvPr>
+          <p:cNvSpPr>
+            <a:spLocks noGrp="1"/>
+          </p:cNvSpPr>
+          <p:nvPr>
+            <p:ph idx="1"/>
+          </p:nvPr>
+        </p:nvSpPr>
+        <p:spPr>
+          <a:xfrm>
+            <a:off x="4567930" y="801866"/>
+            <a:ext cx="3979563" cy="5230634"/>
+          </a:xfrm>
+        </p:spPr>
+        <p:txBody>
+          <a:bodyPr anchor="ctr">
+            <a:normAutofit/>
+          </a:bodyPr>
+          <a:lstStyle/>
+          <a:p>
             <a:pPr fontAlgn="base"/>
             <a:r>
-              <a:rPr lang="en-US" sz="2000" dirty="0" err="1">
+              <a:rPr lang="en-US" sz="1600">
+                <a:solidFill>
+                  <a:srgbClr val="000000"/>
+                </a:solidFill>
                 <a:latin typeface="Helvetica" panose="020B0604020202020204" pitchFamily="34" charset="0"/>
                 <a:cs typeface="Helvetica" panose="020B0604020202020204" pitchFamily="34" charset="0"/>
               </a:rPr>
-              <a:t>AutoML</a:t>
-            </a:r>
-            <a:r>
-              <a:rPr lang="en-US" sz="2000" dirty="0">
+              <a:t>AutoML provides methods and processes to make Machine Learning available for non-Machine Learning experts, to improve efficiency of Machine Learning and to accelerate research on Machine Learning</a:t>
+            </a:r>
+          </a:p>
+          <a:p>
+            <a:pPr marL="0" indent="0">
+              <a:buNone/>
+            </a:pPr>
+            <a:endParaRPr lang="en-US" sz="1600">
+              <a:solidFill>
+                <a:srgbClr val="000000"/>
+              </a:solidFill>
+              <a:latin typeface="Helvetica" panose="020B0604020202020204" pitchFamily="34" charset="0"/>
+              <a:cs typeface="Helvetica" panose="020B0604020202020204" pitchFamily="34" charset="0"/>
+            </a:endParaRPr>
+          </a:p>
+          <a:p>
+            <a:r>
+              <a:rPr lang="en-US" sz="1600">
+                <a:solidFill>
+                  <a:srgbClr val="000000"/>
+                </a:solidFill>
                 <a:latin typeface="Helvetica" panose="020B0604020202020204" pitchFamily="34" charset="0"/>
                 <a:cs typeface="Helvetica" panose="020B0604020202020204" pitchFamily="34" charset="0"/>
               </a:rPr>
-              <a:t> provides methods and processes to make Machine Learning available for non-Machine Learning experts, to improve efficiency of Machine Learning and to accelerate research on Machine Learning</a:t>
-            </a:r>
-          </a:p>
-          <a:p>
-            <a:pPr marL="0" indent="0">
-              <a:buNone/>
-            </a:pPr>
-            <a:endParaRPr lang="en-US" sz="2000" dirty="0">
-              <a:latin typeface="Helvetica" panose="020B0604020202020204" pitchFamily="34" charset="0"/>
-              <a:cs typeface="Helvetica" panose="020B0604020202020204" pitchFamily="34" charset="0"/>
-            </a:endParaRPr>
-          </a:p>
-          <a:p>
-            <a:r>
-              <a:rPr lang="en-US" sz="2000" dirty="0" err="1">
-                <a:latin typeface="Helvetica" panose="020B0604020202020204" pitchFamily="34" charset="0"/>
-                <a:cs typeface="Helvetica" panose="020B0604020202020204" pitchFamily="34" charset="0"/>
-              </a:rPr>
-              <a:t>AutoML</a:t>
-            </a:r>
-            <a:r>
-              <a:rPr lang="en-US" sz="2000" dirty="0">
-                <a:latin typeface="Helvetica" panose="020B0604020202020204" pitchFamily="34" charset="0"/>
-                <a:cs typeface="Helvetica" panose="020B0604020202020204" pitchFamily="34" charset="0"/>
-              </a:rPr>
-              <a:t> helps us in automating tasks whose complexity can often baffle non-ML experts, like :</a:t>
+              <a:t>AutoML helps us in automating tasks whose complexity can often baffle non-ML experts, like :</a:t>
             </a:r>
           </a:p>
           <a:p>
             <a:pPr lvl="1" fontAlgn="base"/>
             <a:r>
-              <a:rPr lang="en-US" sz="2000" dirty="0">
+              <a:rPr lang="en-US" sz="1600">
+                <a:solidFill>
+                  <a:srgbClr val="000000"/>
+                </a:solidFill>
                 <a:latin typeface="Helvetica" panose="020B0604020202020204" pitchFamily="34" charset="0"/>
                 <a:cs typeface="Helvetica" panose="020B0604020202020204" pitchFamily="34" charset="0"/>
               </a:rPr>
@@ -6591,7 +7748,10 @@
           <a:p>
             <a:pPr lvl="1" fontAlgn="base"/>
             <a:r>
-              <a:rPr lang="en-US" sz="2000" dirty="0">
+              <a:rPr lang="en-US" sz="1600">
+                <a:solidFill>
+                  <a:srgbClr val="000000"/>
+                </a:solidFill>
                 <a:latin typeface="Helvetica" panose="020B0604020202020204" pitchFamily="34" charset="0"/>
                 <a:cs typeface="Helvetica" panose="020B0604020202020204" pitchFamily="34" charset="0"/>
               </a:rPr>
@@ -6601,7 +7761,10 @@
           <a:p>
             <a:pPr lvl="1" fontAlgn="base"/>
             <a:r>
-              <a:rPr lang="en-US" sz="2000" dirty="0">
+              <a:rPr lang="en-US" sz="1600">
+                <a:solidFill>
+                  <a:srgbClr val="000000"/>
+                </a:solidFill>
                 <a:latin typeface="Helvetica" panose="020B0604020202020204" pitchFamily="34" charset="0"/>
                 <a:cs typeface="Helvetica" panose="020B0604020202020204" pitchFamily="34" charset="0"/>
               </a:rPr>
@@ -6611,7 +7774,10 @@
           <a:p>
             <a:pPr lvl="1" fontAlgn="base"/>
             <a:r>
-              <a:rPr lang="en-US" sz="2000" dirty="0">
+              <a:rPr lang="en-US" sz="1600">
+                <a:solidFill>
+                  <a:srgbClr val="000000"/>
+                </a:solidFill>
                 <a:latin typeface="Helvetica" panose="020B0604020202020204" pitchFamily="34" charset="0"/>
                 <a:cs typeface="Helvetica" panose="020B0604020202020204" pitchFamily="34" charset="0"/>
               </a:rPr>
@@ -6621,7 +7787,10 @@
           <a:p>
             <a:pPr lvl="1" fontAlgn="base"/>
             <a:r>
-              <a:rPr lang="en-US" sz="2000" dirty="0">
+              <a:rPr lang="en-US" sz="1600">
+                <a:solidFill>
+                  <a:srgbClr val="000000"/>
+                </a:solidFill>
                 <a:latin typeface="Helvetica" panose="020B0604020202020204" pitchFamily="34" charset="0"/>
                 <a:cs typeface="Helvetica" panose="020B0604020202020204" pitchFamily="34" charset="0"/>
               </a:rPr>
@@ -6631,7 +7800,10 @@
           <a:p>
             <a:pPr lvl="1" fontAlgn="base"/>
             <a:r>
-              <a:rPr lang="en-US" sz="2000" dirty="0">
+              <a:rPr lang="en-US" sz="1600">
+                <a:solidFill>
+                  <a:srgbClr val="000000"/>
+                </a:solidFill>
                 <a:latin typeface="Helvetica" panose="020B0604020202020204" pitchFamily="34" charset="0"/>
                 <a:cs typeface="Helvetica" panose="020B0604020202020204" pitchFamily="34" charset="0"/>
               </a:rPr>
@@ -6656,6 +7828,14 @@
 <file path=ppt/slides/slide14.xml><?xml version="1.0" encoding="utf-8"?>
 <p:sld xmlns:a="http://schemas.openxmlformats.org/drawingml/2006/main" xmlns:r="http://schemas.openxmlformats.org/officeDocument/2006/relationships" xmlns:p="http://schemas.openxmlformats.org/presentationml/2006/main">
   <p:cSld>
+    <p:bg>
+      <p:bgPr>
+        <a:solidFill>
+          <a:schemeClr val="bg1"/>
+        </a:solidFill>
+        <a:effectLst/>
+      </p:bgPr>
+    </p:bg>
     <p:spTree>
       <p:nvGrpSpPr>
         <p:cNvPr id="1" name=""/>
@@ -6670,35 +7850,229 @@
           <a:chExt cx="0" cy="0"/>
         </a:xfrm>
       </p:grpSpPr>
-      <p:sp>
-        <p:nvSpPr>
-          <p:cNvPr id="8194" name="Title 1">
-            <a:extLst>
-              <a:ext uri="{FF2B5EF4-FFF2-40B4-BE49-F238E27FC236}">
-                <a16:creationId xmlns:a16="http://schemas.microsoft.com/office/drawing/2014/main" id="{175676B8-48F3-40E9-BF9B-45F2D27F9810}"/>
-              </a:ext>
-            </a:extLst>
-          </p:cNvPr>
-          <p:cNvSpPr>
-            <a:spLocks noGrp="1"/>
-          </p:cNvSpPr>
-          <p:nvPr>
-            <p:ph type="title"/>
+      <p:sp useBgFill="1">
+        <p:nvSpPr>
+          <p:cNvPr id="72" name="Rectangle 71">
+            <a:extLst>
+              <a:ext uri="{FF2B5EF4-FFF2-40B4-BE49-F238E27FC236}">
+                <a16:creationId xmlns:a16="http://schemas.microsoft.com/office/drawing/2014/main" id="{3B854194-185D-494D-905C-7C7CB2E30F6E}"/>
+              </a:ext>
+              <a:ext uri="{C183D7F6-B498-43B3-948B-1728B52AA6E4}">
+                <adec:decorative xmlns:adec="http://schemas.microsoft.com/office/drawing/2017/decorative" val="1"/>
+              </a:ext>
+            </a:extLst>
+          </p:cNvPr>
+          <p:cNvSpPr>
+            <a:spLocks noGrp="1" noRot="1" noChangeAspect="1" noMove="1" noResize="1" noEditPoints="1" noAdjustHandles="1" noChangeArrowheads="1" noChangeShapeType="1" noTextEdit="1"/>
+          </p:cNvSpPr>
+          <p:nvPr>
+            <p:extLst>
+              <p:ext uri="{386F3935-93C4-4BCD-93E2-E3B085C9AB24}">
+                <p16:designElem xmlns:p16="http://schemas.microsoft.com/office/powerpoint/2015/main" val="1"/>
+              </p:ext>
+            </p:extLst>
           </p:nvPr>
         </p:nvSpPr>
         <p:spPr>
           <a:xfrm>
-            <a:off x="409575" y="762000"/>
-            <a:ext cx="7886700" cy="993775"/>
+            <a:off x="0" y="0"/>
+            <a:ext cx="4561583" cy="6858000"/>
+          </a:xfrm>
+          <a:prstGeom prst="rect">
+            <a:avLst/>
+          </a:prstGeom>
+          <a:ln>
+            <a:noFill/>
+          </a:ln>
+        </p:spPr>
+        <p:style>
+          <a:lnRef idx="2">
+            <a:schemeClr val="accent1">
+              <a:shade val="50000"/>
+            </a:schemeClr>
+          </a:lnRef>
+          <a:fillRef idx="1">
+            <a:schemeClr val="accent1"/>
+          </a:fillRef>
+          <a:effectRef idx="0">
+            <a:schemeClr val="accent1"/>
+          </a:effectRef>
+          <a:fontRef idx="minor">
+            <a:schemeClr val="lt1"/>
+          </a:fontRef>
+        </p:style>
+        <p:txBody>
+          <a:bodyPr rtlCol="0" anchor="ctr"/>
+          <a:lstStyle/>
+          <a:p>
+            <a:pPr algn="ctr"/>
+            <a:endParaRPr lang="en-US"/>
+          </a:p>
+        </p:txBody>
+      </p:sp>
+      <p:sp>
+        <p:nvSpPr>
+          <p:cNvPr id="74" name="Rectangle 73">
+            <a:extLst>
+              <a:ext uri="{FF2B5EF4-FFF2-40B4-BE49-F238E27FC236}">
+                <a16:creationId xmlns:a16="http://schemas.microsoft.com/office/drawing/2014/main" id="{B4F5FA0D-0104-4987-8241-EFF7C85B88DE}"/>
+              </a:ext>
+              <a:ext uri="{C183D7F6-B498-43B3-948B-1728B52AA6E4}">
+                <adec:decorative xmlns:adec="http://schemas.microsoft.com/office/drawing/2017/decorative" val="1"/>
+              </a:ext>
+            </a:extLst>
+          </p:cNvPr>
+          <p:cNvSpPr>
+            <a:spLocks noGrp="1" noRot="1" noChangeAspect="1" noMove="1" noResize="1" noEditPoints="1" noAdjustHandles="1" noChangeArrowheads="1" noChangeShapeType="1" noTextEdit="1"/>
+          </p:cNvSpPr>
+          <p:nvPr>
+            <p:extLst>
+              <p:ext uri="{386F3935-93C4-4BCD-93E2-E3B085C9AB24}">
+                <p16:designElem xmlns:p16="http://schemas.microsoft.com/office/powerpoint/2015/main" val="1"/>
+              </p:ext>
+            </p:extLst>
+          </p:nvPr>
+        </p:nvSpPr>
+        <p:spPr>
+          <a:xfrm>
+            <a:off x="0" y="0"/>
+            <a:ext cx="9143999" cy="6858000"/>
+          </a:xfrm>
+          <a:prstGeom prst="rect">
+            <a:avLst/>
+          </a:prstGeom>
+          <a:gradFill>
+            <a:gsLst>
+              <a:gs pos="0">
+                <a:schemeClr val="accent1">
+                  <a:lumMod val="90000"/>
+                </a:schemeClr>
+              </a:gs>
+              <a:gs pos="25000">
+                <a:schemeClr val="accent1">
+                  <a:lumMod val="90000"/>
+                </a:schemeClr>
+              </a:gs>
+              <a:gs pos="94000">
+                <a:schemeClr val="bg2">
+                  <a:lumMod val="25000"/>
+                </a:schemeClr>
+              </a:gs>
+              <a:gs pos="100000">
+                <a:schemeClr val="bg2">
+                  <a:lumMod val="25000"/>
+                </a:schemeClr>
+              </a:gs>
+            </a:gsLst>
+            <a:lin ang="4200000" scaled="0"/>
+          </a:gradFill>
+          <a:ln>
+            <a:noFill/>
+          </a:ln>
+        </p:spPr>
+        <p:style>
+          <a:lnRef idx="2">
+            <a:schemeClr val="accent1">
+              <a:shade val="50000"/>
+            </a:schemeClr>
+          </a:lnRef>
+          <a:fillRef idx="1">
+            <a:schemeClr val="accent1"/>
+          </a:fillRef>
+          <a:effectRef idx="0">
+            <a:schemeClr val="accent1"/>
+          </a:effectRef>
+          <a:fontRef idx="minor">
+            <a:schemeClr val="lt1"/>
+          </a:fontRef>
+        </p:style>
+        <p:txBody>
+          <a:bodyPr rtlCol="0" anchor="ctr"/>
+          <a:lstStyle/>
+          <a:p>
+            <a:pPr algn="ctr"/>
+            <a:endParaRPr lang="en-US"/>
+          </a:p>
+        </p:txBody>
+      </p:sp>
+      <p:pic>
+        <p:nvPicPr>
+          <p:cNvPr id="76" name="Picture 75">
+            <a:extLst>
+              <a:ext uri="{FF2B5EF4-FFF2-40B4-BE49-F238E27FC236}">
+                <a16:creationId xmlns:a16="http://schemas.microsoft.com/office/drawing/2014/main" id="{2897127E-6CEF-446C-BE87-93B7C46E49D1}"/>
+              </a:ext>
+              <a:ext uri="{C183D7F6-B498-43B3-948B-1728B52AA6E4}">
+                <adec:decorative xmlns:adec="http://schemas.microsoft.com/office/drawing/2017/decorative" val="1"/>
+              </a:ext>
+            </a:extLst>
+          </p:cNvPr>
+          <p:cNvPicPr>
+            <a:picLocks noGrp="1" noRot="1" noChangeAspect="1" noMove="1" noResize="1" noEditPoints="1" noAdjustHandles="1" noChangeArrowheads="1" noChangeShapeType="1" noCrop="1"/>
+          </p:cNvPicPr>
+          <p:nvPr>
+            <p:extLst>
+              <p:ext uri="{386F3935-93C4-4BCD-93E2-E3B085C9AB24}">
+                <p16:designElem xmlns:p16="http://schemas.microsoft.com/office/powerpoint/2015/main" val="1"/>
+              </p:ext>
+            </p:extLst>
+          </p:nvPr>
+        </p:nvPicPr>
+        <p:blipFill>
+          <a:blip r:embed="rId2">
+            <a:extLst>
+              <a:ext uri="{28A0092B-C50C-407E-A947-70E740481C1C}">
+                <a14:useLocalDpi xmlns:a14="http://schemas.microsoft.com/office/drawing/2010/main" val="0"/>
+              </a:ext>
+            </a:extLst>
+          </a:blip>
+          <a:stretch>
+            <a:fillRect/>
+          </a:stretch>
+        </p:blipFill>
+        <p:spPr>
+          <a:xfrm>
+            <a:off x="0" y="0"/>
+            <a:ext cx="9144000" cy="6858000"/>
+          </a:xfrm>
+          <a:prstGeom prst="rect">
+            <a:avLst/>
+          </a:prstGeom>
+        </p:spPr>
+      </p:pic>
+      <p:sp>
+        <p:nvSpPr>
+          <p:cNvPr id="8194" name="Title 1">
+            <a:extLst>
+              <a:ext uri="{FF2B5EF4-FFF2-40B4-BE49-F238E27FC236}">
+                <a16:creationId xmlns:a16="http://schemas.microsoft.com/office/drawing/2014/main" id="{175676B8-48F3-40E9-BF9B-45F2D27F9810}"/>
+              </a:ext>
+            </a:extLst>
+          </p:cNvPr>
+          <p:cNvSpPr>
+            <a:spLocks noGrp="1"/>
+          </p:cNvSpPr>
+          <p:nvPr>
+            <p:ph type="title"/>
+          </p:nvPr>
+        </p:nvSpPr>
+        <p:spPr>
+          <a:xfrm>
+            <a:off x="480059" y="2053641"/>
+            <a:ext cx="2751871" cy="2760098"/>
           </a:xfrm>
         </p:spPr>
         <p:txBody>
-          <a:bodyPr/>
+          <a:bodyPr>
+            <a:normAutofit/>
+          </a:bodyPr>
           <a:lstStyle/>
           <a:p>
-            <a:pPr algn="l"/>
-            <a:r>
-              <a:rPr lang="en-US" altLang="en-US" sz="3200" dirty="0">
+            <a:r>
+              <a:rPr lang="en-US" altLang="en-US">
+                <a:solidFill>
+                  <a:srgbClr val="FFFFFF"/>
+                </a:solidFill>
                 <a:latin typeface="Helvetica" panose="020B0604020202020204" pitchFamily="34" charset="0"/>
                 <a:ea typeface="ＭＳ Ｐゴシック" panose="020B0600070205080204" pitchFamily="34" charset="-128"/>
               </a:rPr>
@@ -6725,12 +8099,12 @@
         </p:nvSpPr>
         <p:spPr>
           <a:xfrm>
-            <a:off x="404813" y="1600200"/>
-            <a:ext cx="8510587" cy="5105399"/>
+            <a:off x="4567930" y="801866"/>
+            <a:ext cx="3979563" cy="5230634"/>
           </a:xfrm>
         </p:spPr>
         <p:txBody>
-          <a:bodyPr>
+          <a:bodyPr anchor="ctr">
             <a:normAutofit/>
           </a:bodyPr>
           <a:lstStyle/>
@@ -6740,7 +8114,10 @@
               <a:defRPr/>
             </a:pPr>
             <a:r>
-              <a:rPr lang="en-US" altLang="en-US" sz="2000" dirty="0">
+              <a:rPr lang="en-US" altLang="en-US" sz="1600">
+                <a:solidFill>
+                  <a:srgbClr val="000000"/>
+                </a:solidFill>
                 <a:latin typeface="Helvetica" panose="020B0604020202020204" pitchFamily="34" charset="0"/>
                 <a:ea typeface="ＭＳ Ｐゴシック" panose="020B0600070205080204" pitchFamily="34" charset="-128"/>
               </a:rPr>
@@ -6752,7 +8129,10 @@
               <a:defRPr/>
             </a:pPr>
             <a:r>
-              <a:rPr lang="en-US" altLang="en-US" sz="2000" dirty="0">
+              <a:rPr lang="en-US" altLang="en-US" sz="1600">
+                <a:solidFill>
+                  <a:srgbClr val="000000"/>
+                </a:solidFill>
                 <a:latin typeface="Helvetica" panose="020B0604020202020204" pitchFamily="34" charset="0"/>
                 <a:ea typeface="ＭＳ Ｐゴシック" panose="020B0600070205080204" pitchFamily="34" charset="-128"/>
               </a:rPr>
@@ -6764,7 +8144,10 @@
               <a:defRPr/>
             </a:pPr>
             <a:r>
-              <a:rPr lang="en-US" altLang="en-US" sz="2000" dirty="0">
+              <a:rPr lang="en-US" altLang="en-US" sz="1600">
+                <a:solidFill>
+                  <a:srgbClr val="000000"/>
+                </a:solidFill>
                 <a:latin typeface="Helvetica" panose="020B0604020202020204" pitchFamily="34" charset="0"/>
                 <a:ea typeface="ＭＳ Ｐゴシック" panose="020B0600070205080204" pitchFamily="34" charset="-128"/>
               </a:rPr>
@@ -6776,7 +8159,10 @@
               <a:buNone/>
               <a:defRPr/>
             </a:pPr>
-            <a:endParaRPr lang="en-US" altLang="en-US" sz="2000" dirty="0">
+            <a:endParaRPr lang="en-US" altLang="en-US" sz="1600">
+              <a:solidFill>
+                <a:srgbClr val="000000"/>
+              </a:solidFill>
               <a:latin typeface="Helvetica" panose="020B0604020202020204" pitchFamily="34" charset="0"/>
               <a:ea typeface="ＭＳ Ｐゴシック" panose="020B0600070205080204" pitchFamily="34" charset="-128"/>
             </a:endParaRPr>
@@ -6787,7 +8173,10 @@
               <a:defRPr/>
             </a:pPr>
             <a:r>
-              <a:rPr lang="en-US" altLang="en-US" sz="2000" dirty="0">
+              <a:rPr lang="en-US" altLang="en-US" sz="1600">
+                <a:solidFill>
+                  <a:srgbClr val="000000"/>
+                </a:solidFill>
                 <a:latin typeface="Helvetica" panose="020B0604020202020204" pitchFamily="34" charset="0"/>
                 <a:ea typeface="ＭＳ Ｐゴシック" panose="020B0600070205080204" pitchFamily="34" charset="-128"/>
               </a:rPr>
@@ -6799,25 +8188,14 @@
               <a:defRPr/>
             </a:pPr>
             <a:r>
-              <a:rPr lang="en-US" altLang="en-US" sz="2000" dirty="0">
+              <a:rPr lang="en-US" altLang="en-US" sz="1600">
+                <a:solidFill>
+                  <a:srgbClr val="000000"/>
+                </a:solidFill>
                 <a:latin typeface="Helvetica" panose="020B0604020202020204" pitchFamily="34" charset="0"/>
                 <a:ea typeface="ＭＳ Ｐゴシック" panose="020B0600070205080204" pitchFamily="34" charset="-128"/>
               </a:rPr>
-              <a:t>It automates the model selection and validation process in the Machine Learning pipeline through its </a:t>
-            </a:r>
-            <a:r>
-              <a:rPr lang="en-US" altLang="en-US" sz="2000" dirty="0" err="1">
-                <a:latin typeface="Helvetica" panose="020B0604020202020204" pitchFamily="34" charset="0"/>
-                <a:ea typeface="ＭＳ Ｐゴシック" panose="020B0600070205080204" pitchFamily="34" charset="-128"/>
-              </a:rPr>
-              <a:t>AutoML</a:t>
-            </a:r>
-            <a:r>
-              <a:rPr lang="en-US" altLang="en-US" sz="2000" dirty="0">
-                <a:latin typeface="Helvetica" panose="020B0604020202020204" pitchFamily="34" charset="0"/>
-                <a:ea typeface="ＭＳ Ｐゴシック" panose="020B0600070205080204" pitchFamily="34" charset="-128"/>
-              </a:rPr>
-              <a:t> framework.</a:t>
+              <a:t>It automates the model selection and validation process in the Machine Learning pipeline through its AutoML framework.</a:t>
             </a:r>
           </a:p>
           <a:p>
@@ -6825,7 +8203,10 @@
               <a:defRPr/>
             </a:pPr>
             <a:r>
-              <a:rPr lang="en-US" altLang="en-US" sz="2000" dirty="0">
+              <a:rPr lang="en-US" altLang="en-US" sz="1600">
+                <a:solidFill>
+                  <a:srgbClr val="000000"/>
+                </a:solidFill>
                 <a:latin typeface="Helvetica" panose="020B0604020202020204" pitchFamily="34" charset="0"/>
                 <a:ea typeface="ＭＳ Ｐゴシック" panose="020B0600070205080204" pitchFamily="34" charset="-128"/>
               </a:rPr>
@@ -6837,7 +8218,10 @@
               <a:defRPr/>
             </a:pPr>
             <a:r>
-              <a:rPr lang="en-US" altLang="en-US" sz="2000" dirty="0">
+              <a:rPr lang="en-US" altLang="en-US" sz="1600">
+                <a:solidFill>
+                  <a:srgbClr val="000000"/>
+                </a:solidFill>
                 <a:latin typeface="Helvetica" panose="020B0604020202020204" pitchFamily="34" charset="0"/>
                 <a:ea typeface="ＭＳ Ｐゴシック" panose="020B0600070205080204" pitchFamily="34" charset="-128"/>
               </a:rPr>
@@ -6862,6 +8246,14 @@
 <file path=ppt/slides/slide15.xml><?xml version="1.0" encoding="utf-8"?>
 <p:sld xmlns:a="http://schemas.openxmlformats.org/drawingml/2006/main" xmlns:r="http://schemas.openxmlformats.org/officeDocument/2006/relationships" xmlns:p="http://schemas.openxmlformats.org/presentationml/2006/main">
   <p:cSld>
+    <p:bg>
+      <p:bgPr>
+        <a:solidFill>
+          <a:schemeClr val="bg1"/>
+        </a:solidFill>
+        <a:effectLst/>
+      </p:bgPr>
+    </p:bg>
     <p:spTree>
       <p:nvGrpSpPr>
         <p:cNvPr id="1" name=""/>
@@ -6876,26 +8268,216 @@
           <a:chExt cx="0" cy="0"/>
         </a:xfrm>
       </p:grpSpPr>
-      <p:sp>
-        <p:nvSpPr>
-          <p:cNvPr id="2" name="Title 1">
-            <a:extLst>
-              <a:ext uri="{FF2B5EF4-FFF2-40B4-BE49-F238E27FC236}">
-                <a16:creationId xmlns:a16="http://schemas.microsoft.com/office/drawing/2014/main" id="{18ED84CE-90D4-408D-8966-E7A914E0C0D0}"/>
-              </a:ext>
-            </a:extLst>
-          </p:cNvPr>
-          <p:cNvSpPr>
-            <a:spLocks noGrp="1"/>
-          </p:cNvSpPr>
-          <p:nvPr>
-            <p:ph type="title"/>
+      <p:sp useBgFill="1">
+        <p:nvSpPr>
+          <p:cNvPr id="8" name="Rectangle 7">
+            <a:extLst>
+              <a:ext uri="{FF2B5EF4-FFF2-40B4-BE49-F238E27FC236}">
+                <a16:creationId xmlns:a16="http://schemas.microsoft.com/office/drawing/2014/main" id="{3B854194-185D-494D-905C-7C7CB2E30F6E}"/>
+              </a:ext>
+              <a:ext uri="{C183D7F6-B498-43B3-948B-1728B52AA6E4}">
+                <adec:decorative xmlns:adec="http://schemas.microsoft.com/office/drawing/2017/decorative" val="1"/>
+              </a:ext>
+            </a:extLst>
+          </p:cNvPr>
+          <p:cNvSpPr>
+            <a:spLocks noGrp="1" noRot="1" noChangeAspect="1" noMove="1" noResize="1" noEditPoints="1" noAdjustHandles="1" noChangeArrowheads="1" noChangeShapeType="1" noTextEdit="1"/>
+          </p:cNvSpPr>
+          <p:nvPr>
+            <p:extLst>
+              <p:ext uri="{386F3935-93C4-4BCD-93E2-E3B085C9AB24}">
+                <p16:designElem xmlns:p16="http://schemas.microsoft.com/office/powerpoint/2015/main" val="1"/>
+              </p:ext>
+            </p:extLst>
           </p:nvPr>
         </p:nvSpPr>
         <p:spPr>
           <a:xfrm>
-            <a:off x="628650" y="609600"/>
-            <a:ext cx="7886700" cy="1081089"/>
+            <a:off x="0" y="0"/>
+            <a:ext cx="4561583" cy="6858000"/>
+          </a:xfrm>
+          <a:prstGeom prst="rect">
+            <a:avLst/>
+          </a:prstGeom>
+          <a:ln>
+            <a:noFill/>
+          </a:ln>
+        </p:spPr>
+        <p:style>
+          <a:lnRef idx="2">
+            <a:schemeClr val="accent1">
+              <a:shade val="50000"/>
+            </a:schemeClr>
+          </a:lnRef>
+          <a:fillRef idx="1">
+            <a:schemeClr val="accent1"/>
+          </a:fillRef>
+          <a:effectRef idx="0">
+            <a:schemeClr val="accent1"/>
+          </a:effectRef>
+          <a:fontRef idx="minor">
+            <a:schemeClr val="lt1"/>
+          </a:fontRef>
+        </p:style>
+        <p:txBody>
+          <a:bodyPr rtlCol="0" anchor="ctr"/>
+          <a:lstStyle/>
+          <a:p>
+            <a:pPr algn="ctr"/>
+            <a:endParaRPr lang="en-US"/>
+          </a:p>
+        </p:txBody>
+      </p:sp>
+      <p:sp>
+        <p:nvSpPr>
+          <p:cNvPr id="10" name="Rectangle 9">
+            <a:extLst>
+              <a:ext uri="{FF2B5EF4-FFF2-40B4-BE49-F238E27FC236}">
+                <a16:creationId xmlns:a16="http://schemas.microsoft.com/office/drawing/2014/main" id="{B4F5FA0D-0104-4987-8241-EFF7C85B88DE}"/>
+              </a:ext>
+              <a:ext uri="{C183D7F6-B498-43B3-948B-1728B52AA6E4}">
+                <adec:decorative xmlns:adec="http://schemas.microsoft.com/office/drawing/2017/decorative" val="1"/>
+              </a:ext>
+            </a:extLst>
+          </p:cNvPr>
+          <p:cNvSpPr>
+            <a:spLocks noGrp="1" noRot="1" noChangeAspect="1" noMove="1" noResize="1" noEditPoints="1" noAdjustHandles="1" noChangeArrowheads="1" noChangeShapeType="1" noTextEdit="1"/>
+          </p:cNvSpPr>
+          <p:nvPr>
+            <p:extLst>
+              <p:ext uri="{386F3935-93C4-4BCD-93E2-E3B085C9AB24}">
+                <p16:designElem xmlns:p16="http://schemas.microsoft.com/office/powerpoint/2015/main" val="1"/>
+              </p:ext>
+            </p:extLst>
+          </p:nvPr>
+        </p:nvSpPr>
+        <p:spPr>
+          <a:xfrm>
+            <a:off x="0" y="0"/>
+            <a:ext cx="9143999" cy="6858000"/>
+          </a:xfrm>
+          <a:prstGeom prst="rect">
+            <a:avLst/>
+          </a:prstGeom>
+          <a:gradFill>
+            <a:gsLst>
+              <a:gs pos="0">
+                <a:schemeClr val="accent1">
+                  <a:lumMod val="90000"/>
+                </a:schemeClr>
+              </a:gs>
+              <a:gs pos="25000">
+                <a:schemeClr val="accent1">
+                  <a:lumMod val="90000"/>
+                </a:schemeClr>
+              </a:gs>
+              <a:gs pos="94000">
+                <a:schemeClr val="bg2">
+                  <a:lumMod val="25000"/>
+                </a:schemeClr>
+              </a:gs>
+              <a:gs pos="100000">
+                <a:schemeClr val="bg2">
+                  <a:lumMod val="25000"/>
+                </a:schemeClr>
+              </a:gs>
+            </a:gsLst>
+            <a:lin ang="4200000" scaled="0"/>
+          </a:gradFill>
+          <a:ln>
+            <a:noFill/>
+          </a:ln>
+        </p:spPr>
+        <p:style>
+          <a:lnRef idx="2">
+            <a:schemeClr val="accent1">
+              <a:shade val="50000"/>
+            </a:schemeClr>
+          </a:lnRef>
+          <a:fillRef idx="1">
+            <a:schemeClr val="accent1"/>
+          </a:fillRef>
+          <a:effectRef idx="0">
+            <a:schemeClr val="accent1"/>
+          </a:effectRef>
+          <a:fontRef idx="minor">
+            <a:schemeClr val="lt1"/>
+          </a:fontRef>
+        </p:style>
+        <p:txBody>
+          <a:bodyPr rtlCol="0" anchor="ctr"/>
+          <a:lstStyle/>
+          <a:p>
+            <a:pPr algn="ctr"/>
+            <a:endParaRPr lang="en-US"/>
+          </a:p>
+        </p:txBody>
+      </p:sp>
+      <p:pic>
+        <p:nvPicPr>
+          <p:cNvPr id="12" name="Picture 11">
+            <a:extLst>
+              <a:ext uri="{FF2B5EF4-FFF2-40B4-BE49-F238E27FC236}">
+                <a16:creationId xmlns:a16="http://schemas.microsoft.com/office/drawing/2014/main" id="{2897127E-6CEF-446C-BE87-93B7C46E49D1}"/>
+              </a:ext>
+              <a:ext uri="{C183D7F6-B498-43B3-948B-1728B52AA6E4}">
+                <adec:decorative xmlns:adec="http://schemas.microsoft.com/office/drawing/2017/decorative" val="1"/>
+              </a:ext>
+            </a:extLst>
+          </p:cNvPr>
+          <p:cNvPicPr>
+            <a:picLocks noGrp="1" noRot="1" noChangeAspect="1" noMove="1" noResize="1" noEditPoints="1" noAdjustHandles="1" noChangeArrowheads="1" noChangeShapeType="1" noCrop="1"/>
+          </p:cNvPicPr>
+          <p:nvPr>
+            <p:extLst>
+              <p:ext uri="{386F3935-93C4-4BCD-93E2-E3B085C9AB24}">
+                <p16:designElem xmlns:p16="http://schemas.microsoft.com/office/powerpoint/2015/main" val="1"/>
+              </p:ext>
+            </p:extLst>
+          </p:nvPr>
+        </p:nvPicPr>
+        <p:blipFill>
+          <a:blip r:embed="rId2">
+            <a:extLst>
+              <a:ext uri="{28A0092B-C50C-407E-A947-70E740481C1C}">
+                <a14:useLocalDpi xmlns:a14="http://schemas.microsoft.com/office/drawing/2010/main" val="0"/>
+              </a:ext>
+            </a:extLst>
+          </a:blip>
+          <a:stretch>
+            <a:fillRect/>
+          </a:stretch>
+        </p:blipFill>
+        <p:spPr>
+          <a:xfrm>
+            <a:off x="0" y="0"/>
+            <a:ext cx="9144000" cy="6858000"/>
+          </a:xfrm>
+          <a:prstGeom prst="rect">
+            <a:avLst/>
+          </a:prstGeom>
+        </p:spPr>
+      </p:pic>
+      <p:sp>
+        <p:nvSpPr>
+          <p:cNvPr id="2" name="Title 1">
+            <a:extLst>
+              <a:ext uri="{FF2B5EF4-FFF2-40B4-BE49-F238E27FC236}">
+                <a16:creationId xmlns:a16="http://schemas.microsoft.com/office/drawing/2014/main" id="{18ED84CE-90D4-408D-8966-E7A914E0C0D0}"/>
+              </a:ext>
+            </a:extLst>
+          </p:cNvPr>
+          <p:cNvSpPr>
+            <a:spLocks noGrp="1"/>
+          </p:cNvSpPr>
+          <p:nvPr>
+            <p:ph type="title"/>
+          </p:nvPr>
+        </p:nvSpPr>
+        <p:spPr>
+          <a:xfrm>
+            <a:off x="480059" y="2053641"/>
+            <a:ext cx="2751871" cy="2760098"/>
           </a:xfrm>
         </p:spPr>
         <p:txBody>
@@ -6905,7 +8487,10 @@
           <a:lstStyle/>
           <a:p>
             <a:r>
-              <a:rPr lang="en-US" sz="3200" dirty="0">
+              <a:rPr lang="en-US">
+                <a:solidFill>
+                  <a:srgbClr val="FFFFFF"/>
+                </a:solidFill>
                 <a:latin typeface="Helvetica" panose="020B0604020202020204" pitchFamily="34" charset="0"/>
                 <a:cs typeface="Helvetica" panose="020B0604020202020204" pitchFamily="34" charset="0"/>
               </a:rPr>
@@ -6930,15 +8515,23 @@
             <p:ph idx="1"/>
           </p:nvPr>
         </p:nvSpPr>
-        <p:spPr/>
-        <p:txBody>
-          <a:bodyPr>
+        <p:spPr>
+          <a:xfrm>
+            <a:off x="4567930" y="801866"/>
+            <a:ext cx="3979563" cy="5230634"/>
+          </a:xfrm>
+        </p:spPr>
+        <p:txBody>
+          <a:bodyPr anchor="ctr">
             <a:normAutofit/>
           </a:bodyPr>
           <a:lstStyle/>
           <a:p>
             <a:r>
-              <a:rPr lang="en-US" sz="2200" dirty="0">
+              <a:rPr lang="en-US">
+                <a:solidFill>
+                  <a:srgbClr val="000000"/>
+                </a:solidFill>
                 <a:latin typeface="Helvetica" panose="020B0604020202020204" pitchFamily="34" charset="0"/>
                 <a:cs typeface="Helvetica" panose="020B0604020202020204" pitchFamily="34" charset="0"/>
               </a:rPr>
@@ -6950,32 +8543,24 @@
               <a:buNone/>
             </a:pPr>
             <a:r>
-              <a:rPr lang="en-US" sz="2200" dirty="0">
+              <a:rPr lang="en-US">
+                <a:solidFill>
+                  <a:srgbClr val="000000"/>
+                </a:solidFill>
                 <a:latin typeface="Helvetica" panose="020B0604020202020204" pitchFamily="34" charset="0"/>
                 <a:cs typeface="Helvetica" panose="020B0604020202020204" pitchFamily="34" charset="0"/>
               </a:rPr>
-              <a:t>To predict the </a:t>
-            </a:r>
-            <a:r>
-              <a:rPr lang="en-US" sz="2200" dirty="0" err="1">
-                <a:latin typeface="Helvetica" panose="020B0604020202020204" pitchFamily="34" charset="0"/>
-                <a:cs typeface="Helvetica" panose="020B0604020202020204" pitchFamily="34" charset="0"/>
-              </a:rPr>
-              <a:t>SalePrice</a:t>
-            </a:r>
-            <a:r>
-              <a:rPr lang="en-US" sz="2200" dirty="0">
-                <a:latin typeface="Helvetica" panose="020B0604020202020204" pitchFamily="34" charset="0"/>
-                <a:cs typeface="Helvetica" panose="020B0604020202020204" pitchFamily="34" charset="0"/>
-              </a:rPr>
-              <a:t> of the house</a:t>
+              <a:t>To predict the SalePrice of the house</a:t>
             </a:r>
           </a:p>
           <a:p>
             <a:pPr marL="0" indent="0">
               <a:buNone/>
             </a:pPr>
-            <a:endParaRPr lang="en-US" sz="2200" dirty="0">
+            <a:endParaRPr lang="en-US">
+              <a:solidFill>
+                <a:srgbClr val="000000"/>
+              </a:solidFill>
               <a:latin typeface="Helvetica" panose="020B0604020202020204" pitchFamily="34" charset="0"/>
               <a:cs typeface="Helvetica" panose="020B0604020202020204" pitchFamily="34" charset="0"/>
             </a:endParaRPr>
@@ -6984,14 +8569,20 @@
             <a:pPr marL="0" indent="0">
               <a:buNone/>
             </a:pPr>
-            <a:endParaRPr lang="en-US" sz="2200" dirty="0">
+            <a:endParaRPr lang="en-US">
+              <a:solidFill>
+                <a:srgbClr val="000000"/>
+              </a:solidFill>
               <a:latin typeface="Helvetica" panose="020B0604020202020204" pitchFamily="34" charset="0"/>
               <a:cs typeface="Helvetica" panose="020B0604020202020204" pitchFamily="34" charset="0"/>
             </a:endParaRPr>
           </a:p>
           <a:p>
             <a:r>
-              <a:rPr lang="en-US" sz="2200" dirty="0">
+              <a:rPr lang="en-US">
+                <a:solidFill>
+                  <a:srgbClr val="000000"/>
+                </a:solidFill>
                 <a:latin typeface="Helvetica" panose="020B0604020202020204" pitchFamily="34" charset="0"/>
                 <a:cs typeface="Helvetica" panose="020B0604020202020204" pitchFamily="34" charset="0"/>
               </a:rPr>
@@ -7003,7 +8594,10 @@
               <a:buNone/>
             </a:pPr>
             <a:r>
-              <a:rPr lang="en-US" sz="2200" dirty="0">
+              <a:rPr lang="en-US">
+                <a:solidFill>
+                  <a:srgbClr val="000000"/>
+                </a:solidFill>
                 <a:latin typeface="Helvetica" panose="020B0604020202020204" pitchFamily="34" charset="0"/>
                 <a:cs typeface="Helvetica" panose="020B0604020202020204" pitchFamily="34" charset="0"/>
               </a:rPr>
@@ -7028,6 +8622,14 @@
 <file path=ppt/slides/slide16.xml><?xml version="1.0" encoding="utf-8"?>
 <p:sld xmlns:a="http://schemas.openxmlformats.org/drawingml/2006/main" xmlns:r="http://schemas.openxmlformats.org/officeDocument/2006/relationships" xmlns:p="http://schemas.openxmlformats.org/presentationml/2006/main">
   <p:cSld>
+    <p:bg>
+      <p:bgPr>
+        <a:solidFill>
+          <a:schemeClr val="bg1"/>
+        </a:solidFill>
+        <a:effectLst/>
+      </p:bgPr>
+    </p:bg>
     <p:spTree>
       <p:nvGrpSpPr>
         <p:cNvPr id="1" name=""/>
@@ -7042,43 +8644,234 @@
           <a:chExt cx="0" cy="0"/>
         </a:xfrm>
       </p:grpSpPr>
-      <p:sp>
-        <p:nvSpPr>
-          <p:cNvPr id="2" name="Title 1">
-            <a:extLst>
-              <a:ext uri="{FF2B5EF4-FFF2-40B4-BE49-F238E27FC236}">
-                <a16:creationId xmlns:a16="http://schemas.microsoft.com/office/drawing/2014/main" id="{EED7D955-4529-4137-9DC2-D3F1F96FC4D5}"/>
-              </a:ext>
-            </a:extLst>
-          </p:cNvPr>
-          <p:cNvSpPr>
-            <a:spLocks noGrp="1"/>
-          </p:cNvSpPr>
-          <p:nvPr>
-            <p:ph type="title"/>
+      <p:sp useBgFill="1">
+        <p:nvSpPr>
+          <p:cNvPr id="8" name="Rectangle 7">
+            <a:extLst>
+              <a:ext uri="{FF2B5EF4-FFF2-40B4-BE49-F238E27FC236}">
+                <a16:creationId xmlns:a16="http://schemas.microsoft.com/office/drawing/2014/main" id="{3B854194-185D-494D-905C-7C7CB2E30F6E}"/>
+              </a:ext>
+              <a:ext uri="{C183D7F6-B498-43B3-948B-1728B52AA6E4}">
+                <adec:decorative xmlns:adec="http://schemas.microsoft.com/office/drawing/2017/decorative" val="1"/>
+              </a:ext>
+            </a:extLst>
+          </p:cNvPr>
+          <p:cNvSpPr>
+            <a:spLocks noGrp="1" noRot="1" noChangeAspect="1" noMove="1" noResize="1" noEditPoints="1" noAdjustHandles="1" noChangeArrowheads="1" noChangeShapeType="1" noTextEdit="1"/>
+          </p:cNvSpPr>
+          <p:nvPr>
+            <p:extLst>
+              <p:ext uri="{386F3935-93C4-4BCD-93E2-E3B085C9AB24}">
+                <p16:designElem xmlns:p16="http://schemas.microsoft.com/office/powerpoint/2015/main" val="1"/>
+              </p:ext>
+            </p:extLst>
           </p:nvPr>
         </p:nvSpPr>
         <p:spPr>
           <a:xfrm>
-            <a:off x="628650" y="666751"/>
-            <a:ext cx="7886700" cy="1158874"/>
+            <a:off x="0" y="0"/>
+            <a:ext cx="4561583" cy="6858000"/>
+          </a:xfrm>
+          <a:prstGeom prst="rect">
+            <a:avLst/>
+          </a:prstGeom>
+          <a:ln>
+            <a:noFill/>
+          </a:ln>
+        </p:spPr>
+        <p:style>
+          <a:lnRef idx="2">
+            <a:schemeClr val="accent1">
+              <a:shade val="50000"/>
+            </a:schemeClr>
+          </a:lnRef>
+          <a:fillRef idx="1">
+            <a:schemeClr val="accent1"/>
+          </a:fillRef>
+          <a:effectRef idx="0">
+            <a:schemeClr val="accent1"/>
+          </a:effectRef>
+          <a:fontRef idx="minor">
+            <a:schemeClr val="lt1"/>
+          </a:fontRef>
+        </p:style>
+        <p:txBody>
+          <a:bodyPr rtlCol="0" anchor="ctr"/>
+          <a:lstStyle/>
+          <a:p>
+            <a:pPr algn="ctr"/>
+            <a:endParaRPr lang="en-US"/>
+          </a:p>
+        </p:txBody>
+      </p:sp>
+      <p:sp>
+        <p:nvSpPr>
+          <p:cNvPr id="10" name="Rectangle 9">
+            <a:extLst>
+              <a:ext uri="{FF2B5EF4-FFF2-40B4-BE49-F238E27FC236}">
+                <a16:creationId xmlns:a16="http://schemas.microsoft.com/office/drawing/2014/main" id="{B4F5FA0D-0104-4987-8241-EFF7C85B88DE}"/>
+              </a:ext>
+              <a:ext uri="{C183D7F6-B498-43B3-948B-1728B52AA6E4}">
+                <adec:decorative xmlns:adec="http://schemas.microsoft.com/office/drawing/2017/decorative" val="1"/>
+              </a:ext>
+            </a:extLst>
+          </p:cNvPr>
+          <p:cNvSpPr>
+            <a:spLocks noGrp="1" noRot="1" noChangeAspect="1" noMove="1" noResize="1" noEditPoints="1" noAdjustHandles="1" noChangeArrowheads="1" noChangeShapeType="1" noTextEdit="1"/>
+          </p:cNvSpPr>
+          <p:nvPr>
+            <p:extLst>
+              <p:ext uri="{386F3935-93C4-4BCD-93E2-E3B085C9AB24}">
+                <p16:designElem xmlns:p16="http://schemas.microsoft.com/office/powerpoint/2015/main" val="1"/>
+              </p:ext>
+            </p:extLst>
+          </p:nvPr>
+        </p:nvSpPr>
+        <p:spPr>
+          <a:xfrm>
+            <a:off x="0" y="0"/>
+            <a:ext cx="9143999" cy="6858000"/>
+          </a:xfrm>
+          <a:prstGeom prst="rect">
+            <a:avLst/>
+          </a:prstGeom>
+          <a:gradFill>
+            <a:gsLst>
+              <a:gs pos="0">
+                <a:schemeClr val="accent1">
+                  <a:lumMod val="90000"/>
+                </a:schemeClr>
+              </a:gs>
+              <a:gs pos="25000">
+                <a:schemeClr val="accent1">
+                  <a:lumMod val="90000"/>
+                </a:schemeClr>
+              </a:gs>
+              <a:gs pos="94000">
+                <a:schemeClr val="bg2">
+                  <a:lumMod val="25000"/>
+                </a:schemeClr>
+              </a:gs>
+              <a:gs pos="100000">
+                <a:schemeClr val="bg2">
+                  <a:lumMod val="25000"/>
+                </a:schemeClr>
+              </a:gs>
+            </a:gsLst>
+            <a:lin ang="4200000" scaled="0"/>
+          </a:gradFill>
+          <a:ln>
+            <a:noFill/>
+          </a:ln>
+        </p:spPr>
+        <p:style>
+          <a:lnRef idx="2">
+            <a:schemeClr val="accent1">
+              <a:shade val="50000"/>
+            </a:schemeClr>
+          </a:lnRef>
+          <a:fillRef idx="1">
+            <a:schemeClr val="accent1"/>
+          </a:fillRef>
+          <a:effectRef idx="0">
+            <a:schemeClr val="accent1"/>
+          </a:effectRef>
+          <a:fontRef idx="minor">
+            <a:schemeClr val="lt1"/>
+          </a:fontRef>
+        </p:style>
+        <p:txBody>
+          <a:bodyPr rtlCol="0" anchor="ctr"/>
+          <a:lstStyle/>
+          <a:p>
+            <a:pPr algn="ctr"/>
+            <a:endParaRPr lang="en-US"/>
+          </a:p>
+        </p:txBody>
+      </p:sp>
+      <p:pic>
+        <p:nvPicPr>
+          <p:cNvPr id="12" name="Picture 11">
+            <a:extLst>
+              <a:ext uri="{FF2B5EF4-FFF2-40B4-BE49-F238E27FC236}">
+                <a16:creationId xmlns:a16="http://schemas.microsoft.com/office/drawing/2014/main" id="{2897127E-6CEF-446C-BE87-93B7C46E49D1}"/>
+              </a:ext>
+              <a:ext uri="{C183D7F6-B498-43B3-948B-1728B52AA6E4}">
+                <adec:decorative xmlns:adec="http://schemas.microsoft.com/office/drawing/2017/decorative" val="1"/>
+              </a:ext>
+            </a:extLst>
+          </p:cNvPr>
+          <p:cNvPicPr>
+            <a:picLocks noGrp="1" noRot="1" noChangeAspect="1" noMove="1" noResize="1" noEditPoints="1" noAdjustHandles="1" noChangeArrowheads="1" noChangeShapeType="1" noCrop="1"/>
+          </p:cNvPicPr>
+          <p:nvPr>
+            <p:extLst>
+              <p:ext uri="{386F3935-93C4-4BCD-93E2-E3B085C9AB24}">
+                <p16:designElem xmlns:p16="http://schemas.microsoft.com/office/powerpoint/2015/main" val="1"/>
+              </p:ext>
+            </p:extLst>
+          </p:nvPr>
+        </p:nvPicPr>
+        <p:blipFill>
+          <a:blip r:embed="rId2">
+            <a:extLst>
+              <a:ext uri="{28A0092B-C50C-407E-A947-70E740481C1C}">
+                <a14:useLocalDpi xmlns:a14="http://schemas.microsoft.com/office/drawing/2010/main" val="0"/>
+              </a:ext>
+            </a:extLst>
+          </a:blip>
+          <a:stretch>
+            <a:fillRect/>
+          </a:stretch>
+        </p:blipFill>
+        <p:spPr>
+          <a:xfrm>
+            <a:off x="0" y="0"/>
+            <a:ext cx="9144000" cy="6858000"/>
+          </a:xfrm>
+          <a:prstGeom prst="rect">
+            <a:avLst/>
+          </a:prstGeom>
+        </p:spPr>
+      </p:pic>
+      <p:sp>
+        <p:nvSpPr>
+          <p:cNvPr id="2" name="Title 1">
+            <a:extLst>
+              <a:ext uri="{FF2B5EF4-FFF2-40B4-BE49-F238E27FC236}">
+                <a16:creationId xmlns:a16="http://schemas.microsoft.com/office/drawing/2014/main" id="{EED7D955-4529-4137-9DC2-D3F1F96FC4D5}"/>
+              </a:ext>
+            </a:extLst>
+          </p:cNvPr>
+          <p:cNvSpPr>
+            <a:spLocks noGrp="1"/>
+          </p:cNvSpPr>
+          <p:nvPr>
+            <p:ph type="title"/>
+          </p:nvPr>
+        </p:nvSpPr>
+        <p:spPr>
+          <a:xfrm>
+            <a:off x="480059" y="2053641"/>
+            <a:ext cx="2751871" cy="2760098"/>
           </a:xfrm>
         </p:spPr>
         <p:txBody>
-          <a:bodyPr/>
+          <a:bodyPr>
+            <a:normAutofit/>
+          </a:bodyPr>
           <a:lstStyle/>
           <a:p>
             <a:r>
-              <a:rPr lang="en-US" dirty="0" err="1">
+              <a:rPr lang="en-US">
+                <a:solidFill>
+                  <a:srgbClr val="FFFFFF"/>
+                </a:solidFill>
                 <a:latin typeface="Helvetica" panose="020B0604020202020204" pitchFamily="34" charset="0"/>
                 <a:cs typeface="Helvetica" panose="020B0604020202020204" pitchFamily="34" charset="0"/>
               </a:rPr>
               <a:t>BigML</a:t>
             </a:r>
-            <a:endParaRPr lang="en-US" dirty="0">
-              <a:latin typeface="Helvetica" panose="020B0604020202020204" pitchFamily="34" charset="0"/>
-              <a:cs typeface="Helvetica" panose="020B0604020202020204" pitchFamily="34" charset="0"/>
-            </a:endParaRPr>
           </a:p>
         </p:txBody>
       </p:sp>
@@ -7098,16 +8891,26 @@
             <p:ph idx="1"/>
           </p:nvPr>
         </p:nvSpPr>
-        <p:spPr/>
-        <p:txBody>
-          <a:bodyPr/>
+        <p:spPr>
+          <a:xfrm>
+            <a:off x="4567930" y="801866"/>
+            <a:ext cx="3979563" cy="5230634"/>
+          </a:xfrm>
+        </p:spPr>
+        <p:txBody>
+          <a:bodyPr anchor="ctr">
+            <a:normAutofit/>
+          </a:bodyPr>
           <a:lstStyle/>
           <a:p>
             <a:pPr marL="0" indent="0">
               <a:buNone/>
             </a:pPr>
             <a:r>
-              <a:rPr lang="en-US" dirty="0">
+              <a:rPr lang="en-US" sz="1800">
+                <a:solidFill>
+                  <a:srgbClr val="000000"/>
+                </a:solidFill>
                 <a:latin typeface="Helvetica" panose="020B0604020202020204" pitchFamily="34" charset="0"/>
                 <a:cs typeface="Helvetica" panose="020B0604020202020204" pitchFamily="34" charset="0"/>
               </a:rPr>
@@ -7116,39 +8919,24 @@
           </a:p>
           <a:p>
             <a:r>
-              <a:rPr lang="en-US" dirty="0" err="1">
+              <a:rPr lang="en-US" sz="1800">
+                <a:solidFill>
+                  <a:srgbClr val="000000"/>
+                </a:solidFill>
                 <a:latin typeface="Helvetica" panose="020B0604020202020204" pitchFamily="34" charset="0"/>
                 <a:cs typeface="Helvetica" panose="020B0604020202020204" pitchFamily="34" charset="0"/>
               </a:rPr>
-              <a:t>BigML</a:t>
-            </a:r>
-            <a:r>
-              <a:rPr lang="en-US" dirty="0">
-                <a:latin typeface="Helvetica" panose="020B0604020202020204" pitchFamily="34" charset="0"/>
-                <a:cs typeface="Helvetica" panose="020B0604020202020204" pitchFamily="34" charset="0"/>
-              </a:rPr>
-              <a:t> is </a:t>
-            </a:r>
-            <a:r>
-              <a:rPr lang="en-US" dirty="0" err="1">
-                <a:latin typeface="Helvetica" panose="020B0604020202020204" pitchFamily="34" charset="0"/>
-                <a:cs typeface="Helvetica" panose="020B0604020202020204" pitchFamily="34" charset="0"/>
-              </a:rPr>
-              <a:t>MLaaS</a:t>
-            </a:r>
-            <a:r>
-              <a:rPr lang="en-US" dirty="0">
-                <a:latin typeface="Helvetica" panose="020B0604020202020204" pitchFamily="34" charset="0"/>
-                <a:cs typeface="Helvetica" panose="020B0604020202020204" pitchFamily="34" charset="0"/>
-              </a:rPr>
-              <a:t>, which provides robustly-engineered Machine Learning algorithms proven to solve real world problems, through a simple and elegant web interface.</a:t>
+              <a:t>BigML is MLaaS, which provides robustly-engineered Machine Learning algorithms proven to solve real world problems, through a simple and elegant web interface.</a:t>
             </a:r>
           </a:p>
           <a:p>
             <a:pPr marL="0" indent="0">
               <a:buNone/>
             </a:pPr>
-            <a:endParaRPr lang="en-US" dirty="0">
+            <a:endParaRPr lang="en-US" sz="1800">
+              <a:solidFill>
+                <a:srgbClr val="000000"/>
+              </a:solidFill>
               <a:latin typeface="Helvetica" panose="020B0604020202020204" pitchFamily="34" charset="0"/>
               <a:cs typeface="Helvetica" panose="020B0604020202020204" pitchFamily="34" charset="0"/>
             </a:endParaRPr>
@@ -7158,7 +8946,10 @@
               <a:buNone/>
             </a:pPr>
             <a:r>
-              <a:rPr lang="en-US" dirty="0">
+              <a:rPr lang="en-US" sz="1800">
+                <a:solidFill>
+                  <a:srgbClr val="000000"/>
+                </a:solidFill>
                 <a:latin typeface="Helvetica" panose="020B0604020202020204" pitchFamily="34" charset="0"/>
                 <a:cs typeface="Helvetica" panose="020B0604020202020204" pitchFamily="34" charset="0"/>
               </a:rPr>
@@ -7167,58 +8958,22 @@
           </a:p>
           <a:p>
             <a:r>
-              <a:rPr lang="en-US" dirty="0">
+              <a:rPr lang="en-US" sz="1800">
+                <a:solidFill>
+                  <a:srgbClr val="000000"/>
+                </a:solidFill>
                 <a:latin typeface="Helvetica" panose="020B0604020202020204" pitchFamily="34" charset="0"/>
                 <a:cs typeface="Helvetica" panose="020B0604020202020204" pitchFamily="34" charset="0"/>
               </a:rPr>
-              <a:t>Like H2o it provides an </a:t>
-            </a:r>
-            <a:r>
-              <a:rPr lang="en-US" dirty="0" err="1">
-                <a:latin typeface="Helvetica" panose="020B0604020202020204" pitchFamily="34" charset="0"/>
-                <a:cs typeface="Helvetica" panose="020B0604020202020204" pitchFamily="34" charset="0"/>
-              </a:rPr>
-              <a:t>OptiML</a:t>
-            </a:r>
-            <a:r>
-              <a:rPr lang="en-US" dirty="0">
-                <a:latin typeface="Helvetica" panose="020B0604020202020204" pitchFamily="34" charset="0"/>
-                <a:cs typeface="Helvetica" panose="020B0604020202020204" pitchFamily="34" charset="0"/>
-              </a:rPr>
-              <a:t> library for </a:t>
-            </a:r>
-            <a:r>
-              <a:rPr lang="en-US" dirty="0" err="1">
-                <a:latin typeface="Helvetica" panose="020B0604020202020204" pitchFamily="34" charset="0"/>
-                <a:cs typeface="Helvetica" panose="020B0604020202020204" pitchFamily="34" charset="0"/>
-              </a:rPr>
-              <a:t>AutoML</a:t>
-            </a:r>
-            <a:r>
-              <a:rPr lang="en-US" dirty="0">
-                <a:latin typeface="Helvetica" panose="020B0604020202020204" pitchFamily="34" charset="0"/>
-                <a:cs typeface="Helvetica" panose="020B0604020202020204" pitchFamily="34" charset="0"/>
-              </a:rPr>
-              <a:t> </a:t>
-            </a:r>
-            <a:r>
-              <a:rPr lang="en-US" dirty="0" err="1">
-                <a:latin typeface="Helvetica" panose="020B0604020202020204" pitchFamily="34" charset="0"/>
-                <a:cs typeface="Helvetica" panose="020B0604020202020204" pitchFamily="34" charset="0"/>
-              </a:rPr>
-              <a:t>pupose</a:t>
-            </a:r>
-            <a:r>
-              <a:rPr lang="en-US" dirty="0">
-                <a:latin typeface="Helvetica" panose="020B0604020202020204" pitchFamily="34" charset="0"/>
-                <a:cs typeface="Helvetica" panose="020B0604020202020204" pitchFamily="34" charset="0"/>
-              </a:rPr>
-              <a:t>.</a:t>
-            </a:r>
-          </a:p>
-          <a:p>
-            <a:r>
-              <a:rPr lang="en-US" dirty="0">
+              <a:t>Like H2o it provides an OptiML library for AutoML pupose.</a:t>
+            </a:r>
+          </a:p>
+          <a:p>
+            <a:r>
+              <a:rPr lang="en-US" sz="1800">
+                <a:solidFill>
+                  <a:srgbClr val="000000"/>
+                </a:solidFill>
                 <a:latin typeface="Helvetica" panose="020B0604020202020204" pitchFamily="34" charset="0"/>
                 <a:cs typeface="Helvetica" panose="020B0604020202020204" pitchFamily="34" charset="0"/>
               </a:rPr>
@@ -7227,7 +8982,10 @@
           </a:p>
           <a:p>
             <a:r>
-              <a:rPr lang="en-US" dirty="0">
+              <a:rPr lang="en-US" sz="1800">
+                <a:solidFill>
+                  <a:srgbClr val="000000"/>
+                </a:solidFill>
                 <a:latin typeface="Helvetica" panose="020B0604020202020204" pitchFamily="34" charset="0"/>
                 <a:cs typeface="Helvetica" panose="020B0604020202020204" pitchFamily="34" charset="0"/>
               </a:rPr>
@@ -7236,7 +8994,10 @@
           </a:p>
           <a:p>
             <a:r>
-              <a:rPr lang="en-US" dirty="0">
+              <a:rPr lang="en-US" sz="1800">
+                <a:solidFill>
+                  <a:srgbClr val="000000"/>
+                </a:solidFill>
                 <a:latin typeface="Helvetica" panose="020B0604020202020204" pitchFamily="34" charset="0"/>
                 <a:cs typeface="Helvetica" panose="020B0604020202020204" pitchFamily="34" charset="0"/>
               </a:rPr>
@@ -7261,6 +9022,14 @@
 <file path=ppt/slides/slide17.xml><?xml version="1.0" encoding="utf-8"?>
 <p:sld xmlns:a="http://schemas.openxmlformats.org/drawingml/2006/main" xmlns:r="http://schemas.openxmlformats.org/officeDocument/2006/relationships" xmlns:p="http://schemas.openxmlformats.org/presentationml/2006/main">
   <p:cSld>
+    <p:bg>
+      <p:bgPr>
+        <a:solidFill>
+          <a:schemeClr val="bg1"/>
+        </a:solidFill>
+        <a:effectLst/>
+      </p:bgPr>
+    </p:bg>
     <p:spTree>
       <p:nvGrpSpPr>
         <p:cNvPr id="1" name=""/>
@@ -7275,6 +9044,196 @@
           <a:chExt cx="0" cy="0"/>
         </a:xfrm>
       </p:grpSpPr>
+      <p:sp useBgFill="1">
+        <p:nvSpPr>
+          <p:cNvPr id="8" name="Rectangle 7">
+            <a:extLst>
+              <a:ext uri="{FF2B5EF4-FFF2-40B4-BE49-F238E27FC236}">
+                <a16:creationId xmlns:a16="http://schemas.microsoft.com/office/drawing/2014/main" id="{3B854194-185D-494D-905C-7C7CB2E30F6E}"/>
+              </a:ext>
+              <a:ext uri="{C183D7F6-B498-43B3-948B-1728B52AA6E4}">
+                <adec:decorative xmlns:adec="http://schemas.microsoft.com/office/drawing/2017/decorative" val="1"/>
+              </a:ext>
+            </a:extLst>
+          </p:cNvPr>
+          <p:cNvSpPr>
+            <a:spLocks noGrp="1" noRot="1" noChangeAspect="1" noMove="1" noResize="1" noEditPoints="1" noAdjustHandles="1" noChangeArrowheads="1" noChangeShapeType="1" noTextEdit="1"/>
+          </p:cNvSpPr>
+          <p:nvPr>
+            <p:extLst>
+              <p:ext uri="{386F3935-93C4-4BCD-93E2-E3B085C9AB24}">
+                <p16:designElem xmlns:p16="http://schemas.microsoft.com/office/powerpoint/2015/main" val="1"/>
+              </p:ext>
+            </p:extLst>
+          </p:nvPr>
+        </p:nvSpPr>
+        <p:spPr>
+          <a:xfrm>
+            <a:off x="0" y="0"/>
+            <a:ext cx="4561583" cy="6858000"/>
+          </a:xfrm>
+          <a:prstGeom prst="rect">
+            <a:avLst/>
+          </a:prstGeom>
+          <a:ln>
+            <a:noFill/>
+          </a:ln>
+        </p:spPr>
+        <p:style>
+          <a:lnRef idx="2">
+            <a:schemeClr val="accent1">
+              <a:shade val="50000"/>
+            </a:schemeClr>
+          </a:lnRef>
+          <a:fillRef idx="1">
+            <a:schemeClr val="accent1"/>
+          </a:fillRef>
+          <a:effectRef idx="0">
+            <a:schemeClr val="accent1"/>
+          </a:effectRef>
+          <a:fontRef idx="minor">
+            <a:schemeClr val="lt1"/>
+          </a:fontRef>
+        </p:style>
+        <p:txBody>
+          <a:bodyPr rtlCol="0" anchor="ctr"/>
+          <a:lstStyle/>
+          <a:p>
+            <a:pPr algn="ctr"/>
+            <a:endParaRPr lang="en-US"/>
+          </a:p>
+        </p:txBody>
+      </p:sp>
+      <p:sp>
+        <p:nvSpPr>
+          <p:cNvPr id="10" name="Rectangle 9">
+            <a:extLst>
+              <a:ext uri="{FF2B5EF4-FFF2-40B4-BE49-F238E27FC236}">
+                <a16:creationId xmlns:a16="http://schemas.microsoft.com/office/drawing/2014/main" id="{B4F5FA0D-0104-4987-8241-EFF7C85B88DE}"/>
+              </a:ext>
+              <a:ext uri="{C183D7F6-B498-43B3-948B-1728B52AA6E4}">
+                <adec:decorative xmlns:adec="http://schemas.microsoft.com/office/drawing/2017/decorative" val="1"/>
+              </a:ext>
+            </a:extLst>
+          </p:cNvPr>
+          <p:cNvSpPr>
+            <a:spLocks noGrp="1" noRot="1" noChangeAspect="1" noMove="1" noResize="1" noEditPoints="1" noAdjustHandles="1" noChangeArrowheads="1" noChangeShapeType="1" noTextEdit="1"/>
+          </p:cNvSpPr>
+          <p:nvPr>
+            <p:extLst>
+              <p:ext uri="{386F3935-93C4-4BCD-93E2-E3B085C9AB24}">
+                <p16:designElem xmlns:p16="http://schemas.microsoft.com/office/powerpoint/2015/main" val="1"/>
+              </p:ext>
+            </p:extLst>
+          </p:nvPr>
+        </p:nvSpPr>
+        <p:spPr>
+          <a:xfrm>
+            <a:off x="0" y="0"/>
+            <a:ext cx="9143999" cy="6858000"/>
+          </a:xfrm>
+          <a:prstGeom prst="rect">
+            <a:avLst/>
+          </a:prstGeom>
+          <a:gradFill>
+            <a:gsLst>
+              <a:gs pos="0">
+                <a:schemeClr val="accent1">
+                  <a:lumMod val="90000"/>
+                </a:schemeClr>
+              </a:gs>
+              <a:gs pos="25000">
+                <a:schemeClr val="accent1">
+                  <a:lumMod val="90000"/>
+                </a:schemeClr>
+              </a:gs>
+              <a:gs pos="94000">
+                <a:schemeClr val="bg2">
+                  <a:lumMod val="25000"/>
+                </a:schemeClr>
+              </a:gs>
+              <a:gs pos="100000">
+                <a:schemeClr val="bg2">
+                  <a:lumMod val="25000"/>
+                </a:schemeClr>
+              </a:gs>
+            </a:gsLst>
+            <a:lin ang="4200000" scaled="0"/>
+          </a:gradFill>
+          <a:ln>
+            <a:noFill/>
+          </a:ln>
+        </p:spPr>
+        <p:style>
+          <a:lnRef idx="2">
+            <a:schemeClr val="accent1">
+              <a:shade val="50000"/>
+            </a:schemeClr>
+          </a:lnRef>
+          <a:fillRef idx="1">
+            <a:schemeClr val="accent1"/>
+          </a:fillRef>
+          <a:effectRef idx="0">
+            <a:schemeClr val="accent1"/>
+          </a:effectRef>
+          <a:fontRef idx="minor">
+            <a:schemeClr val="lt1"/>
+          </a:fontRef>
+        </p:style>
+        <p:txBody>
+          <a:bodyPr rtlCol="0" anchor="ctr"/>
+          <a:lstStyle/>
+          <a:p>
+            <a:pPr algn="ctr"/>
+            <a:endParaRPr lang="en-US"/>
+          </a:p>
+        </p:txBody>
+      </p:sp>
+      <p:pic>
+        <p:nvPicPr>
+          <p:cNvPr id="12" name="Picture 11">
+            <a:extLst>
+              <a:ext uri="{FF2B5EF4-FFF2-40B4-BE49-F238E27FC236}">
+                <a16:creationId xmlns:a16="http://schemas.microsoft.com/office/drawing/2014/main" id="{2897127E-6CEF-446C-BE87-93B7C46E49D1}"/>
+              </a:ext>
+              <a:ext uri="{C183D7F6-B498-43B3-948B-1728B52AA6E4}">
+                <adec:decorative xmlns:adec="http://schemas.microsoft.com/office/drawing/2017/decorative" val="1"/>
+              </a:ext>
+            </a:extLst>
+          </p:cNvPr>
+          <p:cNvPicPr>
+            <a:picLocks noGrp="1" noRot="1" noChangeAspect="1" noMove="1" noResize="1" noEditPoints="1" noAdjustHandles="1" noChangeArrowheads="1" noChangeShapeType="1" noCrop="1"/>
+          </p:cNvPicPr>
+          <p:nvPr>
+            <p:extLst>
+              <p:ext uri="{386F3935-93C4-4BCD-93E2-E3B085C9AB24}">
+                <p16:designElem xmlns:p16="http://schemas.microsoft.com/office/powerpoint/2015/main" val="1"/>
+              </p:ext>
+            </p:extLst>
+          </p:nvPr>
+        </p:nvPicPr>
+        <p:blipFill>
+          <a:blip r:embed="rId2">
+            <a:extLst>
+              <a:ext uri="{28A0092B-C50C-407E-A947-70E740481C1C}">
+                <a14:useLocalDpi xmlns:a14="http://schemas.microsoft.com/office/drawing/2010/main" val="0"/>
+              </a:ext>
+            </a:extLst>
+          </a:blip>
+          <a:stretch>
+            <a:fillRect/>
+          </a:stretch>
+        </p:blipFill>
+        <p:spPr>
+          <a:xfrm>
+            <a:off x="0" y="0"/>
+            <a:ext cx="9144000" cy="6858000"/>
+          </a:xfrm>
+          <a:prstGeom prst="rect">
+            <a:avLst/>
+          </a:prstGeom>
+        </p:spPr>
+      </p:pic>
       <p:sp>
         <p:nvSpPr>
           <p:cNvPr id="2" name="Title 1">
@@ -7291,7 +9250,12 @@
             <p:ph type="title"/>
           </p:nvPr>
         </p:nvSpPr>
-        <p:spPr/>
+        <p:spPr>
+          <a:xfrm>
+            <a:off x="480059" y="2053641"/>
+            <a:ext cx="2751871" cy="2760098"/>
+          </a:xfrm>
+        </p:spPr>
         <p:txBody>
           <a:bodyPr>
             <a:normAutofit/>
@@ -7299,18 +9263,14 @@
           <a:lstStyle/>
           <a:p>
             <a:r>
-              <a:rPr lang="en-US" sz="3200" dirty="0" err="1">
+              <a:rPr lang="en-US">
+                <a:solidFill>
+                  <a:srgbClr val="FFFFFF"/>
+                </a:solidFill>
                 <a:latin typeface="Helvetica" panose="020B0604020202020204" pitchFamily="34" charset="0"/>
                 <a:cs typeface="Helvetica" panose="020B0604020202020204" pitchFamily="34" charset="0"/>
               </a:rPr>
-              <a:t>BigML</a:t>
-            </a:r>
-            <a:r>
-              <a:rPr lang="en-US" sz="3200" dirty="0">
-                <a:latin typeface="Helvetica" panose="020B0604020202020204" pitchFamily="34" charset="0"/>
-                <a:cs typeface="Helvetica" panose="020B0604020202020204" pitchFamily="34" charset="0"/>
-              </a:rPr>
-              <a:t> DEMO</a:t>
+              <a:t>BigML DEMO</a:t>
             </a:r>
           </a:p>
         </p:txBody>
@@ -7331,13 +9291,23 @@
             <p:ph idx="1"/>
           </p:nvPr>
         </p:nvSpPr>
-        <p:spPr/>
-        <p:txBody>
-          <a:bodyPr/>
+        <p:spPr>
+          <a:xfrm>
+            <a:off x="4567930" y="801866"/>
+            <a:ext cx="3979563" cy="5230634"/>
+          </a:xfrm>
+        </p:spPr>
+        <p:txBody>
+          <a:bodyPr anchor="ctr">
+            <a:normAutofit/>
+          </a:bodyPr>
           <a:lstStyle/>
           <a:p>
             <a:r>
-              <a:rPr lang="en-US" sz="2000" dirty="0">
+              <a:rPr lang="en-US">
+                <a:solidFill>
+                  <a:srgbClr val="000000"/>
+                </a:solidFill>
                 <a:latin typeface="Helvetica" panose="020B0604020202020204" pitchFamily="34" charset="0"/>
                 <a:cs typeface="Helvetica" panose="020B0604020202020204" pitchFamily="34" charset="0"/>
               </a:rPr>
@@ -7349,32 +9319,24 @@
               <a:buNone/>
             </a:pPr>
             <a:r>
-              <a:rPr lang="en-US" sz="2000" dirty="0">
+              <a:rPr lang="en-US">
+                <a:solidFill>
+                  <a:srgbClr val="000000"/>
+                </a:solidFill>
                 <a:latin typeface="Helvetica" panose="020B0604020202020204" pitchFamily="34" charset="0"/>
                 <a:cs typeface="Helvetica" panose="020B0604020202020204" pitchFamily="34" charset="0"/>
               </a:rPr>
-              <a:t>To predict the </a:t>
-            </a:r>
-            <a:r>
-              <a:rPr lang="en-US" sz="2000" dirty="0" err="1">
-                <a:latin typeface="Helvetica" panose="020B0604020202020204" pitchFamily="34" charset="0"/>
-                <a:cs typeface="Helvetica" panose="020B0604020202020204" pitchFamily="34" charset="0"/>
-              </a:rPr>
-              <a:t>SalePrice</a:t>
-            </a:r>
-            <a:r>
-              <a:rPr lang="en-US" sz="2000" dirty="0">
-                <a:latin typeface="Helvetica" panose="020B0604020202020204" pitchFamily="34" charset="0"/>
-                <a:cs typeface="Helvetica" panose="020B0604020202020204" pitchFamily="34" charset="0"/>
-              </a:rPr>
-              <a:t> of the house</a:t>
+              <a:t>To predict the SalePrice of the house</a:t>
             </a:r>
           </a:p>
           <a:p>
             <a:pPr marL="0" indent="0">
               <a:buNone/>
             </a:pPr>
-            <a:endParaRPr lang="en-US" sz="2000" dirty="0">
+            <a:endParaRPr lang="en-US">
+              <a:solidFill>
+                <a:srgbClr val="000000"/>
+              </a:solidFill>
               <a:latin typeface="Helvetica" panose="020B0604020202020204" pitchFamily="34" charset="0"/>
               <a:cs typeface="Helvetica" panose="020B0604020202020204" pitchFamily="34" charset="0"/>
             </a:endParaRPr>
@@ -7383,14 +9345,20 @@
             <a:pPr marL="0" indent="0">
               <a:buNone/>
             </a:pPr>
-            <a:endParaRPr lang="en-US" sz="2000" dirty="0">
+            <a:endParaRPr lang="en-US">
+              <a:solidFill>
+                <a:srgbClr val="000000"/>
+              </a:solidFill>
               <a:latin typeface="Helvetica" panose="020B0604020202020204" pitchFamily="34" charset="0"/>
               <a:cs typeface="Helvetica" panose="020B0604020202020204" pitchFamily="34" charset="0"/>
             </a:endParaRPr>
           </a:p>
           <a:p>
             <a:r>
-              <a:rPr lang="en-US" sz="2000" dirty="0">
+              <a:rPr lang="en-US">
+                <a:solidFill>
+                  <a:srgbClr val="000000"/>
+                </a:solidFill>
                 <a:latin typeface="Helvetica" panose="020B0604020202020204" pitchFamily="34" charset="0"/>
                 <a:cs typeface="Helvetica" panose="020B0604020202020204" pitchFamily="34" charset="0"/>
               </a:rPr>
@@ -7402,7 +9370,10 @@
               <a:buNone/>
             </a:pPr>
             <a:r>
-              <a:rPr lang="en-US" sz="2000" dirty="0">
+              <a:rPr lang="en-US">
+                <a:solidFill>
+                  <a:srgbClr val="000000"/>
+                </a:solidFill>
                 <a:latin typeface="Helvetica" panose="020B0604020202020204" pitchFamily="34" charset="0"/>
                 <a:cs typeface="Helvetica" panose="020B0604020202020204" pitchFamily="34" charset="0"/>
               </a:rPr>
@@ -7427,6 +9398,14 @@
 <file path=ppt/slides/slide2.xml><?xml version="1.0" encoding="utf-8"?>
 <p:sld xmlns:a="http://schemas.openxmlformats.org/drawingml/2006/main" xmlns:r="http://schemas.openxmlformats.org/officeDocument/2006/relationships" xmlns:p="http://schemas.openxmlformats.org/presentationml/2006/main">
   <p:cSld>
+    <p:bg>
+      <p:bgPr>
+        <a:solidFill>
+          <a:schemeClr val="bg1"/>
+        </a:solidFill>
+        <a:effectLst/>
+      </p:bgPr>
+    </p:bg>
     <p:spTree>
       <p:nvGrpSpPr>
         <p:cNvPr id="1" name=""/>
@@ -7441,26 +9420,216 @@
           <a:chExt cx="0" cy="0"/>
         </a:xfrm>
       </p:grpSpPr>
-      <p:sp>
-        <p:nvSpPr>
-          <p:cNvPr id="7170" name="Title 1">
-            <a:extLst>
-              <a:ext uri="{FF2B5EF4-FFF2-40B4-BE49-F238E27FC236}">
-                <a16:creationId xmlns:a16="http://schemas.microsoft.com/office/drawing/2014/main" id="{08E671E6-8489-453F-8D3F-00143C8C6EB3}"/>
-              </a:ext>
-            </a:extLst>
-          </p:cNvPr>
-          <p:cNvSpPr>
-            <a:spLocks noGrp="1"/>
-          </p:cNvSpPr>
-          <p:nvPr>
-            <p:ph type="title"/>
+      <p:sp useBgFill="1">
+        <p:nvSpPr>
+          <p:cNvPr id="72" name="Rectangle 71">
+            <a:extLst>
+              <a:ext uri="{FF2B5EF4-FFF2-40B4-BE49-F238E27FC236}">
+                <a16:creationId xmlns:a16="http://schemas.microsoft.com/office/drawing/2014/main" id="{3B854194-185D-494D-905C-7C7CB2E30F6E}"/>
+              </a:ext>
+              <a:ext uri="{C183D7F6-B498-43B3-948B-1728B52AA6E4}">
+                <adec:decorative xmlns:adec="http://schemas.microsoft.com/office/drawing/2017/decorative" val="1"/>
+              </a:ext>
+            </a:extLst>
+          </p:cNvPr>
+          <p:cNvSpPr>
+            <a:spLocks noGrp="1" noRot="1" noChangeAspect="1" noMove="1" noResize="1" noEditPoints="1" noAdjustHandles="1" noChangeArrowheads="1" noChangeShapeType="1" noTextEdit="1"/>
+          </p:cNvSpPr>
+          <p:nvPr>
+            <p:extLst>
+              <p:ext uri="{386F3935-93C4-4BCD-93E2-E3B085C9AB24}">
+                <p16:designElem xmlns:p16="http://schemas.microsoft.com/office/powerpoint/2015/main" val="1"/>
+              </p:ext>
+            </p:extLst>
           </p:nvPr>
         </p:nvSpPr>
         <p:spPr>
           <a:xfrm>
-            <a:off x="549525" y="838200"/>
-            <a:ext cx="8229600" cy="762000"/>
+            <a:off x="0" y="0"/>
+            <a:ext cx="4561583" cy="6858000"/>
+          </a:xfrm>
+          <a:prstGeom prst="rect">
+            <a:avLst/>
+          </a:prstGeom>
+          <a:ln>
+            <a:noFill/>
+          </a:ln>
+        </p:spPr>
+        <p:style>
+          <a:lnRef idx="2">
+            <a:schemeClr val="accent1">
+              <a:shade val="50000"/>
+            </a:schemeClr>
+          </a:lnRef>
+          <a:fillRef idx="1">
+            <a:schemeClr val="accent1"/>
+          </a:fillRef>
+          <a:effectRef idx="0">
+            <a:schemeClr val="accent1"/>
+          </a:effectRef>
+          <a:fontRef idx="minor">
+            <a:schemeClr val="lt1"/>
+          </a:fontRef>
+        </p:style>
+        <p:txBody>
+          <a:bodyPr rtlCol="0" anchor="ctr"/>
+          <a:lstStyle/>
+          <a:p>
+            <a:pPr algn="ctr"/>
+            <a:endParaRPr lang="en-US"/>
+          </a:p>
+        </p:txBody>
+      </p:sp>
+      <p:sp>
+        <p:nvSpPr>
+          <p:cNvPr id="74" name="Rectangle 73">
+            <a:extLst>
+              <a:ext uri="{FF2B5EF4-FFF2-40B4-BE49-F238E27FC236}">
+                <a16:creationId xmlns:a16="http://schemas.microsoft.com/office/drawing/2014/main" id="{B4F5FA0D-0104-4987-8241-EFF7C85B88DE}"/>
+              </a:ext>
+              <a:ext uri="{C183D7F6-B498-43B3-948B-1728B52AA6E4}">
+                <adec:decorative xmlns:adec="http://schemas.microsoft.com/office/drawing/2017/decorative" val="1"/>
+              </a:ext>
+            </a:extLst>
+          </p:cNvPr>
+          <p:cNvSpPr>
+            <a:spLocks noGrp="1" noRot="1" noChangeAspect="1" noMove="1" noResize="1" noEditPoints="1" noAdjustHandles="1" noChangeArrowheads="1" noChangeShapeType="1" noTextEdit="1"/>
+          </p:cNvSpPr>
+          <p:nvPr>
+            <p:extLst>
+              <p:ext uri="{386F3935-93C4-4BCD-93E2-E3B085C9AB24}">
+                <p16:designElem xmlns:p16="http://schemas.microsoft.com/office/powerpoint/2015/main" val="1"/>
+              </p:ext>
+            </p:extLst>
+          </p:nvPr>
+        </p:nvSpPr>
+        <p:spPr>
+          <a:xfrm>
+            <a:off x="0" y="0"/>
+            <a:ext cx="9143999" cy="6858000"/>
+          </a:xfrm>
+          <a:prstGeom prst="rect">
+            <a:avLst/>
+          </a:prstGeom>
+          <a:gradFill>
+            <a:gsLst>
+              <a:gs pos="0">
+                <a:schemeClr val="accent1">
+                  <a:lumMod val="90000"/>
+                </a:schemeClr>
+              </a:gs>
+              <a:gs pos="25000">
+                <a:schemeClr val="accent1">
+                  <a:lumMod val="90000"/>
+                </a:schemeClr>
+              </a:gs>
+              <a:gs pos="94000">
+                <a:schemeClr val="bg2">
+                  <a:lumMod val="25000"/>
+                </a:schemeClr>
+              </a:gs>
+              <a:gs pos="100000">
+                <a:schemeClr val="bg2">
+                  <a:lumMod val="25000"/>
+                </a:schemeClr>
+              </a:gs>
+            </a:gsLst>
+            <a:lin ang="4200000" scaled="0"/>
+          </a:gradFill>
+          <a:ln>
+            <a:noFill/>
+          </a:ln>
+        </p:spPr>
+        <p:style>
+          <a:lnRef idx="2">
+            <a:schemeClr val="accent1">
+              <a:shade val="50000"/>
+            </a:schemeClr>
+          </a:lnRef>
+          <a:fillRef idx="1">
+            <a:schemeClr val="accent1"/>
+          </a:fillRef>
+          <a:effectRef idx="0">
+            <a:schemeClr val="accent1"/>
+          </a:effectRef>
+          <a:fontRef idx="minor">
+            <a:schemeClr val="lt1"/>
+          </a:fontRef>
+        </p:style>
+        <p:txBody>
+          <a:bodyPr rtlCol="0" anchor="ctr"/>
+          <a:lstStyle/>
+          <a:p>
+            <a:pPr algn="ctr"/>
+            <a:endParaRPr lang="en-US"/>
+          </a:p>
+        </p:txBody>
+      </p:sp>
+      <p:pic>
+        <p:nvPicPr>
+          <p:cNvPr id="76" name="Picture 75">
+            <a:extLst>
+              <a:ext uri="{FF2B5EF4-FFF2-40B4-BE49-F238E27FC236}">
+                <a16:creationId xmlns:a16="http://schemas.microsoft.com/office/drawing/2014/main" id="{2897127E-6CEF-446C-BE87-93B7C46E49D1}"/>
+              </a:ext>
+              <a:ext uri="{C183D7F6-B498-43B3-948B-1728B52AA6E4}">
+                <adec:decorative xmlns:adec="http://schemas.microsoft.com/office/drawing/2017/decorative" val="1"/>
+              </a:ext>
+            </a:extLst>
+          </p:cNvPr>
+          <p:cNvPicPr>
+            <a:picLocks noGrp="1" noRot="1" noChangeAspect="1" noMove="1" noResize="1" noEditPoints="1" noAdjustHandles="1" noChangeArrowheads="1" noChangeShapeType="1" noCrop="1"/>
+          </p:cNvPicPr>
+          <p:nvPr>
+            <p:extLst>
+              <p:ext uri="{386F3935-93C4-4BCD-93E2-E3B085C9AB24}">
+                <p16:designElem xmlns:p16="http://schemas.microsoft.com/office/powerpoint/2015/main" val="1"/>
+              </p:ext>
+            </p:extLst>
+          </p:nvPr>
+        </p:nvPicPr>
+        <p:blipFill>
+          <a:blip r:embed="rId2">
+            <a:extLst>
+              <a:ext uri="{28A0092B-C50C-407E-A947-70E740481C1C}">
+                <a14:useLocalDpi xmlns:a14="http://schemas.microsoft.com/office/drawing/2010/main" val="0"/>
+              </a:ext>
+            </a:extLst>
+          </a:blip>
+          <a:stretch>
+            <a:fillRect/>
+          </a:stretch>
+        </p:blipFill>
+        <p:spPr>
+          <a:xfrm>
+            <a:off x="0" y="0"/>
+            <a:ext cx="9144000" cy="6858000"/>
+          </a:xfrm>
+          <a:prstGeom prst="rect">
+            <a:avLst/>
+          </a:prstGeom>
+        </p:spPr>
+      </p:pic>
+      <p:sp>
+        <p:nvSpPr>
+          <p:cNvPr id="7170" name="Title 1">
+            <a:extLst>
+              <a:ext uri="{FF2B5EF4-FFF2-40B4-BE49-F238E27FC236}">
+                <a16:creationId xmlns:a16="http://schemas.microsoft.com/office/drawing/2014/main" id="{08E671E6-8489-453F-8D3F-00143C8C6EB3}"/>
+              </a:ext>
+            </a:extLst>
+          </p:cNvPr>
+          <p:cNvSpPr>
+            <a:spLocks noGrp="1"/>
+          </p:cNvSpPr>
+          <p:nvPr>
+            <p:ph type="title"/>
+          </p:nvPr>
+        </p:nvSpPr>
+        <p:spPr>
+          <a:xfrm>
+            <a:off x="480059" y="2053641"/>
+            <a:ext cx="2751871" cy="2760098"/>
           </a:xfrm>
         </p:spPr>
         <p:txBody>
@@ -7469,11 +9638,10 @@
           </a:bodyPr>
           <a:lstStyle/>
           <a:p>
-            <a:pPr algn="l"/>
-            <a:r>
-              <a:rPr lang="en-US" altLang="en-US" sz="3200" dirty="0">
-                <a:solidFill>
-                  <a:schemeClr val="tx1"/>
+            <a:r>
+              <a:rPr lang="en-US" altLang="en-US">
+                <a:solidFill>
+                  <a:srgbClr val="FFFFFF"/>
                 </a:solidFill>
                 <a:latin typeface="Helvetica" panose="020B0604020202020204" pitchFamily="34" charset="0"/>
                 <a:ea typeface="ＭＳ Ｐゴシック" panose="020B0600070205080204" pitchFamily="34" charset="-128"/>
@@ -7501,16 +9669,21 @@
         </p:nvSpPr>
         <p:spPr>
           <a:xfrm>
-            <a:off x="525462" y="1828800"/>
-            <a:ext cx="8093075" cy="4800600"/>
+            <a:off x="4567930" y="801866"/>
+            <a:ext cx="3979563" cy="5230634"/>
           </a:xfrm>
         </p:spPr>
         <p:txBody>
-          <a:bodyPr/>
+          <a:bodyPr anchor="ctr">
+            <a:normAutofit/>
+          </a:bodyPr>
           <a:lstStyle/>
           <a:p>
             <a:r>
-              <a:rPr lang="en-US" altLang="en-US" sz="2200" dirty="0">
+              <a:rPr lang="en-US" altLang="en-US" u="sng">
+                <a:solidFill>
+                  <a:srgbClr val="000000"/>
+                </a:solidFill>
                 <a:latin typeface="Helvetica" panose="020B0604020202020204" pitchFamily="34" charset="0"/>
                 <a:ea typeface="ＭＳ Ｐゴシック" panose="020B0600070205080204" pitchFamily="34" charset="-128"/>
               </a:rPr>
@@ -7519,39 +9692,34 @@
           </a:p>
           <a:p>
             <a:r>
-              <a:rPr lang="en-US" altLang="en-US" sz="2200" u="sng" dirty="0">
+              <a:rPr lang="en-US" altLang="en-US" u="sng">
+                <a:solidFill>
+                  <a:srgbClr val="000000"/>
+                </a:solidFill>
                 <a:latin typeface="Helvetica" panose="020B0604020202020204" pitchFamily="34" charset="0"/>
                 <a:ea typeface="ＭＳ Ｐゴシック" panose="020B0600070205080204" pitchFamily="34" charset="-128"/>
               </a:rPr>
-              <a:t>MLAAS</a:t>
-            </a:r>
-          </a:p>
-          <a:p>
-            <a:r>
-              <a:rPr lang="en-US" altLang="en-US" sz="2200" u="sng" dirty="0">
+              <a:t>Machine Learning as a Service</a:t>
+            </a:r>
+          </a:p>
+          <a:p>
+            <a:r>
+              <a:rPr lang="en-US" altLang="en-US" u="sng">
+                <a:solidFill>
+                  <a:srgbClr val="000000"/>
+                </a:solidFill>
                 <a:latin typeface="Helvetica" panose="020B0604020202020204" pitchFamily="34" charset="0"/>
                 <a:ea typeface="ＭＳ Ｐゴシック" panose="020B0600070205080204" pitchFamily="34" charset="-128"/>
               </a:rPr>
-              <a:t>How </a:t>
-            </a:r>
-            <a:r>
-              <a:rPr lang="en-US" altLang="en-US" sz="2200" u="sng" dirty="0" err="1">
-                <a:latin typeface="Helvetica" panose="020B0604020202020204" pitchFamily="34" charset="0"/>
-                <a:ea typeface="ＭＳ Ｐゴシック" panose="020B0600070205080204" pitchFamily="34" charset="-128"/>
-              </a:rPr>
-              <a:t>MLaaS</a:t>
-            </a:r>
-            <a:r>
-              <a:rPr lang="en-US" altLang="en-US" sz="2200" u="sng" dirty="0">
-                <a:latin typeface="Helvetica" panose="020B0604020202020204" pitchFamily="34" charset="0"/>
-                <a:ea typeface="ＭＳ Ｐゴシック" panose="020B0600070205080204" pitchFamily="34" charset="-128"/>
-              </a:rPr>
-              <a:t> makes it easy?</a:t>
-            </a:r>
-          </a:p>
-          <a:p>
-            <a:r>
-              <a:rPr lang="en-US" altLang="en-US" sz="2200" u="sng" dirty="0">
+              <a:t>How MLaaS makes it easy?</a:t>
+            </a:r>
+          </a:p>
+          <a:p>
+            <a:r>
+              <a:rPr lang="en-US" altLang="en-US" u="sng">
+                <a:solidFill>
+                  <a:srgbClr val="000000"/>
+                </a:solidFill>
                 <a:latin typeface="Helvetica" panose="020B0604020202020204" pitchFamily="34" charset="0"/>
                 <a:ea typeface="ＭＳ Ｐゴシック" panose="020B0600070205080204" pitchFamily="34" charset="-128"/>
               </a:rPr>
@@ -7560,13 +9728,16 @@
           </a:p>
           <a:p>
             <a:r>
-              <a:rPr lang="en-US" altLang="en-US" sz="2200" u="sng" dirty="0">
+              <a:rPr lang="en-US" altLang="en-US" u="sng">
+                <a:solidFill>
+                  <a:srgbClr val="000000"/>
+                </a:solidFill>
                 <a:latin typeface="Helvetica" panose="020B0604020202020204" pitchFamily="34" charset="0"/>
                 <a:ea typeface="ＭＳ Ｐゴシック" panose="020B0600070205080204" pitchFamily="34" charset="-128"/>
                 <a:hlinkClick r:id="" action="ppaction://noaction">
                   <a:extLst>
                     <a:ext uri="{A12FA001-AC4F-418D-AE19-62706E023703}">
-                      <ahyp:hlinkClr xmlns="" xmlns:ahyp="http://schemas.microsoft.com/office/drawing/2018/hyperlinkcolor" val="tx"/>
+                      <ahyp:hlinkClr xmlns:ahyp="http://schemas.microsoft.com/office/drawing/2018/hyperlinkcolor" val="tx"/>
                     </a:ext>
                   </a:extLst>
                 </a:hlinkClick>
@@ -7576,7 +9747,10 @@
           </a:p>
           <a:p>
             <a:r>
-              <a:rPr lang="en-US" altLang="en-US" sz="2200" u="sng" dirty="0">
+              <a:rPr lang="en-US" altLang="en-US" u="sng">
+                <a:solidFill>
+                  <a:srgbClr val="000000"/>
+                </a:solidFill>
                 <a:latin typeface="Helvetica" panose="020B0604020202020204" pitchFamily="34" charset="0"/>
                 <a:ea typeface="ＭＳ Ｐゴシック" panose="020B0600070205080204" pitchFamily="34" charset="-128"/>
               </a:rPr>
@@ -7585,30 +9759,15 @@
           </a:p>
           <a:p>
             <a:r>
-              <a:rPr lang="en-US" altLang="en-US" sz="2200" u="sng" dirty="0" err="1">
+              <a:rPr lang="en-US" altLang="en-US" u="sng">
+                <a:solidFill>
+                  <a:srgbClr val="000000"/>
+                </a:solidFill>
                 <a:latin typeface="Helvetica" panose="020B0604020202020204" pitchFamily="34" charset="0"/>
                 <a:ea typeface="ＭＳ Ｐゴシック" panose="020B0600070205080204" pitchFamily="34" charset="-128"/>
               </a:rPr>
-              <a:t>BigML</a:t>
-            </a:r>
-            <a:r>
-              <a:rPr lang="en-US" altLang="en-US" sz="2200" u="sng" dirty="0">
-                <a:latin typeface="Helvetica" panose="020B0604020202020204" pitchFamily="34" charset="0"/>
-                <a:ea typeface="ＭＳ Ｐゴシック" panose="020B0600070205080204" pitchFamily="34" charset="-128"/>
-              </a:rPr>
-              <a:t> &amp; </a:t>
-            </a:r>
-            <a:r>
-              <a:rPr lang="en-US" altLang="en-US" sz="2200" u="sng" dirty="0" err="1">
-                <a:latin typeface="Helvetica" panose="020B0604020202020204" pitchFamily="34" charset="0"/>
-                <a:ea typeface="ＭＳ Ｐゴシック" panose="020B0600070205080204" pitchFamily="34" charset="-128"/>
-              </a:rPr>
-              <a:t>AutoML</a:t>
-            </a:r>
-            <a:endParaRPr lang="en-US" altLang="en-US" sz="2200" u="sng" dirty="0">
-              <a:latin typeface="Helvetica" panose="020B0604020202020204" pitchFamily="34" charset="0"/>
-              <a:ea typeface="ＭＳ Ｐゴシック" panose="020B0600070205080204" pitchFamily="34" charset="-128"/>
-            </a:endParaRPr>
+              <a:t>BigML &amp; AutoML</a:t>
+            </a:r>
           </a:p>
         </p:txBody>
       </p:sp>
@@ -7623,6 +9782,14 @@
 <file path=ppt/slides/slide3.xml><?xml version="1.0" encoding="utf-8"?>
 <p:sld xmlns:a="http://schemas.openxmlformats.org/drawingml/2006/main" xmlns:r="http://schemas.openxmlformats.org/officeDocument/2006/relationships" xmlns:p="http://schemas.openxmlformats.org/presentationml/2006/main">
   <p:cSld>
+    <p:bg>
+      <p:bgPr>
+        <a:solidFill>
+          <a:schemeClr val="bg1"/>
+        </a:solidFill>
+        <a:effectLst/>
+      </p:bgPr>
+    </p:bg>
     <p:spTree>
       <p:nvGrpSpPr>
         <p:cNvPr id="1" name=""/>
@@ -7637,49 +9804,243 @@
           <a:chExt cx="0" cy="0"/>
         </a:xfrm>
       </p:grpSpPr>
-      <p:sp>
-        <p:nvSpPr>
-          <p:cNvPr id="8194" name="Title 1">
-            <a:extLst>
-              <a:ext uri="{FF2B5EF4-FFF2-40B4-BE49-F238E27FC236}">
-                <a16:creationId xmlns:a16="http://schemas.microsoft.com/office/drawing/2014/main" id="{175676B8-48F3-40E9-BF9B-45F2D27F9810}"/>
-              </a:ext>
-            </a:extLst>
-          </p:cNvPr>
-          <p:cNvSpPr>
-            <a:spLocks noGrp="1"/>
-          </p:cNvSpPr>
-          <p:nvPr>
-            <p:ph type="title"/>
+      <p:sp useBgFill="1">
+        <p:nvSpPr>
+          <p:cNvPr id="135" name="Rectangle 134">
+            <a:extLst>
+              <a:ext uri="{FF2B5EF4-FFF2-40B4-BE49-F238E27FC236}">
+                <a16:creationId xmlns:a16="http://schemas.microsoft.com/office/drawing/2014/main" id="{3B854194-185D-494D-905C-7C7CB2E30F6E}"/>
+              </a:ext>
+              <a:ext uri="{C183D7F6-B498-43B3-948B-1728B52AA6E4}">
+                <adec:decorative xmlns:adec="http://schemas.microsoft.com/office/drawing/2017/decorative" val="1"/>
+              </a:ext>
+            </a:extLst>
+          </p:cNvPr>
+          <p:cNvSpPr>
+            <a:spLocks noGrp="1" noRot="1" noChangeAspect="1" noMove="1" noResize="1" noEditPoints="1" noAdjustHandles="1" noChangeArrowheads="1" noChangeShapeType="1" noTextEdit="1"/>
+          </p:cNvSpPr>
+          <p:nvPr>
+            <p:extLst>
+              <p:ext uri="{386F3935-93C4-4BCD-93E2-E3B085C9AB24}">
+                <p16:designElem xmlns:p16="http://schemas.microsoft.com/office/powerpoint/2015/main" val="1"/>
+              </p:ext>
+            </p:extLst>
           </p:nvPr>
         </p:nvSpPr>
         <p:spPr>
           <a:xfrm>
-            <a:off x="409575" y="762000"/>
-            <a:ext cx="7886700" cy="993775"/>
+            <a:off x="0" y="0"/>
+            <a:ext cx="4561583" cy="6858000"/>
+          </a:xfrm>
+          <a:prstGeom prst="rect">
+            <a:avLst/>
+          </a:prstGeom>
+          <a:ln>
+            <a:noFill/>
+          </a:ln>
+        </p:spPr>
+        <p:style>
+          <a:lnRef idx="2">
+            <a:schemeClr val="accent1">
+              <a:shade val="50000"/>
+            </a:schemeClr>
+          </a:lnRef>
+          <a:fillRef idx="1">
+            <a:schemeClr val="accent1"/>
+          </a:fillRef>
+          <a:effectRef idx="0">
+            <a:schemeClr val="accent1"/>
+          </a:effectRef>
+          <a:fontRef idx="minor">
+            <a:schemeClr val="lt1"/>
+          </a:fontRef>
+        </p:style>
+        <p:txBody>
+          <a:bodyPr rtlCol="0" anchor="ctr"/>
+          <a:lstStyle/>
+          <a:p>
+            <a:pPr algn="ctr"/>
+            <a:endParaRPr lang="en-US"/>
+          </a:p>
+        </p:txBody>
+      </p:sp>
+      <p:sp>
+        <p:nvSpPr>
+          <p:cNvPr id="137" name="Rectangle 136">
+            <a:extLst>
+              <a:ext uri="{FF2B5EF4-FFF2-40B4-BE49-F238E27FC236}">
+                <a16:creationId xmlns:a16="http://schemas.microsoft.com/office/drawing/2014/main" id="{B4F5FA0D-0104-4987-8241-EFF7C85B88DE}"/>
+              </a:ext>
+              <a:ext uri="{C183D7F6-B498-43B3-948B-1728B52AA6E4}">
+                <adec:decorative xmlns:adec="http://schemas.microsoft.com/office/drawing/2017/decorative" val="1"/>
+              </a:ext>
+            </a:extLst>
+          </p:cNvPr>
+          <p:cNvSpPr>
+            <a:spLocks noGrp="1" noRot="1" noChangeAspect="1" noMove="1" noResize="1" noEditPoints="1" noAdjustHandles="1" noChangeArrowheads="1" noChangeShapeType="1" noTextEdit="1"/>
+          </p:cNvSpPr>
+          <p:nvPr>
+            <p:extLst>
+              <p:ext uri="{386F3935-93C4-4BCD-93E2-E3B085C9AB24}">
+                <p16:designElem xmlns:p16="http://schemas.microsoft.com/office/powerpoint/2015/main" val="1"/>
+              </p:ext>
+            </p:extLst>
+          </p:nvPr>
+        </p:nvSpPr>
+        <p:spPr>
+          <a:xfrm>
+            <a:off x="0" y="0"/>
+            <a:ext cx="9143999" cy="6858000"/>
+          </a:xfrm>
+          <a:prstGeom prst="rect">
+            <a:avLst/>
+          </a:prstGeom>
+          <a:gradFill>
+            <a:gsLst>
+              <a:gs pos="0">
+                <a:schemeClr val="accent1">
+                  <a:lumMod val="90000"/>
+                </a:schemeClr>
+              </a:gs>
+              <a:gs pos="25000">
+                <a:schemeClr val="accent1">
+                  <a:lumMod val="90000"/>
+                </a:schemeClr>
+              </a:gs>
+              <a:gs pos="94000">
+                <a:schemeClr val="bg2">
+                  <a:lumMod val="25000"/>
+                </a:schemeClr>
+              </a:gs>
+              <a:gs pos="100000">
+                <a:schemeClr val="bg2">
+                  <a:lumMod val="25000"/>
+                </a:schemeClr>
+              </a:gs>
+            </a:gsLst>
+            <a:lin ang="4200000" scaled="0"/>
+          </a:gradFill>
+          <a:ln>
+            <a:noFill/>
+          </a:ln>
+        </p:spPr>
+        <p:style>
+          <a:lnRef idx="2">
+            <a:schemeClr val="accent1">
+              <a:shade val="50000"/>
+            </a:schemeClr>
+          </a:lnRef>
+          <a:fillRef idx="1">
+            <a:schemeClr val="accent1"/>
+          </a:fillRef>
+          <a:effectRef idx="0">
+            <a:schemeClr val="accent1"/>
+          </a:effectRef>
+          <a:fontRef idx="minor">
+            <a:schemeClr val="lt1"/>
+          </a:fontRef>
+        </p:style>
+        <p:txBody>
+          <a:bodyPr rtlCol="0" anchor="ctr"/>
+          <a:lstStyle/>
+          <a:p>
+            <a:pPr algn="ctr"/>
+            <a:endParaRPr lang="en-US"/>
+          </a:p>
+        </p:txBody>
+      </p:sp>
+      <p:pic>
+        <p:nvPicPr>
+          <p:cNvPr id="139" name="Picture 138">
+            <a:extLst>
+              <a:ext uri="{FF2B5EF4-FFF2-40B4-BE49-F238E27FC236}">
+                <a16:creationId xmlns:a16="http://schemas.microsoft.com/office/drawing/2014/main" id="{2897127E-6CEF-446C-BE87-93B7C46E49D1}"/>
+              </a:ext>
+              <a:ext uri="{C183D7F6-B498-43B3-948B-1728B52AA6E4}">
+                <adec:decorative xmlns:adec="http://schemas.microsoft.com/office/drawing/2017/decorative" val="1"/>
+              </a:ext>
+            </a:extLst>
+          </p:cNvPr>
+          <p:cNvPicPr>
+            <a:picLocks noGrp="1" noRot="1" noChangeAspect="1" noMove="1" noResize="1" noEditPoints="1" noAdjustHandles="1" noChangeArrowheads="1" noChangeShapeType="1" noCrop="1"/>
+          </p:cNvPicPr>
+          <p:nvPr>
+            <p:extLst>
+              <p:ext uri="{386F3935-93C4-4BCD-93E2-E3B085C9AB24}">
+                <p16:designElem xmlns:p16="http://schemas.microsoft.com/office/powerpoint/2015/main" val="1"/>
+              </p:ext>
+            </p:extLst>
+          </p:nvPr>
+        </p:nvPicPr>
+        <p:blipFill>
+          <a:blip r:embed="rId3">
+            <a:extLst>
+              <a:ext uri="{28A0092B-C50C-407E-A947-70E740481C1C}">
+                <a14:useLocalDpi xmlns:a14="http://schemas.microsoft.com/office/drawing/2010/main" val="0"/>
+              </a:ext>
+            </a:extLst>
+          </a:blip>
+          <a:stretch>
+            <a:fillRect/>
+          </a:stretch>
+        </p:blipFill>
+        <p:spPr>
+          <a:xfrm>
+            <a:off x="0" y="0"/>
+            <a:ext cx="9144000" cy="6858000"/>
+          </a:xfrm>
+          <a:prstGeom prst="rect">
+            <a:avLst/>
+          </a:prstGeom>
+        </p:spPr>
+      </p:pic>
+      <p:sp>
+        <p:nvSpPr>
+          <p:cNvPr id="5122" name="Title 2">
+            <a:extLst>
+              <a:ext uri="{FF2B5EF4-FFF2-40B4-BE49-F238E27FC236}">
+                <a16:creationId xmlns:a16="http://schemas.microsoft.com/office/drawing/2014/main" id="{4458F3CB-E7D7-45AC-9772-DD94E7C43882}"/>
+              </a:ext>
+            </a:extLst>
+          </p:cNvPr>
+          <p:cNvSpPr>
+            <a:spLocks noGrp="1"/>
+          </p:cNvSpPr>
+          <p:nvPr>
+            <p:ph type="title"/>
+          </p:nvPr>
+        </p:nvSpPr>
+        <p:spPr>
+          <a:xfrm>
+            <a:off x="480059" y="2053641"/>
+            <a:ext cx="2751871" cy="2760098"/>
           </a:xfrm>
         </p:spPr>
         <p:txBody>
-          <a:bodyPr/>
+          <a:bodyPr>
+            <a:normAutofit/>
+          </a:bodyPr>
           <a:lstStyle/>
           <a:p>
-            <a:pPr algn="l"/>
-            <a:r>
-              <a:rPr lang="en-US" altLang="en-US" sz="3200" dirty="0">
+            <a:r>
+              <a:rPr lang="en-US" altLang="en-US" dirty="0">
+                <a:solidFill>
+                  <a:srgbClr val="FFFFFF"/>
+                </a:solidFill>
                 <a:latin typeface="Helvetica" panose="020B0604020202020204" pitchFamily="34" charset="0"/>
                 <a:ea typeface="ＭＳ Ｐゴシック" panose="020B0600070205080204" pitchFamily="34" charset="-128"/>
               </a:rPr>
-              <a:t>Machine Learning Pipeline</a:t>
-            </a:r>
-          </a:p>
-        </p:txBody>
-      </p:sp>
-      <p:sp>
-        <p:nvSpPr>
-          <p:cNvPr id="8195" name="Content Placeholder 22">
-            <a:extLst>
-              <a:ext uri="{FF2B5EF4-FFF2-40B4-BE49-F238E27FC236}">
-                <a16:creationId xmlns:a16="http://schemas.microsoft.com/office/drawing/2014/main" id="{6217A459-6FBF-4830-AA4E-163D34539509}"/>
+              <a:t>MACHINE LEARNING PIPELINE</a:t>
+            </a:r>
+          </a:p>
+        </p:txBody>
+      </p:sp>
+      <p:sp>
+        <p:nvSpPr>
+          <p:cNvPr id="12290" name="Content Placeholder 3">
+            <a:extLst>
+              <a:ext uri="{FF2B5EF4-FFF2-40B4-BE49-F238E27FC236}">
+                <a16:creationId xmlns:a16="http://schemas.microsoft.com/office/drawing/2014/main" id="{C73E5EC3-3202-4896-A0E1-F3DFC3568744}"/>
               </a:ext>
             </a:extLst>
           </p:cNvPr>
@@ -7692,62 +10053,46 @@
         </p:nvSpPr>
         <p:spPr>
           <a:xfrm>
-            <a:off x="404813" y="1447800"/>
-            <a:ext cx="8510587" cy="5257800"/>
+            <a:off x="4540247" y="-24384"/>
+            <a:ext cx="3979563" cy="5230634"/>
           </a:xfrm>
         </p:spPr>
         <p:txBody>
-          <a:bodyPr/>
+          <a:bodyPr anchor="ctr">
+            <a:normAutofit/>
+          </a:bodyPr>
           <a:lstStyle/>
           <a:p>
+            <a:pPr marL="0" indent="0">
+              <a:buNone/>
+              <a:defRPr/>
+            </a:pPr>
+            <a:endParaRPr lang="en-US" i="1" dirty="0">
+              <a:solidFill>
+                <a:srgbClr val="000000"/>
+              </a:solidFill>
+            </a:endParaRPr>
+          </a:p>
+          <a:p>
             <a:pPr>
               <a:defRPr/>
             </a:pPr>
-            <a:endParaRPr lang="en-US" altLang="en-US" sz="2400" dirty="0">
+            <a:endParaRPr lang="en-US" altLang="en-US" dirty="0">
+              <a:solidFill>
+                <a:srgbClr val="000000"/>
+              </a:solidFill>
               <a:latin typeface="Helvetica" panose="020B0604020202020204" pitchFamily="34" charset="0"/>
               <a:ea typeface="ＭＳ Ｐゴシック" panose="020B0600070205080204" pitchFamily="34" charset="-128"/>
             </a:endParaRPr>
           </a:p>
-          <a:p>
-            <a:pPr marL="0" indent="0">
-              <a:buFont typeface="Arial" panose="020B0604020202020204" pitchFamily="34" charset="0"/>
-              <a:buNone/>
-              <a:defRPr/>
-            </a:pPr>
-            <a:endParaRPr lang="en-US" altLang="en-US" sz="800" dirty="0">
-              <a:latin typeface="Helvetica" panose="020B0604020202020204" pitchFamily="34" charset="0"/>
-              <a:ea typeface="ＭＳ Ｐゴシック" panose="020B0600070205080204" pitchFamily="34" charset="-128"/>
-              <a:hlinkClick r:id="rId2"/>
-            </a:endParaRPr>
-          </a:p>
-          <a:p>
-            <a:pPr marL="0" indent="0">
-              <a:buFont typeface="Arial" panose="020B0604020202020204" pitchFamily="34" charset="0"/>
-              <a:buNone/>
-              <a:defRPr/>
-            </a:pPr>
-            <a:endParaRPr lang="en-US" altLang="en-US" sz="2000" dirty="0">
-              <a:latin typeface="Helvetica" panose="020B0604020202020204" pitchFamily="34" charset="0"/>
-              <a:ea typeface="ＭＳ Ｐゴシック" panose="020B0600070205080204" pitchFamily="34" charset="-128"/>
-            </a:endParaRPr>
-          </a:p>
-          <a:p>
-            <a:pPr lvl="1">
-              <a:defRPr/>
-            </a:pPr>
-            <a:endParaRPr lang="en-US" altLang="en-US" sz="2000" dirty="0">
-              <a:latin typeface="Helvetica" panose="020B0604020202020204" pitchFamily="34" charset="0"/>
-              <a:ea typeface="ＭＳ Ｐゴシック" panose="020B0600070205080204" pitchFamily="34" charset="-128"/>
-            </a:endParaRPr>
-          </a:p>
         </p:txBody>
       </p:sp>
       <p:pic>
         <p:nvPicPr>
-          <p:cNvPr id="2" name="Picture 1">
-            <a:extLst>
-              <a:ext uri="{FF2B5EF4-FFF2-40B4-BE49-F238E27FC236}">
-                <a16:creationId xmlns:a16="http://schemas.microsoft.com/office/drawing/2014/main" id="{18D6EB5C-6368-4D4A-AFC6-C26D7490541D}"/>
+          <p:cNvPr id="7" name="Picture 6">
+            <a:extLst>
+              <a:ext uri="{FF2B5EF4-FFF2-40B4-BE49-F238E27FC236}">
+                <a16:creationId xmlns:a16="http://schemas.microsoft.com/office/drawing/2014/main" id="{B8D97D48-A91B-4308-A565-FE4ED98E0FDC}"/>
               </a:ext>
             </a:extLst>
           </p:cNvPr>
@@ -7757,15 +10102,15 @@
           <p:nvPr/>
         </p:nvPicPr>
         <p:blipFill>
-          <a:blip r:embed="rId3"/>
+          <a:blip r:embed="rId4"/>
           <a:stretch>
             <a:fillRect/>
           </a:stretch>
         </p:blipFill>
         <p:spPr>
           <a:xfrm>
-            <a:off x="804862" y="2469649"/>
-            <a:ext cx="7096125" cy="2085975"/>
+            <a:off x="3924878" y="2666325"/>
+            <a:ext cx="5170677" cy="1525349"/>
           </a:xfrm>
           <a:prstGeom prst="rect">
             <a:avLst/>
@@ -7773,6 +10118,11 @@
         </p:spPr>
       </p:pic>
     </p:spTree>
+    <p:extLst>
+      <p:ext uri="{BB962C8B-B14F-4D97-AF65-F5344CB8AC3E}">
+        <p14:creationId xmlns:p14="http://schemas.microsoft.com/office/powerpoint/2010/main" val="2727547926"/>
+      </p:ext>
+    </p:extLst>
   </p:cSld>
   <p:clrMapOvr>
     <a:masterClrMapping/>
@@ -7783,6 +10133,14 @@
 <file path=ppt/slides/slide4.xml><?xml version="1.0" encoding="utf-8"?>
 <p:sld xmlns:a="http://schemas.openxmlformats.org/drawingml/2006/main" xmlns:r="http://schemas.openxmlformats.org/officeDocument/2006/relationships" xmlns:p="http://schemas.openxmlformats.org/presentationml/2006/main">
   <p:cSld>
+    <p:bg>
+      <p:bgPr>
+        <a:solidFill>
+          <a:schemeClr val="bg1"/>
+        </a:solidFill>
+        <a:effectLst/>
+      </p:bgPr>
+    </p:bg>
     <p:spTree>
       <p:nvGrpSpPr>
         <p:cNvPr id="1" name=""/>
@@ -7797,35 +10155,229 @@
           <a:chExt cx="0" cy="0"/>
         </a:xfrm>
       </p:grpSpPr>
-      <p:sp>
-        <p:nvSpPr>
-          <p:cNvPr id="8194" name="Title 1">
-            <a:extLst>
-              <a:ext uri="{FF2B5EF4-FFF2-40B4-BE49-F238E27FC236}">
-                <a16:creationId xmlns:a16="http://schemas.microsoft.com/office/drawing/2014/main" id="{175676B8-48F3-40E9-BF9B-45F2D27F9810}"/>
-              </a:ext>
-            </a:extLst>
-          </p:cNvPr>
-          <p:cNvSpPr>
-            <a:spLocks noGrp="1"/>
-          </p:cNvSpPr>
-          <p:nvPr>
-            <p:ph type="title"/>
+      <p:sp useBgFill="1">
+        <p:nvSpPr>
+          <p:cNvPr id="72" name="Rectangle 71">
+            <a:extLst>
+              <a:ext uri="{FF2B5EF4-FFF2-40B4-BE49-F238E27FC236}">
+                <a16:creationId xmlns:a16="http://schemas.microsoft.com/office/drawing/2014/main" id="{3B854194-185D-494D-905C-7C7CB2E30F6E}"/>
+              </a:ext>
+              <a:ext uri="{C183D7F6-B498-43B3-948B-1728B52AA6E4}">
+                <adec:decorative xmlns:adec="http://schemas.microsoft.com/office/drawing/2017/decorative" val="1"/>
+              </a:ext>
+            </a:extLst>
+          </p:cNvPr>
+          <p:cNvSpPr>
+            <a:spLocks noGrp="1" noRot="1" noChangeAspect="1" noMove="1" noResize="1" noEditPoints="1" noAdjustHandles="1" noChangeArrowheads="1" noChangeShapeType="1" noTextEdit="1"/>
+          </p:cNvSpPr>
+          <p:nvPr>
+            <p:extLst>
+              <p:ext uri="{386F3935-93C4-4BCD-93E2-E3B085C9AB24}">
+                <p16:designElem xmlns:p16="http://schemas.microsoft.com/office/powerpoint/2015/main" val="1"/>
+              </p:ext>
+            </p:extLst>
           </p:nvPr>
         </p:nvSpPr>
         <p:spPr>
           <a:xfrm>
-            <a:off x="409575" y="762000"/>
-            <a:ext cx="7886700" cy="993775"/>
+            <a:off x="0" y="0"/>
+            <a:ext cx="4561583" cy="6858000"/>
+          </a:xfrm>
+          <a:prstGeom prst="rect">
+            <a:avLst/>
+          </a:prstGeom>
+          <a:ln>
+            <a:noFill/>
+          </a:ln>
+        </p:spPr>
+        <p:style>
+          <a:lnRef idx="2">
+            <a:schemeClr val="accent1">
+              <a:shade val="50000"/>
+            </a:schemeClr>
+          </a:lnRef>
+          <a:fillRef idx="1">
+            <a:schemeClr val="accent1"/>
+          </a:fillRef>
+          <a:effectRef idx="0">
+            <a:schemeClr val="accent1"/>
+          </a:effectRef>
+          <a:fontRef idx="minor">
+            <a:schemeClr val="lt1"/>
+          </a:fontRef>
+        </p:style>
+        <p:txBody>
+          <a:bodyPr rtlCol="0" anchor="ctr"/>
+          <a:lstStyle/>
+          <a:p>
+            <a:pPr algn="ctr"/>
+            <a:endParaRPr lang="en-US"/>
+          </a:p>
+        </p:txBody>
+      </p:sp>
+      <p:sp>
+        <p:nvSpPr>
+          <p:cNvPr id="74" name="Rectangle 73">
+            <a:extLst>
+              <a:ext uri="{FF2B5EF4-FFF2-40B4-BE49-F238E27FC236}">
+                <a16:creationId xmlns:a16="http://schemas.microsoft.com/office/drawing/2014/main" id="{B4F5FA0D-0104-4987-8241-EFF7C85B88DE}"/>
+              </a:ext>
+              <a:ext uri="{C183D7F6-B498-43B3-948B-1728B52AA6E4}">
+                <adec:decorative xmlns:adec="http://schemas.microsoft.com/office/drawing/2017/decorative" val="1"/>
+              </a:ext>
+            </a:extLst>
+          </p:cNvPr>
+          <p:cNvSpPr>
+            <a:spLocks noGrp="1" noRot="1" noChangeAspect="1" noMove="1" noResize="1" noEditPoints="1" noAdjustHandles="1" noChangeArrowheads="1" noChangeShapeType="1" noTextEdit="1"/>
+          </p:cNvSpPr>
+          <p:nvPr>
+            <p:extLst>
+              <p:ext uri="{386F3935-93C4-4BCD-93E2-E3B085C9AB24}">
+                <p16:designElem xmlns:p16="http://schemas.microsoft.com/office/powerpoint/2015/main" val="1"/>
+              </p:ext>
+            </p:extLst>
+          </p:nvPr>
+        </p:nvSpPr>
+        <p:spPr>
+          <a:xfrm>
+            <a:off x="0" y="0"/>
+            <a:ext cx="9143999" cy="6858000"/>
+          </a:xfrm>
+          <a:prstGeom prst="rect">
+            <a:avLst/>
+          </a:prstGeom>
+          <a:gradFill>
+            <a:gsLst>
+              <a:gs pos="0">
+                <a:schemeClr val="accent1">
+                  <a:lumMod val="90000"/>
+                </a:schemeClr>
+              </a:gs>
+              <a:gs pos="25000">
+                <a:schemeClr val="accent1">
+                  <a:lumMod val="90000"/>
+                </a:schemeClr>
+              </a:gs>
+              <a:gs pos="94000">
+                <a:schemeClr val="bg2">
+                  <a:lumMod val="25000"/>
+                </a:schemeClr>
+              </a:gs>
+              <a:gs pos="100000">
+                <a:schemeClr val="bg2">
+                  <a:lumMod val="25000"/>
+                </a:schemeClr>
+              </a:gs>
+            </a:gsLst>
+            <a:lin ang="4200000" scaled="0"/>
+          </a:gradFill>
+          <a:ln>
+            <a:noFill/>
+          </a:ln>
+        </p:spPr>
+        <p:style>
+          <a:lnRef idx="2">
+            <a:schemeClr val="accent1">
+              <a:shade val="50000"/>
+            </a:schemeClr>
+          </a:lnRef>
+          <a:fillRef idx="1">
+            <a:schemeClr val="accent1"/>
+          </a:fillRef>
+          <a:effectRef idx="0">
+            <a:schemeClr val="accent1"/>
+          </a:effectRef>
+          <a:fontRef idx="minor">
+            <a:schemeClr val="lt1"/>
+          </a:fontRef>
+        </p:style>
+        <p:txBody>
+          <a:bodyPr rtlCol="0" anchor="ctr"/>
+          <a:lstStyle/>
+          <a:p>
+            <a:pPr algn="ctr"/>
+            <a:endParaRPr lang="en-US"/>
+          </a:p>
+        </p:txBody>
+      </p:sp>
+      <p:pic>
+        <p:nvPicPr>
+          <p:cNvPr id="76" name="Picture 75">
+            <a:extLst>
+              <a:ext uri="{FF2B5EF4-FFF2-40B4-BE49-F238E27FC236}">
+                <a16:creationId xmlns:a16="http://schemas.microsoft.com/office/drawing/2014/main" id="{2897127E-6CEF-446C-BE87-93B7C46E49D1}"/>
+              </a:ext>
+              <a:ext uri="{C183D7F6-B498-43B3-948B-1728B52AA6E4}">
+                <adec:decorative xmlns:adec="http://schemas.microsoft.com/office/drawing/2017/decorative" val="1"/>
+              </a:ext>
+            </a:extLst>
+          </p:cNvPr>
+          <p:cNvPicPr>
+            <a:picLocks noGrp="1" noRot="1" noChangeAspect="1" noMove="1" noResize="1" noEditPoints="1" noAdjustHandles="1" noChangeArrowheads="1" noChangeShapeType="1" noCrop="1"/>
+          </p:cNvPicPr>
+          <p:nvPr>
+            <p:extLst>
+              <p:ext uri="{386F3935-93C4-4BCD-93E2-E3B085C9AB24}">
+                <p16:designElem xmlns:p16="http://schemas.microsoft.com/office/powerpoint/2015/main" val="1"/>
+              </p:ext>
+            </p:extLst>
+          </p:nvPr>
+        </p:nvPicPr>
+        <p:blipFill>
+          <a:blip r:embed="rId2">
+            <a:extLst>
+              <a:ext uri="{28A0092B-C50C-407E-A947-70E740481C1C}">
+                <a14:useLocalDpi xmlns:a14="http://schemas.microsoft.com/office/drawing/2010/main" val="0"/>
+              </a:ext>
+            </a:extLst>
+          </a:blip>
+          <a:stretch>
+            <a:fillRect/>
+          </a:stretch>
+        </p:blipFill>
+        <p:spPr>
+          <a:xfrm>
+            <a:off x="0" y="0"/>
+            <a:ext cx="9144000" cy="6858000"/>
+          </a:xfrm>
+          <a:prstGeom prst="rect">
+            <a:avLst/>
+          </a:prstGeom>
+        </p:spPr>
+      </p:pic>
+      <p:sp>
+        <p:nvSpPr>
+          <p:cNvPr id="8194" name="Title 1">
+            <a:extLst>
+              <a:ext uri="{FF2B5EF4-FFF2-40B4-BE49-F238E27FC236}">
+                <a16:creationId xmlns:a16="http://schemas.microsoft.com/office/drawing/2014/main" id="{175676B8-48F3-40E9-BF9B-45F2D27F9810}"/>
+              </a:ext>
+            </a:extLst>
+          </p:cNvPr>
+          <p:cNvSpPr>
+            <a:spLocks noGrp="1"/>
+          </p:cNvSpPr>
+          <p:nvPr>
+            <p:ph type="title"/>
+          </p:nvPr>
+        </p:nvSpPr>
+        <p:spPr>
+          <a:xfrm>
+            <a:off x="480059" y="2053641"/>
+            <a:ext cx="2751871" cy="2760098"/>
           </a:xfrm>
         </p:spPr>
         <p:txBody>
-          <a:bodyPr/>
+          <a:bodyPr>
+            <a:normAutofit/>
+          </a:bodyPr>
           <a:lstStyle/>
           <a:p>
-            <a:pPr algn="l"/>
-            <a:r>
-              <a:rPr lang="en-US" altLang="en-US" sz="3200" dirty="0">
+            <a:r>
+              <a:rPr lang="en-US" altLang="en-US">
+                <a:solidFill>
+                  <a:srgbClr val="FFFFFF"/>
+                </a:solidFill>
                 <a:latin typeface="Helvetica" panose="020B0604020202020204" pitchFamily="34" charset="0"/>
                 <a:ea typeface="ＭＳ Ｐゴシック" panose="020B0600070205080204" pitchFamily="34" charset="-128"/>
               </a:rPr>
@@ -7852,18 +10404,23 @@
         </p:nvSpPr>
         <p:spPr>
           <a:xfrm>
-            <a:off x="404813" y="1447800"/>
-            <a:ext cx="8510587" cy="5257800"/>
+            <a:off x="4567930" y="801866"/>
+            <a:ext cx="3979563" cy="5230634"/>
           </a:xfrm>
         </p:spPr>
         <p:txBody>
-          <a:bodyPr/>
+          <a:bodyPr anchor="ctr">
+            <a:normAutofit/>
+          </a:bodyPr>
           <a:lstStyle/>
           <a:p>
             <a:pPr>
               <a:defRPr/>
             </a:pPr>
-            <a:endParaRPr lang="en-US" altLang="en-US" sz="2400" dirty="0">
+            <a:endParaRPr lang="en-US" altLang="en-US">
+              <a:solidFill>
+                <a:srgbClr val="000000"/>
+              </a:solidFill>
               <a:latin typeface="Helvetica" panose="020B0604020202020204" pitchFamily="34" charset="0"/>
               <a:ea typeface="ＭＳ Ｐゴシック" panose="020B0600070205080204" pitchFamily="34" charset="-128"/>
             </a:endParaRPr>
@@ -7874,7 +10431,10 @@
               <a:buNone/>
               <a:defRPr/>
             </a:pPr>
-            <a:endParaRPr lang="en-US" altLang="en-US" sz="800" dirty="0">
+            <a:endParaRPr lang="en-US" altLang="en-US">
+              <a:solidFill>
+                <a:srgbClr val="000000"/>
+              </a:solidFill>
               <a:latin typeface="Helvetica" panose="020B0604020202020204" pitchFamily="34" charset="0"/>
               <a:ea typeface="ＭＳ Ｐゴシック" panose="020B0600070205080204" pitchFamily="34" charset="-128"/>
             </a:endParaRPr>
@@ -7884,7 +10444,11 @@
               <a:defRPr/>
             </a:pPr>
             <a:r>
-              <a:rPr lang="en-US" dirty="0"/>
+              <a:rPr lang="en-US">
+                <a:solidFill>
+                  <a:srgbClr val="000000"/>
+                </a:solidFill>
+              </a:rPr>
               <a:t>The same as SaaS or BaaS solutions, machine learning as a service platforms are intended to handle nearly all matters connected with infrastructure</a:t>
             </a:r>
           </a:p>
@@ -7893,7 +10457,11 @@
               <a:defRPr/>
             </a:pPr>
             <a:r>
-              <a:rPr lang="en-US" dirty="0"/>
+              <a:rPr lang="en-US">
+                <a:solidFill>
+                  <a:srgbClr val="000000"/>
+                </a:solidFill>
+              </a:rPr>
               <a:t>Developers are not obligated to messing with model training and evaluation, as well as worry about further cloud-based predictions</a:t>
             </a:r>
           </a:p>
@@ -7902,12 +10470,12 @@
               <a:defRPr/>
             </a:pPr>
             <a:r>
-              <a:rPr lang="en-US" dirty="0" err="1"/>
-              <a:t>MLaaS</a:t>
-            </a:r>
-            <a:r>
-              <a:rPr lang="en-US" dirty="0"/>
-              <a:t> makes it easy and automate the pipeline depending upon the service which we use</a:t>
+              <a:rPr lang="en-US">
+                <a:solidFill>
+                  <a:srgbClr val="000000"/>
+                </a:solidFill>
+              </a:rPr>
+              <a:t>MLaaS makes it easy and automate the pipeline depending upon the service which we use</a:t>
             </a:r>
           </a:p>
           <a:p>
@@ -7915,7 +10483,10 @@
               <a:buNone/>
               <a:defRPr/>
             </a:pPr>
-            <a:endParaRPr lang="en-US" altLang="en-US" sz="2000" dirty="0">
+            <a:endParaRPr lang="en-US" altLang="en-US">
+              <a:solidFill>
+                <a:srgbClr val="000000"/>
+              </a:solidFill>
               <a:latin typeface="Helvetica" panose="020B0604020202020204" pitchFamily="34" charset="0"/>
               <a:ea typeface="ＭＳ Ｐゴシック" panose="020B0600070205080204" pitchFamily="34" charset="-128"/>
             </a:endParaRPr>
@@ -7938,6 +10509,14 @@
 <file path=ppt/slides/slide5.xml><?xml version="1.0" encoding="utf-8"?>
 <p:sld xmlns:a="http://schemas.openxmlformats.org/drawingml/2006/main" xmlns:r="http://schemas.openxmlformats.org/officeDocument/2006/relationships" xmlns:p="http://schemas.openxmlformats.org/presentationml/2006/main">
   <p:cSld>
+    <p:bg>
+      <p:bgPr>
+        <a:solidFill>
+          <a:schemeClr val="bg1"/>
+        </a:solidFill>
+        <a:effectLst/>
+      </p:bgPr>
+    </p:bg>
     <p:spTree>
       <p:nvGrpSpPr>
         <p:cNvPr id="1" name=""/>
@@ -7952,26 +10531,216 @@
           <a:chExt cx="0" cy="0"/>
         </a:xfrm>
       </p:grpSpPr>
-      <p:sp>
-        <p:nvSpPr>
-          <p:cNvPr id="8194" name="Title 1">
-            <a:extLst>
-              <a:ext uri="{FF2B5EF4-FFF2-40B4-BE49-F238E27FC236}">
-                <a16:creationId xmlns:a16="http://schemas.microsoft.com/office/drawing/2014/main" id="{175676B8-48F3-40E9-BF9B-45F2D27F9810}"/>
-              </a:ext>
-            </a:extLst>
-          </p:cNvPr>
-          <p:cNvSpPr>
-            <a:spLocks noGrp="1"/>
-          </p:cNvSpPr>
-          <p:nvPr>
-            <p:ph type="title"/>
+      <p:sp useBgFill="1">
+        <p:nvSpPr>
+          <p:cNvPr id="72" name="Rectangle 71">
+            <a:extLst>
+              <a:ext uri="{FF2B5EF4-FFF2-40B4-BE49-F238E27FC236}">
+                <a16:creationId xmlns:a16="http://schemas.microsoft.com/office/drawing/2014/main" id="{3B854194-185D-494D-905C-7C7CB2E30F6E}"/>
+              </a:ext>
+              <a:ext uri="{C183D7F6-B498-43B3-948B-1728B52AA6E4}">
+                <adec:decorative xmlns:adec="http://schemas.microsoft.com/office/drawing/2017/decorative" val="1"/>
+              </a:ext>
+            </a:extLst>
+          </p:cNvPr>
+          <p:cNvSpPr>
+            <a:spLocks noGrp="1" noRot="1" noChangeAspect="1" noMove="1" noResize="1" noEditPoints="1" noAdjustHandles="1" noChangeArrowheads="1" noChangeShapeType="1" noTextEdit="1"/>
+          </p:cNvSpPr>
+          <p:nvPr>
+            <p:extLst>
+              <p:ext uri="{386F3935-93C4-4BCD-93E2-E3B085C9AB24}">
+                <p16:designElem xmlns:p16="http://schemas.microsoft.com/office/powerpoint/2015/main" val="1"/>
+              </p:ext>
+            </p:extLst>
           </p:nvPr>
         </p:nvSpPr>
         <p:spPr>
           <a:xfrm>
-            <a:off x="409575" y="762000"/>
-            <a:ext cx="7886700" cy="993775"/>
+            <a:off x="0" y="0"/>
+            <a:ext cx="4561583" cy="6858000"/>
+          </a:xfrm>
+          <a:prstGeom prst="rect">
+            <a:avLst/>
+          </a:prstGeom>
+          <a:ln>
+            <a:noFill/>
+          </a:ln>
+        </p:spPr>
+        <p:style>
+          <a:lnRef idx="2">
+            <a:schemeClr val="accent1">
+              <a:shade val="50000"/>
+            </a:schemeClr>
+          </a:lnRef>
+          <a:fillRef idx="1">
+            <a:schemeClr val="accent1"/>
+          </a:fillRef>
+          <a:effectRef idx="0">
+            <a:schemeClr val="accent1"/>
+          </a:effectRef>
+          <a:fontRef idx="minor">
+            <a:schemeClr val="lt1"/>
+          </a:fontRef>
+        </p:style>
+        <p:txBody>
+          <a:bodyPr rtlCol="0" anchor="ctr"/>
+          <a:lstStyle/>
+          <a:p>
+            <a:pPr algn="ctr"/>
+            <a:endParaRPr lang="en-US"/>
+          </a:p>
+        </p:txBody>
+      </p:sp>
+      <p:sp>
+        <p:nvSpPr>
+          <p:cNvPr id="74" name="Rectangle 73">
+            <a:extLst>
+              <a:ext uri="{FF2B5EF4-FFF2-40B4-BE49-F238E27FC236}">
+                <a16:creationId xmlns:a16="http://schemas.microsoft.com/office/drawing/2014/main" id="{B4F5FA0D-0104-4987-8241-EFF7C85B88DE}"/>
+              </a:ext>
+              <a:ext uri="{C183D7F6-B498-43B3-948B-1728B52AA6E4}">
+                <adec:decorative xmlns:adec="http://schemas.microsoft.com/office/drawing/2017/decorative" val="1"/>
+              </a:ext>
+            </a:extLst>
+          </p:cNvPr>
+          <p:cNvSpPr>
+            <a:spLocks noGrp="1" noRot="1" noChangeAspect="1" noMove="1" noResize="1" noEditPoints="1" noAdjustHandles="1" noChangeArrowheads="1" noChangeShapeType="1" noTextEdit="1"/>
+          </p:cNvSpPr>
+          <p:nvPr>
+            <p:extLst>
+              <p:ext uri="{386F3935-93C4-4BCD-93E2-E3B085C9AB24}">
+                <p16:designElem xmlns:p16="http://schemas.microsoft.com/office/powerpoint/2015/main" val="1"/>
+              </p:ext>
+            </p:extLst>
+          </p:nvPr>
+        </p:nvSpPr>
+        <p:spPr>
+          <a:xfrm>
+            <a:off x="0" y="0"/>
+            <a:ext cx="9143999" cy="6858000"/>
+          </a:xfrm>
+          <a:prstGeom prst="rect">
+            <a:avLst/>
+          </a:prstGeom>
+          <a:gradFill>
+            <a:gsLst>
+              <a:gs pos="0">
+                <a:schemeClr val="accent1">
+                  <a:lumMod val="90000"/>
+                </a:schemeClr>
+              </a:gs>
+              <a:gs pos="25000">
+                <a:schemeClr val="accent1">
+                  <a:lumMod val="90000"/>
+                </a:schemeClr>
+              </a:gs>
+              <a:gs pos="94000">
+                <a:schemeClr val="bg2">
+                  <a:lumMod val="25000"/>
+                </a:schemeClr>
+              </a:gs>
+              <a:gs pos="100000">
+                <a:schemeClr val="bg2">
+                  <a:lumMod val="25000"/>
+                </a:schemeClr>
+              </a:gs>
+            </a:gsLst>
+            <a:lin ang="4200000" scaled="0"/>
+          </a:gradFill>
+          <a:ln>
+            <a:noFill/>
+          </a:ln>
+        </p:spPr>
+        <p:style>
+          <a:lnRef idx="2">
+            <a:schemeClr val="accent1">
+              <a:shade val="50000"/>
+            </a:schemeClr>
+          </a:lnRef>
+          <a:fillRef idx="1">
+            <a:schemeClr val="accent1"/>
+          </a:fillRef>
+          <a:effectRef idx="0">
+            <a:schemeClr val="accent1"/>
+          </a:effectRef>
+          <a:fontRef idx="minor">
+            <a:schemeClr val="lt1"/>
+          </a:fontRef>
+        </p:style>
+        <p:txBody>
+          <a:bodyPr rtlCol="0" anchor="ctr"/>
+          <a:lstStyle/>
+          <a:p>
+            <a:pPr algn="ctr"/>
+            <a:endParaRPr lang="en-US"/>
+          </a:p>
+        </p:txBody>
+      </p:sp>
+      <p:pic>
+        <p:nvPicPr>
+          <p:cNvPr id="76" name="Picture 75">
+            <a:extLst>
+              <a:ext uri="{FF2B5EF4-FFF2-40B4-BE49-F238E27FC236}">
+                <a16:creationId xmlns:a16="http://schemas.microsoft.com/office/drawing/2014/main" id="{2897127E-6CEF-446C-BE87-93B7C46E49D1}"/>
+              </a:ext>
+              <a:ext uri="{C183D7F6-B498-43B3-948B-1728B52AA6E4}">
+                <adec:decorative xmlns:adec="http://schemas.microsoft.com/office/drawing/2017/decorative" val="1"/>
+              </a:ext>
+            </a:extLst>
+          </p:cNvPr>
+          <p:cNvPicPr>
+            <a:picLocks noGrp="1" noRot="1" noChangeAspect="1" noMove="1" noResize="1" noEditPoints="1" noAdjustHandles="1" noChangeArrowheads="1" noChangeShapeType="1" noCrop="1"/>
+          </p:cNvPicPr>
+          <p:nvPr>
+            <p:extLst>
+              <p:ext uri="{386F3935-93C4-4BCD-93E2-E3B085C9AB24}">
+                <p16:designElem xmlns:p16="http://schemas.microsoft.com/office/powerpoint/2015/main" val="1"/>
+              </p:ext>
+            </p:extLst>
+          </p:nvPr>
+        </p:nvPicPr>
+        <p:blipFill>
+          <a:blip r:embed="rId2">
+            <a:extLst>
+              <a:ext uri="{28A0092B-C50C-407E-A947-70E740481C1C}">
+                <a14:useLocalDpi xmlns:a14="http://schemas.microsoft.com/office/drawing/2010/main" val="0"/>
+              </a:ext>
+            </a:extLst>
+          </a:blip>
+          <a:stretch>
+            <a:fillRect/>
+          </a:stretch>
+        </p:blipFill>
+        <p:spPr>
+          <a:xfrm>
+            <a:off x="0" y="0"/>
+            <a:ext cx="9144000" cy="6858000"/>
+          </a:xfrm>
+          <a:prstGeom prst="rect">
+            <a:avLst/>
+          </a:prstGeom>
+        </p:spPr>
+      </p:pic>
+      <p:sp>
+        <p:nvSpPr>
+          <p:cNvPr id="8194" name="Title 1">
+            <a:extLst>
+              <a:ext uri="{FF2B5EF4-FFF2-40B4-BE49-F238E27FC236}">
+                <a16:creationId xmlns:a16="http://schemas.microsoft.com/office/drawing/2014/main" id="{175676B8-48F3-40E9-BF9B-45F2D27F9810}"/>
+              </a:ext>
+            </a:extLst>
+          </p:cNvPr>
+          <p:cNvSpPr>
+            <a:spLocks noGrp="1"/>
+          </p:cNvSpPr>
+          <p:nvPr>
+            <p:ph type="title"/>
+          </p:nvPr>
+        </p:nvSpPr>
+        <p:spPr>
+          <a:xfrm>
+            <a:off x="480059" y="2053641"/>
+            <a:ext cx="2751871" cy="2760098"/>
           </a:xfrm>
         </p:spPr>
         <p:txBody>
@@ -7981,7 +10750,10 @@
           <a:lstStyle/>
           <a:p>
             <a:r>
-              <a:rPr lang="en-US" altLang="en-US" sz="3200" dirty="0">
+              <a:rPr lang="en-US" altLang="en-US">
+                <a:solidFill>
+                  <a:srgbClr val="FFFFFF"/>
+                </a:solidFill>
                 <a:latin typeface="Helvetica" panose="020B0604020202020204" pitchFamily="34" charset="0"/>
                 <a:ea typeface="ＭＳ Ｐゴシック" panose="020B0600070205080204" pitchFamily="34" charset="-128"/>
               </a:rPr>
@@ -8008,12 +10780,14 @@
         </p:nvSpPr>
         <p:spPr>
           <a:xfrm>
-            <a:off x="404813" y="1447800"/>
-            <a:ext cx="8510587" cy="5257800"/>
+            <a:off x="4567930" y="801866"/>
+            <a:ext cx="3979563" cy="5230634"/>
           </a:xfrm>
         </p:spPr>
         <p:txBody>
-          <a:bodyPr/>
+          <a:bodyPr anchor="ctr">
+            <a:normAutofit/>
+          </a:bodyPr>
           <a:lstStyle/>
           <a:p>
             <a:pPr marL="0" indent="0">
@@ -8021,10 +10795,13 @@
               <a:buNone/>
               <a:defRPr/>
             </a:pPr>
-            <a:endParaRPr lang="en-US" altLang="en-US" sz="800" dirty="0">
+            <a:endParaRPr lang="en-US" altLang="en-US">
+              <a:solidFill>
+                <a:srgbClr val="000000"/>
+              </a:solidFill>
               <a:latin typeface="Helvetica" panose="020B0604020202020204" pitchFamily="34" charset="0"/>
               <a:ea typeface="ＭＳ Ｐゴシック" panose="020B0600070205080204" pitchFamily="34" charset="-128"/>
-              <a:hlinkClick r:id="rId2"/>
+              <a:hlinkClick r:id="rId3"/>
             </a:endParaRPr>
           </a:p>
           <a:p>
@@ -8032,7 +10809,10 @@
               <a:defRPr/>
             </a:pPr>
             <a:r>
-              <a:rPr lang="en-US" altLang="en-US" sz="2000" b="1" dirty="0">
+              <a:rPr lang="en-US" altLang="en-US" b="1">
+                <a:solidFill>
+                  <a:srgbClr val="000000"/>
+                </a:solidFill>
                 <a:latin typeface="Helvetica" panose="020B0604020202020204" pitchFamily="34" charset="0"/>
                 <a:ea typeface="ＭＳ Ｐゴシック" panose="020B0600070205080204" pitchFamily="34" charset="-128"/>
               </a:rPr>
@@ -8044,7 +10824,10 @@
               <a:defRPr/>
             </a:pPr>
             <a:r>
-              <a:rPr lang="en-US" altLang="en-US" sz="2000" b="1" dirty="0">
+              <a:rPr lang="en-US" altLang="en-US" b="1">
+                <a:solidFill>
+                  <a:srgbClr val="000000"/>
+                </a:solidFill>
                 <a:latin typeface="Helvetica" panose="020B0604020202020204" pitchFamily="34" charset="0"/>
                 <a:ea typeface="ＭＳ Ｐゴシック" panose="020B0600070205080204" pitchFamily="34" charset="-128"/>
               </a:rPr>
@@ -8056,7 +10839,10 @@
               <a:defRPr/>
             </a:pPr>
             <a:r>
-              <a:rPr lang="en-US" altLang="en-US" sz="2000" b="1" dirty="0">
+              <a:rPr lang="en-US" altLang="en-US" b="1">
+                <a:solidFill>
+                  <a:srgbClr val="000000"/>
+                </a:solidFill>
                 <a:latin typeface="Helvetica" panose="020B0604020202020204" pitchFamily="34" charset="0"/>
                 <a:ea typeface="ＭＳ Ｐゴシック" panose="020B0600070205080204" pitchFamily="34" charset="-128"/>
               </a:rPr>
@@ -8068,23 +10854,25 @@
               <a:defRPr/>
             </a:pPr>
             <a:r>
-              <a:rPr lang="en-US" altLang="en-US" sz="2000" b="1" dirty="0" err="1">
+              <a:rPr lang="en-US" altLang="en-US" b="1">
+                <a:solidFill>
+                  <a:srgbClr val="000000"/>
+                </a:solidFill>
                 <a:latin typeface="Helvetica" panose="020B0604020202020204" pitchFamily="34" charset="0"/>
                 <a:ea typeface="ＭＳ Ｐゴシック" panose="020B0600070205080204" pitchFamily="34" charset="-128"/>
               </a:rPr>
               <a:t>BigML</a:t>
             </a:r>
-            <a:endParaRPr lang="en-US" altLang="en-US" sz="2000" b="1" dirty="0">
-              <a:latin typeface="Helvetica" panose="020B0604020202020204" pitchFamily="34" charset="0"/>
-              <a:ea typeface="ＭＳ Ｐゴシック" panose="020B0600070205080204" pitchFamily="34" charset="-128"/>
-            </a:endParaRPr>
           </a:p>
           <a:p>
             <a:pPr>
               <a:defRPr/>
             </a:pPr>
             <a:r>
-              <a:rPr lang="en-US" altLang="en-US" sz="2000" dirty="0">
+              <a:rPr lang="en-US" altLang="en-US">
+                <a:solidFill>
+                  <a:srgbClr val="000000"/>
+                </a:solidFill>
                 <a:latin typeface="Helvetica" panose="020B0604020202020204" pitchFamily="34" charset="0"/>
                 <a:ea typeface="ＭＳ Ｐゴシック" panose="020B0600070205080204" pitchFamily="34" charset="-128"/>
               </a:rPr>
@@ -8096,7 +10884,10 @@
               <a:defRPr/>
             </a:pPr>
             <a:r>
-              <a:rPr lang="en-US" altLang="en-US" sz="2000" dirty="0">
+              <a:rPr lang="en-US" altLang="en-US">
+                <a:solidFill>
+                  <a:srgbClr val="000000"/>
+                </a:solidFill>
                 <a:latin typeface="Helvetica" panose="020B0604020202020204" pitchFamily="34" charset="0"/>
                 <a:ea typeface="ＭＳ Ｐゴシック" panose="020B0600070205080204" pitchFamily="34" charset="-128"/>
               </a:rPr>
@@ -8108,7 +10899,10 @@
               <a:defRPr/>
             </a:pPr>
             <a:r>
-              <a:rPr lang="en-US" altLang="en-US" sz="2000" dirty="0">
+              <a:rPr lang="en-US" altLang="en-US">
+                <a:solidFill>
+                  <a:srgbClr val="000000"/>
+                </a:solidFill>
                 <a:latin typeface="Helvetica" panose="020B0604020202020204" pitchFamily="34" charset="0"/>
                 <a:ea typeface="ＭＳ Ｐゴシック" panose="020B0600070205080204" pitchFamily="34" charset="-128"/>
               </a:rPr>
@@ -8133,6 +10927,14 @@
 <file path=ppt/slides/slide6.xml><?xml version="1.0" encoding="utf-8"?>
 <p:sld xmlns:a="http://schemas.openxmlformats.org/drawingml/2006/main" xmlns:r="http://schemas.openxmlformats.org/officeDocument/2006/relationships" xmlns:p="http://schemas.openxmlformats.org/presentationml/2006/main">
   <p:cSld>
+    <p:bg>
+      <p:bgPr>
+        <a:solidFill>
+          <a:schemeClr val="bg1"/>
+        </a:solidFill>
+        <a:effectLst/>
+      </p:bgPr>
+    </p:bg>
     <p:spTree>
       <p:nvGrpSpPr>
         <p:cNvPr id="1" name=""/>
@@ -8147,35 +10949,229 @@
           <a:chExt cx="0" cy="0"/>
         </a:xfrm>
       </p:grpSpPr>
-      <p:sp>
-        <p:nvSpPr>
-          <p:cNvPr id="8194" name="Title 1">
-            <a:extLst>
-              <a:ext uri="{FF2B5EF4-FFF2-40B4-BE49-F238E27FC236}">
-                <a16:creationId xmlns:a16="http://schemas.microsoft.com/office/drawing/2014/main" id="{175676B8-48F3-40E9-BF9B-45F2D27F9810}"/>
-              </a:ext>
-            </a:extLst>
-          </p:cNvPr>
-          <p:cNvSpPr>
-            <a:spLocks noGrp="1"/>
-          </p:cNvSpPr>
-          <p:nvPr>
-            <p:ph type="title"/>
+      <p:sp useBgFill="1">
+        <p:nvSpPr>
+          <p:cNvPr id="72" name="Rectangle 71">
+            <a:extLst>
+              <a:ext uri="{FF2B5EF4-FFF2-40B4-BE49-F238E27FC236}">
+                <a16:creationId xmlns:a16="http://schemas.microsoft.com/office/drawing/2014/main" id="{3B854194-185D-494D-905C-7C7CB2E30F6E}"/>
+              </a:ext>
+              <a:ext uri="{C183D7F6-B498-43B3-948B-1728B52AA6E4}">
+                <adec:decorative xmlns:adec="http://schemas.microsoft.com/office/drawing/2017/decorative" val="1"/>
+              </a:ext>
+            </a:extLst>
+          </p:cNvPr>
+          <p:cNvSpPr>
+            <a:spLocks noGrp="1" noRot="1" noChangeAspect="1" noMove="1" noResize="1" noEditPoints="1" noAdjustHandles="1" noChangeArrowheads="1" noChangeShapeType="1" noTextEdit="1"/>
+          </p:cNvSpPr>
+          <p:nvPr>
+            <p:extLst>
+              <p:ext uri="{386F3935-93C4-4BCD-93E2-E3B085C9AB24}">
+                <p16:designElem xmlns:p16="http://schemas.microsoft.com/office/powerpoint/2015/main" val="1"/>
+              </p:ext>
+            </p:extLst>
           </p:nvPr>
         </p:nvSpPr>
         <p:spPr>
           <a:xfrm>
-            <a:off x="409575" y="762000"/>
-            <a:ext cx="7886700" cy="993775"/>
+            <a:off x="0" y="0"/>
+            <a:ext cx="4561583" cy="6858000"/>
+          </a:xfrm>
+          <a:prstGeom prst="rect">
+            <a:avLst/>
+          </a:prstGeom>
+          <a:ln>
+            <a:noFill/>
+          </a:ln>
+        </p:spPr>
+        <p:style>
+          <a:lnRef idx="2">
+            <a:schemeClr val="accent1">
+              <a:shade val="50000"/>
+            </a:schemeClr>
+          </a:lnRef>
+          <a:fillRef idx="1">
+            <a:schemeClr val="accent1"/>
+          </a:fillRef>
+          <a:effectRef idx="0">
+            <a:schemeClr val="accent1"/>
+          </a:effectRef>
+          <a:fontRef idx="minor">
+            <a:schemeClr val="lt1"/>
+          </a:fontRef>
+        </p:style>
+        <p:txBody>
+          <a:bodyPr rtlCol="0" anchor="ctr"/>
+          <a:lstStyle/>
+          <a:p>
+            <a:pPr algn="ctr"/>
+            <a:endParaRPr lang="en-US"/>
+          </a:p>
+        </p:txBody>
+      </p:sp>
+      <p:sp>
+        <p:nvSpPr>
+          <p:cNvPr id="74" name="Rectangle 73">
+            <a:extLst>
+              <a:ext uri="{FF2B5EF4-FFF2-40B4-BE49-F238E27FC236}">
+                <a16:creationId xmlns:a16="http://schemas.microsoft.com/office/drawing/2014/main" id="{B4F5FA0D-0104-4987-8241-EFF7C85B88DE}"/>
+              </a:ext>
+              <a:ext uri="{C183D7F6-B498-43B3-948B-1728B52AA6E4}">
+                <adec:decorative xmlns:adec="http://schemas.microsoft.com/office/drawing/2017/decorative" val="1"/>
+              </a:ext>
+            </a:extLst>
+          </p:cNvPr>
+          <p:cNvSpPr>
+            <a:spLocks noGrp="1" noRot="1" noChangeAspect="1" noMove="1" noResize="1" noEditPoints="1" noAdjustHandles="1" noChangeArrowheads="1" noChangeShapeType="1" noTextEdit="1"/>
+          </p:cNvSpPr>
+          <p:nvPr>
+            <p:extLst>
+              <p:ext uri="{386F3935-93C4-4BCD-93E2-E3B085C9AB24}">
+                <p16:designElem xmlns:p16="http://schemas.microsoft.com/office/powerpoint/2015/main" val="1"/>
+              </p:ext>
+            </p:extLst>
+          </p:nvPr>
+        </p:nvSpPr>
+        <p:spPr>
+          <a:xfrm>
+            <a:off x="0" y="0"/>
+            <a:ext cx="9143999" cy="6858000"/>
+          </a:xfrm>
+          <a:prstGeom prst="rect">
+            <a:avLst/>
+          </a:prstGeom>
+          <a:gradFill>
+            <a:gsLst>
+              <a:gs pos="0">
+                <a:schemeClr val="accent1">
+                  <a:lumMod val="90000"/>
+                </a:schemeClr>
+              </a:gs>
+              <a:gs pos="25000">
+                <a:schemeClr val="accent1">
+                  <a:lumMod val="90000"/>
+                </a:schemeClr>
+              </a:gs>
+              <a:gs pos="94000">
+                <a:schemeClr val="bg2">
+                  <a:lumMod val="25000"/>
+                </a:schemeClr>
+              </a:gs>
+              <a:gs pos="100000">
+                <a:schemeClr val="bg2">
+                  <a:lumMod val="25000"/>
+                </a:schemeClr>
+              </a:gs>
+            </a:gsLst>
+            <a:lin ang="4200000" scaled="0"/>
+          </a:gradFill>
+          <a:ln>
+            <a:noFill/>
+          </a:ln>
+        </p:spPr>
+        <p:style>
+          <a:lnRef idx="2">
+            <a:schemeClr val="accent1">
+              <a:shade val="50000"/>
+            </a:schemeClr>
+          </a:lnRef>
+          <a:fillRef idx="1">
+            <a:schemeClr val="accent1"/>
+          </a:fillRef>
+          <a:effectRef idx="0">
+            <a:schemeClr val="accent1"/>
+          </a:effectRef>
+          <a:fontRef idx="minor">
+            <a:schemeClr val="lt1"/>
+          </a:fontRef>
+        </p:style>
+        <p:txBody>
+          <a:bodyPr rtlCol="0" anchor="ctr"/>
+          <a:lstStyle/>
+          <a:p>
+            <a:pPr algn="ctr"/>
+            <a:endParaRPr lang="en-US"/>
+          </a:p>
+        </p:txBody>
+      </p:sp>
+      <p:pic>
+        <p:nvPicPr>
+          <p:cNvPr id="76" name="Picture 75">
+            <a:extLst>
+              <a:ext uri="{FF2B5EF4-FFF2-40B4-BE49-F238E27FC236}">
+                <a16:creationId xmlns:a16="http://schemas.microsoft.com/office/drawing/2014/main" id="{2897127E-6CEF-446C-BE87-93B7C46E49D1}"/>
+              </a:ext>
+              <a:ext uri="{C183D7F6-B498-43B3-948B-1728B52AA6E4}">
+                <adec:decorative xmlns:adec="http://schemas.microsoft.com/office/drawing/2017/decorative" val="1"/>
+              </a:ext>
+            </a:extLst>
+          </p:cNvPr>
+          <p:cNvPicPr>
+            <a:picLocks noGrp="1" noRot="1" noChangeAspect="1" noMove="1" noResize="1" noEditPoints="1" noAdjustHandles="1" noChangeArrowheads="1" noChangeShapeType="1" noCrop="1"/>
+          </p:cNvPicPr>
+          <p:nvPr>
+            <p:extLst>
+              <p:ext uri="{386F3935-93C4-4BCD-93E2-E3B085C9AB24}">
+                <p16:designElem xmlns:p16="http://schemas.microsoft.com/office/powerpoint/2015/main" val="1"/>
+              </p:ext>
+            </p:extLst>
+          </p:nvPr>
+        </p:nvPicPr>
+        <p:blipFill>
+          <a:blip r:embed="rId3">
+            <a:extLst>
+              <a:ext uri="{28A0092B-C50C-407E-A947-70E740481C1C}">
+                <a14:useLocalDpi xmlns:a14="http://schemas.microsoft.com/office/drawing/2010/main" val="0"/>
+              </a:ext>
+            </a:extLst>
+          </a:blip>
+          <a:stretch>
+            <a:fillRect/>
+          </a:stretch>
+        </p:blipFill>
+        <p:spPr>
+          <a:xfrm>
+            <a:off x="0" y="0"/>
+            <a:ext cx="9144000" cy="6858000"/>
+          </a:xfrm>
+          <a:prstGeom prst="rect">
+            <a:avLst/>
+          </a:prstGeom>
+        </p:spPr>
+      </p:pic>
+      <p:sp>
+        <p:nvSpPr>
+          <p:cNvPr id="8194" name="Title 1">
+            <a:extLst>
+              <a:ext uri="{FF2B5EF4-FFF2-40B4-BE49-F238E27FC236}">
+                <a16:creationId xmlns:a16="http://schemas.microsoft.com/office/drawing/2014/main" id="{175676B8-48F3-40E9-BF9B-45F2D27F9810}"/>
+              </a:ext>
+            </a:extLst>
+          </p:cNvPr>
+          <p:cNvSpPr>
+            <a:spLocks noGrp="1"/>
+          </p:cNvSpPr>
+          <p:nvPr>
+            <p:ph type="title"/>
+          </p:nvPr>
+        </p:nvSpPr>
+        <p:spPr>
+          <a:xfrm>
+            <a:off x="480059" y="2053641"/>
+            <a:ext cx="2751871" cy="2760098"/>
           </a:xfrm>
         </p:spPr>
         <p:txBody>
-          <a:bodyPr/>
+          <a:bodyPr>
+            <a:normAutofit/>
+          </a:bodyPr>
           <a:lstStyle/>
           <a:p>
-            <a:pPr algn="l"/>
-            <a:r>
-              <a:rPr lang="en-US" altLang="en-US" sz="3200" dirty="0">
+            <a:r>
+              <a:rPr lang="en-US" altLang="en-US">
+                <a:solidFill>
+                  <a:srgbClr val="FFFFFF"/>
+                </a:solidFill>
                 <a:latin typeface="Helvetica" panose="020B0604020202020204" pitchFamily="34" charset="0"/>
                 <a:ea typeface="ＭＳ Ｐゴシック" panose="020B0600070205080204" pitchFamily="34" charset="-128"/>
               </a:rPr>
@@ -8202,20 +11198,26 @@
         </p:nvSpPr>
         <p:spPr>
           <a:xfrm>
-            <a:off x="409575" y="1771817"/>
-            <a:ext cx="8510587" cy="4476583"/>
+            <a:off x="4561583" y="1295400"/>
+            <a:ext cx="3979563" cy="5230634"/>
           </a:xfrm>
         </p:spPr>
         <p:txBody>
-          <a:bodyPr/>
+          <a:bodyPr anchor="ctr">
+            <a:normAutofit/>
+          </a:bodyPr>
           <a:lstStyle/>
           <a:p>
             <a:pPr>
               <a:defRPr/>
             </a:pPr>
             <a:r>
-              <a:rPr lang="en-US" dirty="0"/>
-              <a:t>Azure ML is a visual interface contributing to model building and training, as well as choosing algorithms to apply</a:t>
+              <a:rPr lang="en-US" sz="1900" dirty="0">
+                <a:solidFill>
+                  <a:srgbClr val="000000"/>
+                </a:solidFill>
+              </a:rPr>
+              <a:t>There are basically two Azure ML services:</a:t>
             </a:r>
           </a:p>
           <a:p>
@@ -8223,8 +11225,12 @@
               <a:defRPr/>
             </a:pPr>
             <a:r>
-              <a:rPr lang="en-US" dirty="0"/>
-              <a:t>The service itself is focused around the ML Studio framework that allows you to create modular solutions</a:t>
+              <a:rPr lang="en-US" sz="1900" dirty="0">
+                <a:solidFill>
+                  <a:srgbClr val="000000"/>
+                </a:solidFill>
+              </a:rPr>
+              <a:t>Azure ML Workbench and Azure ML Studio</a:t>
             </a:r>
           </a:p>
           <a:p>
@@ -8232,8 +11238,12 @@
               <a:defRPr/>
             </a:pPr>
             <a:r>
-              <a:rPr lang="en-US" dirty="0"/>
-              <a:t>No Software to install, only web browser is needed</a:t>
+              <a:rPr lang="en-US" sz="1900" dirty="0">
+                <a:solidFill>
+                  <a:srgbClr val="000000"/>
+                </a:solidFill>
+              </a:rPr>
+              <a:t>Azure ML Workbench is focused around the ML Studio framework that allows you to create modular solutions</a:t>
             </a:r>
           </a:p>
           <a:p>
@@ -8241,8 +11251,12 @@
               <a:defRPr/>
             </a:pPr>
             <a:r>
-              <a:rPr lang="en-US" dirty="0"/>
-              <a:t>Possibility to develop without writing code</a:t>
+              <a:rPr lang="en-US" sz="1900" dirty="0">
+                <a:solidFill>
+                  <a:srgbClr val="000000"/>
+                </a:solidFill>
+              </a:rPr>
+              <a:t>Azure ML Studio appears to have a more fully-featured GUI and user-friendly deployment tools, whereas Workbench appears to have more powerful / customizable deployment tools</a:t>
             </a:r>
           </a:p>
           <a:p>
@@ -8250,17 +11264,12 @@
               <a:defRPr/>
             </a:pPr>
             <a:r>
-              <a:rPr lang="en-US" dirty="0"/>
-              <a:t>Easy deployment and usage using Rest API</a:t>
-            </a:r>
-          </a:p>
-          <a:p>
-            <a:pPr>
-              <a:defRPr/>
-            </a:pPr>
-            <a:r>
-              <a:rPr lang="en-US" dirty="0"/>
-              <a:t>Easy collaboration on Azure ML projects</a:t>
+              <a:rPr lang="en-US" sz="1900" dirty="0">
+                <a:solidFill>
+                  <a:srgbClr val="000000"/>
+                </a:solidFill>
+              </a:rPr>
+              <a:t>Azure ML Studio has a hard limit of 10 GB total input of training data per module, whereas Workbench has a variable limit by price</a:t>
             </a:r>
           </a:p>
           <a:p>
@@ -8268,88 +11277,36 @@
               <a:buNone/>
               <a:defRPr/>
             </a:pPr>
-            <a:endParaRPr lang="en-US" dirty="0"/>
+            <a:endParaRPr lang="en-US" sz="1900" dirty="0">
+              <a:solidFill>
+                <a:srgbClr val="000000"/>
+              </a:solidFill>
+            </a:endParaRPr>
           </a:p>
           <a:p>
             <a:pPr>
               <a:defRPr/>
             </a:pPr>
-            <a:endParaRPr lang="en-US" dirty="0"/>
+            <a:endParaRPr lang="en-US" sz="1900" dirty="0">
+              <a:solidFill>
+                <a:srgbClr val="000000"/>
+              </a:solidFill>
+            </a:endParaRPr>
           </a:p>
           <a:p>
             <a:pPr>
               <a:defRPr/>
             </a:pPr>
-            <a:endParaRPr lang="en-US" altLang="en-US" sz="2400" dirty="0">
+            <a:endParaRPr lang="en-US" altLang="en-US" sz="1900" dirty="0">
+              <a:solidFill>
+                <a:srgbClr val="000000"/>
+              </a:solidFill>
               <a:latin typeface="Helvetica" panose="020B0604020202020204" pitchFamily="34" charset="0"/>
               <a:ea typeface="ＭＳ Ｐゴシック" panose="020B0600070205080204" pitchFamily="34" charset="-128"/>
             </a:endParaRPr>
           </a:p>
         </p:txBody>
       </p:sp>
-      <p:graphicFrame>
-        <p:nvGraphicFramePr>
-          <p:cNvPr id="2" name="Object 1">
-            <a:extLst>
-              <a:ext uri="{FF2B5EF4-FFF2-40B4-BE49-F238E27FC236}">
-                <a16:creationId xmlns:a16="http://schemas.microsoft.com/office/drawing/2014/main" id="{C5CB66BB-0300-4026-A59D-5946D547C43C}"/>
-              </a:ext>
-            </a:extLst>
-          </p:cNvPr>
-          <p:cNvGraphicFramePr>
-            <a:graphicFrameLocks noChangeAspect="1"/>
-          </p:cNvGraphicFramePr>
-          <p:nvPr>
-            <p:extLst>
-              <p:ext uri="{D42A27DB-BD31-4B8C-83A1-F6EECF244321}">
-                <p14:modId xmlns:p14="http://schemas.microsoft.com/office/powerpoint/2010/main" val="2182231167"/>
-              </p:ext>
-            </p:extLst>
-          </p:nvPr>
-        </p:nvGraphicFramePr>
-        <p:xfrm>
-          <a:off x="5652586" y="4921250"/>
-          <a:ext cx="3290888" cy="488950"/>
-        </p:xfrm>
-        <a:graphic>
-          <a:graphicData uri="http://schemas.openxmlformats.org/presentationml/2006/ole">
-            <mc:AlternateContent xmlns:mc="http://schemas.openxmlformats.org/markup-compatibility/2006">
-              <mc:Choice xmlns:v="urn:schemas-microsoft-com:vml" Requires="v">
-                <p:oleObj spid="_x0000_s1044" name="Packager Shell Object" showAsIcon="1" r:id="rId4" imgW="3290760" imgH="488520" progId="Package">
-                  <p:embed/>
-                </p:oleObj>
-              </mc:Choice>
-              <mc:Fallback>
-                <p:oleObj name="Packager Shell Object" showAsIcon="1" r:id="rId4" imgW="3290760" imgH="488520" progId="Package">
-                  <p:embed/>
-                  <p:pic>
-                    <p:nvPicPr>
-                      <p:cNvPr id="0" name=""/>
-                      <p:cNvPicPr/>
-                      <p:nvPr/>
-                    </p:nvPicPr>
-                    <p:blipFill>
-                      <a:blip r:embed="rId5"/>
-                      <a:stretch>
-                        <a:fillRect/>
-                      </a:stretch>
-                    </p:blipFill>
-                    <p:spPr>
-                      <a:xfrm>
-                        <a:off x="5652586" y="4921250"/>
-                        <a:ext cx="3290888" cy="488950"/>
-                      </a:xfrm>
-                      <a:prstGeom prst="rect">
-                        <a:avLst/>
-                      </a:prstGeom>
-                    </p:spPr>
-                  </p:pic>
-                </p:oleObj>
-              </mc:Fallback>
-            </mc:AlternateContent>
-          </a:graphicData>
-        </a:graphic>
-      </p:graphicFrame>
     </p:spTree>
     <p:extLst>
       <p:ext uri="{BB962C8B-B14F-4D97-AF65-F5344CB8AC3E}">
@@ -8484,7 +11441,7 @@
         </p:blipFill>
         <p:spPr>
           <a:xfrm>
-            <a:off x="404813" y="1905000"/>
+            <a:off x="723900" y="1905000"/>
             <a:ext cx="7572375" cy="3800475"/>
           </a:xfrm>
           <a:prstGeom prst="rect">
@@ -8563,38 +11520,237 @@
           </a:p>
         </p:txBody>
       </p:sp>
-      <p:pic>
-        <p:nvPicPr>
-          <p:cNvPr id="2" name="Content Placeholder 1">
-            <a:extLst>
-              <a:ext uri="{FF2B5EF4-FFF2-40B4-BE49-F238E27FC236}">
-                <a16:creationId xmlns:a16="http://schemas.microsoft.com/office/drawing/2014/main" id="{5FA7229A-7042-44D1-A858-BAF1A5B6CC33}"/>
-              </a:ext>
-            </a:extLst>
-          </p:cNvPr>
-          <p:cNvPicPr>
-            <a:picLocks noGrp="1" noChangeAspect="1"/>
-          </p:cNvPicPr>
+      <p:sp>
+        <p:nvSpPr>
+          <p:cNvPr id="4" name="Content Placeholder 3">
+            <a:extLst>
+              <a:ext uri="{FF2B5EF4-FFF2-40B4-BE49-F238E27FC236}">
+                <a16:creationId xmlns:a16="http://schemas.microsoft.com/office/drawing/2014/main" id="{4C1DD1F9-A74C-4262-A288-13D6102B6CEB}"/>
+              </a:ext>
+            </a:extLst>
+          </p:cNvPr>
+          <p:cNvSpPr>
+            <a:spLocks noGrp="1"/>
+          </p:cNvSpPr>
           <p:nvPr>
             <p:ph idx="1"/>
           </p:nvPr>
-        </p:nvPicPr>
-        <p:blipFill>
-          <a:blip r:embed="rId2"/>
-          <a:stretch>
-            <a:fillRect/>
-          </a:stretch>
-        </p:blipFill>
+        </p:nvSpPr>
         <p:spPr>
           <a:xfrm>
-            <a:off x="628650" y="2093315"/>
-            <a:ext cx="7886700" cy="3815958"/>
+            <a:off x="628650" y="1825625"/>
+            <a:ext cx="7886700" cy="4351338"/>
           </a:xfrm>
-          <a:prstGeom prst="rect">
-            <a:avLst/>
-          </a:prstGeom>
         </p:spPr>
-      </p:pic>
+        <p:txBody>
+          <a:bodyPr/>
+          <a:lstStyle/>
+          <a:p>
+            <a:r>
+              <a:rPr lang="en-US" sz="2400" dirty="0">
+                <a:latin typeface="Helvetica" panose="020B0604020202020204" pitchFamily="34" charset="0"/>
+                <a:cs typeface="Helvetica" panose="020B0604020202020204" pitchFamily="34" charset="0"/>
+              </a:rPr>
+              <a:t>Regression on Appliances Energy Dataset</a:t>
+            </a:r>
+          </a:p>
+          <a:p>
+            <a:pPr marL="0" indent="0">
+              <a:buNone/>
+            </a:pPr>
+            <a:r>
+              <a:rPr lang="en-US" sz="2400" dirty="0">
+                <a:latin typeface="Helvetica" panose="020B0604020202020204" pitchFamily="34" charset="0"/>
+                <a:cs typeface="Helvetica" panose="020B0604020202020204" pitchFamily="34" charset="0"/>
+              </a:rPr>
+              <a:t>To predict the appliances energy a house </a:t>
+            </a:r>
+          </a:p>
+          <a:p>
+            <a:pPr marL="0" indent="0">
+              <a:buNone/>
+            </a:pPr>
+            <a:endParaRPr lang="en-US" sz="2400" dirty="0">
+              <a:latin typeface="Helvetica" panose="020B0604020202020204" pitchFamily="34" charset="0"/>
+              <a:cs typeface="Helvetica" panose="020B0604020202020204" pitchFamily="34" charset="0"/>
+            </a:endParaRPr>
+          </a:p>
+          <a:p>
+            <a:r>
+              <a:rPr lang="en-US" sz="2400" dirty="0">
+                <a:latin typeface="Helvetica" panose="020B0604020202020204" pitchFamily="34" charset="0"/>
+                <a:cs typeface="Helvetica" panose="020B0604020202020204" pitchFamily="34" charset="0"/>
+              </a:rPr>
+              <a:t>Classification on Titanic Data Set</a:t>
+            </a:r>
+          </a:p>
+          <a:p>
+            <a:pPr marL="0" indent="0">
+              <a:buNone/>
+            </a:pPr>
+            <a:r>
+              <a:rPr lang="en-US" sz="2400" dirty="0">
+                <a:latin typeface="Helvetica" panose="020B0604020202020204" pitchFamily="34" charset="0"/>
+                <a:cs typeface="Helvetica" panose="020B0604020202020204" pitchFamily="34" charset="0"/>
+              </a:rPr>
+              <a:t>To predict the chance of Survival</a:t>
+            </a:r>
+          </a:p>
+          <a:p>
+            <a:endParaRPr lang="en-US" dirty="0"/>
+          </a:p>
+          <a:p>
+            <a:r>
+              <a:rPr lang="en-US" sz="2400" dirty="0">
+                <a:latin typeface="Helvetica" panose="020B0604020202020204" pitchFamily="34" charset="0"/>
+                <a:cs typeface="Helvetica" panose="020B0604020202020204" pitchFamily="34" charset="0"/>
+              </a:rPr>
+              <a:t>Classification on Titanic Data Set</a:t>
+            </a:r>
+          </a:p>
+          <a:p>
+            <a:pPr marL="0" indent="0">
+              <a:buNone/>
+            </a:pPr>
+            <a:r>
+              <a:rPr lang="en-US" sz="2400" dirty="0">
+                <a:latin typeface="Helvetica" panose="020B0604020202020204" pitchFamily="34" charset="0"/>
+                <a:cs typeface="Helvetica" panose="020B0604020202020204" pitchFamily="34" charset="0"/>
+              </a:rPr>
+              <a:t>To predict if the airplane will be delayed by 15 mins </a:t>
+            </a:r>
+          </a:p>
+          <a:p>
+            <a:endParaRPr lang="en-US" dirty="0"/>
+          </a:p>
+        </p:txBody>
+      </p:sp>
+      <p:graphicFrame>
+        <p:nvGraphicFramePr>
+          <p:cNvPr id="5" name="Object 4">
+            <a:extLst>
+              <a:ext uri="{FF2B5EF4-FFF2-40B4-BE49-F238E27FC236}">
+                <a16:creationId xmlns:a16="http://schemas.microsoft.com/office/drawing/2014/main" id="{183AD1C9-581D-464D-B4B5-770212FF25FA}"/>
+              </a:ext>
+            </a:extLst>
+          </p:cNvPr>
+          <p:cNvGraphicFramePr>
+            <a:graphicFrameLocks noChangeAspect="1"/>
+          </p:cNvGraphicFramePr>
+          <p:nvPr>
+            <p:extLst>
+              <p:ext uri="{D42A27DB-BD31-4B8C-83A1-F6EECF244321}">
+                <p14:modId xmlns:p14="http://schemas.microsoft.com/office/powerpoint/2010/main" val="1356297510"/>
+              </p:ext>
+            </p:extLst>
+          </p:nvPr>
+        </p:nvGraphicFramePr>
+        <p:xfrm>
+          <a:off x="6858000" y="3229769"/>
+          <a:ext cx="914400" cy="771525"/>
+        </p:xfrm>
+        <a:graphic>
+          <a:graphicData uri="http://schemas.openxmlformats.org/presentationml/2006/ole">
+            <mc:AlternateContent xmlns:mc="http://schemas.openxmlformats.org/markup-compatibility/2006">
+              <mc:Choice xmlns:v="urn:schemas-microsoft-com:vml" Requires="v">
+                <p:oleObj spid="_x0000_s2051" name="Acrobat Document" showAsIcon="1" r:id="rId3" imgW="914400" imgH="771480" progId="AcroExch.Document.DC">
+                  <p:embed/>
+                </p:oleObj>
+              </mc:Choice>
+              <mc:Fallback>
+                <p:oleObj name="Acrobat Document" showAsIcon="1" r:id="rId3" imgW="914400" imgH="771480" progId="AcroExch.Document.DC">
+                  <p:embed/>
+                  <p:pic>
+                    <p:nvPicPr>
+                      <p:cNvPr id="0" name=""/>
+                      <p:cNvPicPr/>
+                      <p:nvPr/>
+                    </p:nvPicPr>
+                    <p:blipFill>
+                      <a:blip r:embed="rId4"/>
+                      <a:stretch>
+                        <a:fillRect/>
+                      </a:stretch>
+                    </p:blipFill>
+                    <p:spPr>
+                      <a:xfrm>
+                        <a:off x="6858000" y="3229769"/>
+                        <a:ext cx="914400" cy="771525"/>
+                      </a:xfrm>
+                      <a:prstGeom prst="rect">
+                        <a:avLst/>
+                      </a:prstGeom>
+                    </p:spPr>
+                  </p:pic>
+                </p:oleObj>
+              </mc:Fallback>
+            </mc:AlternateContent>
+          </a:graphicData>
+        </a:graphic>
+      </p:graphicFrame>
+      <p:graphicFrame>
+        <p:nvGraphicFramePr>
+          <p:cNvPr id="6" name="Object 5">
+            <a:extLst>
+              <a:ext uri="{FF2B5EF4-FFF2-40B4-BE49-F238E27FC236}">
+                <a16:creationId xmlns:a16="http://schemas.microsoft.com/office/drawing/2014/main" id="{3FEE4C40-0C5A-4E1B-8904-5A58E86CDFC6}"/>
+              </a:ext>
+            </a:extLst>
+          </p:cNvPr>
+          <p:cNvGraphicFramePr>
+            <a:graphicFrameLocks noChangeAspect="1"/>
+          </p:cNvGraphicFramePr>
+          <p:nvPr>
+            <p:extLst>
+              <p:ext uri="{D42A27DB-BD31-4B8C-83A1-F6EECF244321}">
+                <p14:modId xmlns:p14="http://schemas.microsoft.com/office/powerpoint/2010/main" val="3371029387"/>
+              </p:ext>
+            </p:extLst>
+          </p:nvPr>
+        </p:nvGraphicFramePr>
+        <p:xfrm>
+          <a:off x="6858000" y="5324475"/>
+          <a:ext cx="914400" cy="771525"/>
+        </p:xfrm>
+        <a:graphic>
+          <a:graphicData uri="http://schemas.openxmlformats.org/presentationml/2006/ole">
+            <mc:AlternateContent xmlns:mc="http://schemas.openxmlformats.org/markup-compatibility/2006">
+              <mc:Choice xmlns:v="urn:schemas-microsoft-com:vml" Requires="v">
+                <p:oleObj spid="_x0000_s2052" name="Packager Shell Object" showAsIcon="1" r:id="rId5" imgW="914400" imgH="771480" progId="Package">
+                  <p:embed/>
+                </p:oleObj>
+              </mc:Choice>
+              <mc:Fallback>
+                <p:oleObj name="Packager Shell Object" showAsIcon="1" r:id="rId5" imgW="914400" imgH="771480" progId="Package">
+                  <p:embed/>
+                  <p:pic>
+                    <p:nvPicPr>
+                      <p:cNvPr id="0" name=""/>
+                      <p:cNvPicPr/>
+                      <p:nvPr/>
+                    </p:nvPicPr>
+                    <p:blipFill>
+                      <a:blip r:embed="rId6"/>
+                      <a:stretch>
+                        <a:fillRect/>
+                      </a:stretch>
+                    </p:blipFill>
+                    <p:spPr>
+                      <a:xfrm>
+                        <a:off x="6858000" y="5324475"/>
+                        <a:ext cx="914400" cy="771525"/>
+                      </a:xfrm>
+                      <a:prstGeom prst="rect">
+                        <a:avLst/>
+                      </a:prstGeom>
+                    </p:spPr>
+                  </p:pic>
+                </p:oleObj>
+              </mc:Fallback>
+            </mc:AlternateContent>
+          </a:graphicData>
+        </a:graphic>
+      </p:graphicFrame>
     </p:spTree>
     <p:extLst>
       <p:ext uri="{BB962C8B-B14F-4D97-AF65-F5344CB8AC3E}">
@@ -8611,6 +11767,14 @@
 <file path=ppt/slides/slide9.xml><?xml version="1.0" encoding="utf-8"?>
 <p:sld xmlns:a="http://schemas.openxmlformats.org/drawingml/2006/main" xmlns:r="http://schemas.openxmlformats.org/officeDocument/2006/relationships" xmlns:p="http://schemas.openxmlformats.org/presentationml/2006/main">
   <p:cSld>
+    <p:bg>
+      <p:bgPr>
+        <a:solidFill>
+          <a:schemeClr val="bg1"/>
+        </a:solidFill>
+        <a:effectLst/>
+      </p:bgPr>
+    </p:bg>
     <p:spTree>
       <p:nvGrpSpPr>
         <p:cNvPr id="1" name=""/>
@@ -8625,39 +11789,233 @@
           <a:chExt cx="0" cy="0"/>
         </a:xfrm>
       </p:grpSpPr>
-      <p:sp>
-        <p:nvSpPr>
-          <p:cNvPr id="8194" name="Title 1">
-            <a:extLst>
-              <a:ext uri="{FF2B5EF4-FFF2-40B4-BE49-F238E27FC236}">
-                <a16:creationId xmlns:a16="http://schemas.microsoft.com/office/drawing/2014/main" id="{175676B8-48F3-40E9-BF9B-45F2D27F9810}"/>
-              </a:ext>
-            </a:extLst>
-          </p:cNvPr>
-          <p:cNvSpPr>
-            <a:spLocks noGrp="1"/>
-          </p:cNvSpPr>
-          <p:nvPr>
-            <p:ph type="title"/>
+      <p:sp useBgFill="1">
+        <p:nvSpPr>
+          <p:cNvPr id="72" name="Rectangle 71">
+            <a:extLst>
+              <a:ext uri="{FF2B5EF4-FFF2-40B4-BE49-F238E27FC236}">
+                <a16:creationId xmlns:a16="http://schemas.microsoft.com/office/drawing/2014/main" id="{3B854194-185D-494D-905C-7C7CB2E30F6E}"/>
+              </a:ext>
+              <a:ext uri="{C183D7F6-B498-43B3-948B-1728B52AA6E4}">
+                <adec:decorative xmlns:adec="http://schemas.microsoft.com/office/drawing/2017/decorative" val="1"/>
+              </a:ext>
+            </a:extLst>
+          </p:cNvPr>
+          <p:cNvSpPr>
+            <a:spLocks noGrp="1" noRot="1" noChangeAspect="1" noMove="1" noResize="1" noEditPoints="1" noAdjustHandles="1" noChangeArrowheads="1" noChangeShapeType="1" noTextEdit="1"/>
+          </p:cNvSpPr>
+          <p:nvPr>
+            <p:extLst>
+              <p:ext uri="{386F3935-93C4-4BCD-93E2-E3B085C9AB24}">
+                <p16:designElem xmlns:p16="http://schemas.microsoft.com/office/powerpoint/2015/main" val="1"/>
+              </p:ext>
+            </p:extLst>
           </p:nvPr>
         </p:nvSpPr>
         <p:spPr>
           <a:xfrm>
-            <a:off x="409575" y="762000"/>
-            <a:ext cx="7886700" cy="993775"/>
+            <a:off x="0" y="0"/>
+            <a:ext cx="4561583" cy="6858000"/>
+          </a:xfrm>
+          <a:prstGeom prst="rect">
+            <a:avLst/>
+          </a:prstGeom>
+          <a:ln>
+            <a:noFill/>
+          </a:ln>
+        </p:spPr>
+        <p:style>
+          <a:lnRef idx="2">
+            <a:schemeClr val="accent1">
+              <a:shade val="50000"/>
+            </a:schemeClr>
+          </a:lnRef>
+          <a:fillRef idx="1">
+            <a:schemeClr val="accent1"/>
+          </a:fillRef>
+          <a:effectRef idx="0">
+            <a:schemeClr val="accent1"/>
+          </a:effectRef>
+          <a:fontRef idx="minor">
+            <a:schemeClr val="lt1"/>
+          </a:fontRef>
+        </p:style>
+        <p:txBody>
+          <a:bodyPr rtlCol="0" anchor="ctr"/>
+          <a:lstStyle/>
+          <a:p>
+            <a:pPr algn="ctr"/>
+            <a:endParaRPr lang="en-US"/>
+          </a:p>
+        </p:txBody>
+      </p:sp>
+      <p:sp>
+        <p:nvSpPr>
+          <p:cNvPr id="74" name="Rectangle 73">
+            <a:extLst>
+              <a:ext uri="{FF2B5EF4-FFF2-40B4-BE49-F238E27FC236}">
+                <a16:creationId xmlns:a16="http://schemas.microsoft.com/office/drawing/2014/main" id="{B4F5FA0D-0104-4987-8241-EFF7C85B88DE}"/>
+              </a:ext>
+              <a:ext uri="{C183D7F6-B498-43B3-948B-1728B52AA6E4}">
+                <adec:decorative xmlns:adec="http://schemas.microsoft.com/office/drawing/2017/decorative" val="1"/>
+              </a:ext>
+            </a:extLst>
+          </p:cNvPr>
+          <p:cNvSpPr>
+            <a:spLocks noGrp="1" noRot="1" noChangeAspect="1" noMove="1" noResize="1" noEditPoints="1" noAdjustHandles="1" noChangeArrowheads="1" noChangeShapeType="1" noTextEdit="1"/>
+          </p:cNvSpPr>
+          <p:nvPr>
+            <p:extLst>
+              <p:ext uri="{386F3935-93C4-4BCD-93E2-E3B085C9AB24}">
+                <p16:designElem xmlns:p16="http://schemas.microsoft.com/office/powerpoint/2015/main" val="1"/>
+              </p:ext>
+            </p:extLst>
+          </p:nvPr>
+        </p:nvSpPr>
+        <p:spPr>
+          <a:xfrm>
+            <a:off x="0" y="0"/>
+            <a:ext cx="9143999" cy="6858000"/>
+          </a:xfrm>
+          <a:prstGeom prst="rect">
+            <a:avLst/>
+          </a:prstGeom>
+          <a:gradFill>
+            <a:gsLst>
+              <a:gs pos="0">
+                <a:schemeClr val="accent1">
+                  <a:lumMod val="90000"/>
+                </a:schemeClr>
+              </a:gs>
+              <a:gs pos="25000">
+                <a:schemeClr val="accent1">
+                  <a:lumMod val="90000"/>
+                </a:schemeClr>
+              </a:gs>
+              <a:gs pos="94000">
+                <a:schemeClr val="bg2">
+                  <a:lumMod val="25000"/>
+                </a:schemeClr>
+              </a:gs>
+              <a:gs pos="100000">
+                <a:schemeClr val="bg2">
+                  <a:lumMod val="25000"/>
+                </a:schemeClr>
+              </a:gs>
+            </a:gsLst>
+            <a:lin ang="4200000" scaled="0"/>
+          </a:gradFill>
+          <a:ln>
+            <a:noFill/>
+          </a:ln>
+        </p:spPr>
+        <p:style>
+          <a:lnRef idx="2">
+            <a:schemeClr val="accent1">
+              <a:shade val="50000"/>
+            </a:schemeClr>
+          </a:lnRef>
+          <a:fillRef idx="1">
+            <a:schemeClr val="accent1"/>
+          </a:fillRef>
+          <a:effectRef idx="0">
+            <a:schemeClr val="accent1"/>
+          </a:effectRef>
+          <a:fontRef idx="minor">
+            <a:schemeClr val="lt1"/>
+          </a:fontRef>
+        </p:style>
+        <p:txBody>
+          <a:bodyPr rtlCol="0" anchor="ctr"/>
+          <a:lstStyle/>
+          <a:p>
+            <a:pPr algn="ctr"/>
+            <a:endParaRPr lang="en-US"/>
+          </a:p>
+        </p:txBody>
+      </p:sp>
+      <p:pic>
+        <p:nvPicPr>
+          <p:cNvPr id="76" name="Picture 75">
+            <a:extLst>
+              <a:ext uri="{FF2B5EF4-FFF2-40B4-BE49-F238E27FC236}">
+                <a16:creationId xmlns:a16="http://schemas.microsoft.com/office/drawing/2014/main" id="{2897127E-6CEF-446C-BE87-93B7C46E49D1}"/>
+              </a:ext>
+              <a:ext uri="{C183D7F6-B498-43B3-948B-1728B52AA6E4}">
+                <adec:decorative xmlns:adec="http://schemas.microsoft.com/office/drawing/2017/decorative" val="1"/>
+              </a:ext>
+            </a:extLst>
+          </p:cNvPr>
+          <p:cNvPicPr>
+            <a:picLocks noGrp="1" noRot="1" noChangeAspect="1" noMove="1" noResize="1" noEditPoints="1" noAdjustHandles="1" noChangeArrowheads="1" noChangeShapeType="1" noCrop="1"/>
+          </p:cNvPicPr>
+          <p:nvPr>
+            <p:extLst>
+              <p:ext uri="{386F3935-93C4-4BCD-93E2-E3B085C9AB24}">
+                <p16:designElem xmlns:p16="http://schemas.microsoft.com/office/powerpoint/2015/main" val="1"/>
+              </p:ext>
+            </p:extLst>
+          </p:nvPr>
+        </p:nvPicPr>
+        <p:blipFill>
+          <a:blip r:embed="rId2">
+            <a:extLst>
+              <a:ext uri="{28A0092B-C50C-407E-A947-70E740481C1C}">
+                <a14:useLocalDpi xmlns:a14="http://schemas.microsoft.com/office/drawing/2010/main" val="0"/>
+              </a:ext>
+            </a:extLst>
+          </a:blip>
+          <a:stretch>
+            <a:fillRect/>
+          </a:stretch>
+        </p:blipFill>
+        <p:spPr>
+          <a:xfrm>
+            <a:off x="0" y="0"/>
+            <a:ext cx="9144000" cy="6858000"/>
+          </a:xfrm>
+          <a:prstGeom prst="rect">
+            <a:avLst/>
+          </a:prstGeom>
+        </p:spPr>
+      </p:pic>
+      <p:sp>
+        <p:nvSpPr>
+          <p:cNvPr id="8194" name="Title 1">
+            <a:extLst>
+              <a:ext uri="{FF2B5EF4-FFF2-40B4-BE49-F238E27FC236}">
+                <a16:creationId xmlns:a16="http://schemas.microsoft.com/office/drawing/2014/main" id="{175676B8-48F3-40E9-BF9B-45F2D27F9810}"/>
+              </a:ext>
+            </a:extLst>
+          </p:cNvPr>
+          <p:cNvSpPr>
+            <a:spLocks noGrp="1"/>
+          </p:cNvSpPr>
+          <p:nvPr>
+            <p:ph type="title"/>
+          </p:nvPr>
+        </p:nvSpPr>
+        <p:spPr>
+          <a:xfrm>
+            <a:off x="480059" y="2053641"/>
+            <a:ext cx="2751871" cy="2760098"/>
           </a:xfrm>
         </p:spPr>
         <p:txBody>
-          <a:bodyPr/>
+          <a:bodyPr>
+            <a:normAutofit/>
+          </a:bodyPr>
           <a:lstStyle/>
           <a:p>
-            <a:pPr algn="l"/>
-            <a:r>
-              <a:rPr lang="en-US" altLang="en-US" sz="3200" dirty="0">
+            <a:r>
+              <a:rPr lang="en-US" altLang="en-US">
+                <a:solidFill>
+                  <a:srgbClr val="FFFFFF"/>
+                </a:solidFill>
                 <a:latin typeface="Helvetica" panose="020B0604020202020204" pitchFamily="34" charset="0"/>
                 <a:ea typeface="ＭＳ Ｐゴシック" panose="020B0600070205080204" pitchFamily="34" charset="-128"/>
               </a:rPr>
-              <a:t>Limitations in Azure ML Studio</a:t>
+              <a:t>Pros and Cons of Azure ML Studio</a:t>
             </a:r>
           </a:p>
         </p:txBody>
@@ -8680,20 +12038,40 @@
         </p:nvSpPr>
         <p:spPr>
           <a:xfrm>
-            <a:off x="409575" y="1936750"/>
-            <a:ext cx="8510587" cy="5257800"/>
+            <a:off x="4567930" y="801866"/>
+            <a:ext cx="3979563" cy="5230634"/>
           </a:xfrm>
         </p:spPr>
         <p:txBody>
-          <a:bodyPr/>
+          <a:bodyPr anchor="ctr">
+            <a:normAutofit/>
+          </a:bodyPr>
           <a:lstStyle/>
           <a:p>
+            <a:pPr marL="0" indent="0">
+              <a:buNone/>
+              <a:defRPr/>
+            </a:pPr>
+            <a:r>
+              <a:rPr lang="en-US" sz="1500" b="1" dirty="0">
+                <a:solidFill>
+                  <a:srgbClr val="000000"/>
+                </a:solidFill>
+              </a:rPr>
+              <a:t>Following are some of the advantages of Azure ML Studio:</a:t>
+            </a:r>
+          </a:p>
+          <a:p>
             <a:pPr>
               <a:defRPr/>
             </a:pPr>
             <a:r>
-              <a:rPr lang="en-US" dirty="0"/>
-              <a:t>Maximum storage volume per account is limited</a:t>
+              <a:rPr lang="en-US" sz="1500" dirty="0">
+                <a:solidFill>
+                  <a:srgbClr val="000000"/>
+                </a:solidFill>
+              </a:rPr>
+              <a:t>No Software to install, only web browser is needed</a:t>
             </a:r>
           </a:p>
           <a:p>
@@ -8701,8 +12079,12 @@
               <a:defRPr/>
             </a:pPr>
             <a:r>
-              <a:rPr lang="en-US" dirty="0"/>
-              <a:t>Maximum dataset volume is 10 GB</a:t>
+              <a:rPr lang="en-US" sz="1500" dirty="0">
+                <a:solidFill>
+                  <a:srgbClr val="000000"/>
+                </a:solidFill>
+              </a:rPr>
+              <a:t>Possibility to develop without writing code</a:t>
             </a:r>
           </a:p>
           <a:p>
@@ -8710,41 +12092,88 @@
               <a:defRPr/>
             </a:pPr>
             <a:r>
-              <a:rPr lang="en-US" dirty="0"/>
-              <a:t>Throttled Policy is that only 20 concurrent request per endpoint, max endpoint count 10K</a:t>
+              <a:rPr lang="en-US" sz="1500" dirty="0">
+                <a:solidFill>
+                  <a:srgbClr val="000000"/>
+                </a:solidFill>
+              </a:rPr>
+              <a:t>Easy deployment and usage using Rest API</a:t>
+            </a:r>
+          </a:p>
+          <a:p>
+            <a:pPr marL="0" indent="0">
+              <a:buNone/>
+              <a:defRPr/>
+            </a:pPr>
+            <a:r>
+              <a:rPr lang="en-US" sz="1500" b="1" dirty="0">
+                <a:solidFill>
+                  <a:srgbClr val="000000"/>
+                </a:solidFill>
+              </a:rPr>
+              <a:t>Following are some of the disadvantages of Azure ML Studio:</a:t>
+            </a:r>
+          </a:p>
+          <a:p>
+            <a:pPr lvl="0">
+              <a:defRPr/>
+            </a:pPr>
+            <a:r>
+              <a:rPr lang="en-US" sz="1500" dirty="0">
+                <a:solidFill>
+                  <a:srgbClr val="000000"/>
+                </a:solidFill>
+              </a:rPr>
+              <a:t>Maximum dataset volume is 10 GB per module</a:t>
+            </a:r>
+          </a:p>
+          <a:p>
+            <a:pPr lvl="0">
+              <a:defRPr/>
+            </a:pPr>
+            <a:r>
+              <a:rPr lang="en-US" sz="1500" dirty="0">
+                <a:solidFill>
+                  <a:srgbClr val="000000"/>
+                </a:solidFill>
+              </a:rPr>
+              <a:t>The default endpoint is provisioned with 20 concurrent RRS requests per endpoint. You can scale this to 200 concurrent requests per endpoint, and you can scale each web service to 10,000 endpoints per web service</a:t>
+            </a:r>
+          </a:p>
+          <a:p>
+            <a:pPr lvl="0">
+              <a:defRPr/>
+            </a:pPr>
+            <a:r>
+              <a:rPr lang="en-US" sz="1500" dirty="0">
+                <a:solidFill>
+                  <a:srgbClr val="000000"/>
+                </a:solidFill>
+              </a:rPr>
+              <a:t>Its like a Black Box, no debug, no Scala, C++, C#</a:t>
+            </a:r>
+          </a:p>
+          <a:p>
+            <a:pPr lvl="0">
+              <a:defRPr/>
+            </a:pPr>
+            <a:r>
+              <a:rPr lang="en-US" sz="1500" dirty="0">
+                <a:solidFill>
+                  <a:srgbClr val="000000"/>
+                </a:solidFill>
+              </a:rPr>
+              <a:t>One should know their own right algorithm to be used</a:t>
             </a:r>
           </a:p>
           <a:p>
             <a:pPr>
               <a:defRPr/>
             </a:pPr>
-            <a:r>
-              <a:rPr lang="en-US" dirty="0"/>
-              <a:t>Its like a Black Box, no debug, no </a:t>
-            </a:r>
-            <a:r>
-              <a:rPr lang="en-US" dirty="0" err="1"/>
-              <a:t>scala</a:t>
-            </a:r>
-            <a:r>
-              <a:rPr lang="en-US" dirty="0"/>
-              <a:t>, C++, C#</a:t>
-            </a:r>
-          </a:p>
-          <a:p>
-            <a:pPr>
-              <a:defRPr/>
-            </a:pPr>
-            <a:r>
-              <a:rPr lang="en-US" dirty="0"/>
-              <a:t>One should know their own right algorithm to be used</a:t>
-            </a:r>
-          </a:p>
-          <a:p>
-            <a:pPr>
-              <a:defRPr/>
-            </a:pPr>
-            <a:endParaRPr lang="en-US" altLang="en-US" sz="2400" dirty="0">
+            <a:endParaRPr lang="en-US" altLang="en-US" sz="1500" dirty="0">
+              <a:solidFill>
+                <a:srgbClr val="000000"/>
+              </a:solidFill>
               <a:latin typeface="Helvetica" panose="020B0604020202020204" pitchFamily="34" charset="0"/>
               <a:ea typeface="ＭＳ Ｐゴシック" panose="020B0600070205080204" pitchFamily="34" charset="-128"/>
             </a:endParaRPr>

--- a/Presentation/Machine Learning As A Service.pptx
+++ b/Presentation/Machine Learning As A Service.pptx
@@ -5,7 +5,7 @@
     <p:sldMasterId id="2147484107" r:id="rId1"/>
   </p:sldMasterIdLst>
   <p:notesMasterIdLst>
-    <p:notesMasterId r:id="rId19"/>
+    <p:notesMasterId r:id="rId24"/>
   </p:notesMasterIdLst>
   <p:sldIdLst>
     <p:sldId id="257" r:id="rId2"/>
@@ -17,14 +17,19 @@
     <p:sldId id="316" r:id="rId8"/>
     <p:sldId id="317" r:id="rId9"/>
     <p:sldId id="319" r:id="rId10"/>
-    <p:sldId id="311" r:id="rId11"/>
-    <p:sldId id="309" r:id="rId12"/>
-    <p:sldId id="310" r:id="rId13"/>
-    <p:sldId id="315" r:id="rId14"/>
-    <p:sldId id="318" r:id="rId15"/>
-    <p:sldId id="321" r:id="rId16"/>
-    <p:sldId id="320" r:id="rId17"/>
-    <p:sldId id="322" r:id="rId18"/>
+    <p:sldId id="326" r:id="rId11"/>
+    <p:sldId id="325" r:id="rId12"/>
+    <p:sldId id="311" r:id="rId13"/>
+    <p:sldId id="309" r:id="rId14"/>
+    <p:sldId id="329" r:id="rId15"/>
+    <p:sldId id="327" r:id="rId16"/>
+    <p:sldId id="328" r:id="rId17"/>
+    <p:sldId id="330" r:id="rId18"/>
+    <p:sldId id="315" r:id="rId19"/>
+    <p:sldId id="318" r:id="rId20"/>
+    <p:sldId id="321" r:id="rId21"/>
+    <p:sldId id="320" r:id="rId22"/>
+    <p:sldId id="322" r:id="rId23"/>
   </p:sldIdLst>
   <p:sldSz cx="9144000" cy="6858000" type="screen4x3"/>
   <p:notesSz cx="6858000" cy="9144000"/>
@@ -6340,6 +6345,14 @@
 <file path=ppt/slides/slide10.xml><?xml version="1.0" encoding="utf-8"?>
 <p:sld xmlns:a="http://schemas.openxmlformats.org/drawingml/2006/main" xmlns:r="http://schemas.openxmlformats.org/officeDocument/2006/relationships" xmlns:p="http://schemas.openxmlformats.org/presentationml/2006/main">
   <p:cSld>
+    <p:bg>
+      <p:bgPr>
+        <a:solidFill>
+          <a:schemeClr val="bg1"/>
+        </a:solidFill>
+        <a:effectLst/>
+      </p:bgPr>
+    </p:bg>
     <p:spTree>
       <p:nvGrpSpPr>
         <p:cNvPr id="1" name=""/>
@@ -6356,205 +6369,202 @@
       </p:grpSpPr>
       <p:sp>
         <p:nvSpPr>
-          <p:cNvPr id="8194" name="Title 1">
-            <a:extLst>
-              <a:ext uri="{FF2B5EF4-FFF2-40B4-BE49-F238E27FC236}">
-                <a16:creationId xmlns:a16="http://schemas.microsoft.com/office/drawing/2014/main" id="{175676B8-48F3-40E9-BF9B-45F2D27F9810}"/>
-              </a:ext>
-            </a:extLst>
-          </p:cNvPr>
-          <p:cNvSpPr>
-            <a:spLocks noGrp="1"/>
-          </p:cNvSpPr>
-          <p:nvPr>
-            <p:ph type="title"/>
+          <p:cNvPr id="9" name="Rectangle 8">
+            <a:extLst>
+              <a:ext uri="{FF2B5EF4-FFF2-40B4-BE49-F238E27FC236}">
+                <a16:creationId xmlns:a16="http://schemas.microsoft.com/office/drawing/2014/main" id="{23962611-DFD5-4092-AAFD-559E3DFCE2C9}"/>
+              </a:ext>
+              <a:ext uri="{C183D7F6-B498-43B3-948B-1728B52AA6E4}">
+                <adec:decorative xmlns:adec="http://schemas.microsoft.com/office/drawing/2017/decorative" val="1"/>
+              </a:ext>
+            </a:extLst>
+          </p:cNvPr>
+          <p:cNvSpPr>
+            <a:spLocks noGrp="1" noRot="1" noChangeAspect="1" noMove="1" noResize="1" noEditPoints="1" noAdjustHandles="1" noChangeArrowheads="1" noChangeShapeType="1" noTextEdit="1"/>
+          </p:cNvSpPr>
+          <p:nvPr>
+            <p:extLst>
+              <p:ext uri="{386F3935-93C4-4BCD-93E2-E3B085C9AB24}">
+                <p16:designElem xmlns:p16="http://schemas.microsoft.com/office/powerpoint/2015/main" val="1"/>
+              </p:ext>
+            </p:extLst>
           </p:nvPr>
         </p:nvSpPr>
         <p:spPr>
           <a:xfrm>
-            <a:off x="409575" y="762000"/>
-            <a:ext cx="7886700" cy="993775"/>
+            <a:off x="356616" y="0"/>
+            <a:ext cx="8182719" cy="6858000"/>
           </a:xfrm>
-        </p:spPr>
-        <p:txBody>
-          <a:bodyPr/>
-          <a:lstStyle/>
-          <a:p>
-            <a:pPr algn="l"/>
-            <a:r>
-              <a:rPr lang="en-US" altLang="en-US" sz="3200" dirty="0">
-                <a:latin typeface="Helvetica" panose="020B0604020202020204" pitchFamily="34" charset="0"/>
-                <a:ea typeface="ＭＳ Ｐゴシック" panose="020B0600070205080204" pitchFamily="34" charset="-128"/>
-              </a:rPr>
-              <a:t>What is Amazon SageMaker?</a:t>
-            </a:r>
-          </a:p>
-        </p:txBody>
-      </p:sp>
-      <p:sp>
-        <p:nvSpPr>
-          <p:cNvPr id="8195" name="Content Placeholder 22">
-            <a:extLst>
-              <a:ext uri="{FF2B5EF4-FFF2-40B4-BE49-F238E27FC236}">
-                <a16:creationId xmlns:a16="http://schemas.microsoft.com/office/drawing/2014/main" id="{6217A459-6FBF-4830-AA4E-163D34539509}"/>
-              </a:ext>
-            </a:extLst>
-          </p:cNvPr>
-          <p:cNvSpPr>
-            <a:spLocks noGrp="1"/>
-          </p:cNvSpPr>
-          <p:nvPr>
-            <p:ph idx="1"/>
-          </p:nvPr>
-        </p:nvSpPr>
-        <p:spPr>
-          <a:xfrm>
-            <a:off x="404813" y="1447800"/>
-            <a:ext cx="8510587" cy="5257800"/>
-          </a:xfrm>
-        </p:spPr>
-        <p:txBody>
-          <a:bodyPr/>
-          <a:lstStyle/>
-          <a:p>
-            <a:pPr>
-              <a:defRPr/>
-            </a:pPr>
-            <a:endParaRPr lang="en-US" altLang="en-US" sz="2400" dirty="0">
-              <a:latin typeface="Helvetica" panose="020B0604020202020204" pitchFamily="34" charset="0"/>
-              <a:ea typeface="ＭＳ Ｐゴシック" panose="020B0600070205080204" pitchFamily="34" charset="-128"/>
-            </a:endParaRPr>
-          </a:p>
-          <a:p>
-            <a:pPr marL="0" indent="0">
-              <a:buFont typeface="Arial" panose="020B0604020202020204" pitchFamily="34" charset="0"/>
-              <a:buNone/>
-              <a:defRPr/>
-            </a:pPr>
-            <a:endParaRPr lang="en-US" altLang="en-US" sz="800" dirty="0">
-              <a:latin typeface="Helvetica" panose="020B0604020202020204" pitchFamily="34" charset="0"/>
-              <a:ea typeface="ＭＳ Ｐゴシック" panose="020B0600070205080204" pitchFamily="34" charset="-128"/>
-              <a:hlinkClick r:id="rId2"/>
-            </a:endParaRPr>
-          </a:p>
-          <a:p>
-            <a:pPr marL="0" indent="0">
-              <a:buFont typeface="Arial" panose="020B0604020202020204" pitchFamily="34" charset="0"/>
-              <a:buNone/>
-              <a:defRPr/>
-            </a:pPr>
-            <a:endParaRPr lang="en-US" altLang="en-US" sz="2000" dirty="0">
-              <a:latin typeface="Helvetica" panose="020B0604020202020204" pitchFamily="34" charset="0"/>
-              <a:ea typeface="ＭＳ Ｐゴシック" panose="020B0600070205080204" pitchFamily="34" charset="-128"/>
-            </a:endParaRPr>
-          </a:p>
-          <a:p>
-            <a:pPr lvl="1">
-              <a:defRPr/>
-            </a:pPr>
-            <a:endParaRPr lang="en-US" altLang="en-US" sz="2000" dirty="0">
-              <a:latin typeface="Helvetica" panose="020B0604020202020204" pitchFamily="34" charset="0"/>
-              <a:ea typeface="ＭＳ Ｐゴシック" panose="020B0600070205080204" pitchFamily="34" charset="-128"/>
-            </a:endParaRPr>
-          </a:p>
-        </p:txBody>
-      </p:sp>
-      <p:cxnSp>
-        <p:nvCxnSpPr>
-          <p:cNvPr id="14" name="Straight Arrow Connector 13">
-            <a:extLst>
-              <a:ext uri="{FF2B5EF4-FFF2-40B4-BE49-F238E27FC236}">
-                <a16:creationId xmlns:a16="http://schemas.microsoft.com/office/drawing/2014/main" id="{82147137-FA1A-466C-9E02-A653CA1E3BA4}"/>
-              </a:ext>
-            </a:extLst>
-          </p:cNvPr>
-          <p:cNvCxnSpPr/>
-          <p:nvPr/>
-        </p:nvCxnSpPr>
-        <p:spPr>
-          <a:xfrm>
-            <a:off x="2724150" y="5543550"/>
-            <a:ext cx="719138" cy="0"/>
-          </a:xfrm>
-          <a:prstGeom prst="straightConnector1">
+          <a:prstGeom prst="rect">
             <a:avLst/>
           </a:prstGeom>
-          <a:ln w="57150">
-            <a:tailEnd type="triangle"/>
+          <a:gradFill>
+            <a:gsLst>
+              <a:gs pos="0">
+                <a:schemeClr val="accent1">
+                  <a:lumMod val="90000"/>
+                </a:schemeClr>
+              </a:gs>
+              <a:gs pos="25000">
+                <a:schemeClr val="accent1">
+                  <a:lumMod val="90000"/>
+                </a:schemeClr>
+              </a:gs>
+              <a:gs pos="94000">
+                <a:schemeClr val="bg2">
+                  <a:lumMod val="25000"/>
+                </a:schemeClr>
+              </a:gs>
+              <a:gs pos="100000">
+                <a:schemeClr val="bg2">
+                  <a:lumMod val="25000"/>
+                </a:schemeClr>
+              </a:gs>
+            </a:gsLst>
+            <a:lin ang="4200000" scaled="0"/>
+          </a:gradFill>
+          <a:ln>
+            <a:noFill/>
           </a:ln>
         </p:spPr>
         <p:style>
           <a:lnRef idx="2">
-            <a:schemeClr val="accent1"/>
+            <a:schemeClr val="accent1">
+              <a:shade val="50000"/>
+            </a:schemeClr>
           </a:lnRef>
-          <a:fillRef idx="0">
+          <a:fillRef idx="1">
             <a:schemeClr val="accent1"/>
           </a:fillRef>
-          <a:effectRef idx="1">
+          <a:effectRef idx="0">
             <a:schemeClr val="accent1"/>
           </a:effectRef>
           <a:fontRef idx="minor">
-            <a:schemeClr val="tx1"/>
+            <a:schemeClr val="lt1"/>
           </a:fontRef>
         </p:style>
-      </p:cxnSp>
+        <p:txBody>
+          <a:bodyPr rtlCol="0" anchor="ctr"/>
+          <a:lstStyle/>
+          <a:p>
+            <a:pPr algn="ctr"/>
+            <a:endParaRPr lang="en-US"/>
+          </a:p>
+        </p:txBody>
+      </p:sp>
       <p:pic>
         <p:nvPicPr>
-          <p:cNvPr id="7" name="Content Placeholder 5">
-            <a:extLst>
-              <a:ext uri="{FF2B5EF4-FFF2-40B4-BE49-F238E27FC236}">
-                <a16:creationId xmlns:a16="http://schemas.microsoft.com/office/drawing/2014/main" id="{236E0F5D-69C7-49CE-A3D7-DF5019185E41}"/>
+          <p:cNvPr id="11" name="Picture 10">
+            <a:extLst>
+              <a:ext uri="{FF2B5EF4-FFF2-40B4-BE49-F238E27FC236}">
+                <a16:creationId xmlns:a16="http://schemas.microsoft.com/office/drawing/2014/main" id="{2270F1FA-0425-408F-9861-80BF5AFB276D}"/>
+              </a:ext>
+              <a:ext uri="{C183D7F6-B498-43B3-948B-1728B52AA6E4}">
+                <adec:decorative xmlns:adec="http://schemas.microsoft.com/office/drawing/2017/decorative" val="1"/>
               </a:ext>
             </a:extLst>
           </p:cNvPr>
           <p:cNvPicPr>
-            <a:picLocks noChangeAspect="1"/>
+            <a:picLocks noGrp="1" noRot="1" noChangeAspect="1" noMove="1" noResize="1" noEditPoints="1" noAdjustHandles="1" noChangeArrowheads="1" noChangeShapeType="1" noCrop="1"/>
           </p:cNvPicPr>
-          <p:nvPr/>
+          <p:nvPr>
+            <p:extLst>
+              <p:ext uri="{386F3935-93C4-4BCD-93E2-E3B085C9AB24}">
+                <p16:designElem xmlns:p16="http://schemas.microsoft.com/office/powerpoint/2015/main" val="1"/>
+              </p:ext>
+            </p:extLst>
+          </p:nvPr>
         </p:nvPicPr>
         <p:blipFill>
-          <a:blip r:embed="rId3"/>
+          <a:blip r:embed="rId2">
+            <a:extLst>
+              <a:ext uri="{28A0092B-C50C-407E-A947-70E740481C1C}">
+                <a14:useLocalDpi xmlns:a14="http://schemas.microsoft.com/office/drawing/2010/main" val="0"/>
+              </a:ext>
+            </a:extLst>
+          </a:blip>
           <a:stretch>
             <a:fillRect/>
           </a:stretch>
         </p:blipFill>
-        <p:spPr bwMode="auto">
+        <p:spPr>
           <a:xfrm>
-            <a:off x="274952" y="1755775"/>
-            <a:ext cx="8699853" cy="3962400"/>
+            <a:off x="0" y="0"/>
+            <a:ext cx="9144000" cy="6858000"/>
           </a:xfrm>
           <a:prstGeom prst="rect">
             <a:avLst/>
           </a:prstGeom>
-          <a:noFill/>
-          <a:ln>
-            <a:noFill/>
-          </a:ln>
-          <a:extLst>
-            <a:ext uri="{909E8E84-426E-40DD-AFC4-6F175D3DCCD1}">
-              <a14:hiddenFill xmlns:a14="http://schemas.microsoft.com/office/drawing/2010/main">
+        </p:spPr>
+      </p:pic>
+      <p:sp>
+        <p:nvSpPr>
+          <p:cNvPr id="4" name="Title 3">
+            <a:extLst>
+              <a:ext uri="{FF2B5EF4-FFF2-40B4-BE49-F238E27FC236}">
+                <a16:creationId xmlns:a16="http://schemas.microsoft.com/office/drawing/2014/main" id="{63F99822-3E4F-497F-B524-9C1CEAD356E7}"/>
+              </a:ext>
+            </a:extLst>
+          </p:cNvPr>
+          <p:cNvSpPr>
+            <a:spLocks noGrp="1"/>
+          </p:cNvSpPr>
+          <p:nvPr>
+            <p:ph type="title"/>
+          </p:nvPr>
+        </p:nvSpPr>
+        <p:spPr>
+          <a:xfrm>
+            <a:off x="2284026" y="2043663"/>
+            <a:ext cx="4578895" cy="2031055"/>
+          </a:xfrm>
+        </p:spPr>
+        <p:txBody>
+          <a:bodyPr vert="horz" lIns="91440" tIns="45720" rIns="91440" bIns="45720" rtlCol="0" anchor="b">
+            <a:normAutofit/>
+          </a:bodyPr>
+          <a:lstStyle/>
+          <a:p>
+            <a:pPr algn="ctr" defTabSz="914400"/>
+            <a:r>
+              <a:rPr lang="en-US" kern="1200">
                 <a:solidFill>
                   <a:srgbClr val="FFFFFF"/>
                 </a:solidFill>
-              </a14:hiddenFill>
-            </a:ext>
-            <a:ext uri="{91240B29-F687-4F45-9708-019B960494DF}">
-              <a14:hiddenLine xmlns:a14="http://schemas.microsoft.com/office/drawing/2010/main" w="9525">
-                <a:solidFill>
-                  <a:srgbClr val="000000"/>
-                </a:solidFill>
-                <a:miter lim="800000"/>
-                <a:headEnd/>
-                <a:tailEnd/>
-              </a14:hiddenLine>
-            </a:ext>
-          </a:extLst>
-        </p:spPr>
-      </p:pic>
+                <a:latin typeface="+mj-lt"/>
+                <a:ea typeface="+mj-ea"/>
+                <a:cs typeface="+mj-cs"/>
+              </a:rPr>
+              <a:t>Amazon Machine Learning </a:t>
+            </a:r>
+            <a:br>
+              <a:rPr lang="en-US" kern="1200">
+                <a:solidFill>
+                  <a:srgbClr val="FFFFFF"/>
+                </a:solidFill>
+                <a:latin typeface="+mj-lt"/>
+                <a:ea typeface="+mj-ea"/>
+                <a:cs typeface="+mj-cs"/>
+              </a:rPr>
+            </a:br>
+            <a:r>
+              <a:rPr lang="en-US" kern="1200">
+                <a:solidFill>
+                  <a:srgbClr val="FFFFFF"/>
+                </a:solidFill>
+                <a:latin typeface="+mj-lt"/>
+                <a:ea typeface="+mj-ea"/>
+                <a:cs typeface="+mj-cs"/>
+              </a:rPr>
+              <a:t>(Sagemaker And Machine Learning)</a:t>
+            </a:r>
+          </a:p>
+        </p:txBody>
+      </p:sp>
     </p:spTree>
     <p:extLst>
       <p:ext uri="{BB962C8B-B14F-4D97-AF65-F5344CB8AC3E}">
-        <p14:creationId xmlns:p14="http://schemas.microsoft.com/office/powerpoint/2010/main" val="1681720187"/>
+        <p14:creationId xmlns:p14="http://schemas.microsoft.com/office/powerpoint/2010/main" val="1128190117"/>
       </p:ext>
     </p:extLst>
   </p:cSld>
@@ -6591,7 +6601,7 @@
       </p:grpSpPr>
       <p:sp useBgFill="1">
         <p:nvSpPr>
-          <p:cNvPr id="72" name="Rectangle 71">
+          <p:cNvPr id="8" name="Rectangle 7">
             <a:extLst>
               <a:ext uri="{FF2B5EF4-FFF2-40B4-BE49-F238E27FC236}">
                 <a16:creationId xmlns:a16="http://schemas.microsoft.com/office/drawing/2014/main" id="{3B854194-185D-494D-905C-7C7CB2E30F6E}"/>
@@ -6651,7 +6661,7 @@
       </p:sp>
       <p:sp>
         <p:nvSpPr>
-          <p:cNvPr id="74" name="Rectangle 73">
+          <p:cNvPr id="10" name="Rectangle 9">
             <a:extLst>
               <a:ext uri="{FF2B5EF4-FFF2-40B4-BE49-F238E27FC236}">
                 <a16:creationId xmlns:a16="http://schemas.microsoft.com/office/drawing/2014/main" id="{B4F5FA0D-0104-4987-8241-EFF7C85B88DE}"/>
@@ -6736,7 +6746,7 @@
       </p:sp>
       <p:pic>
         <p:nvPicPr>
-          <p:cNvPr id="76" name="Picture 75">
+          <p:cNvPr id="12" name="Picture 11">
             <a:extLst>
               <a:ext uri="{FF2B5EF4-FFF2-40B4-BE49-F238E27FC236}">
                 <a16:creationId xmlns:a16="http://schemas.microsoft.com/office/drawing/2014/main" id="{2897127E-6CEF-446C-BE87-93B7C46E49D1}"/>
@@ -6781,10 +6791,10 @@
       </p:pic>
       <p:sp>
         <p:nvSpPr>
-          <p:cNvPr id="8194" name="Title 1">
-            <a:extLst>
-              <a:ext uri="{FF2B5EF4-FFF2-40B4-BE49-F238E27FC236}">
-                <a16:creationId xmlns:a16="http://schemas.microsoft.com/office/drawing/2014/main" id="{175676B8-48F3-40E9-BF9B-45F2D27F9810}"/>
+          <p:cNvPr id="2" name="Title 1">
+            <a:extLst>
+              <a:ext uri="{FF2B5EF4-FFF2-40B4-BE49-F238E27FC236}">
+                <a16:creationId xmlns:a16="http://schemas.microsoft.com/office/drawing/2014/main" id="{0644C09D-E96D-4422-A9C2-59985E2A55E8}"/>
               </a:ext>
             </a:extLst>
           </p:cNvPr>
@@ -6808,24 +6818,22 @@
           <a:lstStyle/>
           <a:p>
             <a:r>
-              <a:rPr lang="en-US" altLang="en-US">
+              <a:rPr lang="en-US">
                 <a:solidFill>
                   <a:srgbClr val="FFFFFF"/>
                 </a:solidFill>
-                <a:latin typeface="Helvetica" panose="020B0604020202020204" pitchFamily="34" charset="0"/>
-                <a:ea typeface="ＭＳ Ｐゴシック" panose="020B0600070205080204" pitchFamily="34" charset="-128"/>
               </a:rPr>
-              <a:t>Amazon SageMaker Features</a:t>
-            </a:r>
-          </a:p>
-        </p:txBody>
-      </p:sp>
-      <p:sp>
-        <p:nvSpPr>
-          <p:cNvPr id="8195" name="Content Placeholder 22">
-            <a:extLst>
-              <a:ext uri="{FF2B5EF4-FFF2-40B4-BE49-F238E27FC236}">
-                <a16:creationId xmlns:a16="http://schemas.microsoft.com/office/drawing/2014/main" id="{6217A459-6FBF-4830-AA4E-163D34539509}"/>
+              <a:t>What is Amazon Sagemaker ?</a:t>
+            </a:r>
+          </a:p>
+        </p:txBody>
+      </p:sp>
+      <p:sp>
+        <p:nvSpPr>
+          <p:cNvPr id="3" name="Content Placeholder 2">
+            <a:extLst>
+              <a:ext uri="{FF2B5EF4-FFF2-40B4-BE49-F238E27FC236}">
+                <a16:creationId xmlns:a16="http://schemas.microsoft.com/office/drawing/2014/main" id="{A1CB4AA6-FCF3-4F7C-9899-0C9202C673C1}"/>
               </a:ext>
             </a:extLst>
           </p:cNvPr>
@@ -6838,7 +6846,7 @@
         </p:nvSpPr>
         <p:spPr>
           <a:xfrm>
-            <a:off x="4546343" y="1066800"/>
+            <a:off x="4567930" y="801866"/>
             <a:ext cx="3979563" cy="5230634"/>
           </a:xfrm>
         </p:spPr>
@@ -6848,242 +6856,106 @@
           </a:bodyPr>
           <a:lstStyle/>
           <a:p>
-            <a:pPr marL="0" indent="0">
-              <a:buNone/>
-              <a:defRPr/>
-            </a:pPr>
-            <a:r>
-              <a:rPr lang="en-US" altLang="en-US" sz="1600" b="1" dirty="0">
+            <a:r>
+              <a:rPr lang="en-US" sz="1600" dirty="0">
                 <a:solidFill>
                   <a:srgbClr val="000000"/>
                 </a:solidFill>
-                <a:latin typeface="Helvetica" panose="020B0604020202020204" pitchFamily="34" charset="0"/>
-                <a:ea typeface="ＭＳ Ｐゴシック" panose="020B0600070205080204" pitchFamily="34" charset="-128"/>
               </a:rPr>
-              <a:t>Build</a:t>
-            </a:r>
-          </a:p>
-          <a:p>
-            <a:pPr>
-              <a:defRPr/>
-            </a:pPr>
-            <a:r>
-              <a:rPr lang="en-US" altLang="en-US" sz="1600" dirty="0">
+              <a:t>Amazon </a:t>
+            </a:r>
+            <a:r>
+              <a:rPr lang="en-US" sz="1600" dirty="0" err="1">
                 <a:solidFill>
                   <a:srgbClr val="000000"/>
                 </a:solidFill>
-                <a:latin typeface="Helvetica" panose="020B0604020202020204" pitchFamily="34" charset="0"/>
-                <a:ea typeface="ＭＳ Ｐゴシック" panose="020B0600070205080204" pitchFamily="34" charset="-128"/>
               </a:rPr>
-              <a:t>Build highly accurate training datasets</a:t>
-            </a:r>
-          </a:p>
-          <a:p>
-            <a:pPr>
-              <a:defRPr/>
-            </a:pPr>
-            <a:r>
-              <a:rPr lang="en-US" altLang="en-US" sz="1600" dirty="0">
+              <a:t>Sagemaker</a:t>
+            </a:r>
+            <a:r>
+              <a:rPr lang="en-US" sz="1600" dirty="0">
                 <a:solidFill>
                   <a:srgbClr val="000000"/>
                 </a:solidFill>
-                <a:latin typeface="Helvetica" panose="020B0604020202020204" pitchFamily="34" charset="0"/>
-                <a:ea typeface="ＭＳ Ｐゴシック" panose="020B0600070205080204" pitchFamily="34" charset="-128"/>
               </a:rPr>
-              <a:t>Managed Notebooks for Authoring Models</a:t>
-            </a:r>
-          </a:p>
-          <a:p>
-            <a:pPr>
-              <a:defRPr/>
-            </a:pPr>
-            <a:r>
-              <a:rPr lang="en-US" altLang="en-US" sz="1600" dirty="0">
-                <a:solidFill>
-                  <a:srgbClr val="000000"/>
-                </a:solidFill>
-                <a:latin typeface="Helvetica" panose="020B0604020202020204" pitchFamily="34" charset="0"/>
-                <a:ea typeface="ＭＳ Ｐゴシック" panose="020B0600070205080204" pitchFamily="34" charset="-128"/>
-              </a:rPr>
-              <a:t>Built-in, High Performance Algorithms</a:t>
-            </a:r>
-          </a:p>
-          <a:p>
-            <a:pPr>
-              <a:defRPr/>
-            </a:pPr>
-            <a:r>
-              <a:rPr lang="en-US" altLang="en-US" sz="1600" dirty="0">
-                <a:solidFill>
-                  <a:srgbClr val="000000"/>
-                </a:solidFill>
-                <a:latin typeface="Helvetica" panose="020B0604020202020204" pitchFamily="34" charset="0"/>
-                <a:ea typeface="ＭＳ Ｐゴシック" panose="020B0600070205080204" pitchFamily="34" charset="-128"/>
-              </a:rPr>
-              <a:t>Broad Framework Support</a:t>
-            </a:r>
-          </a:p>
-          <a:p>
-            <a:pPr>
-              <a:defRPr/>
-            </a:pPr>
-            <a:r>
-              <a:rPr lang="en-US" altLang="en-US" sz="1600" dirty="0">
-                <a:solidFill>
-                  <a:srgbClr val="000000"/>
-                </a:solidFill>
-                <a:latin typeface="Helvetica" panose="020B0604020202020204" pitchFamily="34" charset="0"/>
-                <a:ea typeface="ＭＳ Ｐゴシック" panose="020B0600070205080204" pitchFamily="34" charset="-128"/>
-              </a:rPr>
-              <a:t>Broad Framework Support</a:t>
-            </a:r>
-          </a:p>
-          <a:p>
-            <a:pPr marL="0" indent="0">
-              <a:buNone/>
-              <a:defRPr/>
-            </a:pPr>
-            <a:r>
-              <a:rPr lang="en-US" altLang="en-US" sz="1600" b="1" dirty="0">
-                <a:solidFill>
-                  <a:srgbClr val="000000"/>
-                </a:solidFill>
-                <a:latin typeface="Helvetica" panose="020B0604020202020204" pitchFamily="34" charset="0"/>
-                <a:ea typeface="ＭＳ Ｐゴシック" panose="020B0600070205080204" pitchFamily="34" charset="-128"/>
-              </a:rPr>
-              <a:t>Train</a:t>
-            </a:r>
-          </a:p>
-          <a:p>
-            <a:pPr>
-              <a:defRPr/>
-            </a:pPr>
-            <a:r>
-              <a:rPr lang="en-US" altLang="en-US" sz="1600" dirty="0">
-                <a:solidFill>
-                  <a:srgbClr val="000000"/>
-                </a:solidFill>
-                <a:latin typeface="Helvetica" panose="020B0604020202020204" pitchFamily="34" charset="0"/>
-                <a:ea typeface="ＭＳ Ｐゴシック" panose="020B0600070205080204" pitchFamily="34" charset="-128"/>
-              </a:rPr>
-              <a:t>One-click Training</a:t>
-            </a:r>
-          </a:p>
-          <a:p>
-            <a:pPr>
-              <a:defRPr/>
-            </a:pPr>
-            <a:r>
-              <a:rPr lang="en-US" altLang="en-US" sz="1600" dirty="0">
-                <a:solidFill>
-                  <a:srgbClr val="000000"/>
-                </a:solidFill>
-                <a:latin typeface="Helvetica" panose="020B0604020202020204" pitchFamily="34" charset="0"/>
-                <a:ea typeface="ＭＳ Ｐゴシック" panose="020B0600070205080204" pitchFamily="34" charset="-128"/>
-              </a:rPr>
-              <a:t>Automatic Model Tuning Broad Framework Support</a:t>
-            </a:r>
-          </a:p>
-          <a:p>
-            <a:pPr>
-              <a:defRPr/>
-            </a:pPr>
-            <a:r>
-              <a:rPr lang="en-US" altLang="en-US" sz="1600" dirty="0">
-                <a:solidFill>
-                  <a:srgbClr val="000000"/>
-                </a:solidFill>
-                <a:latin typeface="Helvetica" panose="020B0604020202020204" pitchFamily="34" charset="0"/>
-                <a:ea typeface="ＭＳ Ｐゴシック" panose="020B0600070205080204" pitchFamily="34" charset="-128"/>
-              </a:rPr>
-              <a:t>Train Once, Run Anywhere</a:t>
-            </a:r>
-          </a:p>
-          <a:p>
-            <a:pPr marL="0" indent="0">
-              <a:buNone/>
-              <a:defRPr/>
-            </a:pPr>
-            <a:r>
-              <a:rPr lang="en-US" altLang="en-US" sz="1600" b="1" dirty="0">
-                <a:solidFill>
-                  <a:srgbClr val="000000"/>
-                </a:solidFill>
-                <a:latin typeface="Helvetica" panose="020B0604020202020204" pitchFamily="34" charset="0"/>
-                <a:ea typeface="ＭＳ Ｐゴシック" panose="020B0600070205080204" pitchFamily="34" charset="-128"/>
-              </a:rPr>
-              <a:t>Deploy</a:t>
-            </a:r>
-          </a:p>
-          <a:p>
-            <a:pPr>
-              <a:defRPr/>
-            </a:pPr>
-            <a:r>
-              <a:rPr lang="en-US" altLang="en-US" sz="1600" dirty="0">
-                <a:solidFill>
-                  <a:srgbClr val="000000"/>
-                </a:solidFill>
-                <a:latin typeface="Helvetica" panose="020B0604020202020204" pitchFamily="34" charset="0"/>
-                <a:ea typeface="ＭＳ Ｐゴシック" panose="020B0600070205080204" pitchFamily="34" charset="-128"/>
-              </a:rPr>
-              <a:t>One-click Deployment</a:t>
-            </a:r>
-          </a:p>
-          <a:p>
-            <a:pPr>
-              <a:defRPr/>
-            </a:pPr>
-            <a:r>
-              <a:rPr lang="en-US" altLang="en-US" sz="1600" dirty="0">
-                <a:solidFill>
-                  <a:srgbClr val="000000"/>
-                </a:solidFill>
-                <a:latin typeface="Helvetica" panose="020B0604020202020204" pitchFamily="34" charset="0"/>
-                <a:ea typeface="ＭＳ Ｐゴシック" panose="020B0600070205080204" pitchFamily="34" charset="-128"/>
-              </a:rPr>
-              <a:t>Automatic A/B Testing</a:t>
-            </a:r>
-          </a:p>
-          <a:p>
-            <a:pPr>
-              <a:defRPr/>
-            </a:pPr>
-            <a:r>
-              <a:rPr lang="en-US" altLang="en-US" sz="1600" dirty="0">
-                <a:solidFill>
-                  <a:srgbClr val="000000"/>
-                </a:solidFill>
-                <a:latin typeface="Helvetica" panose="020B0604020202020204" pitchFamily="34" charset="0"/>
-                <a:ea typeface="ＭＳ Ｐゴシック" panose="020B0600070205080204" pitchFamily="34" charset="-128"/>
-              </a:rPr>
-              <a:t>Fully-managed Hosting with Auto Scaling</a:t>
-            </a:r>
-          </a:p>
-          <a:p>
-            <a:pPr marL="0" indent="0">
-              <a:buNone/>
-              <a:defRPr/>
-            </a:pPr>
-            <a:endParaRPr lang="en-US" altLang="en-US" sz="1600" dirty="0">
+              <a:t> is end to end machine learning platform which offers developer workbench to training  process to deployment process</a:t>
+            </a:r>
+          </a:p>
+          <a:p>
+            <a:endParaRPr lang="en-US" sz="1600" dirty="0">
               <a:solidFill>
                 <a:srgbClr val="000000"/>
               </a:solidFill>
-              <a:latin typeface="Helvetica" panose="020B0604020202020204" pitchFamily="34" charset="0"/>
-              <a:ea typeface="ＭＳ Ｐゴシック" panose="020B0600070205080204" pitchFamily="34" charset="-128"/>
             </a:endParaRPr>
           </a:p>
           <a:p>
-            <a:pPr marL="0" indent="0">
-              <a:buNone/>
-              <a:defRPr/>
-            </a:pPr>
-            <a:endParaRPr lang="en-US" altLang="en-US" sz="1600" dirty="0">
+            <a:r>
+              <a:rPr lang="en-US" sz="1600" dirty="0">
+                <a:solidFill>
+                  <a:srgbClr val="000000"/>
+                </a:solidFill>
+              </a:rPr>
+              <a:t>It gives you powerful GPU to run your model and provides different learning platform like TensorFlow ,</a:t>
+            </a:r>
+            <a:r>
+              <a:rPr lang="en-US" sz="1600" dirty="0" err="1">
+                <a:solidFill>
+                  <a:srgbClr val="000000"/>
+                </a:solidFill>
+              </a:rPr>
+              <a:t>pytorch</a:t>
+            </a:r>
+            <a:endParaRPr lang="en-US" sz="1600" dirty="0">
               <a:solidFill>
                 <a:srgbClr val="000000"/>
               </a:solidFill>
-              <a:latin typeface="Helvetica" panose="020B0604020202020204" pitchFamily="34" charset="0"/>
-              <a:ea typeface="ＭＳ Ｐゴシック" panose="020B0600070205080204" pitchFamily="34" charset="-128"/>
+            </a:endParaRPr>
+          </a:p>
+          <a:p>
+            <a:pPr marL="0" indent="0">
+              <a:buNone/>
+            </a:pPr>
+            <a:endParaRPr lang="en-US" sz="1600" dirty="0">
+              <a:solidFill>
+                <a:srgbClr val="000000"/>
+              </a:solidFill>
+            </a:endParaRPr>
+          </a:p>
+          <a:p>
+            <a:r>
+              <a:rPr lang="en-US" sz="1600" dirty="0">
+                <a:solidFill>
+                  <a:srgbClr val="000000"/>
+                </a:solidFill>
+              </a:rPr>
+              <a:t>Hugh  choice of different machine learning algorithm and Integrated Juypter Notebook</a:t>
+            </a:r>
+          </a:p>
+          <a:p>
+            <a:endParaRPr lang="en-US" sz="1600" dirty="0">
+              <a:solidFill>
+                <a:srgbClr val="000000"/>
+              </a:solidFill>
+            </a:endParaRPr>
+          </a:p>
+          <a:p>
+            <a:r>
+              <a:rPr lang="en-US" sz="1600" dirty="0">
+                <a:solidFill>
+                  <a:srgbClr val="000000"/>
+                </a:solidFill>
+              </a:rPr>
+              <a:t>Experience of  whole machine learning process   in your continuous pipeline and part of automatic setup when you add data every time it will make your model better and better</a:t>
+            </a:r>
+          </a:p>
+          <a:p>
+            <a:pPr marL="0" indent="0">
+              <a:buNone/>
+            </a:pPr>
+            <a:endParaRPr lang="en-US" sz="1600" dirty="0">
+              <a:solidFill>
+                <a:srgbClr val="000000"/>
+              </a:solidFill>
             </a:endParaRPr>
           </a:p>
         </p:txBody>
@@ -7091,7 +6963,7 @@
     </p:spTree>
     <p:extLst>
       <p:ext uri="{BB962C8B-B14F-4D97-AF65-F5344CB8AC3E}">
-        <p14:creationId xmlns:p14="http://schemas.microsoft.com/office/powerpoint/2010/main" val="1352564428"/>
+        <p14:creationId xmlns:p14="http://schemas.microsoft.com/office/powerpoint/2010/main" val="3388786408"/>
       </p:ext>
     </p:extLst>
   </p:cSld>
@@ -7102,6 +6974,233 @@
 </file>
 
 <file path=ppt/slides/slide12.xml><?xml version="1.0" encoding="utf-8"?>
+<p:sld xmlns:a="http://schemas.openxmlformats.org/drawingml/2006/main" xmlns:r="http://schemas.openxmlformats.org/officeDocument/2006/relationships" xmlns:p="http://schemas.openxmlformats.org/presentationml/2006/main">
+  <p:cSld>
+    <p:spTree>
+      <p:nvGrpSpPr>
+        <p:cNvPr id="1" name=""/>
+        <p:cNvGrpSpPr/>
+        <p:nvPr/>
+      </p:nvGrpSpPr>
+      <p:grpSpPr>
+        <a:xfrm>
+          <a:off x="0" y="0"/>
+          <a:ext cx="0" cy="0"/>
+          <a:chOff x="0" y="0"/>
+          <a:chExt cx="0" cy="0"/>
+        </a:xfrm>
+      </p:grpSpPr>
+      <p:sp>
+        <p:nvSpPr>
+          <p:cNvPr id="8194" name="Title 1">
+            <a:extLst>
+              <a:ext uri="{FF2B5EF4-FFF2-40B4-BE49-F238E27FC236}">
+                <a16:creationId xmlns:a16="http://schemas.microsoft.com/office/drawing/2014/main" id="{175676B8-48F3-40E9-BF9B-45F2D27F9810}"/>
+              </a:ext>
+            </a:extLst>
+          </p:cNvPr>
+          <p:cNvSpPr>
+            <a:spLocks noGrp="1"/>
+          </p:cNvSpPr>
+          <p:nvPr>
+            <p:ph type="title"/>
+          </p:nvPr>
+        </p:nvSpPr>
+        <p:spPr>
+          <a:xfrm>
+            <a:off x="409575" y="762000"/>
+            <a:ext cx="7886700" cy="993775"/>
+          </a:xfrm>
+        </p:spPr>
+        <p:txBody>
+          <a:bodyPr/>
+          <a:lstStyle/>
+          <a:p>
+            <a:pPr algn="l"/>
+            <a:r>
+              <a:rPr lang="en-US" altLang="en-US" sz="3200" dirty="0">
+                <a:latin typeface="Helvetica" panose="020B0604020202020204" pitchFamily="34" charset="0"/>
+                <a:ea typeface="ＭＳ Ｐゴシック" panose="020B0600070205080204" pitchFamily="34" charset="-128"/>
+              </a:rPr>
+              <a:t>Pipeline</a:t>
+            </a:r>
+          </a:p>
+        </p:txBody>
+      </p:sp>
+      <p:sp>
+        <p:nvSpPr>
+          <p:cNvPr id="8195" name="Content Placeholder 22">
+            <a:extLst>
+              <a:ext uri="{FF2B5EF4-FFF2-40B4-BE49-F238E27FC236}">
+                <a16:creationId xmlns:a16="http://schemas.microsoft.com/office/drawing/2014/main" id="{6217A459-6FBF-4830-AA4E-163D34539509}"/>
+              </a:ext>
+            </a:extLst>
+          </p:cNvPr>
+          <p:cNvSpPr>
+            <a:spLocks noGrp="1"/>
+          </p:cNvSpPr>
+          <p:nvPr>
+            <p:ph idx="1"/>
+          </p:nvPr>
+        </p:nvSpPr>
+        <p:spPr>
+          <a:xfrm>
+            <a:off x="404813" y="1447800"/>
+            <a:ext cx="8510587" cy="5257800"/>
+          </a:xfrm>
+        </p:spPr>
+        <p:txBody>
+          <a:bodyPr/>
+          <a:lstStyle/>
+          <a:p>
+            <a:pPr>
+              <a:defRPr/>
+            </a:pPr>
+            <a:endParaRPr lang="en-US" altLang="en-US" sz="2400" dirty="0">
+              <a:latin typeface="Helvetica" panose="020B0604020202020204" pitchFamily="34" charset="0"/>
+              <a:ea typeface="ＭＳ Ｐゴシック" panose="020B0600070205080204" pitchFamily="34" charset="-128"/>
+            </a:endParaRPr>
+          </a:p>
+          <a:p>
+            <a:pPr marL="0" indent="0">
+              <a:buFont typeface="Arial" panose="020B0604020202020204" pitchFamily="34" charset="0"/>
+              <a:buNone/>
+              <a:defRPr/>
+            </a:pPr>
+            <a:endParaRPr lang="en-US" altLang="en-US" sz="800" dirty="0">
+              <a:latin typeface="Helvetica" panose="020B0604020202020204" pitchFamily="34" charset="0"/>
+              <a:ea typeface="ＭＳ Ｐゴシック" panose="020B0600070205080204" pitchFamily="34" charset="-128"/>
+              <a:hlinkClick r:id="rId2"/>
+            </a:endParaRPr>
+          </a:p>
+          <a:p>
+            <a:pPr marL="0" indent="0">
+              <a:buFont typeface="Arial" panose="020B0604020202020204" pitchFamily="34" charset="0"/>
+              <a:buNone/>
+              <a:defRPr/>
+            </a:pPr>
+            <a:endParaRPr lang="en-US" altLang="en-US" sz="2000" dirty="0">
+              <a:latin typeface="Helvetica" panose="020B0604020202020204" pitchFamily="34" charset="0"/>
+              <a:ea typeface="ＭＳ Ｐゴシック" panose="020B0600070205080204" pitchFamily="34" charset="-128"/>
+            </a:endParaRPr>
+          </a:p>
+          <a:p>
+            <a:pPr lvl="1">
+              <a:defRPr/>
+            </a:pPr>
+            <a:endParaRPr lang="en-US" altLang="en-US" sz="2000" dirty="0">
+              <a:latin typeface="Helvetica" panose="020B0604020202020204" pitchFamily="34" charset="0"/>
+              <a:ea typeface="ＭＳ Ｐゴシック" panose="020B0600070205080204" pitchFamily="34" charset="-128"/>
+            </a:endParaRPr>
+          </a:p>
+        </p:txBody>
+      </p:sp>
+      <p:cxnSp>
+        <p:nvCxnSpPr>
+          <p:cNvPr id="14" name="Straight Arrow Connector 13">
+            <a:extLst>
+              <a:ext uri="{FF2B5EF4-FFF2-40B4-BE49-F238E27FC236}">
+                <a16:creationId xmlns:a16="http://schemas.microsoft.com/office/drawing/2014/main" id="{82147137-FA1A-466C-9E02-A653CA1E3BA4}"/>
+              </a:ext>
+            </a:extLst>
+          </p:cNvPr>
+          <p:cNvCxnSpPr/>
+          <p:nvPr/>
+        </p:nvCxnSpPr>
+        <p:spPr>
+          <a:xfrm>
+            <a:off x="2724150" y="5543550"/>
+            <a:ext cx="719138" cy="0"/>
+          </a:xfrm>
+          <a:prstGeom prst="straightConnector1">
+            <a:avLst/>
+          </a:prstGeom>
+          <a:ln w="57150">
+            <a:tailEnd type="triangle"/>
+          </a:ln>
+        </p:spPr>
+        <p:style>
+          <a:lnRef idx="2">
+            <a:schemeClr val="accent1"/>
+          </a:lnRef>
+          <a:fillRef idx="0">
+            <a:schemeClr val="accent1"/>
+          </a:fillRef>
+          <a:effectRef idx="1">
+            <a:schemeClr val="accent1"/>
+          </a:effectRef>
+          <a:fontRef idx="minor">
+            <a:schemeClr val="tx1"/>
+          </a:fontRef>
+        </p:style>
+      </p:cxnSp>
+      <p:pic>
+        <p:nvPicPr>
+          <p:cNvPr id="7" name="Content Placeholder 5">
+            <a:extLst>
+              <a:ext uri="{FF2B5EF4-FFF2-40B4-BE49-F238E27FC236}">
+                <a16:creationId xmlns:a16="http://schemas.microsoft.com/office/drawing/2014/main" id="{236E0F5D-69C7-49CE-A3D7-DF5019185E41}"/>
+              </a:ext>
+            </a:extLst>
+          </p:cNvPr>
+          <p:cNvPicPr>
+            <a:picLocks noChangeAspect="1"/>
+          </p:cNvPicPr>
+          <p:nvPr/>
+        </p:nvPicPr>
+        <p:blipFill>
+          <a:blip r:embed="rId3"/>
+          <a:stretch>
+            <a:fillRect/>
+          </a:stretch>
+        </p:blipFill>
+        <p:spPr bwMode="auto">
+          <a:xfrm>
+            <a:off x="274952" y="1755775"/>
+            <a:ext cx="8699853" cy="3962400"/>
+          </a:xfrm>
+          <a:prstGeom prst="rect">
+            <a:avLst/>
+          </a:prstGeom>
+          <a:noFill/>
+          <a:ln>
+            <a:noFill/>
+          </a:ln>
+          <a:extLst>
+            <a:ext uri="{909E8E84-426E-40DD-AFC4-6F175D3DCCD1}">
+              <a14:hiddenFill xmlns:a14="http://schemas.microsoft.com/office/drawing/2010/main">
+                <a:solidFill>
+                  <a:srgbClr val="FFFFFF"/>
+                </a:solidFill>
+              </a14:hiddenFill>
+            </a:ext>
+            <a:ext uri="{91240B29-F687-4F45-9708-019B960494DF}">
+              <a14:hiddenLine xmlns:a14="http://schemas.microsoft.com/office/drawing/2010/main" w="9525">
+                <a:solidFill>
+                  <a:srgbClr val="000000"/>
+                </a:solidFill>
+                <a:miter lim="800000"/>
+                <a:headEnd/>
+                <a:tailEnd/>
+              </a14:hiddenLine>
+            </a:ext>
+          </a:extLst>
+        </p:spPr>
+      </p:pic>
+    </p:spTree>
+    <p:extLst>
+      <p:ext uri="{BB962C8B-B14F-4D97-AF65-F5344CB8AC3E}">
+        <p14:creationId xmlns:p14="http://schemas.microsoft.com/office/powerpoint/2010/main" val="1681720187"/>
+      </p:ext>
+    </p:extLst>
+  </p:cSld>
+  <p:clrMapOvr>
+    <a:masterClrMapping/>
+  </p:clrMapOvr>
+</p:sld>
+</file>
+
+<file path=ppt/slides/slide13.xml><?xml version="1.0" encoding="utf-8"?>
 <p:sld xmlns:a="http://schemas.openxmlformats.org/drawingml/2006/main" xmlns:r="http://schemas.openxmlformats.org/officeDocument/2006/relationships" xmlns:p="http://schemas.openxmlformats.org/presentationml/2006/main">
   <p:cSld>
     <p:bg>
@@ -7352,7 +7451,7 @@
                 <a:latin typeface="Helvetica" panose="020B0604020202020204" pitchFamily="34" charset="0"/>
                 <a:ea typeface="ＭＳ Ｐゴシック" panose="020B0600070205080204" pitchFamily="34" charset="-128"/>
               </a:rPr>
-              <a:t>Amazon SageMaker Demo</a:t>
+              <a:t>Amazon SageMaker Features</a:t>
             </a:r>
           </a:p>
         </p:txBody>
@@ -7375,7 +7474,7 @@
         </p:nvSpPr>
         <p:spPr>
           <a:xfrm>
-            <a:off x="4567930" y="801866"/>
+            <a:off x="4546343" y="1066800"/>
             <a:ext cx="3979563" cy="5230634"/>
           </a:xfrm>
         </p:spPr>
@@ -7389,7 +7488,190 @@
               <a:buNone/>
               <a:defRPr/>
             </a:pPr>
-            <a:endParaRPr lang="en-US" altLang="en-US">
+            <a:r>
+              <a:rPr lang="en-US" altLang="en-US" sz="1600" b="1" dirty="0">
+                <a:solidFill>
+                  <a:srgbClr val="000000"/>
+                </a:solidFill>
+                <a:latin typeface="Helvetica" panose="020B0604020202020204" pitchFamily="34" charset="0"/>
+                <a:ea typeface="ＭＳ Ｐゴシック" panose="020B0600070205080204" pitchFamily="34" charset="-128"/>
+              </a:rPr>
+              <a:t>Build</a:t>
+            </a:r>
+          </a:p>
+          <a:p>
+            <a:pPr>
+              <a:defRPr/>
+            </a:pPr>
+            <a:r>
+              <a:rPr lang="en-US" altLang="en-US" sz="1600" dirty="0">
+                <a:solidFill>
+                  <a:srgbClr val="000000"/>
+                </a:solidFill>
+                <a:latin typeface="Helvetica" panose="020B0604020202020204" pitchFamily="34" charset="0"/>
+                <a:ea typeface="ＭＳ Ｐゴシック" panose="020B0600070205080204" pitchFamily="34" charset="-128"/>
+              </a:rPr>
+              <a:t>Build highly accurate training datasets</a:t>
+            </a:r>
+          </a:p>
+          <a:p>
+            <a:pPr>
+              <a:defRPr/>
+            </a:pPr>
+            <a:r>
+              <a:rPr lang="en-US" altLang="en-US" sz="1600" dirty="0">
+                <a:solidFill>
+                  <a:srgbClr val="000000"/>
+                </a:solidFill>
+                <a:latin typeface="Helvetica" panose="020B0604020202020204" pitchFamily="34" charset="0"/>
+                <a:ea typeface="ＭＳ Ｐゴシック" panose="020B0600070205080204" pitchFamily="34" charset="-128"/>
+              </a:rPr>
+              <a:t>Managed Notebooks for Authoring Models</a:t>
+            </a:r>
+          </a:p>
+          <a:p>
+            <a:pPr>
+              <a:defRPr/>
+            </a:pPr>
+            <a:r>
+              <a:rPr lang="en-US" altLang="en-US" sz="1600" dirty="0">
+                <a:solidFill>
+                  <a:srgbClr val="000000"/>
+                </a:solidFill>
+                <a:latin typeface="Helvetica" panose="020B0604020202020204" pitchFamily="34" charset="0"/>
+                <a:ea typeface="ＭＳ Ｐゴシック" panose="020B0600070205080204" pitchFamily="34" charset="-128"/>
+              </a:rPr>
+              <a:t>Built-in, High Performance Algorithms</a:t>
+            </a:r>
+          </a:p>
+          <a:p>
+            <a:pPr>
+              <a:defRPr/>
+            </a:pPr>
+            <a:r>
+              <a:rPr lang="en-US" altLang="en-US" sz="1600" dirty="0">
+                <a:solidFill>
+                  <a:srgbClr val="000000"/>
+                </a:solidFill>
+                <a:latin typeface="Helvetica" panose="020B0604020202020204" pitchFamily="34" charset="0"/>
+                <a:ea typeface="ＭＳ Ｐゴシック" panose="020B0600070205080204" pitchFamily="34" charset="-128"/>
+              </a:rPr>
+              <a:t>Broad Framework Support</a:t>
+            </a:r>
+          </a:p>
+          <a:p>
+            <a:pPr marL="0" indent="0">
+              <a:buNone/>
+              <a:defRPr/>
+            </a:pPr>
+            <a:r>
+              <a:rPr lang="en-US" altLang="en-US" sz="1600" b="1" dirty="0">
+                <a:solidFill>
+                  <a:srgbClr val="000000"/>
+                </a:solidFill>
+                <a:latin typeface="Helvetica" panose="020B0604020202020204" pitchFamily="34" charset="0"/>
+                <a:ea typeface="ＭＳ Ｐゴシック" panose="020B0600070205080204" pitchFamily="34" charset="-128"/>
+              </a:rPr>
+              <a:t>Train</a:t>
+            </a:r>
+          </a:p>
+          <a:p>
+            <a:pPr>
+              <a:defRPr/>
+            </a:pPr>
+            <a:r>
+              <a:rPr lang="en-US" altLang="en-US" sz="1600" dirty="0">
+                <a:solidFill>
+                  <a:srgbClr val="000000"/>
+                </a:solidFill>
+                <a:latin typeface="Helvetica" panose="020B0604020202020204" pitchFamily="34" charset="0"/>
+                <a:ea typeface="ＭＳ Ｐゴシック" panose="020B0600070205080204" pitchFamily="34" charset="-128"/>
+              </a:rPr>
+              <a:t>One-click Training</a:t>
+            </a:r>
+          </a:p>
+          <a:p>
+            <a:pPr>
+              <a:defRPr/>
+            </a:pPr>
+            <a:r>
+              <a:rPr lang="en-US" altLang="en-US" sz="1600" dirty="0">
+                <a:solidFill>
+                  <a:srgbClr val="000000"/>
+                </a:solidFill>
+                <a:latin typeface="Helvetica" panose="020B0604020202020204" pitchFamily="34" charset="0"/>
+                <a:ea typeface="ＭＳ Ｐゴシック" panose="020B0600070205080204" pitchFamily="34" charset="-128"/>
+              </a:rPr>
+              <a:t>Automatic Model Tuning Broad Framework Support</a:t>
+            </a:r>
+          </a:p>
+          <a:p>
+            <a:pPr>
+              <a:defRPr/>
+            </a:pPr>
+            <a:r>
+              <a:rPr lang="en-US" altLang="en-US" sz="1600" dirty="0">
+                <a:solidFill>
+                  <a:srgbClr val="000000"/>
+                </a:solidFill>
+                <a:latin typeface="Helvetica" panose="020B0604020202020204" pitchFamily="34" charset="0"/>
+                <a:ea typeface="ＭＳ Ｐゴシック" panose="020B0600070205080204" pitchFamily="34" charset="-128"/>
+              </a:rPr>
+              <a:t>Train Once, Run Anywhere</a:t>
+            </a:r>
+          </a:p>
+          <a:p>
+            <a:pPr marL="0" indent="0">
+              <a:buNone/>
+              <a:defRPr/>
+            </a:pPr>
+            <a:r>
+              <a:rPr lang="en-US" altLang="en-US" sz="1600" b="1" dirty="0">
+                <a:solidFill>
+                  <a:srgbClr val="000000"/>
+                </a:solidFill>
+                <a:latin typeface="Helvetica" panose="020B0604020202020204" pitchFamily="34" charset="0"/>
+                <a:ea typeface="ＭＳ Ｐゴシック" panose="020B0600070205080204" pitchFamily="34" charset="-128"/>
+              </a:rPr>
+              <a:t>Deploy</a:t>
+            </a:r>
+          </a:p>
+          <a:p>
+            <a:pPr>
+              <a:defRPr/>
+            </a:pPr>
+            <a:r>
+              <a:rPr lang="en-US" altLang="en-US" sz="1600" dirty="0">
+                <a:solidFill>
+                  <a:srgbClr val="000000"/>
+                </a:solidFill>
+                <a:latin typeface="Helvetica" panose="020B0604020202020204" pitchFamily="34" charset="0"/>
+                <a:ea typeface="ＭＳ Ｐゴシック" panose="020B0600070205080204" pitchFamily="34" charset="-128"/>
+              </a:rPr>
+              <a:t>One-click Deployment</a:t>
+            </a:r>
+          </a:p>
+          <a:p>
+            <a:pPr>
+              <a:defRPr/>
+            </a:pPr>
+            <a:r>
+              <a:rPr lang="en-US" altLang="en-US" sz="1600" dirty="0">
+                <a:solidFill>
+                  <a:srgbClr val="000000"/>
+                </a:solidFill>
+                <a:latin typeface="Helvetica" panose="020B0604020202020204" pitchFamily="34" charset="0"/>
+                <a:ea typeface="ＭＳ Ｐゴシック" panose="020B0600070205080204" pitchFamily="34" charset="-128"/>
+              </a:rPr>
+              <a:t>Fully-managed Hosting with Auto Scaling</a:t>
+            </a:r>
+          </a:p>
+          <a:p>
+            <a:pPr marL="0" indent="0">
+              <a:buNone/>
+              <a:defRPr/>
+            </a:pPr>
+            <a:endParaRPr lang="en-US" altLang="en-US" sz="1600" dirty="0">
               <a:solidFill>
                 <a:srgbClr val="000000"/>
               </a:solidFill>
@@ -7397,12 +7679,25 @@
               <a:ea typeface="ＭＳ Ｐゴシック" panose="020B0600070205080204" pitchFamily="34" charset="-128"/>
             </a:endParaRPr>
           </a:p>
+          <a:p>
+            <a:pPr marL="0" indent="0">
+              <a:buNone/>
+              <a:defRPr/>
+            </a:pPr>
+            <a:endParaRPr lang="en-US" altLang="en-US" sz="1600" dirty="0">
+              <a:solidFill>
+                <a:srgbClr val="000000"/>
+              </a:solidFill>
+              <a:latin typeface="Helvetica" panose="020B0604020202020204" pitchFamily="34" charset="0"/>
+              <a:ea typeface="ＭＳ Ｐゴシック" panose="020B0600070205080204" pitchFamily="34" charset="-128"/>
+            </a:endParaRPr>
+          </a:p>
         </p:txBody>
       </p:sp>
     </p:spTree>
     <p:extLst>
       <p:ext uri="{BB962C8B-B14F-4D97-AF65-F5344CB8AC3E}">
-        <p14:creationId xmlns:p14="http://schemas.microsoft.com/office/powerpoint/2010/main" val="3900320737"/>
+        <p14:creationId xmlns:p14="http://schemas.microsoft.com/office/powerpoint/2010/main" val="1352564428"/>
       </p:ext>
     </p:extLst>
   </p:cSld>
@@ -7412,7 +7707,255 @@
 </p:sld>
 </file>
 
-<file path=ppt/slides/slide13.xml><?xml version="1.0" encoding="utf-8"?>
+<file path=ppt/slides/slide14.xml><?xml version="1.0" encoding="utf-8"?>
+<p:sld xmlns:a="http://schemas.openxmlformats.org/drawingml/2006/main" xmlns:r="http://schemas.openxmlformats.org/officeDocument/2006/relationships" xmlns:p="http://schemas.openxmlformats.org/presentationml/2006/main">
+  <p:cSld>
+    <p:bg>
+      <p:bgPr>
+        <a:solidFill>
+          <a:schemeClr val="bg1"/>
+        </a:solidFill>
+        <a:effectLst/>
+      </p:bgPr>
+    </p:bg>
+    <p:spTree>
+      <p:nvGrpSpPr>
+        <p:cNvPr id="1" name=""/>
+        <p:cNvGrpSpPr/>
+        <p:nvPr/>
+      </p:nvGrpSpPr>
+      <p:grpSpPr>
+        <a:xfrm>
+          <a:off x="0" y="0"/>
+          <a:ext cx="0" cy="0"/>
+          <a:chOff x="0" y="0"/>
+          <a:chExt cx="0" cy="0"/>
+        </a:xfrm>
+      </p:grpSpPr>
+      <p:sp>
+        <p:nvSpPr>
+          <p:cNvPr id="7" name="Rectangle 6">
+            <a:extLst>
+              <a:ext uri="{FF2B5EF4-FFF2-40B4-BE49-F238E27FC236}">
+                <a16:creationId xmlns:a16="http://schemas.microsoft.com/office/drawing/2014/main" id="{23962611-DFD5-4092-AAFD-559E3DFCE2C9}"/>
+              </a:ext>
+              <a:ext uri="{C183D7F6-B498-43B3-948B-1728B52AA6E4}">
+                <adec:decorative xmlns:adec="http://schemas.microsoft.com/office/drawing/2017/decorative" val="1"/>
+              </a:ext>
+            </a:extLst>
+          </p:cNvPr>
+          <p:cNvSpPr>
+            <a:spLocks noGrp="1" noRot="1" noChangeAspect="1" noMove="1" noResize="1" noEditPoints="1" noAdjustHandles="1" noChangeArrowheads="1" noChangeShapeType="1" noTextEdit="1"/>
+          </p:cNvSpPr>
+          <p:nvPr>
+            <p:extLst>
+              <p:ext uri="{386F3935-93C4-4BCD-93E2-E3B085C9AB24}">
+                <p16:designElem xmlns:p16="http://schemas.microsoft.com/office/powerpoint/2015/main" val="1"/>
+              </p:ext>
+            </p:extLst>
+          </p:nvPr>
+        </p:nvSpPr>
+        <p:spPr>
+          <a:xfrm>
+            <a:off x="356616" y="0"/>
+            <a:ext cx="8182719" cy="6858000"/>
+          </a:xfrm>
+          <a:prstGeom prst="rect">
+            <a:avLst/>
+          </a:prstGeom>
+          <a:gradFill>
+            <a:gsLst>
+              <a:gs pos="0">
+                <a:schemeClr val="accent1">
+                  <a:lumMod val="90000"/>
+                </a:schemeClr>
+              </a:gs>
+              <a:gs pos="25000">
+                <a:schemeClr val="accent1">
+                  <a:lumMod val="90000"/>
+                </a:schemeClr>
+              </a:gs>
+              <a:gs pos="94000">
+                <a:schemeClr val="bg2">
+                  <a:lumMod val="25000"/>
+                </a:schemeClr>
+              </a:gs>
+              <a:gs pos="100000">
+                <a:schemeClr val="bg2">
+                  <a:lumMod val="25000"/>
+                </a:schemeClr>
+              </a:gs>
+            </a:gsLst>
+            <a:lin ang="4200000" scaled="0"/>
+          </a:gradFill>
+          <a:ln>
+            <a:noFill/>
+          </a:ln>
+        </p:spPr>
+        <p:style>
+          <a:lnRef idx="2">
+            <a:schemeClr val="accent1">
+              <a:shade val="50000"/>
+            </a:schemeClr>
+          </a:lnRef>
+          <a:fillRef idx="1">
+            <a:schemeClr val="accent1"/>
+          </a:fillRef>
+          <a:effectRef idx="0">
+            <a:schemeClr val="accent1"/>
+          </a:effectRef>
+          <a:fontRef idx="minor">
+            <a:schemeClr val="lt1"/>
+          </a:fontRef>
+        </p:style>
+        <p:txBody>
+          <a:bodyPr rtlCol="0" anchor="ctr"/>
+          <a:lstStyle/>
+          <a:p>
+            <a:pPr algn="ctr"/>
+            <a:endParaRPr lang="en-US"/>
+          </a:p>
+        </p:txBody>
+      </p:sp>
+      <p:pic>
+        <p:nvPicPr>
+          <p:cNvPr id="9" name="Picture 8">
+            <a:extLst>
+              <a:ext uri="{FF2B5EF4-FFF2-40B4-BE49-F238E27FC236}">
+                <a16:creationId xmlns:a16="http://schemas.microsoft.com/office/drawing/2014/main" id="{2270F1FA-0425-408F-9861-80BF5AFB276D}"/>
+              </a:ext>
+              <a:ext uri="{C183D7F6-B498-43B3-948B-1728B52AA6E4}">
+                <adec:decorative xmlns:adec="http://schemas.microsoft.com/office/drawing/2017/decorative" val="1"/>
+              </a:ext>
+            </a:extLst>
+          </p:cNvPr>
+          <p:cNvPicPr>
+            <a:picLocks noGrp="1" noRot="1" noChangeAspect="1" noMove="1" noResize="1" noEditPoints="1" noAdjustHandles="1" noChangeArrowheads="1" noChangeShapeType="1" noCrop="1"/>
+          </p:cNvPicPr>
+          <p:nvPr>
+            <p:extLst>
+              <p:ext uri="{386F3935-93C4-4BCD-93E2-E3B085C9AB24}">
+                <p16:designElem xmlns:p16="http://schemas.microsoft.com/office/powerpoint/2015/main" val="1"/>
+              </p:ext>
+            </p:extLst>
+          </p:nvPr>
+        </p:nvPicPr>
+        <p:blipFill>
+          <a:blip r:embed="rId2">
+            <a:extLst>
+              <a:ext uri="{28A0092B-C50C-407E-A947-70E740481C1C}">
+                <a14:useLocalDpi xmlns:a14="http://schemas.microsoft.com/office/drawing/2010/main" val="0"/>
+              </a:ext>
+            </a:extLst>
+          </a:blip>
+          <a:stretch>
+            <a:fillRect/>
+          </a:stretch>
+        </p:blipFill>
+        <p:spPr>
+          <a:xfrm>
+            <a:off x="0" y="0"/>
+            <a:ext cx="9144000" cy="6858000"/>
+          </a:xfrm>
+          <a:prstGeom prst="rect">
+            <a:avLst/>
+          </a:prstGeom>
+        </p:spPr>
+      </p:pic>
+      <p:sp>
+        <p:nvSpPr>
+          <p:cNvPr id="2" name="Title 1">
+            <a:extLst>
+              <a:ext uri="{FF2B5EF4-FFF2-40B4-BE49-F238E27FC236}">
+                <a16:creationId xmlns:a16="http://schemas.microsoft.com/office/drawing/2014/main" id="{F2253B85-141F-46A1-8275-678B1C1AAD3F}"/>
+              </a:ext>
+            </a:extLst>
+          </p:cNvPr>
+          <p:cNvSpPr>
+            <a:spLocks noGrp="1"/>
+          </p:cNvSpPr>
+          <p:nvPr>
+            <p:ph type="title"/>
+          </p:nvPr>
+        </p:nvSpPr>
+        <p:spPr>
+          <a:xfrm>
+            <a:off x="2282552" y="2743200"/>
+            <a:ext cx="4578895" cy="2031055"/>
+          </a:xfrm>
+        </p:spPr>
+        <p:txBody>
+          <a:bodyPr vert="horz" lIns="91440" tIns="45720" rIns="91440" bIns="45720" rtlCol="0" anchor="b">
+            <a:normAutofit/>
+          </a:bodyPr>
+          <a:lstStyle/>
+          <a:p>
+            <a:pPr algn="ctr" defTabSz="914400"/>
+            <a:r>
+              <a:rPr lang="en-US" altLang="en-US" sz="4000" dirty="0">
+                <a:solidFill>
+                  <a:srgbClr val="FFFFFF"/>
+                </a:solidFill>
+                <a:latin typeface="Helvetica" panose="020B0604020202020204" pitchFamily="34" charset="0"/>
+                <a:ea typeface="ＭＳ Ｐゴシック" panose="020B0600070205080204" pitchFamily="34" charset="-128"/>
+              </a:rPr>
+              <a:t>Amazon </a:t>
+            </a:r>
+            <a:r>
+              <a:rPr lang="en-US" altLang="en-US" sz="4000" dirty="0" err="1">
+                <a:solidFill>
+                  <a:srgbClr val="FFFFFF"/>
+                </a:solidFill>
+                <a:latin typeface="Helvetica" panose="020B0604020202020204" pitchFamily="34" charset="0"/>
+                <a:ea typeface="ＭＳ Ｐゴシック" panose="020B0600070205080204" pitchFamily="34" charset="-128"/>
+              </a:rPr>
+              <a:t>SageMaker</a:t>
+            </a:r>
+            <a:r>
+              <a:rPr lang="en-US" altLang="en-US" sz="4000" dirty="0">
+                <a:solidFill>
+                  <a:srgbClr val="FFFFFF"/>
+                </a:solidFill>
+                <a:latin typeface="Helvetica" panose="020B0604020202020204" pitchFamily="34" charset="0"/>
+                <a:ea typeface="ＭＳ Ｐゴシック" panose="020B0600070205080204" pitchFamily="34" charset="-128"/>
+              </a:rPr>
+              <a:t> Demo</a:t>
+            </a:r>
+            <a:br>
+              <a:rPr lang="en-US" sz="6000" kern="1200" dirty="0">
+                <a:solidFill>
+                  <a:srgbClr val="FFFFFF"/>
+                </a:solidFill>
+                <a:latin typeface="+mj-lt"/>
+                <a:ea typeface="+mj-ea"/>
+                <a:cs typeface="+mj-cs"/>
+              </a:rPr>
+            </a:br>
+            <a:endParaRPr lang="en-US" sz="6000" kern="1200" dirty="0">
+              <a:solidFill>
+                <a:srgbClr val="FFFFFF"/>
+              </a:solidFill>
+              <a:latin typeface="+mj-lt"/>
+              <a:ea typeface="+mj-ea"/>
+              <a:cs typeface="+mj-cs"/>
+            </a:endParaRPr>
+          </a:p>
+        </p:txBody>
+      </p:sp>
+    </p:spTree>
+    <p:extLst>
+      <p:ext uri="{BB962C8B-B14F-4D97-AF65-F5344CB8AC3E}">
+        <p14:creationId xmlns:p14="http://schemas.microsoft.com/office/powerpoint/2010/main" val="388189407"/>
+      </p:ext>
+    </p:extLst>
+  </p:cSld>
+  <p:clrMapOvr>
+    <a:masterClrMapping/>
+  </p:clrMapOvr>
+</p:sld>
+</file>
+
+<file path=ppt/slides/slide15.xml><?xml version="1.0" encoding="utf-8"?>
 <p:sld xmlns:a="http://schemas.openxmlformats.org/drawingml/2006/main" xmlns:r="http://schemas.openxmlformats.org/officeDocument/2006/relationships" xmlns:p="http://schemas.openxmlformats.org/presentationml/2006/main">
   <p:cSld>
     <p:bg>
@@ -7439,7 +7982,7 @@
       </p:grpSpPr>
       <p:sp useBgFill="1">
         <p:nvSpPr>
-          <p:cNvPr id="72" name="Rectangle 71">
+          <p:cNvPr id="10" name="Rectangle 9">
             <a:extLst>
               <a:ext uri="{FF2B5EF4-FFF2-40B4-BE49-F238E27FC236}">
                 <a16:creationId xmlns:a16="http://schemas.microsoft.com/office/drawing/2014/main" id="{3B854194-185D-494D-905C-7C7CB2E30F6E}"/>
@@ -7499,7 +8042,7 @@
       </p:sp>
       <p:sp>
         <p:nvSpPr>
-          <p:cNvPr id="74" name="Rectangle 73">
+          <p:cNvPr id="12" name="Rectangle 11">
             <a:extLst>
               <a:ext uri="{FF2B5EF4-FFF2-40B4-BE49-F238E27FC236}">
                 <a16:creationId xmlns:a16="http://schemas.microsoft.com/office/drawing/2014/main" id="{B4F5FA0D-0104-4987-8241-EFF7C85B88DE}"/>
@@ -7584,7 +8127,7 @@
       </p:sp>
       <p:pic>
         <p:nvPicPr>
-          <p:cNvPr id="76" name="Picture 75">
+          <p:cNvPr id="14" name="Picture 13">
             <a:extLst>
               <a:ext uri="{FF2B5EF4-FFF2-40B4-BE49-F238E27FC236}">
                 <a16:creationId xmlns:a16="http://schemas.microsoft.com/office/drawing/2014/main" id="{2897127E-6CEF-446C-BE87-93B7C46E49D1}"/>
@@ -7629,10 +8172,10 @@
       </p:pic>
       <p:sp>
         <p:nvSpPr>
-          <p:cNvPr id="8194" name="Title 1">
-            <a:extLst>
-              <a:ext uri="{FF2B5EF4-FFF2-40B4-BE49-F238E27FC236}">
-                <a16:creationId xmlns:a16="http://schemas.microsoft.com/office/drawing/2014/main" id="{175676B8-48F3-40E9-BF9B-45F2D27F9810}"/>
+          <p:cNvPr id="4" name="Title 3">
+            <a:extLst>
+              <a:ext uri="{FF2B5EF4-FFF2-40B4-BE49-F238E27FC236}">
+                <a16:creationId xmlns:a16="http://schemas.microsoft.com/office/drawing/2014/main" id="{4A958A08-B7C3-406B-A603-3D69D057AABA}"/>
               </a:ext>
             </a:extLst>
           </p:cNvPr>
@@ -7656,24 +8199,22 @@
           <a:lstStyle/>
           <a:p>
             <a:r>
-              <a:rPr lang="en-US" altLang="en-US">
+              <a:rPr lang="en-US">
                 <a:solidFill>
                   <a:srgbClr val="FFFFFF"/>
                 </a:solidFill>
-                <a:latin typeface="Helvetica" panose="020B0604020202020204" pitchFamily="34" charset="0"/>
-                <a:ea typeface="ＭＳ Ｐゴシック" panose="020B0600070205080204" pitchFamily="34" charset="-128"/>
               </a:rPr>
-              <a:t>AutoML Services</a:t>
-            </a:r>
-          </a:p>
-        </p:txBody>
-      </p:sp>
-      <p:sp>
-        <p:nvSpPr>
-          <p:cNvPr id="8195" name="Content Placeholder 22">
-            <a:extLst>
-              <a:ext uri="{FF2B5EF4-FFF2-40B4-BE49-F238E27FC236}">
-                <a16:creationId xmlns:a16="http://schemas.microsoft.com/office/drawing/2014/main" id="{6217A459-6FBF-4830-AA4E-163D34539509}"/>
+              <a:t>Amazon Machine Learning</a:t>
+            </a:r>
+          </a:p>
+        </p:txBody>
+      </p:sp>
+      <p:sp>
+        <p:nvSpPr>
+          <p:cNvPr id="5" name="Content Placeholder 4">
+            <a:extLst>
+              <a:ext uri="{FF2B5EF4-FFF2-40B4-BE49-F238E27FC236}">
+                <a16:creationId xmlns:a16="http://schemas.microsoft.com/office/drawing/2014/main" id="{D5D8F075-F86F-4FAA-82A2-F9E4D645ACEF}"/>
               </a:ext>
             </a:extLst>
           </p:cNvPr>
@@ -7696,118 +8237,47 @@
           </a:bodyPr>
           <a:lstStyle/>
           <a:p>
-            <a:pPr fontAlgn="base"/>
-            <a:r>
-              <a:rPr lang="en-US" sz="1600">
+            <a:r>
+              <a:rPr lang="en-US" sz="1800">
                 <a:solidFill>
                   <a:srgbClr val="000000"/>
                 </a:solidFill>
-                <a:latin typeface="Helvetica" panose="020B0604020202020204" pitchFamily="34" charset="0"/>
-                <a:cs typeface="Helvetica" panose="020B0604020202020204" pitchFamily="34" charset="0"/>
               </a:rPr>
-              <a:t>AutoML provides methods and processes to make Machine Learning available for non-Machine Learning experts, to improve efficiency of Machine Learning and to accelerate research on Machine Learning</a:t>
-            </a:r>
-          </a:p>
-          <a:p>
-            <a:pPr marL="0" indent="0">
-              <a:buNone/>
-            </a:pPr>
-            <a:endParaRPr lang="en-US" sz="1600">
+              <a:t> Amazon Machine Learning (Amazon ML) is a robust, cloud-based service that makes it easy for developers of all skill levels to use machine learning technology</a:t>
+            </a:r>
+          </a:p>
+          <a:p>
+            <a:endParaRPr lang="en-US" sz="1800">
               <a:solidFill>
                 <a:srgbClr val="000000"/>
               </a:solidFill>
-              <a:latin typeface="Helvetica" panose="020B0604020202020204" pitchFamily="34" charset="0"/>
-              <a:cs typeface="Helvetica" panose="020B0604020202020204" pitchFamily="34" charset="0"/>
             </a:endParaRPr>
           </a:p>
           <a:p>
             <a:r>
-              <a:rPr lang="en-US" sz="1600">
+              <a:rPr lang="en-US" sz="1800">
                 <a:solidFill>
                   <a:srgbClr val="000000"/>
                 </a:solidFill>
-                <a:latin typeface="Helvetica" panose="020B0604020202020204" pitchFamily="34" charset="0"/>
-                <a:cs typeface="Helvetica" panose="020B0604020202020204" pitchFamily="34" charset="0"/>
               </a:rPr>
-              <a:t>AutoML helps us in automating tasks whose complexity can often baffle non-ML experts, like :</a:t>
-            </a:r>
-          </a:p>
-          <a:p>
-            <a:pPr lvl="1" fontAlgn="base"/>
-            <a:r>
-              <a:rPr lang="en-US" sz="1600">
+              <a:t>Amazon ML provides visualization tools and wizards that guide you through the process of creating machine learning (ML) models without having to learn complex ML algorithms and technology</a:t>
+            </a:r>
+          </a:p>
+          <a:p>
+            <a:endParaRPr lang="en-US" sz="1800">
+              <a:solidFill>
+                <a:srgbClr val="000000"/>
+              </a:solidFill>
+            </a:endParaRPr>
+          </a:p>
+          <a:p>
+            <a:r>
+              <a:rPr lang="en-US" sz="1800">
                 <a:solidFill>
                   <a:srgbClr val="000000"/>
                 </a:solidFill>
-                <a:latin typeface="Helvetica" panose="020B0604020202020204" pitchFamily="34" charset="0"/>
-                <a:cs typeface="Helvetica" panose="020B0604020202020204" pitchFamily="34" charset="0"/>
               </a:rPr>
-              <a:t>Preprocess and clean the data.</a:t>
-            </a:r>
-          </a:p>
-          <a:p>
-            <a:pPr lvl="1" fontAlgn="base"/>
-            <a:r>
-              <a:rPr lang="en-US" sz="1600">
-                <a:solidFill>
-                  <a:srgbClr val="000000"/>
-                </a:solidFill>
-                <a:latin typeface="Helvetica" panose="020B0604020202020204" pitchFamily="34" charset="0"/>
-                <a:cs typeface="Helvetica" panose="020B0604020202020204" pitchFamily="34" charset="0"/>
-              </a:rPr>
-              <a:t>Select and construct appropriate features.</a:t>
-            </a:r>
-          </a:p>
-          <a:p>
-            <a:pPr lvl="1" fontAlgn="base"/>
-            <a:r>
-              <a:rPr lang="en-US" sz="1600">
-                <a:solidFill>
-                  <a:srgbClr val="000000"/>
-                </a:solidFill>
-                <a:latin typeface="Helvetica" panose="020B0604020202020204" pitchFamily="34" charset="0"/>
-                <a:cs typeface="Helvetica" panose="020B0604020202020204" pitchFamily="34" charset="0"/>
-              </a:rPr>
-              <a:t>Select an appropriate model family.</a:t>
-            </a:r>
-          </a:p>
-          <a:p>
-            <a:pPr lvl="1" fontAlgn="base"/>
-            <a:r>
-              <a:rPr lang="en-US" sz="1600">
-                <a:solidFill>
-                  <a:srgbClr val="000000"/>
-                </a:solidFill>
-                <a:latin typeface="Helvetica" panose="020B0604020202020204" pitchFamily="34" charset="0"/>
-                <a:cs typeface="Helvetica" panose="020B0604020202020204" pitchFamily="34" charset="0"/>
-              </a:rPr>
-              <a:t>Optimize model hyperparameters.</a:t>
-            </a:r>
-          </a:p>
-          <a:p>
-            <a:pPr lvl="1" fontAlgn="base"/>
-            <a:r>
-              <a:rPr lang="en-US" sz="1600">
-                <a:solidFill>
-                  <a:srgbClr val="000000"/>
-                </a:solidFill>
-                <a:latin typeface="Helvetica" panose="020B0604020202020204" pitchFamily="34" charset="0"/>
-                <a:cs typeface="Helvetica" panose="020B0604020202020204" pitchFamily="34" charset="0"/>
-              </a:rPr>
-              <a:t>Postprocess machine learning models.</a:t>
-            </a:r>
-          </a:p>
-          <a:p>
-            <a:pPr lvl="1" fontAlgn="base"/>
-            <a:r>
-              <a:rPr lang="en-US" sz="1600">
-                <a:solidFill>
-                  <a:srgbClr val="000000"/>
-                </a:solidFill>
-                <a:latin typeface="Helvetica" panose="020B0604020202020204" pitchFamily="34" charset="0"/>
-                <a:cs typeface="Helvetica" panose="020B0604020202020204" pitchFamily="34" charset="0"/>
-              </a:rPr>
-              <a:t>Critically analyze the results obtained.</a:t>
+              <a:t>Once your models are ready, Amazon ML makes it easy to obtain predictions for your application using simple APIs, without having to implement custom prediction generation code, or manage any infrastructure.</a:t>
             </a:r>
           </a:p>
         </p:txBody>
@@ -7815,7 +8285,7 @@
     </p:spTree>
     <p:extLst>
       <p:ext uri="{BB962C8B-B14F-4D97-AF65-F5344CB8AC3E}">
-        <p14:creationId xmlns:p14="http://schemas.microsoft.com/office/powerpoint/2010/main" val="367939475"/>
+        <p14:creationId xmlns:p14="http://schemas.microsoft.com/office/powerpoint/2010/main" val="1769466885"/>
       </p:ext>
     </p:extLst>
   </p:cSld>
@@ -7825,7 +8295,337 @@
 </p:sld>
 </file>
 
-<file path=ppt/slides/slide14.xml><?xml version="1.0" encoding="utf-8"?>
+<file path=ppt/slides/slide16.xml><?xml version="1.0" encoding="utf-8"?>
+<p:sld xmlns:a="http://schemas.openxmlformats.org/drawingml/2006/main" xmlns:r="http://schemas.openxmlformats.org/officeDocument/2006/relationships" xmlns:p="http://schemas.openxmlformats.org/presentationml/2006/main">
+  <p:cSld>
+    <p:spTree>
+      <p:nvGrpSpPr>
+        <p:cNvPr id="1" name=""/>
+        <p:cNvGrpSpPr/>
+        <p:nvPr/>
+      </p:nvGrpSpPr>
+      <p:grpSpPr>
+        <a:xfrm>
+          <a:off x="0" y="0"/>
+          <a:ext cx="0" cy="0"/>
+          <a:chOff x="0" y="0"/>
+          <a:chExt cx="0" cy="0"/>
+        </a:xfrm>
+      </p:grpSpPr>
+      <p:sp>
+        <p:nvSpPr>
+          <p:cNvPr id="2" name="Title 1">
+            <a:extLst>
+              <a:ext uri="{FF2B5EF4-FFF2-40B4-BE49-F238E27FC236}">
+                <a16:creationId xmlns:a16="http://schemas.microsoft.com/office/drawing/2014/main" id="{7EDD518E-97F4-49D0-8599-CDC4C29BC11C}"/>
+              </a:ext>
+            </a:extLst>
+          </p:cNvPr>
+          <p:cNvSpPr>
+            <a:spLocks noGrp="1"/>
+          </p:cNvSpPr>
+          <p:nvPr>
+            <p:ph type="title"/>
+          </p:nvPr>
+        </p:nvSpPr>
+        <p:spPr>
+          <a:xfrm>
+            <a:off x="628650" y="914400"/>
+            <a:ext cx="7886700" cy="1066800"/>
+          </a:xfrm>
+        </p:spPr>
+        <p:txBody>
+          <a:bodyPr>
+            <a:normAutofit/>
+          </a:bodyPr>
+          <a:lstStyle/>
+          <a:p>
+            <a:r>
+              <a:rPr lang="en-US" dirty="0"/>
+              <a:t>Pipeline</a:t>
+            </a:r>
+            <a:br>
+              <a:rPr lang="en-US" dirty="0"/>
+            </a:br>
+            <a:endParaRPr lang="en-US" dirty="0"/>
+          </a:p>
+        </p:txBody>
+      </p:sp>
+      <p:pic>
+        <p:nvPicPr>
+          <p:cNvPr id="4" name="Content Placeholder 3">
+            <a:extLst>
+              <a:ext uri="{FF2B5EF4-FFF2-40B4-BE49-F238E27FC236}">
+                <a16:creationId xmlns:a16="http://schemas.microsoft.com/office/drawing/2014/main" id="{7A3051D3-7E2E-487E-955D-B8FF38AF1DD2}"/>
+              </a:ext>
+            </a:extLst>
+          </p:cNvPr>
+          <p:cNvPicPr>
+            <a:picLocks noGrp="1" noChangeAspect="1"/>
+          </p:cNvPicPr>
+          <p:nvPr>
+            <p:ph idx="4294967295"/>
+          </p:nvPr>
+        </p:nvPicPr>
+        <p:blipFill>
+          <a:blip r:embed="rId2"/>
+          <a:stretch>
+            <a:fillRect/>
+          </a:stretch>
+        </p:blipFill>
+        <p:spPr>
+          <a:xfrm>
+            <a:off x="0" y="3173413"/>
+            <a:ext cx="7886700" cy="1655762"/>
+          </a:xfrm>
+          <a:prstGeom prst="rect">
+            <a:avLst/>
+          </a:prstGeom>
+        </p:spPr>
+      </p:pic>
+    </p:spTree>
+    <p:extLst>
+      <p:ext uri="{BB962C8B-B14F-4D97-AF65-F5344CB8AC3E}">
+        <p14:creationId xmlns:p14="http://schemas.microsoft.com/office/powerpoint/2010/main" val="2248975671"/>
+      </p:ext>
+    </p:extLst>
+  </p:cSld>
+  <p:clrMapOvr>
+    <a:masterClrMapping/>
+  </p:clrMapOvr>
+</p:sld>
+</file>
+
+<file path=ppt/slides/slide17.xml><?xml version="1.0" encoding="utf-8"?>
+<p:sld xmlns:a="http://schemas.openxmlformats.org/drawingml/2006/main" xmlns:r="http://schemas.openxmlformats.org/officeDocument/2006/relationships" xmlns:p="http://schemas.openxmlformats.org/presentationml/2006/main">
+  <p:cSld>
+    <p:bg>
+      <p:bgPr>
+        <a:solidFill>
+          <a:schemeClr val="bg1"/>
+        </a:solidFill>
+        <a:effectLst/>
+      </p:bgPr>
+    </p:bg>
+    <p:spTree>
+      <p:nvGrpSpPr>
+        <p:cNvPr id="1" name=""/>
+        <p:cNvGrpSpPr/>
+        <p:nvPr/>
+      </p:nvGrpSpPr>
+      <p:grpSpPr>
+        <a:xfrm>
+          <a:off x="0" y="0"/>
+          <a:ext cx="0" cy="0"/>
+          <a:chOff x="0" y="0"/>
+          <a:chExt cx="0" cy="0"/>
+        </a:xfrm>
+      </p:grpSpPr>
+      <p:sp>
+        <p:nvSpPr>
+          <p:cNvPr id="7" name="Rectangle 6">
+            <a:extLst>
+              <a:ext uri="{FF2B5EF4-FFF2-40B4-BE49-F238E27FC236}">
+                <a16:creationId xmlns:a16="http://schemas.microsoft.com/office/drawing/2014/main" id="{23962611-DFD5-4092-AAFD-559E3DFCE2C9}"/>
+              </a:ext>
+              <a:ext uri="{C183D7F6-B498-43B3-948B-1728B52AA6E4}">
+                <adec:decorative xmlns:adec="http://schemas.microsoft.com/office/drawing/2017/decorative" val="1"/>
+              </a:ext>
+            </a:extLst>
+          </p:cNvPr>
+          <p:cNvSpPr>
+            <a:spLocks noGrp="1" noRot="1" noChangeAspect="1" noMove="1" noResize="1" noEditPoints="1" noAdjustHandles="1" noChangeArrowheads="1" noChangeShapeType="1" noTextEdit="1"/>
+          </p:cNvSpPr>
+          <p:nvPr>
+            <p:extLst>
+              <p:ext uri="{386F3935-93C4-4BCD-93E2-E3B085C9AB24}">
+                <p16:designElem xmlns:p16="http://schemas.microsoft.com/office/powerpoint/2015/main" val="1"/>
+              </p:ext>
+            </p:extLst>
+          </p:nvPr>
+        </p:nvSpPr>
+        <p:spPr>
+          <a:xfrm>
+            <a:off x="356616" y="0"/>
+            <a:ext cx="8182719" cy="6858000"/>
+          </a:xfrm>
+          <a:prstGeom prst="rect">
+            <a:avLst/>
+          </a:prstGeom>
+          <a:gradFill>
+            <a:gsLst>
+              <a:gs pos="0">
+                <a:schemeClr val="accent1">
+                  <a:lumMod val="90000"/>
+                </a:schemeClr>
+              </a:gs>
+              <a:gs pos="25000">
+                <a:schemeClr val="accent1">
+                  <a:lumMod val="90000"/>
+                </a:schemeClr>
+              </a:gs>
+              <a:gs pos="94000">
+                <a:schemeClr val="bg2">
+                  <a:lumMod val="25000"/>
+                </a:schemeClr>
+              </a:gs>
+              <a:gs pos="100000">
+                <a:schemeClr val="bg2">
+                  <a:lumMod val="25000"/>
+                </a:schemeClr>
+              </a:gs>
+            </a:gsLst>
+            <a:lin ang="4200000" scaled="0"/>
+          </a:gradFill>
+          <a:ln>
+            <a:noFill/>
+          </a:ln>
+        </p:spPr>
+        <p:style>
+          <a:lnRef idx="2">
+            <a:schemeClr val="accent1">
+              <a:shade val="50000"/>
+            </a:schemeClr>
+          </a:lnRef>
+          <a:fillRef idx="1">
+            <a:schemeClr val="accent1"/>
+          </a:fillRef>
+          <a:effectRef idx="0">
+            <a:schemeClr val="accent1"/>
+          </a:effectRef>
+          <a:fontRef idx="minor">
+            <a:schemeClr val="lt1"/>
+          </a:fontRef>
+        </p:style>
+        <p:txBody>
+          <a:bodyPr rtlCol="0" anchor="ctr"/>
+          <a:lstStyle/>
+          <a:p>
+            <a:pPr algn="ctr"/>
+            <a:endParaRPr lang="en-US"/>
+          </a:p>
+        </p:txBody>
+      </p:sp>
+      <p:pic>
+        <p:nvPicPr>
+          <p:cNvPr id="9" name="Picture 8">
+            <a:extLst>
+              <a:ext uri="{FF2B5EF4-FFF2-40B4-BE49-F238E27FC236}">
+                <a16:creationId xmlns:a16="http://schemas.microsoft.com/office/drawing/2014/main" id="{2270F1FA-0425-408F-9861-80BF5AFB276D}"/>
+              </a:ext>
+              <a:ext uri="{C183D7F6-B498-43B3-948B-1728B52AA6E4}">
+                <adec:decorative xmlns:adec="http://schemas.microsoft.com/office/drawing/2017/decorative" val="1"/>
+              </a:ext>
+            </a:extLst>
+          </p:cNvPr>
+          <p:cNvPicPr>
+            <a:picLocks noGrp="1" noRot="1" noChangeAspect="1" noMove="1" noResize="1" noEditPoints="1" noAdjustHandles="1" noChangeArrowheads="1" noChangeShapeType="1" noCrop="1"/>
+          </p:cNvPicPr>
+          <p:nvPr>
+            <p:extLst>
+              <p:ext uri="{386F3935-93C4-4BCD-93E2-E3B085C9AB24}">
+                <p16:designElem xmlns:p16="http://schemas.microsoft.com/office/powerpoint/2015/main" val="1"/>
+              </p:ext>
+            </p:extLst>
+          </p:nvPr>
+        </p:nvPicPr>
+        <p:blipFill>
+          <a:blip r:embed="rId2">
+            <a:extLst>
+              <a:ext uri="{28A0092B-C50C-407E-A947-70E740481C1C}">
+                <a14:useLocalDpi xmlns:a14="http://schemas.microsoft.com/office/drawing/2010/main" val="0"/>
+              </a:ext>
+            </a:extLst>
+          </a:blip>
+          <a:stretch>
+            <a:fillRect/>
+          </a:stretch>
+        </p:blipFill>
+        <p:spPr>
+          <a:xfrm>
+            <a:off x="0" y="0"/>
+            <a:ext cx="9144000" cy="6858000"/>
+          </a:xfrm>
+          <a:prstGeom prst="rect">
+            <a:avLst/>
+          </a:prstGeom>
+        </p:spPr>
+      </p:pic>
+      <p:sp>
+        <p:nvSpPr>
+          <p:cNvPr id="2" name="Title 1">
+            <a:extLst>
+              <a:ext uri="{FF2B5EF4-FFF2-40B4-BE49-F238E27FC236}">
+                <a16:creationId xmlns:a16="http://schemas.microsoft.com/office/drawing/2014/main" id="{F2253B85-141F-46A1-8275-678B1C1AAD3F}"/>
+              </a:ext>
+            </a:extLst>
+          </p:cNvPr>
+          <p:cNvSpPr>
+            <a:spLocks noGrp="1"/>
+          </p:cNvSpPr>
+          <p:nvPr>
+            <p:ph type="title"/>
+          </p:nvPr>
+        </p:nvSpPr>
+        <p:spPr>
+          <a:xfrm>
+            <a:off x="2282552" y="2413472"/>
+            <a:ext cx="4578895" cy="2031055"/>
+          </a:xfrm>
+        </p:spPr>
+        <p:txBody>
+          <a:bodyPr vert="horz" lIns="91440" tIns="45720" rIns="91440" bIns="45720" rtlCol="0" anchor="b">
+            <a:normAutofit/>
+          </a:bodyPr>
+          <a:lstStyle/>
+          <a:p>
+            <a:pPr algn="ctr" defTabSz="914400"/>
+            <a:r>
+              <a:rPr lang="en-US" sz="6000" kern="1200" dirty="0">
+                <a:solidFill>
+                  <a:srgbClr val="FFFFFF"/>
+                </a:solidFill>
+                <a:latin typeface="+mj-lt"/>
+                <a:ea typeface="+mj-ea"/>
+                <a:cs typeface="+mj-cs"/>
+              </a:rPr>
+              <a:t>Demo</a:t>
+            </a:r>
+            <a:br>
+              <a:rPr lang="en-US" sz="6000" kern="1200" dirty="0">
+                <a:solidFill>
+                  <a:srgbClr val="FFFFFF"/>
+                </a:solidFill>
+                <a:latin typeface="+mj-lt"/>
+                <a:ea typeface="+mj-ea"/>
+                <a:cs typeface="+mj-cs"/>
+              </a:rPr>
+            </a:br>
+            <a:endParaRPr lang="en-US" sz="6000" kern="1200" dirty="0">
+              <a:solidFill>
+                <a:srgbClr val="FFFFFF"/>
+              </a:solidFill>
+              <a:latin typeface="+mj-lt"/>
+              <a:ea typeface="+mj-ea"/>
+              <a:cs typeface="+mj-cs"/>
+            </a:endParaRPr>
+          </a:p>
+        </p:txBody>
+      </p:sp>
+    </p:spTree>
+    <p:extLst>
+      <p:ext uri="{BB962C8B-B14F-4D97-AF65-F5344CB8AC3E}">
+        <p14:creationId xmlns:p14="http://schemas.microsoft.com/office/powerpoint/2010/main" val="2446273745"/>
+      </p:ext>
+    </p:extLst>
+  </p:cSld>
+  <p:clrMapOvr>
+    <a:masterClrMapping/>
+  </p:clrMapOvr>
+</p:sld>
+</file>
+
+<file path=ppt/slides/slide18.xml><?xml version="1.0" encoding="utf-8"?>
 <p:sld xmlns:a="http://schemas.openxmlformats.org/drawingml/2006/main" xmlns:r="http://schemas.openxmlformats.org/officeDocument/2006/relationships" xmlns:p="http://schemas.openxmlformats.org/presentationml/2006/main">
   <p:cSld>
     <p:bg>
@@ -8076,7 +8876,7 @@
                 <a:latin typeface="Helvetica" panose="020B0604020202020204" pitchFamily="34" charset="0"/>
                 <a:ea typeface="ＭＳ Ｐゴシック" panose="020B0600070205080204" pitchFamily="34" charset="-128"/>
               </a:rPr>
-              <a:t>H2O AI</a:t>
+              <a:t>AutoML Services</a:t>
             </a:r>
           </a:p>
         </p:txBody>
@@ -8109,123 +8909,118 @@
           </a:bodyPr>
           <a:lstStyle/>
           <a:p>
+            <a:pPr fontAlgn="base"/>
+            <a:r>
+              <a:rPr lang="en-US" sz="1600">
+                <a:solidFill>
+                  <a:srgbClr val="000000"/>
+                </a:solidFill>
+                <a:latin typeface="Helvetica" panose="020B0604020202020204" pitchFamily="34" charset="0"/>
+                <a:cs typeface="Helvetica" panose="020B0604020202020204" pitchFamily="34" charset="0"/>
+              </a:rPr>
+              <a:t>AutoML provides methods and processes to make Machine Learning available for non-Machine Learning experts, to improve efficiency of Machine Learning and to accelerate research on Machine Learning</a:t>
+            </a:r>
+          </a:p>
+          <a:p>
             <a:pPr marL="0" indent="0">
               <a:buNone/>
-              <a:defRPr/>
-            </a:pPr>
-            <a:r>
-              <a:rPr lang="en-US" altLang="en-US" sz="1600">
-                <a:solidFill>
-                  <a:srgbClr val="000000"/>
-                </a:solidFill>
-                <a:latin typeface="Helvetica" panose="020B0604020202020204" pitchFamily="34" charset="0"/>
-                <a:ea typeface="ＭＳ Ｐゴシック" panose="020B0600070205080204" pitchFamily="34" charset="-128"/>
-              </a:rPr>
-              <a:t>Overview :</a:t>
-            </a:r>
-          </a:p>
-          <a:p>
-            <a:pPr>
-              <a:defRPr/>
-            </a:pPr>
-            <a:r>
-              <a:rPr lang="en-US" altLang="en-US" sz="1600">
-                <a:solidFill>
-                  <a:srgbClr val="000000"/>
-                </a:solidFill>
-                <a:latin typeface="Helvetica" panose="020B0604020202020204" pitchFamily="34" charset="0"/>
-                <a:ea typeface="ＭＳ Ｐゴシック" panose="020B0600070205080204" pitchFamily="34" charset="-128"/>
-              </a:rPr>
-              <a:t>H2O is an open-source software for big-data analysis.</a:t>
-            </a:r>
-          </a:p>
-          <a:p>
-            <a:pPr>
-              <a:defRPr/>
-            </a:pPr>
-            <a:r>
-              <a:rPr lang="en-US" altLang="en-US" sz="1600">
-                <a:solidFill>
-                  <a:srgbClr val="000000"/>
-                </a:solidFill>
-                <a:latin typeface="Helvetica" panose="020B0604020202020204" pitchFamily="34" charset="0"/>
-                <a:ea typeface="ＭＳ Ｐゴシック" panose="020B0600070205080204" pitchFamily="34" charset="-128"/>
-              </a:rPr>
-              <a:t>H2O allows users to fit thousands of potential models as part of discovering patterns in data.</a:t>
-            </a:r>
-          </a:p>
-          <a:p>
-            <a:pPr marL="0" indent="0">
-              <a:buNone/>
-              <a:defRPr/>
-            </a:pPr>
-            <a:endParaRPr lang="en-US" altLang="en-US" sz="1600">
+            </a:pPr>
+            <a:endParaRPr lang="en-US" sz="1600">
               <a:solidFill>
                 <a:srgbClr val="000000"/>
               </a:solidFill>
               <a:latin typeface="Helvetica" panose="020B0604020202020204" pitchFamily="34" charset="0"/>
-              <a:ea typeface="ＭＳ Ｐゴシック" panose="020B0600070205080204" pitchFamily="34" charset="-128"/>
+              <a:cs typeface="Helvetica" panose="020B0604020202020204" pitchFamily="34" charset="0"/>
             </a:endParaRPr>
           </a:p>
           <a:p>
-            <a:pPr marL="0" indent="0">
-              <a:buNone/>
-              <a:defRPr/>
-            </a:pPr>
-            <a:r>
-              <a:rPr lang="en-US" altLang="en-US" sz="1600">
+            <a:r>
+              <a:rPr lang="en-US" sz="1600">
                 <a:solidFill>
                   <a:srgbClr val="000000"/>
                 </a:solidFill>
                 <a:latin typeface="Helvetica" panose="020B0604020202020204" pitchFamily="34" charset="0"/>
-                <a:ea typeface="ＭＳ Ｐゴシック" panose="020B0600070205080204" pitchFamily="34" charset="-128"/>
+                <a:cs typeface="Helvetica" panose="020B0604020202020204" pitchFamily="34" charset="0"/>
               </a:rPr>
-              <a:t>Salient Features :</a:t>
-            </a:r>
-          </a:p>
-          <a:p>
-            <a:pPr>
-              <a:defRPr/>
-            </a:pPr>
-            <a:r>
-              <a:rPr lang="en-US" altLang="en-US" sz="1600">
+              <a:t>AutoML helps us in automating tasks whose complexity can often baffle non-ML experts, like :</a:t>
+            </a:r>
+          </a:p>
+          <a:p>
+            <a:pPr lvl="1" fontAlgn="base"/>
+            <a:r>
+              <a:rPr lang="en-US" sz="1600">
                 <a:solidFill>
                   <a:srgbClr val="000000"/>
                 </a:solidFill>
                 <a:latin typeface="Helvetica" panose="020B0604020202020204" pitchFamily="34" charset="0"/>
-                <a:ea typeface="ＭＳ Ｐゴシック" panose="020B0600070205080204" pitchFamily="34" charset="-128"/>
+                <a:cs typeface="Helvetica" panose="020B0604020202020204" pitchFamily="34" charset="0"/>
               </a:rPr>
-              <a:t>It automates the model selection and validation process in the Machine Learning pipeline through its AutoML framework.</a:t>
-            </a:r>
-          </a:p>
-          <a:p>
-            <a:pPr>
-              <a:defRPr/>
-            </a:pPr>
-            <a:r>
-              <a:rPr lang="en-US" altLang="en-US" sz="1600">
+              <a:t>Preprocess and clean the data.</a:t>
+            </a:r>
+          </a:p>
+          <a:p>
+            <a:pPr lvl="1" fontAlgn="base"/>
+            <a:r>
+              <a:rPr lang="en-US" sz="1600">
                 <a:solidFill>
                   <a:srgbClr val="000000"/>
                 </a:solidFill>
                 <a:latin typeface="Helvetica" panose="020B0604020202020204" pitchFamily="34" charset="0"/>
-                <a:ea typeface="ＭＳ Ｐゴシック" panose="020B0600070205080204" pitchFamily="34" charset="-128"/>
+                <a:cs typeface="Helvetica" panose="020B0604020202020204" pitchFamily="34" charset="0"/>
               </a:rPr>
-              <a:t>H2O is built on top of the Hadoop distributed framework, thereby enabling faster data processing on its clusters.</a:t>
-            </a:r>
-          </a:p>
-          <a:p>
-            <a:pPr>
-              <a:defRPr/>
-            </a:pPr>
-            <a:r>
-              <a:rPr lang="en-US" altLang="en-US" sz="1600">
+              <a:t>Select and construct appropriate features.</a:t>
+            </a:r>
+          </a:p>
+          <a:p>
+            <a:pPr lvl="1" fontAlgn="base"/>
+            <a:r>
+              <a:rPr lang="en-US" sz="1600">
                 <a:solidFill>
                   <a:srgbClr val="000000"/>
                 </a:solidFill>
                 <a:latin typeface="Helvetica" panose="020B0604020202020204" pitchFamily="34" charset="0"/>
-                <a:ea typeface="ＭＳ Ｐゴシック" panose="020B0600070205080204" pitchFamily="34" charset="-128"/>
+                <a:cs typeface="Helvetica" panose="020B0604020202020204" pitchFamily="34" charset="0"/>
               </a:rPr>
-              <a:t>It also has functions for exporting the trained models as JAVA POJO’s for productionizing the model once it has been validated.</a:t>
+              <a:t>Select an appropriate model family.</a:t>
+            </a:r>
+          </a:p>
+          <a:p>
+            <a:pPr lvl="1" fontAlgn="base"/>
+            <a:r>
+              <a:rPr lang="en-US" sz="1600">
+                <a:solidFill>
+                  <a:srgbClr val="000000"/>
+                </a:solidFill>
+                <a:latin typeface="Helvetica" panose="020B0604020202020204" pitchFamily="34" charset="0"/>
+                <a:cs typeface="Helvetica" panose="020B0604020202020204" pitchFamily="34" charset="0"/>
+              </a:rPr>
+              <a:t>Optimize model hyperparameters.</a:t>
+            </a:r>
+          </a:p>
+          <a:p>
+            <a:pPr lvl="1" fontAlgn="base"/>
+            <a:r>
+              <a:rPr lang="en-US" sz="1600">
+                <a:solidFill>
+                  <a:srgbClr val="000000"/>
+                </a:solidFill>
+                <a:latin typeface="Helvetica" panose="020B0604020202020204" pitchFamily="34" charset="0"/>
+                <a:cs typeface="Helvetica" panose="020B0604020202020204" pitchFamily="34" charset="0"/>
+              </a:rPr>
+              <a:t>Postprocess machine learning models.</a:t>
+            </a:r>
+          </a:p>
+          <a:p>
+            <a:pPr lvl="1" fontAlgn="base"/>
+            <a:r>
+              <a:rPr lang="en-US" sz="1600">
+                <a:solidFill>
+                  <a:srgbClr val="000000"/>
+                </a:solidFill>
+                <a:latin typeface="Helvetica" panose="020B0604020202020204" pitchFamily="34" charset="0"/>
+                <a:cs typeface="Helvetica" panose="020B0604020202020204" pitchFamily="34" charset="0"/>
+              </a:rPr>
+              <a:t>Critically analyze the results obtained.</a:t>
             </a:r>
           </a:p>
         </p:txBody>
@@ -8233,7 +9028,7 @@
     </p:spTree>
     <p:extLst>
       <p:ext uri="{BB962C8B-B14F-4D97-AF65-F5344CB8AC3E}">
-        <p14:creationId xmlns:p14="http://schemas.microsoft.com/office/powerpoint/2010/main" val="722202203"/>
+        <p14:creationId xmlns:p14="http://schemas.microsoft.com/office/powerpoint/2010/main" val="367939475"/>
       </p:ext>
     </p:extLst>
   </p:cSld>
@@ -8243,7 +9038,7 @@
 </p:sld>
 </file>
 
-<file path=ppt/slides/slide15.xml><?xml version="1.0" encoding="utf-8"?>
+<file path=ppt/slides/slide19.xml><?xml version="1.0" encoding="utf-8"?>
 <p:sld xmlns:a="http://schemas.openxmlformats.org/drawingml/2006/main" xmlns:r="http://schemas.openxmlformats.org/officeDocument/2006/relationships" xmlns:p="http://schemas.openxmlformats.org/presentationml/2006/main">
   <p:cSld>
     <p:bg>
@@ -8270,7 +9065,7 @@
       </p:grpSpPr>
       <p:sp useBgFill="1">
         <p:nvSpPr>
-          <p:cNvPr id="8" name="Rectangle 7">
+          <p:cNvPr id="72" name="Rectangle 71">
             <a:extLst>
               <a:ext uri="{FF2B5EF4-FFF2-40B4-BE49-F238E27FC236}">
                 <a16:creationId xmlns:a16="http://schemas.microsoft.com/office/drawing/2014/main" id="{3B854194-185D-494D-905C-7C7CB2E30F6E}"/>
@@ -8330,7 +9125,7 @@
       </p:sp>
       <p:sp>
         <p:nvSpPr>
-          <p:cNvPr id="10" name="Rectangle 9">
+          <p:cNvPr id="74" name="Rectangle 73">
             <a:extLst>
               <a:ext uri="{FF2B5EF4-FFF2-40B4-BE49-F238E27FC236}">
                 <a16:creationId xmlns:a16="http://schemas.microsoft.com/office/drawing/2014/main" id="{B4F5FA0D-0104-4987-8241-EFF7C85B88DE}"/>
@@ -8415,7 +9210,7 @@
       </p:sp>
       <p:pic>
         <p:nvPicPr>
-          <p:cNvPr id="12" name="Picture 11">
+          <p:cNvPr id="76" name="Picture 75">
             <a:extLst>
               <a:ext uri="{FF2B5EF4-FFF2-40B4-BE49-F238E27FC236}">
                 <a16:creationId xmlns:a16="http://schemas.microsoft.com/office/drawing/2014/main" id="{2897127E-6CEF-446C-BE87-93B7C46E49D1}"/>
@@ -8460,10 +9255,10 @@
       </p:pic>
       <p:sp>
         <p:nvSpPr>
-          <p:cNvPr id="2" name="Title 1">
-            <a:extLst>
-              <a:ext uri="{FF2B5EF4-FFF2-40B4-BE49-F238E27FC236}">
-                <a16:creationId xmlns:a16="http://schemas.microsoft.com/office/drawing/2014/main" id="{18ED84CE-90D4-408D-8966-E7A914E0C0D0}"/>
+          <p:cNvPr id="8194" name="Title 1">
+            <a:extLst>
+              <a:ext uri="{FF2B5EF4-FFF2-40B4-BE49-F238E27FC236}">
+                <a16:creationId xmlns:a16="http://schemas.microsoft.com/office/drawing/2014/main" id="{175676B8-48F3-40E9-BF9B-45F2D27F9810}"/>
               </a:ext>
             </a:extLst>
           </p:cNvPr>
@@ -8487,24 +9282,24 @@
           <a:lstStyle/>
           <a:p>
             <a:r>
-              <a:rPr lang="en-US">
+              <a:rPr lang="en-US" altLang="en-US">
                 <a:solidFill>
                   <a:srgbClr val="FFFFFF"/>
                 </a:solidFill>
                 <a:latin typeface="Helvetica" panose="020B0604020202020204" pitchFamily="34" charset="0"/>
-                <a:cs typeface="Helvetica" panose="020B0604020202020204" pitchFamily="34" charset="0"/>
+                <a:ea typeface="ＭＳ Ｐゴシック" panose="020B0600070205080204" pitchFamily="34" charset="-128"/>
               </a:rPr>
-              <a:t>H2O AI DEMO</a:t>
-            </a:r>
-          </a:p>
-        </p:txBody>
-      </p:sp>
-      <p:sp>
-        <p:nvSpPr>
-          <p:cNvPr id="3" name="Content Placeholder 2">
-            <a:extLst>
-              <a:ext uri="{FF2B5EF4-FFF2-40B4-BE49-F238E27FC236}">
-                <a16:creationId xmlns:a16="http://schemas.microsoft.com/office/drawing/2014/main" id="{DDE22BBA-0D10-48EC-A24C-33E7C1A5557E}"/>
+              <a:t>H2O AI</a:t>
+            </a:r>
+          </a:p>
+        </p:txBody>
+      </p:sp>
+      <p:sp>
+        <p:nvSpPr>
+          <p:cNvPr id="8195" name="Content Placeholder 22">
+            <a:extLst>
+              <a:ext uri="{FF2B5EF4-FFF2-40B4-BE49-F238E27FC236}">
+                <a16:creationId xmlns:a16="http://schemas.microsoft.com/office/drawing/2014/main" id="{6217A459-6FBF-4830-AA4E-163D34539509}"/>
               </a:ext>
             </a:extLst>
           </p:cNvPr>
@@ -8527,81 +9322,123 @@
           </a:bodyPr>
           <a:lstStyle/>
           <a:p>
-            <a:r>
-              <a:rPr lang="en-US">
-                <a:solidFill>
-                  <a:srgbClr val="000000"/>
-                </a:solidFill>
-                <a:latin typeface="Helvetica" panose="020B0604020202020204" pitchFamily="34" charset="0"/>
-                <a:cs typeface="Helvetica" panose="020B0604020202020204" pitchFamily="34" charset="0"/>
-              </a:rPr>
-              <a:t>Regression on Iowa Housing Price Data Set</a:t>
-            </a:r>
-          </a:p>
-          <a:p>
             <a:pPr marL="0" indent="0">
               <a:buNone/>
-            </a:pPr>
-            <a:r>
-              <a:rPr lang="en-US">
+              <a:defRPr/>
+            </a:pPr>
+            <a:r>
+              <a:rPr lang="en-US" altLang="en-US" sz="1600">
                 <a:solidFill>
                   <a:srgbClr val="000000"/>
                 </a:solidFill>
                 <a:latin typeface="Helvetica" panose="020B0604020202020204" pitchFamily="34" charset="0"/>
-                <a:cs typeface="Helvetica" panose="020B0604020202020204" pitchFamily="34" charset="0"/>
+                <a:ea typeface="ＭＳ Ｐゴシック" panose="020B0600070205080204" pitchFamily="34" charset="-128"/>
               </a:rPr>
-              <a:t>To predict the SalePrice of the house</a:t>
+              <a:t>Overview :</a:t>
+            </a:r>
+          </a:p>
+          <a:p>
+            <a:pPr>
+              <a:defRPr/>
+            </a:pPr>
+            <a:r>
+              <a:rPr lang="en-US" altLang="en-US" sz="1600">
+                <a:solidFill>
+                  <a:srgbClr val="000000"/>
+                </a:solidFill>
+                <a:latin typeface="Helvetica" panose="020B0604020202020204" pitchFamily="34" charset="0"/>
+                <a:ea typeface="ＭＳ Ｐゴシック" panose="020B0600070205080204" pitchFamily="34" charset="-128"/>
+              </a:rPr>
+              <a:t>H2O is an open-source software for big-data analysis.</a:t>
+            </a:r>
+          </a:p>
+          <a:p>
+            <a:pPr>
+              <a:defRPr/>
+            </a:pPr>
+            <a:r>
+              <a:rPr lang="en-US" altLang="en-US" sz="1600">
+                <a:solidFill>
+                  <a:srgbClr val="000000"/>
+                </a:solidFill>
+                <a:latin typeface="Helvetica" panose="020B0604020202020204" pitchFamily="34" charset="0"/>
+                <a:ea typeface="ＭＳ Ｐゴシック" panose="020B0600070205080204" pitchFamily="34" charset="-128"/>
+              </a:rPr>
+              <a:t>H2O allows users to fit thousands of potential models as part of discovering patterns in data.</a:t>
             </a:r>
           </a:p>
           <a:p>
             <a:pPr marL="0" indent="0">
               <a:buNone/>
-            </a:pPr>
-            <a:endParaRPr lang="en-US">
+              <a:defRPr/>
+            </a:pPr>
+            <a:endParaRPr lang="en-US" altLang="en-US" sz="1600">
               <a:solidFill>
                 <a:srgbClr val="000000"/>
               </a:solidFill>
               <a:latin typeface="Helvetica" panose="020B0604020202020204" pitchFamily="34" charset="0"/>
-              <a:cs typeface="Helvetica" panose="020B0604020202020204" pitchFamily="34" charset="0"/>
+              <a:ea typeface="ＭＳ Ｐゴシック" panose="020B0600070205080204" pitchFamily="34" charset="-128"/>
             </a:endParaRPr>
           </a:p>
           <a:p>
             <a:pPr marL="0" indent="0">
               <a:buNone/>
-            </a:pPr>
-            <a:endParaRPr lang="en-US">
-              <a:solidFill>
-                <a:srgbClr val="000000"/>
-              </a:solidFill>
-              <a:latin typeface="Helvetica" panose="020B0604020202020204" pitchFamily="34" charset="0"/>
-              <a:cs typeface="Helvetica" panose="020B0604020202020204" pitchFamily="34" charset="0"/>
-            </a:endParaRPr>
-          </a:p>
-          <a:p>
-            <a:r>
-              <a:rPr lang="en-US">
+              <a:defRPr/>
+            </a:pPr>
+            <a:r>
+              <a:rPr lang="en-US" altLang="en-US" sz="1600">
                 <a:solidFill>
                   <a:srgbClr val="000000"/>
                 </a:solidFill>
                 <a:latin typeface="Helvetica" panose="020B0604020202020204" pitchFamily="34" charset="0"/>
-                <a:cs typeface="Helvetica" panose="020B0604020202020204" pitchFamily="34" charset="0"/>
+                <a:ea typeface="ＭＳ Ｐゴシック" panose="020B0600070205080204" pitchFamily="34" charset="-128"/>
               </a:rPr>
-              <a:t>Classification on Titanic Data Set</a:t>
-            </a:r>
-          </a:p>
-          <a:p>
-            <a:pPr marL="0" indent="0">
-              <a:buNone/>
-            </a:pPr>
-            <a:r>
-              <a:rPr lang="en-US">
+              <a:t>Salient Features :</a:t>
+            </a:r>
+          </a:p>
+          <a:p>
+            <a:pPr>
+              <a:defRPr/>
+            </a:pPr>
+            <a:r>
+              <a:rPr lang="en-US" altLang="en-US" sz="1600">
                 <a:solidFill>
                   <a:srgbClr val="000000"/>
                 </a:solidFill>
                 <a:latin typeface="Helvetica" panose="020B0604020202020204" pitchFamily="34" charset="0"/>
-                <a:cs typeface="Helvetica" panose="020B0604020202020204" pitchFamily="34" charset="0"/>
+                <a:ea typeface="ＭＳ Ｐゴシック" panose="020B0600070205080204" pitchFamily="34" charset="-128"/>
               </a:rPr>
-              <a:t>To predict the chance of Survival</a:t>
+              <a:t>It automates the model selection and validation process in the Machine Learning pipeline through its AutoML framework.</a:t>
+            </a:r>
+          </a:p>
+          <a:p>
+            <a:pPr>
+              <a:defRPr/>
+            </a:pPr>
+            <a:r>
+              <a:rPr lang="en-US" altLang="en-US" sz="1600">
+                <a:solidFill>
+                  <a:srgbClr val="000000"/>
+                </a:solidFill>
+                <a:latin typeface="Helvetica" panose="020B0604020202020204" pitchFamily="34" charset="0"/>
+                <a:ea typeface="ＭＳ Ｐゴシック" panose="020B0600070205080204" pitchFamily="34" charset="-128"/>
+              </a:rPr>
+              <a:t>H2O is built on top of the Hadoop distributed framework, thereby enabling faster data processing on its clusters.</a:t>
+            </a:r>
+          </a:p>
+          <a:p>
+            <a:pPr>
+              <a:defRPr/>
+            </a:pPr>
+            <a:r>
+              <a:rPr lang="en-US" altLang="en-US" sz="1600">
+                <a:solidFill>
+                  <a:srgbClr val="000000"/>
+                </a:solidFill>
+                <a:latin typeface="Helvetica" panose="020B0604020202020204" pitchFamily="34" charset="0"/>
+                <a:ea typeface="ＭＳ Ｐゴシック" panose="020B0600070205080204" pitchFamily="34" charset="-128"/>
+              </a:rPr>
+              <a:t>It also has functions for exporting the trained models as JAVA POJO’s for productionizing the model once it has been validated.</a:t>
             </a:r>
           </a:p>
         </p:txBody>
@@ -8609,7 +9446,7 @@
     </p:spTree>
     <p:extLst>
       <p:ext uri="{BB962C8B-B14F-4D97-AF65-F5344CB8AC3E}">
-        <p14:creationId xmlns:p14="http://schemas.microsoft.com/office/powerpoint/2010/main" val="2267316831"/>
+        <p14:creationId xmlns:p14="http://schemas.microsoft.com/office/powerpoint/2010/main" val="722202203"/>
       </p:ext>
     </p:extLst>
   </p:cSld>
@@ -8619,7 +9456,7 @@
 </p:sld>
 </file>
 
-<file path=ppt/slides/slide16.xml><?xml version="1.0" encoding="utf-8"?>
+<file path=ppt/slides/slide2.xml><?xml version="1.0" encoding="utf-8"?>
 <p:sld xmlns:a="http://schemas.openxmlformats.org/drawingml/2006/main" xmlns:r="http://schemas.openxmlformats.org/officeDocument/2006/relationships" xmlns:p="http://schemas.openxmlformats.org/presentationml/2006/main">
   <p:cSld>
     <p:bg>
@@ -8646,7 +9483,7 @@
       </p:grpSpPr>
       <p:sp useBgFill="1">
         <p:nvSpPr>
-          <p:cNvPr id="8" name="Rectangle 7">
+          <p:cNvPr id="72" name="Rectangle 71">
             <a:extLst>
               <a:ext uri="{FF2B5EF4-FFF2-40B4-BE49-F238E27FC236}">
                 <a16:creationId xmlns:a16="http://schemas.microsoft.com/office/drawing/2014/main" id="{3B854194-185D-494D-905C-7C7CB2E30F6E}"/>
@@ -8706,7 +9543,7 @@
       </p:sp>
       <p:sp>
         <p:nvSpPr>
-          <p:cNvPr id="10" name="Rectangle 9">
+          <p:cNvPr id="74" name="Rectangle 73">
             <a:extLst>
               <a:ext uri="{FF2B5EF4-FFF2-40B4-BE49-F238E27FC236}">
                 <a16:creationId xmlns:a16="http://schemas.microsoft.com/office/drawing/2014/main" id="{B4F5FA0D-0104-4987-8241-EFF7C85B88DE}"/>
@@ -8791,7 +9628,7 @@
       </p:sp>
       <p:pic>
         <p:nvPicPr>
-          <p:cNvPr id="12" name="Picture 11">
+          <p:cNvPr id="76" name="Picture 75">
             <a:extLst>
               <a:ext uri="{FF2B5EF4-FFF2-40B4-BE49-F238E27FC236}">
                 <a16:creationId xmlns:a16="http://schemas.microsoft.com/office/drawing/2014/main" id="{2897127E-6CEF-446C-BE87-93B7C46E49D1}"/>
@@ -8836,10 +9673,10 @@
       </p:pic>
       <p:sp>
         <p:nvSpPr>
-          <p:cNvPr id="2" name="Title 1">
-            <a:extLst>
-              <a:ext uri="{FF2B5EF4-FFF2-40B4-BE49-F238E27FC236}">
-                <a16:creationId xmlns:a16="http://schemas.microsoft.com/office/drawing/2014/main" id="{EED7D955-4529-4137-9DC2-D3F1F96FC4D5}"/>
+          <p:cNvPr id="7170" name="Title 1">
+            <a:extLst>
+              <a:ext uri="{FF2B5EF4-FFF2-40B4-BE49-F238E27FC236}">
+                <a16:creationId xmlns:a16="http://schemas.microsoft.com/office/drawing/2014/main" id="{08E671E6-8489-453F-8D3F-00143C8C6EB3}"/>
               </a:ext>
             </a:extLst>
           </p:cNvPr>
@@ -8863,24 +9700,24 @@
           <a:lstStyle/>
           <a:p>
             <a:r>
-              <a:rPr lang="en-US">
+              <a:rPr lang="en-US" altLang="en-US">
                 <a:solidFill>
                   <a:srgbClr val="FFFFFF"/>
                 </a:solidFill>
                 <a:latin typeface="Helvetica" panose="020B0604020202020204" pitchFamily="34" charset="0"/>
-                <a:cs typeface="Helvetica" panose="020B0604020202020204" pitchFamily="34" charset="0"/>
+                <a:ea typeface="ＭＳ Ｐゴシック" panose="020B0600070205080204" pitchFamily="34" charset="-128"/>
               </a:rPr>
-              <a:t>BigML</a:t>
-            </a:r>
-          </a:p>
-        </p:txBody>
-      </p:sp>
-      <p:sp>
-        <p:nvSpPr>
-          <p:cNvPr id="3" name="Content Placeholder 2">
-            <a:extLst>
-              <a:ext uri="{FF2B5EF4-FFF2-40B4-BE49-F238E27FC236}">
-                <a16:creationId xmlns:a16="http://schemas.microsoft.com/office/drawing/2014/main" id="{BDB34310-8676-4522-B1B4-1CF7E2B6EE62}"/>
+              <a:t>Agenda</a:t>
+            </a:r>
+          </a:p>
+        </p:txBody>
+      </p:sp>
+      <p:sp>
+        <p:nvSpPr>
+          <p:cNvPr id="7171" name="Content Placeholder 2">
+            <a:extLst>
+              <a:ext uri="{FF2B5EF4-FFF2-40B4-BE49-F238E27FC236}">
+                <a16:creationId xmlns:a16="http://schemas.microsoft.com/office/drawing/2014/main" id="{A7AC96D9-BBFC-47E4-92E2-507D15382BDD}"/>
               </a:ext>
             </a:extLst>
           </p:cNvPr>
@@ -8903,115 +9740,99 @@
           </a:bodyPr>
           <a:lstStyle/>
           <a:p>
-            <a:pPr marL="0" indent="0">
-              <a:buNone/>
-            </a:pPr>
-            <a:r>
-              <a:rPr lang="en-US" sz="1800">
+            <a:r>
+              <a:rPr lang="en-US" altLang="en-US" u="sng">
                 <a:solidFill>
                   <a:srgbClr val="000000"/>
                 </a:solidFill>
                 <a:latin typeface="Helvetica" panose="020B0604020202020204" pitchFamily="34" charset="0"/>
-                <a:cs typeface="Helvetica" panose="020B0604020202020204" pitchFamily="34" charset="0"/>
+                <a:ea typeface="ＭＳ Ｐゴシック" panose="020B0600070205080204" pitchFamily="34" charset="-128"/>
               </a:rPr>
-              <a:t>Overview :</a:t>
-            </a:r>
-          </a:p>
-          <a:p>
-            <a:r>
-              <a:rPr lang="en-US" sz="1800">
+              <a:t>Machine Learning Pipeline </a:t>
+            </a:r>
+          </a:p>
+          <a:p>
+            <a:r>
+              <a:rPr lang="en-US" altLang="en-US" u="sng">
                 <a:solidFill>
                   <a:srgbClr val="000000"/>
                 </a:solidFill>
                 <a:latin typeface="Helvetica" panose="020B0604020202020204" pitchFamily="34" charset="0"/>
-                <a:cs typeface="Helvetica" panose="020B0604020202020204" pitchFamily="34" charset="0"/>
+                <a:ea typeface="ＭＳ Ｐゴシック" panose="020B0600070205080204" pitchFamily="34" charset="-128"/>
               </a:rPr>
-              <a:t>BigML is MLaaS, which provides robustly-engineered Machine Learning algorithms proven to solve real world problems, through a simple and elegant web interface.</a:t>
-            </a:r>
-          </a:p>
-          <a:p>
-            <a:pPr marL="0" indent="0">
-              <a:buNone/>
-            </a:pPr>
-            <a:endParaRPr lang="en-US" sz="1800">
-              <a:solidFill>
-                <a:srgbClr val="000000"/>
-              </a:solidFill>
-              <a:latin typeface="Helvetica" panose="020B0604020202020204" pitchFamily="34" charset="0"/>
-              <a:cs typeface="Helvetica" panose="020B0604020202020204" pitchFamily="34" charset="0"/>
-            </a:endParaRPr>
-          </a:p>
-          <a:p>
-            <a:pPr marL="0" indent="0">
-              <a:buNone/>
-            </a:pPr>
-            <a:r>
-              <a:rPr lang="en-US" sz="1800">
+              <a:t>Machine Learning as a Service</a:t>
+            </a:r>
+          </a:p>
+          <a:p>
+            <a:r>
+              <a:rPr lang="en-US" altLang="en-US" u="sng">
                 <a:solidFill>
                   <a:srgbClr val="000000"/>
                 </a:solidFill>
                 <a:latin typeface="Helvetica" panose="020B0604020202020204" pitchFamily="34" charset="0"/>
-                <a:cs typeface="Helvetica" panose="020B0604020202020204" pitchFamily="34" charset="0"/>
+                <a:ea typeface="ＭＳ Ｐゴシック" panose="020B0600070205080204" pitchFamily="34" charset="-128"/>
               </a:rPr>
-              <a:t>Features :</a:t>
-            </a:r>
-          </a:p>
-          <a:p>
-            <a:r>
-              <a:rPr lang="en-US" sz="1800">
+              <a:t>How MLaaS makes it easy?</a:t>
+            </a:r>
+          </a:p>
+          <a:p>
+            <a:r>
+              <a:rPr lang="en-US" altLang="en-US" u="sng">
                 <a:solidFill>
                   <a:srgbClr val="000000"/>
                 </a:solidFill>
                 <a:latin typeface="Helvetica" panose="020B0604020202020204" pitchFamily="34" charset="0"/>
-                <a:cs typeface="Helvetica" panose="020B0604020202020204" pitchFamily="34" charset="0"/>
+                <a:ea typeface="ＭＳ Ｐゴシック" panose="020B0600070205080204" pitchFamily="34" charset="-128"/>
               </a:rPr>
-              <a:t>Like H2o it provides an OptiML library for AutoML pupose.</a:t>
-            </a:r>
-          </a:p>
-          <a:p>
-            <a:r>
-              <a:rPr lang="en-US" sz="1800">
+              <a:t>Available Machine Learning Services</a:t>
+            </a:r>
+          </a:p>
+          <a:p>
+            <a:r>
+              <a:rPr lang="en-US" altLang="en-US" u="sng">
                 <a:solidFill>
                   <a:srgbClr val="000000"/>
                 </a:solidFill>
                 <a:latin typeface="Helvetica" panose="020B0604020202020204" pitchFamily="34" charset="0"/>
-                <a:cs typeface="Helvetica" panose="020B0604020202020204" pitchFamily="34" charset="0"/>
+                <a:ea typeface="ＭＳ Ｐゴシック" panose="020B0600070205080204" pitchFamily="34" charset="-128"/>
+                <a:hlinkClick r:id="" action="ppaction://noaction">
+                  <a:extLst>
+                    <a:ext uri="{A12FA001-AC4F-418D-AE19-62706E023703}">
+                      <ahyp:hlinkClr xmlns:ahyp="http://schemas.microsoft.com/office/drawing/2018/hyperlinkcolor" val="tx"/>
+                    </a:ext>
+                  </a:extLst>
+                </a:hlinkClick>
               </a:rPr>
-              <a:t>It is platform independent i.e. it can access data from AWS, Google Drive, etc.</a:t>
-            </a:r>
-          </a:p>
-          <a:p>
-            <a:r>
-              <a:rPr lang="en-US" sz="1800">
+              <a:t>Azure ML Studio</a:t>
+            </a:r>
+          </a:p>
+          <a:p>
+            <a:r>
+              <a:rPr lang="en-US" altLang="en-US" u="sng">
                 <a:solidFill>
                   <a:srgbClr val="000000"/>
                 </a:solidFill>
                 <a:latin typeface="Helvetica" panose="020B0604020202020204" pitchFamily="34" charset="0"/>
-                <a:cs typeface="Helvetica" panose="020B0604020202020204" pitchFamily="34" charset="0"/>
+                <a:ea typeface="ＭＳ Ｐゴシック" panose="020B0600070205080204" pitchFamily="34" charset="-128"/>
               </a:rPr>
-              <a:t>The Web UI is extremely intuitive and easy to use.</a:t>
-            </a:r>
-          </a:p>
-          <a:p>
-            <a:r>
-              <a:rPr lang="en-US" sz="1800">
+              <a:t>What is Amazon SageMaker?</a:t>
+            </a:r>
+          </a:p>
+          <a:p>
+            <a:r>
+              <a:rPr lang="en-US" altLang="en-US" u="sng">
                 <a:solidFill>
                   <a:srgbClr val="000000"/>
                 </a:solidFill>
                 <a:latin typeface="Helvetica" panose="020B0604020202020204" pitchFamily="34" charset="0"/>
-                <a:cs typeface="Helvetica" panose="020B0604020202020204" pitchFamily="34" charset="0"/>
+                <a:ea typeface="ＭＳ Ｐゴシック" panose="020B0600070205080204" pitchFamily="34" charset="-128"/>
               </a:rPr>
-              <a:t>The models are very interpretable</a:t>
+              <a:t>BigML &amp; AutoML</a:t>
             </a:r>
           </a:p>
         </p:txBody>
       </p:sp>
     </p:spTree>
-    <p:extLst>
-      <p:ext uri="{BB962C8B-B14F-4D97-AF65-F5344CB8AC3E}">
-        <p14:creationId xmlns:p14="http://schemas.microsoft.com/office/powerpoint/2010/main" val="1747880691"/>
-      </p:ext>
-    </p:extLst>
   </p:cSld>
   <p:clrMapOvr>
     <a:masterClrMapping/>
@@ -9019,7 +9840,7 @@
 </p:sld>
 </file>
 
-<file path=ppt/slides/slide17.xml><?xml version="1.0" encoding="utf-8"?>
+<file path=ppt/slides/slide20.xml><?xml version="1.0" encoding="utf-8"?>
 <p:sld xmlns:a="http://schemas.openxmlformats.org/drawingml/2006/main" xmlns:r="http://schemas.openxmlformats.org/officeDocument/2006/relationships" xmlns:p="http://schemas.openxmlformats.org/presentationml/2006/main">
   <p:cSld>
     <p:bg>
@@ -9239,7 +10060,7 @@
           <p:cNvPr id="2" name="Title 1">
             <a:extLst>
               <a:ext uri="{FF2B5EF4-FFF2-40B4-BE49-F238E27FC236}">
-                <a16:creationId xmlns:a16="http://schemas.microsoft.com/office/drawing/2014/main" id="{EF794C47-4DB9-4060-AF5B-C3F5DAF2CF16}"/>
+                <a16:creationId xmlns:a16="http://schemas.microsoft.com/office/drawing/2014/main" id="{18ED84CE-90D4-408D-8966-E7A914E0C0D0}"/>
               </a:ext>
             </a:extLst>
           </p:cNvPr>
@@ -9270,7 +10091,7 @@
                 <a:latin typeface="Helvetica" panose="020B0604020202020204" pitchFamily="34" charset="0"/>
                 <a:cs typeface="Helvetica" panose="020B0604020202020204" pitchFamily="34" charset="0"/>
               </a:rPr>
-              <a:t>BigML DEMO</a:t>
+              <a:t>H2O AI DEMO</a:t>
             </a:r>
           </a:p>
         </p:txBody>
@@ -9280,7 +10101,7 @@
           <p:cNvPr id="3" name="Content Placeholder 2">
             <a:extLst>
               <a:ext uri="{FF2B5EF4-FFF2-40B4-BE49-F238E27FC236}">
-                <a16:creationId xmlns:a16="http://schemas.microsoft.com/office/drawing/2014/main" id="{D179188A-1792-4E9E-B41E-6361998473D4}"/>
+                <a16:creationId xmlns:a16="http://schemas.microsoft.com/office/drawing/2014/main" id="{DDE22BBA-0D10-48EC-A24C-33E7C1A5557E}"/>
               </a:ext>
             </a:extLst>
           </p:cNvPr>
@@ -9385,7 +10206,7 @@
     </p:spTree>
     <p:extLst>
       <p:ext uri="{BB962C8B-B14F-4D97-AF65-F5344CB8AC3E}">
-        <p14:creationId xmlns:p14="http://schemas.microsoft.com/office/powerpoint/2010/main" val="1535310050"/>
+        <p14:creationId xmlns:p14="http://schemas.microsoft.com/office/powerpoint/2010/main" val="2267316831"/>
       </p:ext>
     </p:extLst>
   </p:cSld>
@@ -9395,7 +10216,7 @@
 </p:sld>
 </file>
 
-<file path=ppt/slides/slide2.xml><?xml version="1.0" encoding="utf-8"?>
+<file path=ppt/slides/slide21.xml><?xml version="1.0" encoding="utf-8"?>
 <p:sld xmlns:a="http://schemas.openxmlformats.org/drawingml/2006/main" xmlns:r="http://schemas.openxmlformats.org/officeDocument/2006/relationships" xmlns:p="http://schemas.openxmlformats.org/presentationml/2006/main">
   <p:cSld>
     <p:bg>
@@ -9422,7 +10243,7 @@
       </p:grpSpPr>
       <p:sp useBgFill="1">
         <p:nvSpPr>
-          <p:cNvPr id="72" name="Rectangle 71">
+          <p:cNvPr id="8" name="Rectangle 7">
             <a:extLst>
               <a:ext uri="{FF2B5EF4-FFF2-40B4-BE49-F238E27FC236}">
                 <a16:creationId xmlns:a16="http://schemas.microsoft.com/office/drawing/2014/main" id="{3B854194-185D-494D-905C-7C7CB2E30F6E}"/>
@@ -9482,7 +10303,7 @@
       </p:sp>
       <p:sp>
         <p:nvSpPr>
-          <p:cNvPr id="74" name="Rectangle 73">
+          <p:cNvPr id="10" name="Rectangle 9">
             <a:extLst>
               <a:ext uri="{FF2B5EF4-FFF2-40B4-BE49-F238E27FC236}">
                 <a16:creationId xmlns:a16="http://schemas.microsoft.com/office/drawing/2014/main" id="{B4F5FA0D-0104-4987-8241-EFF7C85B88DE}"/>
@@ -9567,7 +10388,7 @@
       </p:sp>
       <p:pic>
         <p:nvPicPr>
-          <p:cNvPr id="76" name="Picture 75">
+          <p:cNvPr id="12" name="Picture 11">
             <a:extLst>
               <a:ext uri="{FF2B5EF4-FFF2-40B4-BE49-F238E27FC236}">
                 <a16:creationId xmlns:a16="http://schemas.microsoft.com/office/drawing/2014/main" id="{2897127E-6CEF-446C-BE87-93B7C46E49D1}"/>
@@ -9612,10 +10433,10 @@
       </p:pic>
       <p:sp>
         <p:nvSpPr>
-          <p:cNvPr id="7170" name="Title 1">
-            <a:extLst>
-              <a:ext uri="{FF2B5EF4-FFF2-40B4-BE49-F238E27FC236}">
-                <a16:creationId xmlns:a16="http://schemas.microsoft.com/office/drawing/2014/main" id="{08E671E6-8489-453F-8D3F-00143C8C6EB3}"/>
+          <p:cNvPr id="2" name="Title 1">
+            <a:extLst>
+              <a:ext uri="{FF2B5EF4-FFF2-40B4-BE49-F238E27FC236}">
+                <a16:creationId xmlns:a16="http://schemas.microsoft.com/office/drawing/2014/main" id="{EED7D955-4529-4137-9DC2-D3F1F96FC4D5}"/>
               </a:ext>
             </a:extLst>
           </p:cNvPr>
@@ -9639,24 +10460,24 @@
           <a:lstStyle/>
           <a:p>
             <a:r>
-              <a:rPr lang="en-US" altLang="en-US">
+              <a:rPr lang="en-US">
                 <a:solidFill>
                   <a:srgbClr val="FFFFFF"/>
                 </a:solidFill>
                 <a:latin typeface="Helvetica" panose="020B0604020202020204" pitchFamily="34" charset="0"/>
-                <a:ea typeface="ＭＳ Ｐゴシック" panose="020B0600070205080204" pitchFamily="34" charset="-128"/>
+                <a:cs typeface="Helvetica" panose="020B0604020202020204" pitchFamily="34" charset="0"/>
               </a:rPr>
-              <a:t>Agenda</a:t>
-            </a:r>
-          </a:p>
-        </p:txBody>
-      </p:sp>
-      <p:sp>
-        <p:nvSpPr>
-          <p:cNvPr id="7171" name="Content Placeholder 2">
-            <a:extLst>
-              <a:ext uri="{FF2B5EF4-FFF2-40B4-BE49-F238E27FC236}">
-                <a16:creationId xmlns:a16="http://schemas.microsoft.com/office/drawing/2014/main" id="{A7AC96D9-BBFC-47E4-92E2-507D15382BDD}"/>
+              <a:t>BigML</a:t>
+            </a:r>
+          </a:p>
+        </p:txBody>
+      </p:sp>
+      <p:sp>
+        <p:nvSpPr>
+          <p:cNvPr id="3" name="Content Placeholder 2">
+            <a:extLst>
+              <a:ext uri="{FF2B5EF4-FFF2-40B4-BE49-F238E27FC236}">
+                <a16:creationId xmlns:a16="http://schemas.microsoft.com/office/drawing/2014/main" id="{BDB34310-8676-4522-B1B4-1CF7E2B6EE62}"/>
               </a:ext>
             </a:extLst>
           </p:cNvPr>
@@ -9679,99 +10500,491 @@
           </a:bodyPr>
           <a:lstStyle/>
           <a:p>
-            <a:r>
-              <a:rPr lang="en-US" altLang="en-US" u="sng">
+            <a:pPr marL="0" indent="0">
+              <a:buNone/>
+            </a:pPr>
+            <a:r>
+              <a:rPr lang="en-US" sz="1800">
                 <a:solidFill>
                   <a:srgbClr val="000000"/>
                 </a:solidFill>
                 <a:latin typeface="Helvetica" panose="020B0604020202020204" pitchFamily="34" charset="0"/>
-                <a:ea typeface="ＭＳ Ｐゴシック" panose="020B0600070205080204" pitchFamily="34" charset="-128"/>
+                <a:cs typeface="Helvetica" panose="020B0604020202020204" pitchFamily="34" charset="0"/>
               </a:rPr>
-              <a:t>Machine Learning Pipeline </a:t>
-            </a:r>
-          </a:p>
-          <a:p>
-            <a:r>
-              <a:rPr lang="en-US" altLang="en-US" u="sng">
+              <a:t>Overview :</a:t>
+            </a:r>
+          </a:p>
+          <a:p>
+            <a:r>
+              <a:rPr lang="en-US" sz="1800">
                 <a:solidFill>
                   <a:srgbClr val="000000"/>
                 </a:solidFill>
                 <a:latin typeface="Helvetica" panose="020B0604020202020204" pitchFamily="34" charset="0"/>
-                <a:ea typeface="ＭＳ Ｐゴシック" panose="020B0600070205080204" pitchFamily="34" charset="-128"/>
+                <a:cs typeface="Helvetica" panose="020B0604020202020204" pitchFamily="34" charset="0"/>
               </a:rPr>
-              <a:t>Machine Learning as a Service</a:t>
-            </a:r>
-          </a:p>
-          <a:p>
-            <a:r>
-              <a:rPr lang="en-US" altLang="en-US" u="sng">
+              <a:t>BigML is MLaaS, which provides robustly-engineered Machine Learning algorithms proven to solve real world problems, through a simple and elegant web interface.</a:t>
+            </a:r>
+          </a:p>
+          <a:p>
+            <a:pPr marL="0" indent="0">
+              <a:buNone/>
+            </a:pPr>
+            <a:endParaRPr lang="en-US" sz="1800">
+              <a:solidFill>
+                <a:srgbClr val="000000"/>
+              </a:solidFill>
+              <a:latin typeface="Helvetica" panose="020B0604020202020204" pitchFamily="34" charset="0"/>
+              <a:cs typeface="Helvetica" panose="020B0604020202020204" pitchFamily="34" charset="0"/>
+            </a:endParaRPr>
+          </a:p>
+          <a:p>
+            <a:pPr marL="0" indent="0">
+              <a:buNone/>
+            </a:pPr>
+            <a:r>
+              <a:rPr lang="en-US" sz="1800">
                 <a:solidFill>
                   <a:srgbClr val="000000"/>
                 </a:solidFill>
                 <a:latin typeface="Helvetica" panose="020B0604020202020204" pitchFamily="34" charset="0"/>
-                <a:ea typeface="ＭＳ Ｐゴシック" panose="020B0600070205080204" pitchFamily="34" charset="-128"/>
+                <a:cs typeface="Helvetica" panose="020B0604020202020204" pitchFamily="34" charset="0"/>
               </a:rPr>
-              <a:t>How MLaaS makes it easy?</a:t>
-            </a:r>
-          </a:p>
-          <a:p>
-            <a:r>
-              <a:rPr lang="en-US" altLang="en-US" u="sng">
+              <a:t>Features :</a:t>
+            </a:r>
+          </a:p>
+          <a:p>
+            <a:r>
+              <a:rPr lang="en-US" sz="1800">
                 <a:solidFill>
                   <a:srgbClr val="000000"/>
                 </a:solidFill>
                 <a:latin typeface="Helvetica" panose="020B0604020202020204" pitchFamily="34" charset="0"/>
-                <a:ea typeface="ＭＳ Ｐゴシック" panose="020B0600070205080204" pitchFamily="34" charset="-128"/>
+                <a:cs typeface="Helvetica" panose="020B0604020202020204" pitchFamily="34" charset="0"/>
               </a:rPr>
-              <a:t>Available Machine Learning Services</a:t>
-            </a:r>
-          </a:p>
-          <a:p>
-            <a:r>
-              <a:rPr lang="en-US" altLang="en-US" u="sng">
+              <a:t>Like H2o it provides an OptiML library for AutoML pupose.</a:t>
+            </a:r>
+          </a:p>
+          <a:p>
+            <a:r>
+              <a:rPr lang="en-US" sz="1800">
                 <a:solidFill>
                   <a:srgbClr val="000000"/>
                 </a:solidFill>
                 <a:latin typeface="Helvetica" panose="020B0604020202020204" pitchFamily="34" charset="0"/>
-                <a:ea typeface="ＭＳ Ｐゴシック" panose="020B0600070205080204" pitchFamily="34" charset="-128"/>
-                <a:hlinkClick r:id="" action="ppaction://noaction">
-                  <a:extLst>
-                    <a:ext uri="{A12FA001-AC4F-418D-AE19-62706E023703}">
-                      <ahyp:hlinkClr xmlns:ahyp="http://schemas.microsoft.com/office/drawing/2018/hyperlinkcolor" val="tx"/>
-                    </a:ext>
-                  </a:extLst>
-                </a:hlinkClick>
+                <a:cs typeface="Helvetica" panose="020B0604020202020204" pitchFamily="34" charset="0"/>
               </a:rPr>
-              <a:t>Azure ML Studio</a:t>
-            </a:r>
-          </a:p>
-          <a:p>
-            <a:r>
-              <a:rPr lang="en-US" altLang="en-US" u="sng">
+              <a:t>It is platform independent i.e. it can access data from AWS, Google Drive, etc.</a:t>
+            </a:r>
+          </a:p>
+          <a:p>
+            <a:r>
+              <a:rPr lang="en-US" sz="1800">
                 <a:solidFill>
                   <a:srgbClr val="000000"/>
                 </a:solidFill>
                 <a:latin typeface="Helvetica" panose="020B0604020202020204" pitchFamily="34" charset="0"/>
-                <a:ea typeface="ＭＳ Ｐゴシック" panose="020B0600070205080204" pitchFamily="34" charset="-128"/>
+                <a:cs typeface="Helvetica" panose="020B0604020202020204" pitchFamily="34" charset="0"/>
               </a:rPr>
-              <a:t>What is Amazon SageMaker?</a:t>
-            </a:r>
-          </a:p>
-          <a:p>
-            <a:r>
-              <a:rPr lang="en-US" altLang="en-US" u="sng">
+              <a:t>The Web UI is extremely intuitive and easy to use.</a:t>
+            </a:r>
+          </a:p>
+          <a:p>
+            <a:r>
+              <a:rPr lang="en-US" sz="1800">
                 <a:solidFill>
                   <a:srgbClr val="000000"/>
                 </a:solidFill>
                 <a:latin typeface="Helvetica" panose="020B0604020202020204" pitchFamily="34" charset="0"/>
-                <a:ea typeface="ＭＳ Ｐゴシック" panose="020B0600070205080204" pitchFamily="34" charset="-128"/>
+                <a:cs typeface="Helvetica" panose="020B0604020202020204" pitchFamily="34" charset="0"/>
               </a:rPr>
-              <a:t>BigML &amp; AutoML</a:t>
+              <a:t>The models are very interpretable</a:t>
             </a:r>
           </a:p>
         </p:txBody>
       </p:sp>
     </p:spTree>
+    <p:extLst>
+      <p:ext uri="{BB962C8B-B14F-4D97-AF65-F5344CB8AC3E}">
+        <p14:creationId xmlns:p14="http://schemas.microsoft.com/office/powerpoint/2010/main" val="1747880691"/>
+      </p:ext>
+    </p:extLst>
+  </p:cSld>
+  <p:clrMapOvr>
+    <a:masterClrMapping/>
+  </p:clrMapOvr>
+</p:sld>
+</file>
+
+<file path=ppt/slides/slide22.xml><?xml version="1.0" encoding="utf-8"?>
+<p:sld xmlns:a="http://schemas.openxmlformats.org/drawingml/2006/main" xmlns:r="http://schemas.openxmlformats.org/officeDocument/2006/relationships" xmlns:p="http://schemas.openxmlformats.org/presentationml/2006/main">
+  <p:cSld>
+    <p:bg>
+      <p:bgPr>
+        <a:solidFill>
+          <a:schemeClr val="bg1"/>
+        </a:solidFill>
+        <a:effectLst/>
+      </p:bgPr>
+    </p:bg>
+    <p:spTree>
+      <p:nvGrpSpPr>
+        <p:cNvPr id="1" name=""/>
+        <p:cNvGrpSpPr/>
+        <p:nvPr/>
+      </p:nvGrpSpPr>
+      <p:grpSpPr>
+        <a:xfrm>
+          <a:off x="0" y="0"/>
+          <a:ext cx="0" cy="0"/>
+          <a:chOff x="0" y="0"/>
+          <a:chExt cx="0" cy="0"/>
+        </a:xfrm>
+      </p:grpSpPr>
+      <p:sp useBgFill="1">
+        <p:nvSpPr>
+          <p:cNvPr id="8" name="Rectangle 7">
+            <a:extLst>
+              <a:ext uri="{FF2B5EF4-FFF2-40B4-BE49-F238E27FC236}">
+                <a16:creationId xmlns:a16="http://schemas.microsoft.com/office/drawing/2014/main" id="{3B854194-185D-494D-905C-7C7CB2E30F6E}"/>
+              </a:ext>
+              <a:ext uri="{C183D7F6-B498-43B3-948B-1728B52AA6E4}">
+                <adec:decorative xmlns:adec="http://schemas.microsoft.com/office/drawing/2017/decorative" val="1"/>
+              </a:ext>
+            </a:extLst>
+          </p:cNvPr>
+          <p:cNvSpPr>
+            <a:spLocks noGrp="1" noRot="1" noChangeAspect="1" noMove="1" noResize="1" noEditPoints="1" noAdjustHandles="1" noChangeArrowheads="1" noChangeShapeType="1" noTextEdit="1"/>
+          </p:cNvSpPr>
+          <p:nvPr>
+            <p:extLst>
+              <p:ext uri="{386F3935-93C4-4BCD-93E2-E3B085C9AB24}">
+                <p16:designElem xmlns:p16="http://schemas.microsoft.com/office/powerpoint/2015/main" val="1"/>
+              </p:ext>
+            </p:extLst>
+          </p:nvPr>
+        </p:nvSpPr>
+        <p:spPr>
+          <a:xfrm>
+            <a:off x="0" y="0"/>
+            <a:ext cx="4561583" cy="6858000"/>
+          </a:xfrm>
+          <a:prstGeom prst="rect">
+            <a:avLst/>
+          </a:prstGeom>
+          <a:ln>
+            <a:noFill/>
+          </a:ln>
+        </p:spPr>
+        <p:style>
+          <a:lnRef idx="2">
+            <a:schemeClr val="accent1">
+              <a:shade val="50000"/>
+            </a:schemeClr>
+          </a:lnRef>
+          <a:fillRef idx="1">
+            <a:schemeClr val="accent1"/>
+          </a:fillRef>
+          <a:effectRef idx="0">
+            <a:schemeClr val="accent1"/>
+          </a:effectRef>
+          <a:fontRef idx="minor">
+            <a:schemeClr val="lt1"/>
+          </a:fontRef>
+        </p:style>
+        <p:txBody>
+          <a:bodyPr rtlCol="0" anchor="ctr"/>
+          <a:lstStyle/>
+          <a:p>
+            <a:pPr algn="ctr"/>
+            <a:endParaRPr lang="en-US"/>
+          </a:p>
+        </p:txBody>
+      </p:sp>
+      <p:sp>
+        <p:nvSpPr>
+          <p:cNvPr id="10" name="Rectangle 9">
+            <a:extLst>
+              <a:ext uri="{FF2B5EF4-FFF2-40B4-BE49-F238E27FC236}">
+                <a16:creationId xmlns:a16="http://schemas.microsoft.com/office/drawing/2014/main" id="{B4F5FA0D-0104-4987-8241-EFF7C85B88DE}"/>
+              </a:ext>
+              <a:ext uri="{C183D7F6-B498-43B3-948B-1728B52AA6E4}">
+                <adec:decorative xmlns:adec="http://schemas.microsoft.com/office/drawing/2017/decorative" val="1"/>
+              </a:ext>
+            </a:extLst>
+          </p:cNvPr>
+          <p:cNvSpPr>
+            <a:spLocks noGrp="1" noRot="1" noChangeAspect="1" noMove="1" noResize="1" noEditPoints="1" noAdjustHandles="1" noChangeArrowheads="1" noChangeShapeType="1" noTextEdit="1"/>
+          </p:cNvSpPr>
+          <p:nvPr>
+            <p:extLst>
+              <p:ext uri="{386F3935-93C4-4BCD-93E2-E3B085C9AB24}">
+                <p16:designElem xmlns:p16="http://schemas.microsoft.com/office/powerpoint/2015/main" val="1"/>
+              </p:ext>
+            </p:extLst>
+          </p:nvPr>
+        </p:nvSpPr>
+        <p:spPr>
+          <a:xfrm>
+            <a:off x="0" y="0"/>
+            <a:ext cx="9143999" cy="6858000"/>
+          </a:xfrm>
+          <a:prstGeom prst="rect">
+            <a:avLst/>
+          </a:prstGeom>
+          <a:gradFill>
+            <a:gsLst>
+              <a:gs pos="0">
+                <a:schemeClr val="accent1">
+                  <a:lumMod val="90000"/>
+                </a:schemeClr>
+              </a:gs>
+              <a:gs pos="25000">
+                <a:schemeClr val="accent1">
+                  <a:lumMod val="90000"/>
+                </a:schemeClr>
+              </a:gs>
+              <a:gs pos="94000">
+                <a:schemeClr val="bg2">
+                  <a:lumMod val="25000"/>
+                </a:schemeClr>
+              </a:gs>
+              <a:gs pos="100000">
+                <a:schemeClr val="bg2">
+                  <a:lumMod val="25000"/>
+                </a:schemeClr>
+              </a:gs>
+            </a:gsLst>
+            <a:lin ang="4200000" scaled="0"/>
+          </a:gradFill>
+          <a:ln>
+            <a:noFill/>
+          </a:ln>
+        </p:spPr>
+        <p:style>
+          <a:lnRef idx="2">
+            <a:schemeClr val="accent1">
+              <a:shade val="50000"/>
+            </a:schemeClr>
+          </a:lnRef>
+          <a:fillRef idx="1">
+            <a:schemeClr val="accent1"/>
+          </a:fillRef>
+          <a:effectRef idx="0">
+            <a:schemeClr val="accent1"/>
+          </a:effectRef>
+          <a:fontRef idx="minor">
+            <a:schemeClr val="lt1"/>
+          </a:fontRef>
+        </p:style>
+        <p:txBody>
+          <a:bodyPr rtlCol="0" anchor="ctr"/>
+          <a:lstStyle/>
+          <a:p>
+            <a:pPr algn="ctr"/>
+            <a:endParaRPr lang="en-US"/>
+          </a:p>
+        </p:txBody>
+      </p:sp>
+      <p:pic>
+        <p:nvPicPr>
+          <p:cNvPr id="12" name="Picture 11">
+            <a:extLst>
+              <a:ext uri="{FF2B5EF4-FFF2-40B4-BE49-F238E27FC236}">
+                <a16:creationId xmlns:a16="http://schemas.microsoft.com/office/drawing/2014/main" id="{2897127E-6CEF-446C-BE87-93B7C46E49D1}"/>
+              </a:ext>
+              <a:ext uri="{C183D7F6-B498-43B3-948B-1728B52AA6E4}">
+                <adec:decorative xmlns:adec="http://schemas.microsoft.com/office/drawing/2017/decorative" val="1"/>
+              </a:ext>
+            </a:extLst>
+          </p:cNvPr>
+          <p:cNvPicPr>
+            <a:picLocks noGrp="1" noRot="1" noChangeAspect="1" noMove="1" noResize="1" noEditPoints="1" noAdjustHandles="1" noChangeArrowheads="1" noChangeShapeType="1" noCrop="1"/>
+          </p:cNvPicPr>
+          <p:nvPr>
+            <p:extLst>
+              <p:ext uri="{386F3935-93C4-4BCD-93E2-E3B085C9AB24}">
+                <p16:designElem xmlns:p16="http://schemas.microsoft.com/office/powerpoint/2015/main" val="1"/>
+              </p:ext>
+            </p:extLst>
+          </p:nvPr>
+        </p:nvPicPr>
+        <p:blipFill>
+          <a:blip r:embed="rId2">
+            <a:extLst>
+              <a:ext uri="{28A0092B-C50C-407E-A947-70E740481C1C}">
+                <a14:useLocalDpi xmlns:a14="http://schemas.microsoft.com/office/drawing/2010/main" val="0"/>
+              </a:ext>
+            </a:extLst>
+          </a:blip>
+          <a:stretch>
+            <a:fillRect/>
+          </a:stretch>
+        </p:blipFill>
+        <p:spPr>
+          <a:xfrm>
+            <a:off x="0" y="0"/>
+            <a:ext cx="9144000" cy="6858000"/>
+          </a:xfrm>
+          <a:prstGeom prst="rect">
+            <a:avLst/>
+          </a:prstGeom>
+        </p:spPr>
+      </p:pic>
+      <p:sp>
+        <p:nvSpPr>
+          <p:cNvPr id="2" name="Title 1">
+            <a:extLst>
+              <a:ext uri="{FF2B5EF4-FFF2-40B4-BE49-F238E27FC236}">
+                <a16:creationId xmlns:a16="http://schemas.microsoft.com/office/drawing/2014/main" id="{EF794C47-4DB9-4060-AF5B-C3F5DAF2CF16}"/>
+              </a:ext>
+            </a:extLst>
+          </p:cNvPr>
+          <p:cNvSpPr>
+            <a:spLocks noGrp="1"/>
+          </p:cNvSpPr>
+          <p:nvPr>
+            <p:ph type="title"/>
+          </p:nvPr>
+        </p:nvSpPr>
+        <p:spPr>
+          <a:xfrm>
+            <a:off x="480059" y="2053641"/>
+            <a:ext cx="2751871" cy="2760098"/>
+          </a:xfrm>
+        </p:spPr>
+        <p:txBody>
+          <a:bodyPr>
+            <a:normAutofit/>
+          </a:bodyPr>
+          <a:lstStyle/>
+          <a:p>
+            <a:r>
+              <a:rPr lang="en-US">
+                <a:solidFill>
+                  <a:srgbClr val="FFFFFF"/>
+                </a:solidFill>
+                <a:latin typeface="Helvetica" panose="020B0604020202020204" pitchFamily="34" charset="0"/>
+                <a:cs typeface="Helvetica" panose="020B0604020202020204" pitchFamily="34" charset="0"/>
+              </a:rPr>
+              <a:t>BigML DEMO</a:t>
+            </a:r>
+          </a:p>
+        </p:txBody>
+      </p:sp>
+      <p:sp>
+        <p:nvSpPr>
+          <p:cNvPr id="3" name="Content Placeholder 2">
+            <a:extLst>
+              <a:ext uri="{FF2B5EF4-FFF2-40B4-BE49-F238E27FC236}">
+                <a16:creationId xmlns:a16="http://schemas.microsoft.com/office/drawing/2014/main" id="{D179188A-1792-4E9E-B41E-6361998473D4}"/>
+              </a:ext>
+            </a:extLst>
+          </p:cNvPr>
+          <p:cNvSpPr>
+            <a:spLocks noGrp="1"/>
+          </p:cNvSpPr>
+          <p:nvPr>
+            <p:ph idx="1"/>
+          </p:nvPr>
+        </p:nvSpPr>
+        <p:spPr>
+          <a:xfrm>
+            <a:off x="4567930" y="801866"/>
+            <a:ext cx="3979563" cy="5230634"/>
+          </a:xfrm>
+        </p:spPr>
+        <p:txBody>
+          <a:bodyPr anchor="ctr">
+            <a:normAutofit/>
+          </a:bodyPr>
+          <a:lstStyle/>
+          <a:p>
+            <a:r>
+              <a:rPr lang="en-US">
+                <a:solidFill>
+                  <a:srgbClr val="000000"/>
+                </a:solidFill>
+                <a:latin typeface="Helvetica" panose="020B0604020202020204" pitchFamily="34" charset="0"/>
+                <a:cs typeface="Helvetica" panose="020B0604020202020204" pitchFamily="34" charset="0"/>
+              </a:rPr>
+              <a:t>Regression on Iowa Housing Price Data Set</a:t>
+            </a:r>
+          </a:p>
+          <a:p>
+            <a:pPr marL="0" indent="0">
+              <a:buNone/>
+            </a:pPr>
+            <a:r>
+              <a:rPr lang="en-US">
+                <a:solidFill>
+                  <a:srgbClr val="000000"/>
+                </a:solidFill>
+                <a:latin typeface="Helvetica" panose="020B0604020202020204" pitchFamily="34" charset="0"/>
+                <a:cs typeface="Helvetica" panose="020B0604020202020204" pitchFamily="34" charset="0"/>
+              </a:rPr>
+              <a:t>To predict the SalePrice of the house</a:t>
+            </a:r>
+          </a:p>
+          <a:p>
+            <a:pPr marL="0" indent="0">
+              <a:buNone/>
+            </a:pPr>
+            <a:endParaRPr lang="en-US">
+              <a:solidFill>
+                <a:srgbClr val="000000"/>
+              </a:solidFill>
+              <a:latin typeface="Helvetica" panose="020B0604020202020204" pitchFamily="34" charset="0"/>
+              <a:cs typeface="Helvetica" panose="020B0604020202020204" pitchFamily="34" charset="0"/>
+            </a:endParaRPr>
+          </a:p>
+          <a:p>
+            <a:pPr marL="0" indent="0">
+              <a:buNone/>
+            </a:pPr>
+            <a:endParaRPr lang="en-US">
+              <a:solidFill>
+                <a:srgbClr val="000000"/>
+              </a:solidFill>
+              <a:latin typeface="Helvetica" panose="020B0604020202020204" pitchFamily="34" charset="0"/>
+              <a:cs typeface="Helvetica" panose="020B0604020202020204" pitchFamily="34" charset="0"/>
+            </a:endParaRPr>
+          </a:p>
+          <a:p>
+            <a:r>
+              <a:rPr lang="en-US">
+                <a:solidFill>
+                  <a:srgbClr val="000000"/>
+                </a:solidFill>
+                <a:latin typeface="Helvetica" panose="020B0604020202020204" pitchFamily="34" charset="0"/>
+                <a:cs typeface="Helvetica" panose="020B0604020202020204" pitchFamily="34" charset="0"/>
+              </a:rPr>
+              <a:t>Classification on Titanic Data Set</a:t>
+            </a:r>
+          </a:p>
+          <a:p>
+            <a:pPr marL="0" indent="0">
+              <a:buNone/>
+            </a:pPr>
+            <a:r>
+              <a:rPr lang="en-US">
+                <a:solidFill>
+                  <a:srgbClr val="000000"/>
+                </a:solidFill>
+                <a:latin typeface="Helvetica" panose="020B0604020202020204" pitchFamily="34" charset="0"/>
+                <a:cs typeface="Helvetica" panose="020B0604020202020204" pitchFamily="34" charset="0"/>
+              </a:rPr>
+              <a:t>To predict the chance of Survival</a:t>
+            </a:r>
+          </a:p>
+        </p:txBody>
+      </p:sp>
+    </p:spTree>
+    <p:extLst>
+      <p:ext uri="{BB962C8B-B14F-4D97-AF65-F5344CB8AC3E}">
+        <p14:creationId xmlns:p14="http://schemas.microsoft.com/office/powerpoint/2010/main" val="1535310050"/>
+      </p:ext>
+    </p:extLst>
   </p:cSld>
   <p:clrMapOvr>
     <a:masterClrMapping/>
@@ -11208,6 +12421,20 @@
           </a:bodyPr>
           <a:lstStyle/>
           <a:p>
+            <a:pPr marL="0" indent="0">
+              <a:buNone/>
+              <a:defRPr/>
+            </a:pPr>
+            <a:r>
+              <a:rPr lang="en-US" sz="1900" dirty="0">
+                <a:solidFill>
+                  <a:srgbClr val="000000"/>
+                </a:solidFill>
+              </a:rPr>
+              <a:t>There are basically two Azure ML   services:</a:t>
+            </a:r>
+          </a:p>
+          <a:p>
             <a:pPr>
               <a:defRPr/>
             </a:pPr>
@@ -11217,33 +12444,7 @@
                   <a:srgbClr val="000000"/>
                 </a:solidFill>
               </a:rPr>
-              <a:t>There are basically two Azure ML services:</a:t>
-            </a:r>
-          </a:p>
-          <a:p>
-            <a:pPr>
-              <a:defRPr/>
-            </a:pPr>
-            <a:r>
-              <a:rPr lang="en-US" sz="1900" dirty="0">
-                <a:solidFill>
-                  <a:srgbClr val="000000"/>
-                </a:solidFill>
-              </a:rPr>
               <a:t>Azure ML Workbench and Azure ML Studio</a:t>
-            </a:r>
-          </a:p>
-          <a:p>
-            <a:pPr>
-              <a:defRPr/>
-            </a:pPr>
-            <a:r>
-              <a:rPr lang="en-US" sz="1900" dirty="0">
-                <a:solidFill>
-                  <a:srgbClr val="000000"/>
-                </a:solidFill>
-              </a:rPr>
-              <a:t>Azure ML Workbench is focused around the ML Studio framework that allows you to create modular solutions</a:t>
             </a:r>
           </a:p>
           <a:p>
@@ -11653,7 +12854,7 @@
           <a:graphicData uri="http://schemas.openxmlformats.org/presentationml/2006/ole">
             <mc:AlternateContent xmlns:mc="http://schemas.openxmlformats.org/markup-compatibility/2006">
               <mc:Choice xmlns:v="urn:schemas-microsoft-com:vml" Requires="v">
-                <p:oleObj spid="_x0000_s2051" name="Acrobat Document" showAsIcon="1" r:id="rId3" imgW="914400" imgH="771480" progId="AcroExch.Document.DC">
+                <p:oleObj spid="_x0000_s2059" name="Acrobat Document" showAsIcon="1" r:id="rId3" imgW="914400" imgH="771480" progId="AcroExch.Document.DC">
                   <p:embed/>
                 </p:oleObj>
               </mc:Choice>
@@ -11716,7 +12917,7 @@
           <a:graphicData uri="http://schemas.openxmlformats.org/presentationml/2006/ole">
             <mc:AlternateContent xmlns:mc="http://schemas.openxmlformats.org/markup-compatibility/2006">
               <mc:Choice xmlns:v="urn:schemas-microsoft-com:vml" Requires="v">
-                <p:oleObj spid="_x0000_s2052" name="Packager Shell Object" showAsIcon="1" r:id="rId5" imgW="914400" imgH="771480" progId="Package">
+                <p:oleObj spid="_x0000_s2060" name="Packager Shell Object" showAsIcon="1" r:id="rId5" imgW="914400" imgH="771480" progId="Package">
                   <p:embed/>
                 </p:oleObj>
               </mc:Choice>

--- a/Presentation/Machine Learning As A Service.pptx
+++ b/Presentation/Machine Learning As A Service.pptx
@@ -5,7 +5,7 @@
     <p:sldMasterId id="2147484107" r:id="rId1"/>
   </p:sldMasterIdLst>
   <p:notesMasterIdLst>
-    <p:notesMasterId r:id="rId24"/>
+    <p:notesMasterId r:id="rId25"/>
   </p:notesMasterIdLst>
   <p:sldIdLst>
     <p:sldId id="257" r:id="rId2"/>
@@ -30,6 +30,7 @@
     <p:sldId id="321" r:id="rId21"/>
     <p:sldId id="320" r:id="rId22"/>
     <p:sldId id="322" r:id="rId23"/>
+    <p:sldId id="331" r:id="rId24"/>
   </p:sldIdLst>
   <p:sldSz cx="9144000" cy="6858000" type="screen4x3"/>
   <p:notesSz cx="6858000" cy="9144000"/>
@@ -9798,7 +9799,7 @@
                 <a:hlinkClick r:id="" action="ppaction://noaction">
                   <a:extLst>
                     <a:ext uri="{A12FA001-AC4F-418D-AE19-62706E023703}">
-                      <ahyp:hlinkClr xmlns:ahyp="http://schemas.microsoft.com/office/drawing/2018/hyperlinkcolor" val="tx"/>
+                      <ahyp:hlinkClr xmlns:ahyp="http://schemas.microsoft.com/office/drawing/2018/hyperlinkcolor" xmlns="" val="tx"/>
                     </a:ext>
                   </a:extLst>
                 </a:hlinkClick>
@@ -10900,37 +10901,7 @@
           </a:bodyPr>
           <a:lstStyle/>
           <a:p>
-            <a:r>
-              <a:rPr lang="en-US">
-                <a:solidFill>
-                  <a:srgbClr val="000000"/>
-                </a:solidFill>
-                <a:latin typeface="Helvetica" panose="020B0604020202020204" pitchFamily="34" charset="0"/>
-                <a:cs typeface="Helvetica" panose="020B0604020202020204" pitchFamily="34" charset="0"/>
-              </a:rPr>
-              <a:t>Regression on Iowa Housing Price Data Set</a:t>
-            </a:r>
-          </a:p>
-          <a:p>
-            <a:pPr marL="0" indent="0">
-              <a:buNone/>
-            </a:pPr>
-            <a:r>
-              <a:rPr lang="en-US">
-                <a:solidFill>
-                  <a:srgbClr val="000000"/>
-                </a:solidFill>
-                <a:latin typeface="Helvetica" panose="020B0604020202020204" pitchFamily="34" charset="0"/>
-                <a:cs typeface="Helvetica" panose="020B0604020202020204" pitchFamily="34" charset="0"/>
-              </a:rPr>
-              <a:t>To predict the SalePrice of the house</a:t>
-            </a:r>
-          </a:p>
-          <a:p>
-            <a:pPr marL="0" indent="0">
-              <a:buNone/>
-            </a:pPr>
-            <a:endParaRPr lang="en-US">
+            <a:endParaRPr lang="en-US" dirty="0">
               <a:solidFill>
                 <a:srgbClr val="000000"/>
               </a:solidFill>
@@ -10939,10 +10910,57 @@
             </a:endParaRPr>
           </a:p>
           <a:p>
+            <a:r>
+              <a:rPr lang="en-US" dirty="0">
+                <a:solidFill>
+                  <a:srgbClr val="000000"/>
+                </a:solidFill>
+                <a:latin typeface="Helvetica" panose="020B0604020202020204" pitchFamily="34" charset="0"/>
+                <a:cs typeface="Helvetica" panose="020B0604020202020204" pitchFamily="34" charset="0"/>
+              </a:rPr>
+              <a:t>Regression on Iowa Housing Price Data Set</a:t>
+            </a:r>
+          </a:p>
+          <a:p>
             <a:pPr marL="0" indent="0">
               <a:buNone/>
             </a:pPr>
-            <a:endParaRPr lang="en-US">
+            <a:r>
+              <a:rPr lang="en-US" dirty="0">
+                <a:solidFill>
+                  <a:srgbClr val="000000"/>
+                </a:solidFill>
+                <a:latin typeface="Helvetica" panose="020B0604020202020204" pitchFamily="34" charset="0"/>
+                <a:cs typeface="Helvetica" panose="020B0604020202020204" pitchFamily="34" charset="0"/>
+              </a:rPr>
+              <a:t>To predict the </a:t>
+            </a:r>
+            <a:r>
+              <a:rPr lang="en-US" dirty="0" err="1">
+                <a:solidFill>
+                  <a:srgbClr val="000000"/>
+                </a:solidFill>
+                <a:latin typeface="Helvetica" panose="020B0604020202020204" pitchFamily="34" charset="0"/>
+                <a:cs typeface="Helvetica" panose="020B0604020202020204" pitchFamily="34" charset="0"/>
+              </a:rPr>
+              <a:t>SalePrice</a:t>
+            </a:r>
+            <a:r>
+              <a:rPr lang="en-US" dirty="0">
+                <a:solidFill>
+                  <a:srgbClr val="000000"/>
+                </a:solidFill>
+                <a:latin typeface="Helvetica" panose="020B0604020202020204" pitchFamily="34" charset="0"/>
+                <a:cs typeface="Helvetica" panose="020B0604020202020204" pitchFamily="34" charset="0"/>
+              </a:rPr>
+              <a:t> of the house</a:t>
+            </a:r>
+          </a:p>
+          <a:p>
+            <a:pPr marL="0" indent="0">
+              <a:buNone/>
+            </a:pPr>
+            <a:endParaRPr lang="en-US" dirty="0">
               <a:solidFill>
                 <a:srgbClr val="000000"/>
               </a:solidFill>
@@ -10952,7 +10970,7 @@
           </a:p>
           <a:p>
             <a:r>
-              <a:rPr lang="en-US">
+              <a:rPr lang="en-US" dirty="0">
                 <a:solidFill>
                   <a:srgbClr val="000000"/>
                 </a:solidFill>
@@ -10967,7 +10985,7 @@
               <a:buNone/>
             </a:pPr>
             <a:r>
-              <a:rPr lang="en-US">
+              <a:rPr lang="en-US" dirty="0">
                 <a:solidFill>
                   <a:srgbClr val="000000"/>
                 </a:solidFill>
@@ -10983,6 +11001,409 @@
     <p:extLst>
       <p:ext uri="{BB962C8B-B14F-4D97-AF65-F5344CB8AC3E}">
         <p14:creationId xmlns:p14="http://schemas.microsoft.com/office/powerpoint/2010/main" val="1535310050"/>
+      </p:ext>
+    </p:extLst>
+  </p:cSld>
+  <p:clrMapOvr>
+    <a:masterClrMapping/>
+  </p:clrMapOvr>
+</p:sld>
+</file>
+
+<file path=ppt/slides/slide23.xml><?xml version="1.0" encoding="utf-8"?>
+<p:sld xmlns:a="http://schemas.openxmlformats.org/drawingml/2006/main" xmlns:r="http://schemas.openxmlformats.org/officeDocument/2006/relationships" xmlns:p="http://schemas.openxmlformats.org/presentationml/2006/main">
+  <p:cSld>
+    <p:bg>
+      <p:bgPr>
+        <a:solidFill>
+          <a:schemeClr val="bg1"/>
+        </a:solidFill>
+        <a:effectLst/>
+      </p:bgPr>
+    </p:bg>
+    <p:spTree>
+      <p:nvGrpSpPr>
+        <p:cNvPr id="1" name=""/>
+        <p:cNvGrpSpPr/>
+        <p:nvPr/>
+      </p:nvGrpSpPr>
+      <p:grpSpPr>
+        <a:xfrm>
+          <a:off x="0" y="0"/>
+          <a:ext cx="0" cy="0"/>
+          <a:chOff x="0" y="0"/>
+          <a:chExt cx="0" cy="0"/>
+        </a:xfrm>
+      </p:grpSpPr>
+      <p:sp useBgFill="1">
+        <p:nvSpPr>
+          <p:cNvPr id="8" name="Rectangle 7">
+            <a:extLst>
+              <a:ext uri="{FF2B5EF4-FFF2-40B4-BE49-F238E27FC236}">
+                <a16:creationId xmlns:a16="http://schemas.microsoft.com/office/drawing/2014/main" id="{3B854194-185D-494D-905C-7C7CB2E30F6E}"/>
+              </a:ext>
+              <a:ext uri="{C183D7F6-B498-43B3-948B-1728B52AA6E4}">
+                <adec:decorative xmlns:adec="http://schemas.microsoft.com/office/drawing/2017/decorative" val="1"/>
+              </a:ext>
+            </a:extLst>
+          </p:cNvPr>
+          <p:cNvSpPr>
+            <a:spLocks noGrp="1" noRot="1" noChangeAspect="1" noMove="1" noResize="1" noEditPoints="1" noAdjustHandles="1" noChangeArrowheads="1" noChangeShapeType="1" noTextEdit="1"/>
+          </p:cNvSpPr>
+          <p:nvPr>
+            <p:extLst>
+              <p:ext uri="{386F3935-93C4-4BCD-93E2-E3B085C9AB24}">
+                <p16:designElem xmlns:p16="http://schemas.microsoft.com/office/powerpoint/2015/main" val="1"/>
+              </p:ext>
+            </p:extLst>
+          </p:nvPr>
+        </p:nvSpPr>
+        <p:spPr>
+          <a:xfrm>
+            <a:off x="0" y="0"/>
+            <a:ext cx="4561583" cy="6858000"/>
+          </a:xfrm>
+          <a:prstGeom prst="rect">
+            <a:avLst/>
+          </a:prstGeom>
+          <a:ln>
+            <a:noFill/>
+          </a:ln>
+        </p:spPr>
+        <p:style>
+          <a:lnRef idx="2">
+            <a:schemeClr val="accent1">
+              <a:shade val="50000"/>
+            </a:schemeClr>
+          </a:lnRef>
+          <a:fillRef idx="1">
+            <a:schemeClr val="accent1"/>
+          </a:fillRef>
+          <a:effectRef idx="0">
+            <a:schemeClr val="accent1"/>
+          </a:effectRef>
+          <a:fontRef idx="minor">
+            <a:schemeClr val="lt1"/>
+          </a:fontRef>
+        </p:style>
+        <p:txBody>
+          <a:bodyPr rtlCol="0" anchor="ctr"/>
+          <a:lstStyle/>
+          <a:p>
+            <a:pPr algn="ctr"/>
+            <a:endParaRPr lang="en-US"/>
+          </a:p>
+        </p:txBody>
+      </p:sp>
+      <p:sp>
+        <p:nvSpPr>
+          <p:cNvPr id="10" name="Rectangle 9">
+            <a:extLst>
+              <a:ext uri="{FF2B5EF4-FFF2-40B4-BE49-F238E27FC236}">
+                <a16:creationId xmlns:a16="http://schemas.microsoft.com/office/drawing/2014/main" id="{B4F5FA0D-0104-4987-8241-EFF7C85B88DE}"/>
+              </a:ext>
+              <a:ext uri="{C183D7F6-B498-43B3-948B-1728B52AA6E4}">
+                <adec:decorative xmlns:adec="http://schemas.microsoft.com/office/drawing/2017/decorative" val="1"/>
+              </a:ext>
+            </a:extLst>
+          </p:cNvPr>
+          <p:cNvSpPr>
+            <a:spLocks noGrp="1" noRot="1" noChangeAspect="1" noMove="1" noResize="1" noEditPoints="1" noAdjustHandles="1" noChangeArrowheads="1" noChangeShapeType="1" noTextEdit="1"/>
+          </p:cNvSpPr>
+          <p:nvPr>
+            <p:extLst>
+              <p:ext uri="{386F3935-93C4-4BCD-93E2-E3B085C9AB24}">
+                <p16:designElem xmlns:p16="http://schemas.microsoft.com/office/powerpoint/2015/main" val="1"/>
+              </p:ext>
+            </p:extLst>
+          </p:nvPr>
+        </p:nvSpPr>
+        <p:spPr>
+          <a:xfrm>
+            <a:off x="0" y="0"/>
+            <a:ext cx="9143999" cy="6858000"/>
+          </a:xfrm>
+          <a:prstGeom prst="rect">
+            <a:avLst/>
+          </a:prstGeom>
+          <a:gradFill>
+            <a:gsLst>
+              <a:gs pos="0">
+                <a:schemeClr val="accent1">
+                  <a:lumMod val="90000"/>
+                </a:schemeClr>
+              </a:gs>
+              <a:gs pos="25000">
+                <a:schemeClr val="accent1">
+                  <a:lumMod val="90000"/>
+                </a:schemeClr>
+              </a:gs>
+              <a:gs pos="94000">
+                <a:schemeClr val="bg2">
+                  <a:lumMod val="25000"/>
+                </a:schemeClr>
+              </a:gs>
+              <a:gs pos="100000">
+                <a:schemeClr val="bg2">
+                  <a:lumMod val="25000"/>
+                </a:schemeClr>
+              </a:gs>
+            </a:gsLst>
+            <a:lin ang="4200000" scaled="0"/>
+          </a:gradFill>
+          <a:ln>
+            <a:noFill/>
+          </a:ln>
+        </p:spPr>
+        <p:style>
+          <a:lnRef idx="2">
+            <a:schemeClr val="accent1">
+              <a:shade val="50000"/>
+            </a:schemeClr>
+          </a:lnRef>
+          <a:fillRef idx="1">
+            <a:schemeClr val="accent1"/>
+          </a:fillRef>
+          <a:effectRef idx="0">
+            <a:schemeClr val="accent1"/>
+          </a:effectRef>
+          <a:fontRef idx="minor">
+            <a:schemeClr val="lt1"/>
+          </a:fontRef>
+        </p:style>
+        <p:txBody>
+          <a:bodyPr rtlCol="0" anchor="ctr"/>
+          <a:lstStyle/>
+          <a:p>
+            <a:pPr algn="ctr"/>
+            <a:endParaRPr lang="en-US"/>
+          </a:p>
+        </p:txBody>
+      </p:sp>
+      <p:pic>
+        <p:nvPicPr>
+          <p:cNvPr id="12" name="Picture 11">
+            <a:extLst>
+              <a:ext uri="{FF2B5EF4-FFF2-40B4-BE49-F238E27FC236}">
+                <a16:creationId xmlns:a16="http://schemas.microsoft.com/office/drawing/2014/main" id="{2897127E-6CEF-446C-BE87-93B7C46E49D1}"/>
+              </a:ext>
+              <a:ext uri="{C183D7F6-B498-43B3-948B-1728B52AA6E4}">
+                <adec:decorative xmlns:adec="http://schemas.microsoft.com/office/drawing/2017/decorative" val="1"/>
+              </a:ext>
+            </a:extLst>
+          </p:cNvPr>
+          <p:cNvPicPr>
+            <a:picLocks noGrp="1" noRot="1" noChangeAspect="1" noMove="1" noResize="1" noEditPoints="1" noAdjustHandles="1" noChangeArrowheads="1" noChangeShapeType="1" noCrop="1"/>
+          </p:cNvPicPr>
+          <p:nvPr>
+            <p:extLst>
+              <p:ext uri="{386F3935-93C4-4BCD-93E2-E3B085C9AB24}">
+                <p16:designElem xmlns:p16="http://schemas.microsoft.com/office/powerpoint/2015/main" val="1"/>
+              </p:ext>
+            </p:extLst>
+          </p:nvPr>
+        </p:nvPicPr>
+        <p:blipFill>
+          <a:blip r:embed="rId2">
+            <a:extLst>
+              <a:ext uri="{28A0092B-C50C-407E-A947-70E740481C1C}">
+                <a14:useLocalDpi xmlns:a14="http://schemas.microsoft.com/office/drawing/2010/main" val="0"/>
+              </a:ext>
+            </a:extLst>
+          </a:blip>
+          <a:stretch>
+            <a:fillRect/>
+          </a:stretch>
+        </p:blipFill>
+        <p:spPr>
+          <a:xfrm>
+            <a:off x="0" y="0"/>
+            <a:ext cx="9144000" cy="6858000"/>
+          </a:xfrm>
+          <a:prstGeom prst="rect">
+            <a:avLst/>
+          </a:prstGeom>
+        </p:spPr>
+      </p:pic>
+      <p:sp>
+        <p:nvSpPr>
+          <p:cNvPr id="2" name="Title 1">
+            <a:extLst>
+              <a:ext uri="{FF2B5EF4-FFF2-40B4-BE49-F238E27FC236}">
+                <a16:creationId xmlns:a16="http://schemas.microsoft.com/office/drawing/2014/main" id="{EF794C47-4DB9-4060-AF5B-C3F5DAF2CF16}"/>
+              </a:ext>
+            </a:extLst>
+          </p:cNvPr>
+          <p:cNvSpPr>
+            <a:spLocks noGrp="1"/>
+          </p:cNvSpPr>
+          <p:nvPr>
+            <p:ph type="title"/>
+          </p:nvPr>
+        </p:nvSpPr>
+        <p:spPr>
+          <a:xfrm>
+            <a:off x="480059" y="2053641"/>
+            <a:ext cx="2751871" cy="2760098"/>
+          </a:xfrm>
+        </p:spPr>
+        <p:txBody>
+          <a:bodyPr>
+            <a:normAutofit/>
+          </a:bodyPr>
+          <a:lstStyle/>
+          <a:p>
+            <a:r>
+              <a:rPr lang="en-US" dirty="0" err="1">
+                <a:solidFill>
+                  <a:srgbClr val="FFFFFF"/>
+                </a:solidFill>
+                <a:latin typeface="Helvetica" panose="020B0604020202020204" pitchFamily="34" charset="0"/>
+                <a:cs typeface="Helvetica" panose="020B0604020202020204" pitchFamily="34" charset="0"/>
+              </a:rPr>
+              <a:t>BigML</a:t>
+            </a:r>
+            <a:r>
+              <a:rPr lang="en-US" dirty="0">
+                <a:solidFill>
+                  <a:srgbClr val="FFFFFF"/>
+                </a:solidFill>
+                <a:latin typeface="Helvetica" panose="020B0604020202020204" pitchFamily="34" charset="0"/>
+                <a:cs typeface="Helvetica" panose="020B0604020202020204" pitchFamily="34" charset="0"/>
+              </a:rPr>
+              <a:t> DEMO</a:t>
+            </a:r>
+          </a:p>
+        </p:txBody>
+      </p:sp>
+      <p:sp>
+        <p:nvSpPr>
+          <p:cNvPr id="3" name="Content Placeholder 2">
+            <a:extLst>
+              <a:ext uri="{FF2B5EF4-FFF2-40B4-BE49-F238E27FC236}">
+                <a16:creationId xmlns:a16="http://schemas.microsoft.com/office/drawing/2014/main" id="{D179188A-1792-4E9E-B41E-6361998473D4}"/>
+              </a:ext>
+            </a:extLst>
+          </p:cNvPr>
+          <p:cNvSpPr>
+            <a:spLocks noGrp="1"/>
+          </p:cNvSpPr>
+          <p:nvPr>
+            <p:ph idx="1"/>
+          </p:nvPr>
+        </p:nvSpPr>
+        <p:spPr>
+          <a:xfrm>
+            <a:off x="4567930" y="801866"/>
+            <a:ext cx="3979563" cy="5230634"/>
+          </a:xfrm>
+        </p:spPr>
+        <p:txBody>
+          <a:bodyPr anchor="ctr">
+            <a:normAutofit/>
+          </a:bodyPr>
+          <a:lstStyle/>
+          <a:p>
+            <a:endParaRPr lang="en-US" dirty="0">
+              <a:solidFill>
+                <a:srgbClr val="000000"/>
+              </a:solidFill>
+              <a:latin typeface="Helvetica" panose="020B0604020202020204" pitchFamily="34" charset="0"/>
+              <a:cs typeface="Helvetica" panose="020B0604020202020204" pitchFamily="34" charset="0"/>
+            </a:endParaRPr>
+          </a:p>
+          <a:p>
+            <a:r>
+              <a:rPr lang="en-US" dirty="0">
+                <a:solidFill>
+                  <a:srgbClr val="000000"/>
+                </a:solidFill>
+                <a:latin typeface="Helvetica" panose="020B0604020202020204" pitchFamily="34" charset="0"/>
+                <a:cs typeface="Helvetica" panose="020B0604020202020204" pitchFamily="34" charset="0"/>
+              </a:rPr>
+              <a:t>Regression on Iowa Housing Price Data Set</a:t>
+            </a:r>
+          </a:p>
+          <a:p>
+            <a:pPr marL="0" indent="0">
+              <a:buNone/>
+            </a:pPr>
+            <a:r>
+              <a:rPr lang="en-US" dirty="0">
+                <a:solidFill>
+                  <a:srgbClr val="000000"/>
+                </a:solidFill>
+                <a:latin typeface="Helvetica" panose="020B0604020202020204" pitchFamily="34" charset="0"/>
+                <a:cs typeface="Helvetica" panose="020B0604020202020204" pitchFamily="34" charset="0"/>
+              </a:rPr>
+              <a:t>To predict the </a:t>
+            </a:r>
+            <a:r>
+              <a:rPr lang="en-US" dirty="0" err="1">
+                <a:solidFill>
+                  <a:srgbClr val="000000"/>
+                </a:solidFill>
+                <a:latin typeface="Helvetica" panose="020B0604020202020204" pitchFamily="34" charset="0"/>
+                <a:cs typeface="Helvetica" panose="020B0604020202020204" pitchFamily="34" charset="0"/>
+              </a:rPr>
+              <a:t>SalePrice</a:t>
+            </a:r>
+            <a:r>
+              <a:rPr lang="en-US" dirty="0">
+                <a:solidFill>
+                  <a:srgbClr val="000000"/>
+                </a:solidFill>
+                <a:latin typeface="Helvetica" panose="020B0604020202020204" pitchFamily="34" charset="0"/>
+                <a:cs typeface="Helvetica" panose="020B0604020202020204" pitchFamily="34" charset="0"/>
+              </a:rPr>
+              <a:t> of the house</a:t>
+            </a:r>
+          </a:p>
+          <a:p>
+            <a:pPr marL="0" indent="0">
+              <a:buNone/>
+            </a:pPr>
+            <a:endParaRPr lang="en-US" dirty="0">
+              <a:solidFill>
+                <a:srgbClr val="000000"/>
+              </a:solidFill>
+              <a:latin typeface="Helvetica" panose="020B0604020202020204" pitchFamily="34" charset="0"/>
+              <a:cs typeface="Helvetica" panose="020B0604020202020204" pitchFamily="34" charset="0"/>
+            </a:endParaRPr>
+          </a:p>
+          <a:p>
+            <a:r>
+              <a:rPr lang="en-US" dirty="0">
+                <a:solidFill>
+                  <a:srgbClr val="000000"/>
+                </a:solidFill>
+                <a:latin typeface="Helvetica" panose="020B0604020202020204" pitchFamily="34" charset="0"/>
+                <a:cs typeface="Helvetica" panose="020B0604020202020204" pitchFamily="34" charset="0"/>
+              </a:rPr>
+              <a:t>Classification on Titanic Data Set</a:t>
+            </a:r>
+          </a:p>
+          <a:p>
+            <a:pPr marL="0" indent="0">
+              <a:buNone/>
+            </a:pPr>
+            <a:r>
+              <a:rPr lang="en-US" dirty="0">
+                <a:solidFill>
+                  <a:srgbClr val="000000"/>
+                </a:solidFill>
+                <a:latin typeface="Helvetica" panose="020B0604020202020204" pitchFamily="34" charset="0"/>
+                <a:cs typeface="Helvetica" panose="020B0604020202020204" pitchFamily="34" charset="0"/>
+              </a:rPr>
+              <a:t>To predict the chance of Survival</a:t>
+            </a:r>
+          </a:p>
+        </p:txBody>
+      </p:sp>
+    </p:spTree>
+    <p:extLst>
+      <p:ext uri="{BB962C8B-B14F-4D97-AF65-F5344CB8AC3E}">
+        <p14:creationId xmlns:p14="http://schemas.microsoft.com/office/powerpoint/2010/main" val="3585388341"/>
       </p:ext>
     </p:extLst>
   </p:cSld>
@@ -12854,7 +13275,7 @@
           <a:graphicData uri="http://schemas.openxmlformats.org/presentationml/2006/ole">
             <mc:AlternateContent xmlns:mc="http://schemas.openxmlformats.org/markup-compatibility/2006">
               <mc:Choice xmlns:v="urn:schemas-microsoft-com:vml" Requires="v">
-                <p:oleObj spid="_x0000_s2059" name="Acrobat Document" showAsIcon="1" r:id="rId3" imgW="914400" imgH="771480" progId="AcroExch.Document.DC">
+                <p:oleObj spid="_x0000_s2063" name="Acrobat Document" showAsIcon="1" r:id="rId3" imgW="914400" imgH="771480" progId="AcroExch.Document.DC">
                   <p:embed/>
                 </p:oleObj>
               </mc:Choice>
@@ -12917,7 +13338,7 @@
           <a:graphicData uri="http://schemas.openxmlformats.org/presentationml/2006/ole">
             <mc:AlternateContent xmlns:mc="http://schemas.openxmlformats.org/markup-compatibility/2006">
               <mc:Choice xmlns:v="urn:schemas-microsoft-com:vml" Requires="v">
-                <p:oleObj spid="_x0000_s2060" name="Packager Shell Object" showAsIcon="1" r:id="rId5" imgW="914400" imgH="771480" progId="Package">
+                <p:oleObj spid="_x0000_s2064" name="Packager Shell Object" showAsIcon="1" r:id="rId5" imgW="914400" imgH="771480" progId="Package">
                   <p:embed/>
                 </p:oleObj>
               </mc:Choice>
